--- a/example_workflow_3/provenance/workflow_3_graph.pptx
+++ b/example_workflow_3/provenance/workflow_3_graph.pptx
@@ -115,7 +115,7 @@
 <file path=ppt/revisionInfo.xml><?xml version="1.0" encoding="utf-8"?>
 <p1510:revInfo xmlns:a="http://schemas.openxmlformats.org/drawingml/2006/main" xmlns:r="http://schemas.openxmlformats.org/officeDocument/2006/relationships" xmlns:p1510="http://schemas.microsoft.com/office/powerpoint/2015/10/main">
   <p1510:revLst>
-    <p1510:client id="{7703DDF1-2F33-4E6E-99AF-5938D7FA564E}" v="49" dt="2023-10-20T21:44:50.119"/>
+    <p1510:client id="{394A6FB4-BD60-43A7-BABA-3DA4CD43BF86}" v="5" dt="2023-10-24T20:33:52.756"/>
   </p1510:revLst>
 </p1510:revInfo>
 </file>
@@ -3409,6 +3409,158 @@
             <pc:docMk/>
             <pc:sldMk cId="1645475767" sldId="256"/>
             <ac:cxnSpMk id="293" creationId="{465BFAD8-046F-A3E1-6259-03C898568E09}"/>
+          </ac:cxnSpMkLst>
+        </pc:cxnChg>
+      </pc:sldChg>
+    </pc:docChg>
+  </pc:docChgLst>
+  <pc:docChgLst>
+    <pc:chgData name="Joseph Wonsil" userId="f7a5a8f17f3cf2df" providerId="LiveId" clId="{394A6FB4-BD60-43A7-BABA-3DA4CD43BF86}"/>
+    <pc:docChg chg="undo custSel modSld">
+      <pc:chgData name="Joseph Wonsil" userId="f7a5a8f17f3cf2df" providerId="LiveId" clId="{394A6FB4-BD60-43A7-BABA-3DA4CD43BF86}" dt="2023-10-24T20:35:24.134" v="80" actId="14100"/>
+      <pc:docMkLst>
+        <pc:docMk/>
+      </pc:docMkLst>
+      <pc:sldChg chg="addSp delSp modSp mod">
+        <pc:chgData name="Joseph Wonsil" userId="f7a5a8f17f3cf2df" providerId="LiveId" clId="{394A6FB4-BD60-43A7-BABA-3DA4CD43BF86}" dt="2023-10-24T20:35:24.134" v="80" actId="14100"/>
+        <pc:sldMkLst>
+          <pc:docMk/>
+          <pc:sldMk cId="1645475767" sldId="256"/>
+        </pc:sldMkLst>
+        <pc:spChg chg="add mod">
+          <ac:chgData name="Joseph Wonsil" userId="f7a5a8f17f3cf2df" providerId="LiveId" clId="{394A6FB4-BD60-43A7-BABA-3DA4CD43BF86}" dt="2023-10-24T20:34:43.491" v="58" actId="1036"/>
+          <ac:spMkLst>
+            <pc:docMk/>
+            <pc:sldMk cId="1645475767" sldId="256"/>
+            <ac:spMk id="9" creationId="{19A96826-6960-3A8C-19E1-1DF0367BECBC}"/>
+          </ac:spMkLst>
+        </pc:spChg>
+        <pc:spChg chg="add mod">
+          <ac:chgData name="Joseph Wonsil" userId="f7a5a8f17f3cf2df" providerId="LiveId" clId="{394A6FB4-BD60-43A7-BABA-3DA4CD43BF86}" dt="2023-10-24T20:34:43.491" v="58" actId="1036"/>
+          <ac:spMkLst>
+            <pc:docMk/>
+            <pc:sldMk cId="1645475767" sldId="256"/>
+            <ac:spMk id="15" creationId="{6057B12F-244C-F462-C9AE-AA54364CE043}"/>
+          </ac:spMkLst>
+        </pc:spChg>
+        <pc:spChg chg="add mod">
+          <ac:chgData name="Joseph Wonsil" userId="f7a5a8f17f3cf2df" providerId="LiveId" clId="{394A6FB4-BD60-43A7-BABA-3DA4CD43BF86}" dt="2023-10-24T20:34:43.491" v="58" actId="1036"/>
+          <ac:spMkLst>
+            <pc:docMk/>
+            <pc:sldMk cId="1645475767" sldId="256"/>
+            <ac:spMk id="17" creationId="{C930F542-43D3-C289-4A3E-04B968057B26}"/>
+          </ac:spMkLst>
+        </pc:spChg>
+        <pc:spChg chg="add mod">
+          <ac:chgData name="Joseph Wonsil" userId="f7a5a8f17f3cf2df" providerId="LiveId" clId="{394A6FB4-BD60-43A7-BABA-3DA4CD43BF86}" dt="2023-10-24T20:34:16.783" v="42" actId="2085"/>
+          <ac:spMkLst>
+            <pc:docMk/>
+            <pc:sldMk cId="1645475767" sldId="256"/>
+            <ac:spMk id="35" creationId="{14E15EDB-6C8F-8C6A-6CEE-22A77E5C7038}"/>
+          </ac:spMkLst>
+        </pc:spChg>
+        <pc:spChg chg="add mod">
+          <ac:chgData name="Joseph Wonsil" userId="f7a5a8f17f3cf2df" providerId="LiveId" clId="{394A6FB4-BD60-43A7-BABA-3DA4CD43BF86}" dt="2023-10-24T20:34:16.783" v="42" actId="2085"/>
+          <ac:spMkLst>
+            <pc:docMk/>
+            <pc:sldMk cId="1645475767" sldId="256"/>
+            <ac:spMk id="43" creationId="{87F90BF9-A083-2296-870F-81AFDEE3944A}"/>
+          </ac:spMkLst>
+        </pc:spChg>
+        <pc:spChg chg="mod">
+          <ac:chgData name="Joseph Wonsil" userId="f7a5a8f17f3cf2df" providerId="LiveId" clId="{394A6FB4-BD60-43A7-BABA-3DA4CD43BF86}" dt="2023-10-24T20:34:43.491" v="58" actId="1036"/>
+          <ac:spMkLst>
+            <pc:docMk/>
+            <pc:sldMk cId="1645475767" sldId="256"/>
+            <ac:spMk id="64" creationId="{00AF63C8-E610-166A-EB8D-9A5E75D0C542}"/>
+          </ac:spMkLst>
+        </pc:spChg>
+        <pc:spChg chg="mod">
+          <ac:chgData name="Joseph Wonsil" userId="f7a5a8f17f3cf2df" providerId="LiveId" clId="{394A6FB4-BD60-43A7-BABA-3DA4CD43BF86}" dt="2023-10-24T20:35:19.122" v="79" actId="1035"/>
+          <ac:spMkLst>
+            <pc:docMk/>
+            <pc:sldMk cId="1645475767" sldId="256"/>
+            <ac:spMk id="65" creationId="{F5A0FF69-C258-EB4C-AD36-26FCB9C84FFB}"/>
+          </ac:spMkLst>
+        </pc:spChg>
+        <pc:spChg chg="mod">
+          <ac:chgData name="Joseph Wonsil" userId="f7a5a8f17f3cf2df" providerId="LiveId" clId="{394A6FB4-BD60-43A7-BABA-3DA4CD43BF86}" dt="2023-10-24T20:33:33.453" v="23" actId="1076"/>
+          <ac:spMkLst>
+            <pc:docMk/>
+            <pc:sldMk cId="1645475767" sldId="256"/>
+            <ac:spMk id="67" creationId="{D1DA118C-BB7F-C467-916F-B8CA62C1A73E}"/>
+          </ac:spMkLst>
+        </pc:spChg>
+        <pc:spChg chg="del">
+          <ac:chgData name="Joseph Wonsil" userId="f7a5a8f17f3cf2df" providerId="LiveId" clId="{394A6FB4-BD60-43A7-BABA-3DA4CD43BF86}" dt="2023-10-24T20:33:13.093" v="21" actId="478"/>
+          <ac:spMkLst>
+            <pc:docMk/>
+            <pc:sldMk cId="1645475767" sldId="256"/>
+            <ac:spMk id="72" creationId="{DF26985C-D81A-5506-F6AE-ADF0F3049273}"/>
+          </ac:spMkLst>
+        </pc:spChg>
+        <pc:spChg chg="del">
+          <ac:chgData name="Joseph Wonsil" userId="f7a5a8f17f3cf2df" providerId="LiveId" clId="{394A6FB4-BD60-43A7-BABA-3DA4CD43BF86}" dt="2023-10-24T20:33:35.393" v="24" actId="478"/>
+          <ac:spMkLst>
+            <pc:docMk/>
+            <pc:sldMk cId="1645475767" sldId="256"/>
+            <ac:spMk id="79" creationId="{81AD025B-262E-A140-642B-7B5119375D75}"/>
+          </ac:spMkLst>
+        </pc:spChg>
+        <pc:spChg chg="del">
+          <ac:chgData name="Joseph Wonsil" userId="f7a5a8f17f3cf2df" providerId="LiveId" clId="{394A6FB4-BD60-43A7-BABA-3DA4CD43BF86}" dt="2023-10-24T20:33:16.336" v="22" actId="478"/>
+          <ac:spMkLst>
+            <pc:docMk/>
+            <pc:sldMk cId="1645475767" sldId="256"/>
+            <ac:spMk id="82" creationId="{BC8D52AF-865C-6AF4-DCE1-6341AA824C2C}"/>
+          </ac:spMkLst>
+        </pc:spChg>
+        <pc:spChg chg="mod">
+          <ac:chgData name="Joseph Wonsil" userId="f7a5a8f17f3cf2df" providerId="LiveId" clId="{394A6FB4-BD60-43A7-BABA-3DA4CD43BF86}" dt="2023-10-24T20:35:13.304" v="68" actId="1036"/>
+          <ac:spMkLst>
+            <pc:docMk/>
+            <pc:sldMk cId="1645475767" sldId="256"/>
+            <ac:spMk id="138" creationId="{3D0B3378-5BFA-8F54-C8BE-0EF04EC82A48}"/>
+          </ac:spMkLst>
+        </pc:spChg>
+        <pc:cxnChg chg="mod">
+          <ac:chgData name="Joseph Wonsil" userId="f7a5a8f17f3cf2df" providerId="LiveId" clId="{394A6FB4-BD60-43A7-BABA-3DA4CD43BF86}" dt="2023-10-24T20:35:02.624" v="62" actId="14100"/>
+          <ac:cxnSpMkLst>
+            <pc:docMk/>
+            <pc:sldMk cId="1645475767" sldId="256"/>
+            <ac:cxnSpMk id="61" creationId="{7909407A-8A6F-0806-AF4F-6285482CA4F0}"/>
+          </ac:cxnSpMkLst>
+        </pc:cxnChg>
+        <pc:cxnChg chg="mod">
+          <ac:chgData name="Joseph Wonsil" userId="f7a5a8f17f3cf2df" providerId="LiveId" clId="{394A6FB4-BD60-43A7-BABA-3DA4CD43BF86}" dt="2023-10-24T20:35:24.134" v="80" actId="14100"/>
+          <ac:cxnSpMkLst>
+            <pc:docMk/>
+            <pc:sldMk cId="1645475767" sldId="256"/>
+            <ac:cxnSpMk id="66" creationId="{6E9844B3-7B13-601F-2D3D-49D6D0A56CA8}"/>
+          </ac:cxnSpMkLst>
+        </pc:cxnChg>
+        <pc:cxnChg chg="mod">
+          <ac:chgData name="Joseph Wonsil" userId="f7a5a8f17f3cf2df" providerId="LiveId" clId="{394A6FB4-BD60-43A7-BABA-3DA4CD43BF86}" dt="2023-10-24T20:34:58.610" v="61" actId="14100"/>
+          <ac:cxnSpMkLst>
+            <pc:docMk/>
+            <pc:sldMk cId="1645475767" sldId="256"/>
+            <ac:cxnSpMk id="70" creationId="{8D6235FA-A6E9-098E-BC22-BFDF18760CEA}"/>
+          </ac:cxnSpMkLst>
+        </pc:cxnChg>
+        <pc:cxnChg chg="mod">
+          <ac:chgData name="Joseph Wonsil" userId="f7a5a8f17f3cf2df" providerId="LiveId" clId="{394A6FB4-BD60-43A7-BABA-3DA4CD43BF86}" dt="2023-10-24T20:34:01.943" v="33" actId="14100"/>
+          <ac:cxnSpMkLst>
+            <pc:docMk/>
+            <pc:sldMk cId="1645475767" sldId="256"/>
+            <ac:cxnSpMk id="78" creationId="{5D42EA6E-3BCA-8FCC-9CDE-82CFEA3310D7}"/>
+          </ac:cxnSpMkLst>
+        </pc:cxnChg>
+        <pc:cxnChg chg="mod">
+          <ac:chgData name="Joseph Wonsil" userId="f7a5a8f17f3cf2df" providerId="LiveId" clId="{394A6FB4-BD60-43A7-BABA-3DA4CD43BF86}" dt="2023-10-24T20:35:07.070" v="63" actId="14100"/>
+          <ac:cxnSpMkLst>
+            <pc:docMk/>
+            <pc:sldMk cId="1645475767" sldId="256"/>
+            <ac:cxnSpMk id="81" creationId="{1CC86931-6B2A-C173-C79C-EF28BD88E863}"/>
           </ac:cxnSpMkLst>
         </pc:cxnChg>
       </pc:sldChg>
@@ -6138,7 +6290,7 @@
           <a:p>
             <a:fld id="{4DAAF268-B108-415A-8D22-4C329ED559E0}" type="datetimeFigureOut">
               <a:rPr lang="en-US" smtClean="0"/>
-              <a:t>10/20/2023</a:t>
+              <a:t>10/24/2023</a:t>
             </a:fld>
             <a:endParaRPr lang="en-US"/>
           </a:p>
@@ -6308,7 +6460,7 @@
           <a:p>
             <a:fld id="{4DAAF268-B108-415A-8D22-4C329ED559E0}" type="datetimeFigureOut">
               <a:rPr lang="en-US" smtClean="0"/>
-              <a:t>10/20/2023</a:t>
+              <a:t>10/24/2023</a:t>
             </a:fld>
             <a:endParaRPr lang="en-US"/>
           </a:p>
@@ -6488,7 +6640,7 @@
           <a:p>
             <a:fld id="{4DAAF268-B108-415A-8D22-4C329ED559E0}" type="datetimeFigureOut">
               <a:rPr lang="en-US" smtClean="0"/>
-              <a:t>10/20/2023</a:t>
+              <a:t>10/24/2023</a:t>
             </a:fld>
             <a:endParaRPr lang="en-US"/>
           </a:p>
@@ -6658,7 +6810,7 @@
           <a:p>
             <a:fld id="{4DAAF268-B108-415A-8D22-4C329ED559E0}" type="datetimeFigureOut">
               <a:rPr lang="en-US" smtClean="0"/>
-              <a:t>10/20/2023</a:t>
+              <a:t>10/24/2023</a:t>
             </a:fld>
             <a:endParaRPr lang="en-US"/>
           </a:p>
@@ -6902,7 +7054,7 @@
           <a:p>
             <a:fld id="{4DAAF268-B108-415A-8D22-4C329ED559E0}" type="datetimeFigureOut">
               <a:rPr lang="en-US" smtClean="0"/>
-              <a:t>10/20/2023</a:t>
+              <a:t>10/24/2023</a:t>
             </a:fld>
             <a:endParaRPr lang="en-US"/>
           </a:p>
@@ -7134,7 +7286,7 @@
           <a:p>
             <a:fld id="{4DAAF268-B108-415A-8D22-4C329ED559E0}" type="datetimeFigureOut">
               <a:rPr lang="en-US" smtClean="0"/>
-              <a:t>10/20/2023</a:t>
+              <a:t>10/24/2023</a:t>
             </a:fld>
             <a:endParaRPr lang="en-US"/>
           </a:p>
@@ -7501,7 +7653,7 @@
           <a:p>
             <a:fld id="{4DAAF268-B108-415A-8D22-4C329ED559E0}" type="datetimeFigureOut">
               <a:rPr lang="en-US" smtClean="0"/>
-              <a:t>10/20/2023</a:t>
+              <a:t>10/24/2023</a:t>
             </a:fld>
             <a:endParaRPr lang="en-US"/>
           </a:p>
@@ -7619,7 +7771,7 @@
           <a:p>
             <a:fld id="{4DAAF268-B108-415A-8D22-4C329ED559E0}" type="datetimeFigureOut">
               <a:rPr lang="en-US" smtClean="0"/>
-              <a:t>10/20/2023</a:t>
+              <a:t>10/24/2023</a:t>
             </a:fld>
             <a:endParaRPr lang="en-US"/>
           </a:p>
@@ -7714,7 +7866,7 @@
           <a:p>
             <a:fld id="{4DAAF268-B108-415A-8D22-4C329ED559E0}" type="datetimeFigureOut">
               <a:rPr lang="en-US" smtClean="0"/>
-              <a:t>10/20/2023</a:t>
+              <a:t>10/24/2023</a:t>
             </a:fld>
             <a:endParaRPr lang="en-US"/>
           </a:p>
@@ -7991,7 +8143,7 @@
           <a:p>
             <a:fld id="{4DAAF268-B108-415A-8D22-4C329ED559E0}" type="datetimeFigureOut">
               <a:rPr lang="en-US" smtClean="0"/>
-              <a:t>10/20/2023</a:t>
+              <a:t>10/24/2023</a:t>
             </a:fld>
             <a:endParaRPr lang="en-US"/>
           </a:p>
@@ -8248,7 +8400,7 @@
           <a:p>
             <a:fld id="{4DAAF268-B108-415A-8D22-4C329ED559E0}" type="datetimeFigureOut">
               <a:rPr lang="en-US" smtClean="0"/>
-              <a:t>10/20/2023</a:t>
+              <a:t>10/24/2023</a:t>
             </a:fld>
             <a:endParaRPr lang="en-US"/>
           </a:p>
@@ -8461,7 +8613,7 @@
           <a:p>
             <a:fld id="{4DAAF268-B108-415A-8D22-4C329ED559E0}" type="datetimeFigureOut">
               <a:rPr lang="en-US" smtClean="0"/>
-              <a:t>10/20/2023</a:t>
+              <a:t>10/24/2023</a:t>
             </a:fld>
             <a:endParaRPr lang="en-US"/>
           </a:p>
@@ -11261,18 +11413,20 @@
           </p:cNvPr>
           <p:cNvCxnSpPr>
             <a:cxnSpLocks/>
-            <a:stCxn id="64" idx="1"/>
+            <a:stCxn id="9" idx="1"/>
             <a:endCxn id="137" idx="3"/>
           </p:cNvCxnSpPr>
           <p:nvPr/>
         </p:nvCxnSpPr>
         <p:spPr>
-          <a:xfrm flipH="1" flipV="1">
-            <a:off x="2240626" y="9716196"/>
-            <a:ext cx="10106334" cy="8461"/>
+          <a:xfrm rot="10800000">
+            <a:off x="2240623" y="9716198"/>
+            <a:ext cx="10105272" cy="199395"/>
           </a:xfrm>
-          <a:prstGeom prst="straightConnector1">
-            <a:avLst/>
+          <a:prstGeom prst="bentConnector3">
+            <a:avLst>
+              <a:gd name="adj1" fmla="val 13191"/>
+            </a:avLst>
           </a:prstGeom>
           <a:ln w="19050">
             <a:solidFill>
@@ -11311,8 +11465,8 @@
         </p:nvSpPr>
         <p:spPr>
           <a:xfrm>
-            <a:off x="12346957" y="9507306"/>
-            <a:ext cx="3101840" cy="434695"/>
+            <a:off x="12346957" y="9693282"/>
+            <a:ext cx="3101840" cy="722318"/>
           </a:xfrm>
           <a:prstGeom prst="rect">
             <a:avLst/>
@@ -11375,7 +11529,7 @@
         </p:nvSpPr>
         <p:spPr>
           <a:xfrm>
-            <a:off x="1995368" y="9928967"/>
+            <a:off x="1995368" y="10006457"/>
             <a:ext cx="1655126" cy="346249"/>
           </a:xfrm>
           <a:prstGeom prst="rect">
@@ -11409,18 +11563,20 @@
           </p:cNvPr>
           <p:cNvCxnSpPr>
             <a:cxnSpLocks/>
-            <a:stCxn id="67" idx="1"/>
+            <a:stCxn id="35" idx="1"/>
             <a:endCxn id="138" idx="3"/>
           </p:cNvCxnSpPr>
           <p:nvPr/>
         </p:nvCxnSpPr>
         <p:spPr>
-          <a:xfrm flipH="1">
-            <a:off x="2256651" y="10278879"/>
-            <a:ext cx="10101720" cy="56205"/>
+          <a:xfrm rot="10800000">
+            <a:off x="2256650" y="10412577"/>
+            <a:ext cx="10115334" cy="369818"/>
           </a:xfrm>
-          <a:prstGeom prst="straightConnector1">
-            <a:avLst/>
+          <a:prstGeom prst="bentConnector3">
+            <a:avLst>
+              <a:gd name="adj1" fmla="val 3729"/>
+            </a:avLst>
           </a:prstGeom>
           <a:ln w="19050">
             <a:solidFill>
@@ -11459,7 +11615,7 @@
         </p:nvSpPr>
         <p:spPr>
           <a:xfrm>
-            <a:off x="12358375" y="10061531"/>
+            <a:off x="12358374" y="10648919"/>
             <a:ext cx="2767201" cy="434695"/>
           </a:xfrm>
           <a:prstGeom prst="rect">
@@ -11547,18 +11703,20 @@
           </p:cNvPr>
           <p:cNvCxnSpPr>
             <a:cxnSpLocks/>
-            <a:stCxn id="72" idx="1"/>
+            <a:stCxn id="15" idx="1"/>
             <a:endCxn id="139" idx="3"/>
           </p:cNvCxnSpPr>
           <p:nvPr/>
         </p:nvCxnSpPr>
         <p:spPr>
-          <a:xfrm flipH="1" flipV="1">
-            <a:off x="2237825" y="10866266"/>
-            <a:ext cx="10120459" cy="26763"/>
+          <a:xfrm rot="10800000" flipV="1">
+            <a:off x="2237819" y="10099836"/>
+            <a:ext cx="10120031" cy="766432"/>
           </a:xfrm>
-          <a:prstGeom prst="straightConnector1">
-            <a:avLst/>
+          <a:prstGeom prst="bentConnector3">
+            <a:avLst>
+              <a:gd name="adj1" fmla="val 12939"/>
+            </a:avLst>
           </a:prstGeom>
           <a:ln w="19050">
             <a:solidFill>
@@ -11583,70 +11741,6 @@
           </a:fontRef>
         </p:style>
       </p:cxnSp>
-      <p:sp>
-        <p:nvSpPr>
-          <p:cNvPr id="72" name="Rectangle 71">
-            <a:extLst>
-              <a:ext uri="{FF2B5EF4-FFF2-40B4-BE49-F238E27FC236}">
-                <a16:creationId xmlns:a16="http://schemas.microsoft.com/office/drawing/2014/main" id="{DF26985C-D81A-5506-F6AE-ADF0F3049273}"/>
-              </a:ext>
-            </a:extLst>
-          </p:cNvPr>
-          <p:cNvSpPr/>
-          <p:nvPr/>
-        </p:nvSpPr>
-        <p:spPr>
-          <a:xfrm>
-            <a:off x="12358282" y="10675678"/>
-            <a:ext cx="3090521" cy="434695"/>
-          </a:xfrm>
-          <a:prstGeom prst="rect">
-            <a:avLst/>
-          </a:prstGeom>
-        </p:spPr>
-        <p:style>
-          <a:lnRef idx="2">
-            <a:schemeClr val="dk1"/>
-          </a:lnRef>
-          <a:fillRef idx="1">
-            <a:schemeClr val="lt1"/>
-          </a:fillRef>
-          <a:effectRef idx="0">
-            <a:schemeClr val="dk1"/>
-          </a:effectRef>
-          <a:fontRef idx="minor">
-            <a:schemeClr val="dk1"/>
-          </a:fontRef>
-        </p:style>
-        <p:txBody>
-          <a:bodyPr lIns="114301" tIns="57150" rIns="114301" bIns="57150" rtlCol="0" anchor="ctr"/>
-          <a:lstStyle/>
-          <a:p>
-            <a:pPr algn="ctr"/>
-            <a:r>
-              <a:rPr lang="en-US" sz="1500" dirty="0">
-                <a:solidFill>
-                  <a:srgbClr val="000000"/>
-                </a:solidFill>
-                <a:ea typeface="+mn-lt"/>
-                <a:cs typeface="+mn-lt"/>
-              </a:rPr>
-              <a:t>/home/pr/exp3/.</a:t>
-            </a:r>
-            <a:r>
-              <a:rPr lang="en-US" sz="1500" dirty="0" err="1">
-                <a:solidFill>
-                  <a:srgbClr val="000000"/>
-                </a:solidFill>
-                <a:ea typeface="+mn-lt"/>
-                <a:cs typeface="+mn-lt"/>
-              </a:rPr>
-              <a:t>train_model.py.swp</a:t>
-            </a:r>
-            <a:endParaRPr lang="en-US" sz="2250" dirty="0"/>
-          </a:p>
-        </p:txBody>
-      </p:sp>
       <p:sp>
         <p:nvSpPr>
           <p:cNvPr id="76" name="TextBox 75">
@@ -11695,18 +11789,20 @@
           </p:cNvPr>
           <p:cNvCxnSpPr>
             <a:cxnSpLocks/>
-            <a:stCxn id="79" idx="1"/>
+            <a:stCxn id="43" idx="1"/>
             <a:endCxn id="140" idx="3"/>
           </p:cNvCxnSpPr>
           <p:nvPr/>
         </p:nvCxnSpPr>
         <p:spPr>
-          <a:xfrm flipH="1" flipV="1">
-            <a:off x="2227757" y="11422252"/>
-            <a:ext cx="10134045" cy="10018"/>
+          <a:xfrm rot="10800000" flipV="1">
+            <a:off x="2227754" y="10950375"/>
+            <a:ext cx="10140285" cy="471881"/>
           </a:xfrm>
-          <a:prstGeom prst="straightConnector1">
-            <a:avLst/>
+          <a:prstGeom prst="bentConnector3">
+            <a:avLst>
+              <a:gd name="adj1" fmla="val 3690"/>
+            </a:avLst>
           </a:prstGeom>
           <a:ln w="19050">
             <a:solidFill>
@@ -11731,60 +11827,6 @@
           </a:fontRef>
         </p:style>
       </p:cxnSp>
-      <p:sp>
-        <p:nvSpPr>
-          <p:cNvPr id="79" name="Rectangle 78">
-            <a:extLst>
-              <a:ext uri="{FF2B5EF4-FFF2-40B4-BE49-F238E27FC236}">
-                <a16:creationId xmlns:a16="http://schemas.microsoft.com/office/drawing/2014/main" id="{81AD025B-262E-A140-642B-7B5119375D75}"/>
-              </a:ext>
-            </a:extLst>
-          </p:cNvPr>
-          <p:cNvSpPr/>
-          <p:nvPr/>
-        </p:nvSpPr>
-        <p:spPr>
-          <a:xfrm>
-            <a:off x="12361803" y="11214924"/>
-            <a:ext cx="2763773" cy="434695"/>
-          </a:xfrm>
-          <a:prstGeom prst="rect">
-            <a:avLst/>
-          </a:prstGeom>
-        </p:spPr>
-        <p:style>
-          <a:lnRef idx="2">
-            <a:schemeClr val="dk1"/>
-          </a:lnRef>
-          <a:fillRef idx="1">
-            <a:schemeClr val="lt1"/>
-          </a:fillRef>
-          <a:effectRef idx="0">
-            <a:schemeClr val="dk1"/>
-          </a:effectRef>
-          <a:fontRef idx="minor">
-            <a:schemeClr val="dk1"/>
-          </a:fontRef>
-        </p:style>
-        <p:txBody>
-          <a:bodyPr lIns="114301" tIns="57150" rIns="114301" bIns="57150" rtlCol="0" anchor="ctr"/>
-          <a:lstStyle/>
-          <a:p>
-            <a:pPr algn="ctr"/>
-            <a:r>
-              <a:rPr lang="en-US" sz="1500" dirty="0">
-                <a:solidFill>
-                  <a:srgbClr val="000000"/>
-                </a:solidFill>
-                <a:ea typeface="+mn-lt"/>
-                <a:cs typeface="+mn-lt"/>
-              </a:rPr>
-              <a:t>/home/pr/exp3/.train_model.py</a:t>
-            </a:r>
-            <a:endParaRPr lang="en-US" sz="2250" dirty="0"/>
-          </a:p>
-        </p:txBody>
-      </p:sp>
       <p:sp>
         <p:nvSpPr>
           <p:cNvPr id="80" name="TextBox 79">
@@ -11833,18 +11875,20 @@
           </p:cNvPr>
           <p:cNvCxnSpPr>
             <a:cxnSpLocks/>
-            <a:stCxn id="82" idx="1"/>
+            <a:stCxn id="17" idx="1"/>
             <a:endCxn id="391" idx="3"/>
           </p:cNvCxnSpPr>
           <p:nvPr/>
         </p:nvCxnSpPr>
         <p:spPr>
-          <a:xfrm flipH="1" flipV="1">
-            <a:off x="2241506" y="11991925"/>
-            <a:ext cx="10116589" cy="24533"/>
+          <a:xfrm rot="10800000" flipV="1">
+            <a:off x="2241501" y="10267817"/>
+            <a:ext cx="10115518" cy="1724112"/>
           </a:xfrm>
-          <a:prstGeom prst="straightConnector1">
-            <a:avLst/>
+          <a:prstGeom prst="bentConnector3">
+            <a:avLst>
+              <a:gd name="adj1" fmla="val 10931"/>
+            </a:avLst>
           </a:prstGeom>
           <a:ln w="19050">
             <a:solidFill>
@@ -11869,70 +11913,6 @@
           </a:fontRef>
         </p:style>
       </p:cxnSp>
-      <p:sp>
-        <p:nvSpPr>
-          <p:cNvPr id="82" name="Rectangle 81">
-            <a:extLst>
-              <a:ext uri="{FF2B5EF4-FFF2-40B4-BE49-F238E27FC236}">
-                <a16:creationId xmlns:a16="http://schemas.microsoft.com/office/drawing/2014/main" id="{BC8D52AF-865C-6AF4-DCE1-6341AA824C2C}"/>
-              </a:ext>
-            </a:extLst>
-          </p:cNvPr>
-          <p:cNvSpPr/>
-          <p:nvPr/>
-        </p:nvSpPr>
-        <p:spPr>
-          <a:xfrm>
-            <a:off x="12358091" y="11799111"/>
-            <a:ext cx="3101840" cy="434695"/>
-          </a:xfrm>
-          <a:prstGeom prst="rect">
-            <a:avLst/>
-          </a:prstGeom>
-        </p:spPr>
-        <p:style>
-          <a:lnRef idx="2">
-            <a:schemeClr val="dk1"/>
-          </a:lnRef>
-          <a:fillRef idx="1">
-            <a:schemeClr val="lt1"/>
-          </a:fillRef>
-          <a:effectRef idx="0">
-            <a:schemeClr val="dk1"/>
-          </a:effectRef>
-          <a:fontRef idx="minor">
-            <a:schemeClr val="dk1"/>
-          </a:fontRef>
-        </p:style>
-        <p:txBody>
-          <a:bodyPr lIns="114301" tIns="57150" rIns="114301" bIns="57150" rtlCol="0" anchor="ctr"/>
-          <a:lstStyle/>
-          <a:p>
-            <a:pPr algn="ctr"/>
-            <a:r>
-              <a:rPr lang="en-US" sz="1500" dirty="0">
-                <a:solidFill>
-                  <a:srgbClr val="000000"/>
-                </a:solidFill>
-                <a:ea typeface="+mn-lt"/>
-                <a:cs typeface="+mn-lt"/>
-              </a:rPr>
-              <a:t>/home/pr/exp3/.</a:t>
-            </a:r>
-            <a:r>
-              <a:rPr lang="en-US" sz="1500" dirty="0" err="1">
-                <a:solidFill>
-                  <a:srgbClr val="000000"/>
-                </a:solidFill>
-                <a:ea typeface="+mn-lt"/>
-                <a:cs typeface="+mn-lt"/>
-              </a:rPr>
-              <a:t>train_model.py.swp</a:t>
-            </a:r>
-            <a:endParaRPr lang="en-US" sz="2250" dirty="0"/>
-          </a:p>
-        </p:txBody>
-      </p:sp>
       <p:sp>
         <p:nvSpPr>
           <p:cNvPr id="83" name="Arrow: Down 82">
@@ -13652,7 +13632,7 @@
         </p:nvSpPr>
         <p:spPr>
           <a:xfrm>
-            <a:off x="-266488" y="10297021"/>
+            <a:off x="-266488" y="10374511"/>
             <a:ext cx="2523138" cy="76131"/>
           </a:xfrm>
           <a:prstGeom prst="rect">
@@ -14053,6 +14033,246 @@
               <a:ea typeface="Calibri"/>
               <a:cs typeface="Calibri"/>
             </a:endParaRPr>
+          </a:p>
+        </p:txBody>
+      </p:sp>
+      <p:sp>
+        <p:nvSpPr>
+          <p:cNvPr id="9" name="Rectangle 8">
+            <a:extLst>
+              <a:ext uri="{FF2B5EF4-FFF2-40B4-BE49-F238E27FC236}">
+                <a16:creationId xmlns:a16="http://schemas.microsoft.com/office/drawing/2014/main" id="{19A96826-6960-3A8C-19E1-1DF0367BECBC}"/>
+              </a:ext>
+            </a:extLst>
+          </p:cNvPr>
+          <p:cNvSpPr/>
+          <p:nvPr/>
+        </p:nvSpPr>
+        <p:spPr>
+          <a:xfrm>
+            <a:off x="12345895" y="9877526"/>
+            <a:ext cx="2523138" cy="76131"/>
+          </a:xfrm>
+          <a:prstGeom prst="rect">
+            <a:avLst/>
+          </a:prstGeom>
+          <a:noFill/>
+          <a:ln>
+            <a:noFill/>
+          </a:ln>
+        </p:spPr>
+        <p:style>
+          <a:lnRef idx="2">
+            <a:schemeClr val="dk1"/>
+          </a:lnRef>
+          <a:fillRef idx="1">
+            <a:schemeClr val="lt1"/>
+          </a:fillRef>
+          <a:effectRef idx="0">
+            <a:schemeClr val="dk1"/>
+          </a:effectRef>
+          <a:fontRef idx="minor">
+            <a:schemeClr val="dk1"/>
+          </a:fontRef>
+        </p:style>
+        <p:txBody>
+          <a:bodyPr rtlCol="0" anchor="ctr"/>
+          <a:lstStyle/>
+          <a:p>
+            <a:pPr algn="ctr"/>
+            <a:endParaRPr lang="en-US" sz="1500" dirty="0"/>
+          </a:p>
+        </p:txBody>
+      </p:sp>
+      <p:sp>
+        <p:nvSpPr>
+          <p:cNvPr id="15" name="Rectangle 14">
+            <a:extLst>
+              <a:ext uri="{FF2B5EF4-FFF2-40B4-BE49-F238E27FC236}">
+                <a16:creationId xmlns:a16="http://schemas.microsoft.com/office/drawing/2014/main" id="{6057B12F-244C-F462-C9AE-AA54364CE043}"/>
+              </a:ext>
+            </a:extLst>
+          </p:cNvPr>
+          <p:cNvSpPr/>
+          <p:nvPr/>
+        </p:nvSpPr>
+        <p:spPr>
+          <a:xfrm>
+            <a:off x="12357849" y="10061770"/>
+            <a:ext cx="2523138" cy="76131"/>
+          </a:xfrm>
+          <a:prstGeom prst="rect">
+            <a:avLst/>
+          </a:prstGeom>
+          <a:noFill/>
+          <a:ln>
+            <a:noFill/>
+          </a:ln>
+        </p:spPr>
+        <p:style>
+          <a:lnRef idx="2">
+            <a:schemeClr val="dk1"/>
+          </a:lnRef>
+          <a:fillRef idx="1">
+            <a:schemeClr val="lt1"/>
+          </a:fillRef>
+          <a:effectRef idx="0">
+            <a:schemeClr val="dk1"/>
+          </a:effectRef>
+          <a:fontRef idx="minor">
+            <a:schemeClr val="dk1"/>
+          </a:fontRef>
+        </p:style>
+        <p:txBody>
+          <a:bodyPr rtlCol="0" anchor="ctr"/>
+          <a:lstStyle/>
+          <a:p>
+            <a:pPr algn="ctr"/>
+            <a:endParaRPr lang="en-US" sz="1500" dirty="0"/>
+          </a:p>
+        </p:txBody>
+      </p:sp>
+      <p:sp>
+        <p:nvSpPr>
+          <p:cNvPr id="17" name="Rectangle 16">
+            <a:extLst>
+              <a:ext uri="{FF2B5EF4-FFF2-40B4-BE49-F238E27FC236}">
+                <a16:creationId xmlns:a16="http://schemas.microsoft.com/office/drawing/2014/main" id="{C930F542-43D3-C289-4A3E-04B968057B26}"/>
+              </a:ext>
+            </a:extLst>
+          </p:cNvPr>
+          <p:cNvSpPr/>
+          <p:nvPr/>
+        </p:nvSpPr>
+        <p:spPr>
+          <a:xfrm>
+            <a:off x="12357019" y="10229751"/>
+            <a:ext cx="2523138" cy="76131"/>
+          </a:xfrm>
+          <a:prstGeom prst="rect">
+            <a:avLst/>
+          </a:prstGeom>
+          <a:noFill/>
+          <a:ln>
+            <a:noFill/>
+          </a:ln>
+        </p:spPr>
+        <p:style>
+          <a:lnRef idx="2">
+            <a:schemeClr val="dk1"/>
+          </a:lnRef>
+          <a:fillRef idx="1">
+            <a:schemeClr val="lt1"/>
+          </a:fillRef>
+          <a:effectRef idx="0">
+            <a:schemeClr val="dk1"/>
+          </a:effectRef>
+          <a:fontRef idx="minor">
+            <a:schemeClr val="dk1"/>
+          </a:fontRef>
+        </p:style>
+        <p:txBody>
+          <a:bodyPr rtlCol="0" anchor="ctr"/>
+          <a:lstStyle/>
+          <a:p>
+            <a:pPr algn="ctr"/>
+            <a:endParaRPr lang="en-US" sz="1500" dirty="0"/>
+          </a:p>
+        </p:txBody>
+      </p:sp>
+      <p:sp>
+        <p:nvSpPr>
+          <p:cNvPr id="35" name="Rectangle 34">
+            <a:extLst>
+              <a:ext uri="{FF2B5EF4-FFF2-40B4-BE49-F238E27FC236}">
+                <a16:creationId xmlns:a16="http://schemas.microsoft.com/office/drawing/2014/main" id="{14E15EDB-6C8F-8C6A-6CEE-22A77E5C7038}"/>
+              </a:ext>
+            </a:extLst>
+          </p:cNvPr>
+          <p:cNvSpPr/>
+          <p:nvPr/>
+        </p:nvSpPr>
+        <p:spPr>
+          <a:xfrm>
+            <a:off x="12371984" y="10744329"/>
+            <a:ext cx="2523138" cy="76131"/>
+          </a:xfrm>
+          <a:prstGeom prst="rect">
+            <a:avLst/>
+          </a:prstGeom>
+          <a:noFill/>
+          <a:ln>
+            <a:noFill/>
+          </a:ln>
+        </p:spPr>
+        <p:style>
+          <a:lnRef idx="2">
+            <a:schemeClr val="dk1"/>
+          </a:lnRef>
+          <a:fillRef idx="1">
+            <a:schemeClr val="lt1"/>
+          </a:fillRef>
+          <a:effectRef idx="0">
+            <a:schemeClr val="dk1"/>
+          </a:effectRef>
+          <a:fontRef idx="minor">
+            <a:schemeClr val="dk1"/>
+          </a:fontRef>
+        </p:style>
+        <p:txBody>
+          <a:bodyPr rtlCol="0" anchor="ctr"/>
+          <a:lstStyle/>
+          <a:p>
+            <a:pPr algn="ctr"/>
+            <a:endParaRPr lang="en-US" sz="1500" dirty="0"/>
+          </a:p>
+        </p:txBody>
+      </p:sp>
+      <p:sp>
+        <p:nvSpPr>
+          <p:cNvPr id="43" name="Rectangle 42">
+            <a:extLst>
+              <a:ext uri="{FF2B5EF4-FFF2-40B4-BE49-F238E27FC236}">
+                <a16:creationId xmlns:a16="http://schemas.microsoft.com/office/drawing/2014/main" id="{87F90BF9-A083-2296-870F-81AFDEE3944A}"/>
+              </a:ext>
+            </a:extLst>
+          </p:cNvPr>
+          <p:cNvSpPr/>
+          <p:nvPr/>
+        </p:nvSpPr>
+        <p:spPr>
+          <a:xfrm>
+            <a:off x="12368038" y="10912310"/>
+            <a:ext cx="2523138" cy="76131"/>
+          </a:xfrm>
+          <a:prstGeom prst="rect">
+            <a:avLst/>
+          </a:prstGeom>
+          <a:noFill/>
+          <a:ln>
+            <a:noFill/>
+          </a:ln>
+        </p:spPr>
+        <p:style>
+          <a:lnRef idx="2">
+            <a:schemeClr val="dk1"/>
+          </a:lnRef>
+          <a:fillRef idx="1">
+            <a:schemeClr val="lt1"/>
+          </a:fillRef>
+          <a:effectRef idx="0">
+            <a:schemeClr val="dk1"/>
+          </a:effectRef>
+          <a:fontRef idx="minor">
+            <a:schemeClr val="dk1"/>
+          </a:fontRef>
+        </p:style>
+        <p:txBody>
+          <a:bodyPr rtlCol="0" anchor="ctr"/>
+          <a:lstStyle/>
+          <a:p>
+            <a:pPr algn="ctr"/>
+            <a:endParaRPr lang="en-US" sz="1500" dirty="0"/>
           </a:p>
         </p:txBody>
       </p:sp>

--- a/example_workflow_3/provenance/workflow_3_graph.pptx
+++ b/example_workflow_3/provenance/workflow_3_graph.pptx
@@ -1615,6 +1615,1102 @@
     </pc:docChg>
   </pc:docChgLst>
   <pc:docChgLst>
+    <pc:chgData name="Joseph Wonsil" userId="f7a5a8f17f3cf2df" providerId="LiveId" clId="{8C080609-7CCE-411B-84E6-72C44917ABCF}"/>
+    <pc:docChg chg="undo custSel modSld">
+      <pc:chgData name="Joseph Wonsil" userId="f7a5a8f17f3cf2df" providerId="LiveId" clId="{8C080609-7CCE-411B-84E6-72C44917ABCF}" dt="2023-10-18T23:36:36.285" v="1695" actId="478"/>
+      <pc:docMkLst>
+        <pc:docMk/>
+      </pc:docMkLst>
+      <pc:sldChg chg="addSp delSp modSp mod">
+        <pc:chgData name="Joseph Wonsil" userId="f7a5a8f17f3cf2df" providerId="LiveId" clId="{8C080609-7CCE-411B-84E6-72C44917ABCF}" dt="2023-10-18T23:36:36.285" v="1695" actId="478"/>
+        <pc:sldMkLst>
+          <pc:docMk/>
+          <pc:sldMk cId="1645475767" sldId="256"/>
+        </pc:sldMkLst>
+        <pc:spChg chg="del">
+          <ac:chgData name="Joseph Wonsil" userId="f7a5a8f17f3cf2df" providerId="LiveId" clId="{8C080609-7CCE-411B-84E6-72C44917ABCF}" dt="2023-10-18T19:30:28.185" v="0" actId="478"/>
+          <ac:spMkLst>
+            <pc:docMk/>
+            <pc:sldMk cId="1645475767" sldId="256"/>
+            <ac:spMk id="2" creationId="{461DAE0E-18AF-97FF-8732-1CF3DD2A0854}"/>
+          </ac:spMkLst>
+        </pc:spChg>
+        <pc:spChg chg="del mod">
+          <ac:chgData name="Joseph Wonsil" userId="f7a5a8f17f3cf2df" providerId="LiveId" clId="{8C080609-7CCE-411B-84E6-72C44917ABCF}" dt="2023-10-18T20:18:00.012" v="646" actId="478"/>
+          <ac:spMkLst>
+            <pc:docMk/>
+            <pc:sldMk cId="1645475767" sldId="256"/>
+            <ac:spMk id="3" creationId="{475EA8C8-F0A4-6F01-74CD-54546E0C2AEE}"/>
+          </ac:spMkLst>
+        </pc:spChg>
+        <pc:spChg chg="mod">
+          <ac:chgData name="Joseph Wonsil" userId="f7a5a8f17f3cf2df" providerId="LiveId" clId="{8C080609-7CCE-411B-84E6-72C44917ABCF}" dt="2023-10-18T23:26:23.543" v="1483" actId="1036"/>
+          <ac:spMkLst>
+            <pc:docMk/>
+            <pc:sldMk cId="1645475767" sldId="256"/>
+            <ac:spMk id="5" creationId="{EDD77D8E-AC62-8835-147A-8365BEE24A8B}"/>
+          </ac:spMkLst>
+        </pc:spChg>
+        <pc:spChg chg="del mod">
+          <ac:chgData name="Joseph Wonsil" userId="f7a5a8f17f3cf2df" providerId="LiveId" clId="{8C080609-7CCE-411B-84E6-72C44917ABCF}" dt="2023-10-18T20:07:57.780" v="504" actId="478"/>
+          <ac:spMkLst>
+            <pc:docMk/>
+            <pc:sldMk cId="1645475767" sldId="256"/>
+            <ac:spMk id="6" creationId="{F392B7D7-3E0F-8DD1-67FB-1EF515E6A632}"/>
+          </ac:spMkLst>
+        </pc:spChg>
+        <pc:spChg chg="mod">
+          <ac:chgData name="Joseph Wonsil" userId="f7a5a8f17f3cf2df" providerId="LiveId" clId="{8C080609-7CCE-411B-84E6-72C44917ABCF}" dt="2023-10-18T23:26:23.543" v="1483" actId="1036"/>
+          <ac:spMkLst>
+            <pc:docMk/>
+            <pc:sldMk cId="1645475767" sldId="256"/>
+            <ac:spMk id="10" creationId="{5D155BFF-B441-4572-6BCC-1D6480ADC254}"/>
+          </ac:spMkLst>
+        </pc:spChg>
+        <pc:spChg chg="del mod">
+          <ac:chgData name="Joseph Wonsil" userId="f7a5a8f17f3cf2df" providerId="LiveId" clId="{8C080609-7CCE-411B-84E6-72C44917ABCF}" dt="2023-10-18T20:17:58.964" v="645" actId="478"/>
+          <ac:spMkLst>
+            <pc:docMk/>
+            <pc:sldMk cId="1645475767" sldId="256"/>
+            <ac:spMk id="11" creationId="{89D3A37F-AE8C-286E-D005-973A429F2F60}"/>
+          </ac:spMkLst>
+        </pc:spChg>
+        <pc:spChg chg="mod">
+          <ac:chgData name="Joseph Wonsil" userId="f7a5a8f17f3cf2df" providerId="LiveId" clId="{8C080609-7CCE-411B-84E6-72C44917ABCF}" dt="2023-10-18T23:26:23.543" v="1483" actId="1036"/>
+          <ac:spMkLst>
+            <pc:docMk/>
+            <pc:sldMk cId="1645475767" sldId="256"/>
+            <ac:spMk id="13" creationId="{77E6E453-03D9-6363-9B2B-536E1D203421}"/>
+          </ac:spMkLst>
+        </pc:spChg>
+        <pc:spChg chg="del mod">
+          <ac:chgData name="Joseph Wonsil" userId="f7a5a8f17f3cf2df" providerId="LiveId" clId="{8C080609-7CCE-411B-84E6-72C44917ABCF}" dt="2023-10-18T20:17:57.929" v="644" actId="478"/>
+          <ac:spMkLst>
+            <pc:docMk/>
+            <pc:sldMk cId="1645475767" sldId="256"/>
+            <ac:spMk id="14" creationId="{F7F39D2E-7806-1ED6-1633-3BF9C768F480}"/>
+          </ac:spMkLst>
+        </pc:spChg>
+        <pc:spChg chg="mod">
+          <ac:chgData name="Joseph Wonsil" userId="f7a5a8f17f3cf2df" providerId="LiveId" clId="{8C080609-7CCE-411B-84E6-72C44917ABCF}" dt="2023-10-18T23:26:23.543" v="1483" actId="1036"/>
+          <ac:spMkLst>
+            <pc:docMk/>
+            <pc:sldMk cId="1645475767" sldId="256"/>
+            <ac:spMk id="15" creationId="{2082AF95-F57E-7714-98E1-6B18874A37D0}"/>
+          </ac:spMkLst>
+        </pc:spChg>
+        <pc:spChg chg="del mod">
+          <ac:chgData name="Joseph Wonsil" userId="f7a5a8f17f3cf2df" providerId="LiveId" clId="{8C080609-7CCE-411B-84E6-72C44917ABCF}" dt="2023-10-18T20:19:03.756" v="657" actId="478"/>
+          <ac:spMkLst>
+            <pc:docMk/>
+            <pc:sldMk cId="1645475767" sldId="256"/>
+            <ac:spMk id="17" creationId="{63544155-B132-0D32-3BAA-3EC3DE1072D8}"/>
+          </ac:spMkLst>
+        </pc:spChg>
+        <pc:spChg chg="mod">
+          <ac:chgData name="Joseph Wonsil" userId="f7a5a8f17f3cf2df" providerId="LiveId" clId="{8C080609-7CCE-411B-84E6-72C44917ABCF}" dt="2023-10-18T23:26:23.543" v="1483" actId="1036"/>
+          <ac:spMkLst>
+            <pc:docMk/>
+            <pc:sldMk cId="1645475767" sldId="256"/>
+            <ac:spMk id="19" creationId="{CDC98E58-B7BF-FC65-3CF4-7910AC6F1E87}"/>
+          </ac:spMkLst>
+        </pc:spChg>
+        <pc:spChg chg="del">
+          <ac:chgData name="Joseph Wonsil" userId="f7a5a8f17f3cf2df" providerId="LiveId" clId="{8C080609-7CCE-411B-84E6-72C44917ABCF}" dt="2023-10-18T19:30:31.049" v="1" actId="478"/>
+          <ac:spMkLst>
+            <pc:docMk/>
+            <pc:sldMk cId="1645475767" sldId="256"/>
+            <ac:spMk id="20" creationId="{F418ACC7-3AD4-0F3B-E0DB-D175E87A7239}"/>
+          </ac:spMkLst>
+        </pc:spChg>
+        <pc:spChg chg="del mod">
+          <ac:chgData name="Joseph Wonsil" userId="f7a5a8f17f3cf2df" providerId="LiveId" clId="{8C080609-7CCE-411B-84E6-72C44917ABCF}" dt="2023-10-18T20:19:12.594" v="660" actId="478"/>
+          <ac:spMkLst>
+            <pc:docMk/>
+            <pc:sldMk cId="1645475767" sldId="256"/>
+            <ac:spMk id="21" creationId="{3C58F1C7-3BCD-294E-EA4C-FB19607A2A8B}"/>
+          </ac:spMkLst>
+        </pc:spChg>
+        <pc:spChg chg="del mod">
+          <ac:chgData name="Joseph Wonsil" userId="f7a5a8f17f3cf2df" providerId="LiveId" clId="{8C080609-7CCE-411B-84E6-72C44917ABCF}" dt="2023-10-18T20:19:18.319" v="662" actId="478"/>
+          <ac:spMkLst>
+            <pc:docMk/>
+            <pc:sldMk cId="1645475767" sldId="256"/>
+            <ac:spMk id="24" creationId="{3DF15931-71E1-C90B-0673-3380DC81ED7C}"/>
+          </ac:spMkLst>
+        </pc:spChg>
+        <pc:spChg chg="mod">
+          <ac:chgData name="Joseph Wonsil" userId="f7a5a8f17f3cf2df" providerId="LiveId" clId="{8C080609-7CCE-411B-84E6-72C44917ABCF}" dt="2023-10-18T23:26:23.543" v="1483" actId="1036"/>
+          <ac:spMkLst>
+            <pc:docMk/>
+            <pc:sldMk cId="1645475767" sldId="256"/>
+            <ac:spMk id="25" creationId="{E1A7F699-7971-B2D7-583B-A3C58DD464BF}"/>
+          </ac:spMkLst>
+        </pc:spChg>
+        <pc:spChg chg="mod">
+          <ac:chgData name="Joseph Wonsil" userId="f7a5a8f17f3cf2df" providerId="LiveId" clId="{8C080609-7CCE-411B-84E6-72C44917ABCF}" dt="2023-10-18T23:26:23.543" v="1483" actId="1036"/>
+          <ac:spMkLst>
+            <pc:docMk/>
+            <pc:sldMk cId="1645475767" sldId="256"/>
+            <ac:spMk id="26" creationId="{1A397F50-31BF-2C16-56A3-490E4FF86B15}"/>
+          </ac:spMkLst>
+        </pc:spChg>
+        <pc:spChg chg="del mod">
+          <ac:chgData name="Joseph Wonsil" userId="f7a5a8f17f3cf2df" providerId="LiveId" clId="{8C080609-7CCE-411B-84E6-72C44917ABCF}" dt="2023-10-18T20:18:00.555" v="647" actId="478"/>
+          <ac:spMkLst>
+            <pc:docMk/>
+            <pc:sldMk cId="1645475767" sldId="256"/>
+            <ac:spMk id="27" creationId="{58A52717-D259-852F-EAFC-045F5DFD670C}"/>
+          </ac:spMkLst>
+        </pc:spChg>
+        <pc:spChg chg="mod">
+          <ac:chgData name="Joseph Wonsil" userId="f7a5a8f17f3cf2df" providerId="LiveId" clId="{8C080609-7CCE-411B-84E6-72C44917ABCF}" dt="2023-10-18T23:29:42.396" v="1602" actId="14100"/>
+          <ac:spMkLst>
+            <pc:docMk/>
+            <pc:sldMk cId="1645475767" sldId="256"/>
+            <ac:spMk id="28" creationId="{60C86E43-A887-CEA7-E6E6-67B122EE91E1}"/>
+          </ac:spMkLst>
+        </pc:spChg>
+        <pc:spChg chg="del mod">
+          <ac:chgData name="Joseph Wonsil" userId="f7a5a8f17f3cf2df" providerId="LiveId" clId="{8C080609-7CCE-411B-84E6-72C44917ABCF}" dt="2023-10-18T20:22:56.125" v="715" actId="478"/>
+          <ac:spMkLst>
+            <pc:docMk/>
+            <pc:sldMk cId="1645475767" sldId="256"/>
+            <ac:spMk id="32" creationId="{D4A062A0-410E-0FF1-9B6D-20281611B271}"/>
+          </ac:spMkLst>
+        </pc:spChg>
+        <pc:spChg chg="mod">
+          <ac:chgData name="Joseph Wonsil" userId="f7a5a8f17f3cf2df" providerId="LiveId" clId="{8C080609-7CCE-411B-84E6-72C44917ABCF}" dt="2023-10-18T23:26:23.543" v="1483" actId="1036"/>
+          <ac:spMkLst>
+            <pc:docMk/>
+            <pc:sldMk cId="1645475767" sldId="256"/>
+            <ac:spMk id="33" creationId="{B616FDAC-239F-3BA5-52A9-57EC0735B18A}"/>
+          </ac:spMkLst>
+        </pc:spChg>
+        <pc:spChg chg="mod">
+          <ac:chgData name="Joseph Wonsil" userId="f7a5a8f17f3cf2df" providerId="LiveId" clId="{8C080609-7CCE-411B-84E6-72C44917ABCF}" dt="2023-10-18T23:26:23.543" v="1483" actId="1036"/>
+          <ac:spMkLst>
+            <pc:docMk/>
+            <pc:sldMk cId="1645475767" sldId="256"/>
+            <ac:spMk id="35" creationId="{79DFB4C1-7173-2B01-1064-8D6762B11BF5}"/>
+          </ac:spMkLst>
+        </pc:spChg>
+        <pc:spChg chg="del mod">
+          <ac:chgData name="Joseph Wonsil" userId="f7a5a8f17f3cf2df" providerId="LiveId" clId="{8C080609-7CCE-411B-84E6-72C44917ABCF}" dt="2023-10-18T20:18:01.451" v="648" actId="478"/>
+          <ac:spMkLst>
+            <pc:docMk/>
+            <pc:sldMk cId="1645475767" sldId="256"/>
+            <ac:spMk id="36" creationId="{B350F5B9-E2F8-D410-A3BA-F93D66DB605C}"/>
+          </ac:spMkLst>
+        </pc:spChg>
+        <pc:spChg chg="mod">
+          <ac:chgData name="Joseph Wonsil" userId="f7a5a8f17f3cf2df" providerId="LiveId" clId="{8C080609-7CCE-411B-84E6-72C44917ABCF}" dt="2023-10-18T23:26:23.543" v="1483" actId="1036"/>
+          <ac:spMkLst>
+            <pc:docMk/>
+            <pc:sldMk cId="1645475767" sldId="256"/>
+            <ac:spMk id="39" creationId="{6DC816CB-8782-D01C-BC59-A0FB21EA3108}"/>
+          </ac:spMkLst>
+        </pc:spChg>
+        <pc:spChg chg="del mod">
+          <ac:chgData name="Joseph Wonsil" userId="f7a5a8f17f3cf2df" providerId="LiveId" clId="{8C080609-7CCE-411B-84E6-72C44917ABCF}" dt="2023-10-18T20:18:02.196" v="649" actId="478"/>
+          <ac:spMkLst>
+            <pc:docMk/>
+            <pc:sldMk cId="1645475767" sldId="256"/>
+            <ac:spMk id="40" creationId="{FA25254E-DFA7-64F8-8FB4-6A5D4F0738C7}"/>
+          </ac:spMkLst>
+        </pc:spChg>
+        <pc:spChg chg="del mod">
+          <ac:chgData name="Joseph Wonsil" userId="f7a5a8f17f3cf2df" providerId="LiveId" clId="{8C080609-7CCE-411B-84E6-72C44917ABCF}" dt="2023-10-18T20:26:15.362" v="754" actId="478"/>
+          <ac:spMkLst>
+            <pc:docMk/>
+            <pc:sldMk cId="1645475767" sldId="256"/>
+            <ac:spMk id="42" creationId="{62A6E74D-C00B-6C92-47F2-6164F95E0268}"/>
+          </ac:spMkLst>
+        </pc:spChg>
+        <pc:spChg chg="mod">
+          <ac:chgData name="Joseph Wonsil" userId="f7a5a8f17f3cf2df" providerId="LiveId" clId="{8C080609-7CCE-411B-84E6-72C44917ABCF}" dt="2023-10-18T23:30:29.255" v="1676" actId="1076"/>
+          <ac:spMkLst>
+            <pc:docMk/>
+            <pc:sldMk cId="1645475767" sldId="256"/>
+            <ac:spMk id="43" creationId="{B0ECA40D-A1F1-0CE3-96F9-10D673EB3C97}"/>
+          </ac:spMkLst>
+        </pc:spChg>
+        <pc:spChg chg="mod">
+          <ac:chgData name="Joseph Wonsil" userId="f7a5a8f17f3cf2df" providerId="LiveId" clId="{8C080609-7CCE-411B-84E6-72C44917ABCF}" dt="2023-10-18T23:26:23.543" v="1483" actId="1036"/>
+          <ac:spMkLst>
+            <pc:docMk/>
+            <pc:sldMk cId="1645475767" sldId="256"/>
+            <ac:spMk id="49" creationId="{842C1335-EDA0-BED9-1A06-5454B66B2CE0}"/>
+          </ac:spMkLst>
+        </pc:spChg>
+        <pc:spChg chg="mod">
+          <ac:chgData name="Joseph Wonsil" userId="f7a5a8f17f3cf2df" providerId="LiveId" clId="{8C080609-7CCE-411B-84E6-72C44917ABCF}" dt="2023-10-18T23:26:23.543" v="1483" actId="1036"/>
+          <ac:spMkLst>
+            <pc:docMk/>
+            <pc:sldMk cId="1645475767" sldId="256"/>
+            <ac:spMk id="52" creationId="{7317D925-AE7B-290C-67A6-493750A3352F}"/>
+          </ac:spMkLst>
+        </pc:spChg>
+        <pc:spChg chg="mod">
+          <ac:chgData name="Joseph Wonsil" userId="f7a5a8f17f3cf2df" providerId="LiveId" clId="{8C080609-7CCE-411B-84E6-72C44917ABCF}" dt="2023-10-18T23:26:23.543" v="1483" actId="1036"/>
+          <ac:spMkLst>
+            <pc:docMk/>
+            <pc:sldMk cId="1645475767" sldId="256"/>
+            <ac:spMk id="55" creationId="{A5E815BE-843F-B791-FF94-453526BE2EF2}"/>
+          </ac:spMkLst>
+        </pc:spChg>
+        <pc:spChg chg="mod">
+          <ac:chgData name="Joseph Wonsil" userId="f7a5a8f17f3cf2df" providerId="LiveId" clId="{8C080609-7CCE-411B-84E6-72C44917ABCF}" dt="2023-10-18T23:26:23.543" v="1483" actId="1036"/>
+          <ac:spMkLst>
+            <pc:docMk/>
+            <pc:sldMk cId="1645475767" sldId="256"/>
+            <ac:spMk id="60" creationId="{35FA7E34-1A13-B6DF-79C2-60F41A23F37B}"/>
+          </ac:spMkLst>
+        </pc:spChg>
+        <pc:spChg chg="del mod">
+          <ac:chgData name="Joseph Wonsil" userId="f7a5a8f17f3cf2df" providerId="LiveId" clId="{8C080609-7CCE-411B-84E6-72C44917ABCF}" dt="2023-10-18T20:22:43.874" v="711" actId="478"/>
+          <ac:spMkLst>
+            <pc:docMk/>
+            <pc:sldMk cId="1645475767" sldId="256"/>
+            <ac:spMk id="61" creationId="{7ECA03CF-DD24-9307-D184-41182C04B82A}"/>
+          </ac:spMkLst>
+        </pc:spChg>
+        <pc:spChg chg="mod">
+          <ac:chgData name="Joseph Wonsil" userId="f7a5a8f17f3cf2df" providerId="LiveId" clId="{8C080609-7CCE-411B-84E6-72C44917ABCF}" dt="2023-10-18T23:26:23.543" v="1483" actId="1036"/>
+          <ac:spMkLst>
+            <pc:docMk/>
+            <pc:sldMk cId="1645475767" sldId="256"/>
+            <ac:spMk id="63" creationId="{07A62DDE-C94D-4783-4BFD-408E0B156DED}"/>
+          </ac:spMkLst>
+        </pc:spChg>
+        <pc:spChg chg="del mod">
+          <ac:chgData name="Joseph Wonsil" userId="f7a5a8f17f3cf2df" providerId="LiveId" clId="{8C080609-7CCE-411B-84E6-72C44917ABCF}" dt="2023-10-18T20:18:04.381" v="650" actId="478"/>
+          <ac:spMkLst>
+            <pc:docMk/>
+            <pc:sldMk cId="1645475767" sldId="256"/>
+            <ac:spMk id="68" creationId="{9CD63190-6F0C-7B53-9050-C772D436F95B}"/>
+          </ac:spMkLst>
+        </pc:spChg>
+        <pc:spChg chg="del mod">
+          <ac:chgData name="Joseph Wonsil" userId="f7a5a8f17f3cf2df" providerId="LiveId" clId="{8C080609-7CCE-411B-84E6-72C44917ABCF}" dt="2023-10-18T20:23:19.104" v="721" actId="478"/>
+          <ac:spMkLst>
+            <pc:docMk/>
+            <pc:sldMk cId="1645475767" sldId="256"/>
+            <ac:spMk id="70" creationId="{EEB73B9F-8EE1-8959-6128-F66F9F2B6A19}"/>
+          </ac:spMkLst>
+        </pc:spChg>
+        <pc:spChg chg="mod">
+          <ac:chgData name="Joseph Wonsil" userId="f7a5a8f17f3cf2df" providerId="LiveId" clId="{8C080609-7CCE-411B-84E6-72C44917ABCF}" dt="2023-10-18T23:26:23.543" v="1483" actId="1036"/>
+          <ac:spMkLst>
+            <pc:docMk/>
+            <pc:sldMk cId="1645475767" sldId="256"/>
+            <ac:spMk id="71" creationId="{2A34F01A-7639-BB9B-04EC-3D4D626FAB55}"/>
+          </ac:spMkLst>
+        </pc:spChg>
+        <pc:spChg chg="mod">
+          <ac:chgData name="Joseph Wonsil" userId="f7a5a8f17f3cf2df" providerId="LiveId" clId="{8C080609-7CCE-411B-84E6-72C44917ABCF}" dt="2023-10-18T23:30:42.849" v="1679" actId="1076"/>
+          <ac:spMkLst>
+            <pc:docMk/>
+            <pc:sldMk cId="1645475767" sldId="256"/>
+            <ac:spMk id="74" creationId="{52E3ADAE-159A-D64F-DF75-180DC743C4CA}"/>
+          </ac:spMkLst>
+        </pc:spChg>
+        <pc:spChg chg="mod">
+          <ac:chgData name="Joseph Wonsil" userId="f7a5a8f17f3cf2df" providerId="LiveId" clId="{8C080609-7CCE-411B-84E6-72C44917ABCF}" dt="2023-10-18T23:26:23.543" v="1483" actId="1036"/>
+          <ac:spMkLst>
+            <pc:docMk/>
+            <pc:sldMk cId="1645475767" sldId="256"/>
+            <ac:spMk id="84" creationId="{D34F5F8D-B16A-EDE4-A61F-9D0E7E4C7BBC}"/>
+          </ac:spMkLst>
+        </pc:spChg>
+        <pc:spChg chg="del mod">
+          <ac:chgData name="Joseph Wonsil" userId="f7a5a8f17f3cf2df" providerId="LiveId" clId="{8C080609-7CCE-411B-84E6-72C44917ABCF}" dt="2023-10-18T20:18:05.243" v="651" actId="478"/>
+          <ac:spMkLst>
+            <pc:docMk/>
+            <pc:sldMk cId="1645475767" sldId="256"/>
+            <ac:spMk id="85" creationId="{84E65B77-934D-4C57-DE5D-9702D4AA5BCB}"/>
+          </ac:spMkLst>
+        </pc:spChg>
+        <pc:spChg chg="add mod">
+          <ac:chgData name="Joseph Wonsil" userId="f7a5a8f17f3cf2df" providerId="LiveId" clId="{8C080609-7CCE-411B-84E6-72C44917ABCF}" dt="2023-10-18T23:26:23.543" v="1483" actId="1036"/>
+          <ac:spMkLst>
+            <pc:docMk/>
+            <pc:sldMk cId="1645475767" sldId="256"/>
+            <ac:spMk id="87" creationId="{82CE14C6-7B0F-B926-F430-14ABCCC7F1FD}"/>
+          </ac:spMkLst>
+        </pc:spChg>
+        <pc:spChg chg="mod">
+          <ac:chgData name="Joseph Wonsil" userId="f7a5a8f17f3cf2df" providerId="LiveId" clId="{8C080609-7CCE-411B-84E6-72C44917ABCF}" dt="2023-10-18T23:26:23.543" v="1483" actId="1036"/>
+          <ac:spMkLst>
+            <pc:docMk/>
+            <pc:sldMk cId="1645475767" sldId="256"/>
+            <ac:spMk id="90" creationId="{8A8D6037-92ED-5E61-EE2A-60DD15DDB033}"/>
+          </ac:spMkLst>
+        </pc:spChg>
+        <pc:spChg chg="del mod">
+          <ac:chgData name="Joseph Wonsil" userId="f7a5a8f17f3cf2df" providerId="LiveId" clId="{8C080609-7CCE-411B-84E6-72C44917ABCF}" dt="2023-10-18T20:20:45.521" v="687" actId="478"/>
+          <ac:spMkLst>
+            <pc:docMk/>
+            <pc:sldMk cId="1645475767" sldId="256"/>
+            <ac:spMk id="91" creationId="{659BA44D-74DE-FF8E-EC99-D7D1DC21885A}"/>
+          </ac:spMkLst>
+        </pc:spChg>
+        <pc:spChg chg="add mod">
+          <ac:chgData name="Joseph Wonsil" userId="f7a5a8f17f3cf2df" providerId="LiveId" clId="{8C080609-7CCE-411B-84E6-72C44917ABCF}" dt="2023-10-18T23:26:23.543" v="1483" actId="1036"/>
+          <ac:spMkLst>
+            <pc:docMk/>
+            <pc:sldMk cId="1645475767" sldId="256"/>
+            <ac:spMk id="98" creationId="{3F0C47E2-1D81-5986-8BF3-6F32C673CACF}"/>
+          </ac:spMkLst>
+        </pc:spChg>
+        <pc:spChg chg="mod">
+          <ac:chgData name="Joseph Wonsil" userId="f7a5a8f17f3cf2df" providerId="LiveId" clId="{8C080609-7CCE-411B-84E6-72C44917ABCF}" dt="2023-10-18T23:26:23.543" v="1483" actId="1036"/>
+          <ac:spMkLst>
+            <pc:docMk/>
+            <pc:sldMk cId="1645475767" sldId="256"/>
+            <ac:spMk id="100" creationId="{E92B3433-66A4-7341-0A10-1B6541AA2707}"/>
+          </ac:spMkLst>
+        </pc:spChg>
+        <pc:spChg chg="mod">
+          <ac:chgData name="Joseph Wonsil" userId="f7a5a8f17f3cf2df" providerId="LiveId" clId="{8C080609-7CCE-411B-84E6-72C44917ABCF}" dt="2023-10-18T23:26:23.543" v="1483" actId="1036"/>
+          <ac:spMkLst>
+            <pc:docMk/>
+            <pc:sldMk cId="1645475767" sldId="256"/>
+            <ac:spMk id="101" creationId="{1DE6908C-CB8C-CAF2-6CD7-D732B0AB1E33}"/>
+          </ac:spMkLst>
+        </pc:spChg>
+        <pc:spChg chg="mod">
+          <ac:chgData name="Joseph Wonsil" userId="f7a5a8f17f3cf2df" providerId="LiveId" clId="{8C080609-7CCE-411B-84E6-72C44917ABCF}" dt="2023-10-18T23:26:23.543" v="1483" actId="1036"/>
+          <ac:spMkLst>
+            <pc:docMk/>
+            <pc:sldMk cId="1645475767" sldId="256"/>
+            <ac:spMk id="102" creationId="{BAB78B8E-574B-3156-CD83-4D165FEDCC4F}"/>
+          </ac:spMkLst>
+        </pc:spChg>
+        <pc:spChg chg="mod">
+          <ac:chgData name="Joseph Wonsil" userId="f7a5a8f17f3cf2df" providerId="LiveId" clId="{8C080609-7CCE-411B-84E6-72C44917ABCF}" dt="2023-10-18T23:26:23.543" v="1483" actId="1036"/>
+          <ac:spMkLst>
+            <pc:docMk/>
+            <pc:sldMk cId="1645475767" sldId="256"/>
+            <ac:spMk id="103" creationId="{0C69731E-2E67-A043-504E-23C966E68671}"/>
+          </ac:spMkLst>
+        </pc:spChg>
+        <pc:spChg chg="del mod">
+          <ac:chgData name="Joseph Wonsil" userId="f7a5a8f17f3cf2df" providerId="LiveId" clId="{8C080609-7CCE-411B-84E6-72C44917ABCF}" dt="2023-10-18T19:49:03.763" v="164" actId="478"/>
+          <ac:spMkLst>
+            <pc:docMk/>
+            <pc:sldMk cId="1645475767" sldId="256"/>
+            <ac:spMk id="104" creationId="{6B62EFFA-4EC9-3E5B-73F6-0D19114CAFC9}"/>
+          </ac:spMkLst>
+        </pc:spChg>
+        <pc:spChg chg="mod">
+          <ac:chgData name="Joseph Wonsil" userId="f7a5a8f17f3cf2df" providerId="LiveId" clId="{8C080609-7CCE-411B-84E6-72C44917ABCF}" dt="2023-10-18T23:26:23.543" v="1483" actId="1036"/>
+          <ac:spMkLst>
+            <pc:docMk/>
+            <pc:sldMk cId="1645475767" sldId="256"/>
+            <ac:spMk id="105" creationId="{2ACDEB4D-3118-62F1-B8A8-ADB24DBACF82}"/>
+          </ac:spMkLst>
+        </pc:spChg>
+        <pc:spChg chg="mod">
+          <ac:chgData name="Joseph Wonsil" userId="f7a5a8f17f3cf2df" providerId="LiveId" clId="{8C080609-7CCE-411B-84E6-72C44917ABCF}" dt="2023-10-18T23:26:23.543" v="1483" actId="1036"/>
+          <ac:spMkLst>
+            <pc:docMk/>
+            <pc:sldMk cId="1645475767" sldId="256"/>
+            <ac:spMk id="106" creationId="{4B49D07C-8A79-6007-E41D-E45A4FC9D8C6}"/>
+          </ac:spMkLst>
+        </pc:spChg>
+        <pc:spChg chg="add mod">
+          <ac:chgData name="Joseph Wonsil" userId="f7a5a8f17f3cf2df" providerId="LiveId" clId="{8C080609-7CCE-411B-84E6-72C44917ABCF}" dt="2023-10-18T23:26:23.543" v="1483" actId="1036"/>
+          <ac:spMkLst>
+            <pc:docMk/>
+            <pc:sldMk cId="1645475767" sldId="256"/>
+            <ac:spMk id="107" creationId="{ACB2C250-4EEB-BBE9-D880-0A0D23EB95A9}"/>
+          </ac:spMkLst>
+        </pc:spChg>
+        <pc:spChg chg="add del mod">
+          <ac:chgData name="Joseph Wonsil" userId="f7a5a8f17f3cf2df" providerId="LiveId" clId="{8C080609-7CCE-411B-84E6-72C44917ABCF}" dt="2023-10-18T20:21:32.810" v="693" actId="478"/>
+          <ac:spMkLst>
+            <pc:docMk/>
+            <pc:sldMk cId="1645475767" sldId="256"/>
+            <ac:spMk id="113" creationId="{AFF1851C-5F69-C25E-05E2-1311857365D0}"/>
+          </ac:spMkLst>
+        </pc:spChg>
+        <pc:spChg chg="mod">
+          <ac:chgData name="Joseph Wonsil" userId="f7a5a8f17f3cf2df" providerId="LiveId" clId="{8C080609-7CCE-411B-84E6-72C44917ABCF}" dt="2023-10-18T23:26:23.543" v="1483" actId="1036"/>
+          <ac:spMkLst>
+            <pc:docMk/>
+            <pc:sldMk cId="1645475767" sldId="256"/>
+            <ac:spMk id="132" creationId="{85BD8B9C-80C0-4ECE-A347-E4D26F891B45}"/>
+          </ac:spMkLst>
+        </pc:spChg>
+        <pc:spChg chg="del mod">
+          <ac:chgData name="Joseph Wonsil" userId="f7a5a8f17f3cf2df" providerId="LiveId" clId="{8C080609-7CCE-411B-84E6-72C44917ABCF}" dt="2023-10-18T20:22:58.481" v="716" actId="478"/>
+          <ac:spMkLst>
+            <pc:docMk/>
+            <pc:sldMk cId="1645475767" sldId="256"/>
+            <ac:spMk id="138" creationId="{E242FAFA-CB49-296E-9F35-248943C2966E}"/>
+          </ac:spMkLst>
+        </pc:spChg>
+        <pc:spChg chg="mod">
+          <ac:chgData name="Joseph Wonsil" userId="f7a5a8f17f3cf2df" providerId="LiveId" clId="{8C080609-7CCE-411B-84E6-72C44917ABCF}" dt="2023-10-18T23:26:23.543" v="1483" actId="1036"/>
+          <ac:spMkLst>
+            <pc:docMk/>
+            <pc:sldMk cId="1645475767" sldId="256"/>
+            <ac:spMk id="139" creationId="{802C46F5-7BD6-F450-D2B4-347C92B57CFE}"/>
+          </ac:spMkLst>
+        </pc:spChg>
+        <pc:spChg chg="mod ord">
+          <ac:chgData name="Joseph Wonsil" userId="f7a5a8f17f3cf2df" providerId="LiveId" clId="{8C080609-7CCE-411B-84E6-72C44917ABCF}" dt="2023-10-18T23:26:23.543" v="1483" actId="1036"/>
+          <ac:spMkLst>
+            <pc:docMk/>
+            <pc:sldMk cId="1645475767" sldId="256"/>
+            <ac:spMk id="144" creationId="{3BA36D46-2F89-D8A4-A60C-17E29D68CFA5}"/>
+          </ac:spMkLst>
+        </pc:spChg>
+        <pc:spChg chg="mod">
+          <ac:chgData name="Joseph Wonsil" userId="f7a5a8f17f3cf2df" providerId="LiveId" clId="{8C080609-7CCE-411B-84E6-72C44917ABCF}" dt="2023-10-18T23:30:47.929" v="1687" actId="1036"/>
+          <ac:spMkLst>
+            <pc:docMk/>
+            <pc:sldMk cId="1645475767" sldId="256"/>
+            <ac:spMk id="157" creationId="{2EC089FA-274C-2CBC-86EB-EAA86F31FDEF}"/>
+          </ac:spMkLst>
+        </pc:spChg>
+        <pc:spChg chg="add mod">
+          <ac:chgData name="Joseph Wonsil" userId="f7a5a8f17f3cf2df" providerId="LiveId" clId="{8C080609-7CCE-411B-84E6-72C44917ABCF}" dt="2023-10-18T23:26:23.543" v="1483" actId="1036"/>
+          <ac:spMkLst>
+            <pc:docMk/>
+            <pc:sldMk cId="1645475767" sldId="256"/>
+            <ac:spMk id="159" creationId="{FAA5B709-EF66-0E55-121C-2E5288DA869C}"/>
+          </ac:spMkLst>
+        </pc:spChg>
+        <pc:spChg chg="add del mod">
+          <ac:chgData name="Joseph Wonsil" userId="f7a5a8f17f3cf2df" providerId="LiveId" clId="{8C080609-7CCE-411B-84E6-72C44917ABCF}" dt="2023-10-18T19:54:49.826" v="214" actId="478"/>
+          <ac:spMkLst>
+            <pc:docMk/>
+            <pc:sldMk cId="1645475767" sldId="256"/>
+            <ac:spMk id="160" creationId="{48783D87-855A-7324-67B1-C24649D448BF}"/>
+          </ac:spMkLst>
+        </pc:spChg>
+        <pc:spChg chg="add mod">
+          <ac:chgData name="Joseph Wonsil" userId="f7a5a8f17f3cf2df" providerId="LiveId" clId="{8C080609-7CCE-411B-84E6-72C44917ABCF}" dt="2023-10-18T23:26:23.543" v="1483" actId="1036"/>
+          <ac:spMkLst>
+            <pc:docMk/>
+            <pc:sldMk cId="1645475767" sldId="256"/>
+            <ac:spMk id="170" creationId="{BFAB41F3-F9EF-C391-5021-8D23B909B24B}"/>
+          </ac:spMkLst>
+        </pc:spChg>
+        <pc:spChg chg="add mod">
+          <ac:chgData name="Joseph Wonsil" userId="f7a5a8f17f3cf2df" providerId="LiveId" clId="{8C080609-7CCE-411B-84E6-72C44917ABCF}" dt="2023-10-18T23:26:23.543" v="1483" actId="1036"/>
+          <ac:spMkLst>
+            <pc:docMk/>
+            <pc:sldMk cId="1645475767" sldId="256"/>
+            <ac:spMk id="176" creationId="{1AC7E783-FF9D-D9AE-1AC5-8E4342EC4EBD}"/>
+          </ac:spMkLst>
+        </pc:spChg>
+        <pc:spChg chg="add mod">
+          <ac:chgData name="Joseph Wonsil" userId="f7a5a8f17f3cf2df" providerId="LiveId" clId="{8C080609-7CCE-411B-84E6-72C44917ABCF}" dt="2023-10-18T23:26:23.543" v="1483" actId="1036"/>
+          <ac:spMkLst>
+            <pc:docMk/>
+            <pc:sldMk cId="1645475767" sldId="256"/>
+            <ac:spMk id="181" creationId="{248CC43D-90F5-671B-FC25-CD2136983D57}"/>
+          </ac:spMkLst>
+        </pc:spChg>
+        <pc:spChg chg="add mod">
+          <ac:chgData name="Joseph Wonsil" userId="f7a5a8f17f3cf2df" providerId="LiveId" clId="{8C080609-7CCE-411B-84E6-72C44917ABCF}" dt="2023-10-18T23:26:23.543" v="1483" actId="1036"/>
+          <ac:spMkLst>
+            <pc:docMk/>
+            <pc:sldMk cId="1645475767" sldId="256"/>
+            <ac:spMk id="182" creationId="{907D58AE-50C8-F93D-1136-78E6BCCC8072}"/>
+          </ac:spMkLst>
+        </pc:spChg>
+        <pc:spChg chg="add mod">
+          <ac:chgData name="Joseph Wonsil" userId="f7a5a8f17f3cf2df" providerId="LiveId" clId="{8C080609-7CCE-411B-84E6-72C44917ABCF}" dt="2023-10-18T23:26:23.543" v="1483" actId="1036"/>
+          <ac:spMkLst>
+            <pc:docMk/>
+            <pc:sldMk cId="1645475767" sldId="256"/>
+            <ac:spMk id="196" creationId="{64A37683-F464-6803-A853-1D36D77E903B}"/>
+          </ac:spMkLst>
+        </pc:spChg>
+        <pc:spChg chg="add mod">
+          <ac:chgData name="Joseph Wonsil" userId="f7a5a8f17f3cf2df" providerId="LiveId" clId="{8C080609-7CCE-411B-84E6-72C44917ABCF}" dt="2023-10-18T23:26:23.543" v="1483" actId="1036"/>
+          <ac:spMkLst>
+            <pc:docMk/>
+            <pc:sldMk cId="1645475767" sldId="256"/>
+            <ac:spMk id="197" creationId="{C7BEE81F-D7A4-129C-136B-6AD53A842FE7}"/>
+          </ac:spMkLst>
+        </pc:spChg>
+        <pc:spChg chg="add mod">
+          <ac:chgData name="Joseph Wonsil" userId="f7a5a8f17f3cf2df" providerId="LiveId" clId="{8C080609-7CCE-411B-84E6-72C44917ABCF}" dt="2023-10-18T23:26:23.543" v="1483" actId="1036"/>
+          <ac:spMkLst>
+            <pc:docMk/>
+            <pc:sldMk cId="1645475767" sldId="256"/>
+            <ac:spMk id="198" creationId="{97481AB8-5857-3AC0-BCB6-E2A7EF4E71A4}"/>
+          </ac:spMkLst>
+        </pc:spChg>
+        <pc:spChg chg="add mod">
+          <ac:chgData name="Joseph Wonsil" userId="f7a5a8f17f3cf2df" providerId="LiveId" clId="{8C080609-7CCE-411B-84E6-72C44917ABCF}" dt="2023-10-18T23:30:22.854" v="1674" actId="1036"/>
+          <ac:spMkLst>
+            <pc:docMk/>
+            <pc:sldMk cId="1645475767" sldId="256"/>
+            <ac:spMk id="204" creationId="{AF0B4C90-7F51-3154-21DD-F141AA6B7D1C}"/>
+          </ac:spMkLst>
+        </pc:spChg>
+        <pc:spChg chg="add mod">
+          <ac:chgData name="Joseph Wonsil" userId="f7a5a8f17f3cf2df" providerId="LiveId" clId="{8C080609-7CCE-411B-84E6-72C44917ABCF}" dt="2023-10-18T23:30:47.929" v="1687" actId="1036"/>
+          <ac:spMkLst>
+            <pc:docMk/>
+            <pc:sldMk cId="1645475767" sldId="256"/>
+            <ac:spMk id="207" creationId="{83505876-8FEF-325E-3C41-C080552E164D}"/>
+          </ac:spMkLst>
+        </pc:spChg>
+        <pc:spChg chg="add mod">
+          <ac:chgData name="Joseph Wonsil" userId="f7a5a8f17f3cf2df" providerId="LiveId" clId="{8C080609-7CCE-411B-84E6-72C44917ABCF}" dt="2023-10-18T23:30:05.993" v="1656" actId="1035"/>
+          <ac:spMkLst>
+            <pc:docMk/>
+            <pc:sldMk cId="1645475767" sldId="256"/>
+            <ac:spMk id="209" creationId="{3607486D-7794-339C-97B9-508DD9223B9A}"/>
+          </ac:spMkLst>
+        </pc:spChg>
+        <pc:spChg chg="add mod">
+          <ac:chgData name="Joseph Wonsil" userId="f7a5a8f17f3cf2df" providerId="LiveId" clId="{8C080609-7CCE-411B-84E6-72C44917ABCF}" dt="2023-10-18T23:26:23.543" v="1483" actId="1036"/>
+          <ac:spMkLst>
+            <pc:docMk/>
+            <pc:sldMk cId="1645475767" sldId="256"/>
+            <ac:spMk id="212" creationId="{E55F2EEF-5883-D72A-7FCC-5638BC1DCDEB}"/>
+          </ac:spMkLst>
+        </pc:spChg>
+        <pc:spChg chg="add del mod">
+          <ac:chgData name="Joseph Wonsil" userId="f7a5a8f17f3cf2df" providerId="LiveId" clId="{8C080609-7CCE-411B-84E6-72C44917ABCF}" dt="2023-10-18T20:04:20.317" v="380" actId="478"/>
+          <ac:spMkLst>
+            <pc:docMk/>
+            <pc:sldMk cId="1645475767" sldId="256"/>
+            <ac:spMk id="215" creationId="{1F46A5B4-556E-6637-352E-0AB85B25636E}"/>
+          </ac:spMkLst>
+        </pc:spChg>
+        <pc:spChg chg="add del mod">
+          <ac:chgData name="Joseph Wonsil" userId="f7a5a8f17f3cf2df" providerId="LiveId" clId="{8C080609-7CCE-411B-84E6-72C44917ABCF}" dt="2023-10-18T20:04:15.250" v="372"/>
+          <ac:spMkLst>
+            <pc:docMk/>
+            <pc:sldMk cId="1645475767" sldId="256"/>
+            <ac:spMk id="216" creationId="{93E6D794-9A51-7E13-8D23-DFFA2675EC9F}"/>
+          </ac:spMkLst>
+        </pc:spChg>
+        <pc:spChg chg="add mod">
+          <ac:chgData name="Joseph Wonsil" userId="f7a5a8f17f3cf2df" providerId="LiveId" clId="{8C080609-7CCE-411B-84E6-72C44917ABCF}" dt="2023-10-18T23:26:23.543" v="1483" actId="1036"/>
+          <ac:spMkLst>
+            <pc:docMk/>
+            <pc:sldMk cId="1645475767" sldId="256"/>
+            <ac:spMk id="218" creationId="{766078B8-ECF8-60EF-9212-6287758A5D20}"/>
+          </ac:spMkLst>
+        </pc:spChg>
+        <pc:spChg chg="add del">
+          <ac:chgData name="Joseph Wonsil" userId="f7a5a8f17f3cf2df" providerId="LiveId" clId="{8C080609-7CCE-411B-84E6-72C44917ABCF}" dt="2023-10-18T20:04:50.262" v="390" actId="22"/>
+          <ac:spMkLst>
+            <pc:docMk/>
+            <pc:sldMk cId="1645475767" sldId="256"/>
+            <ac:spMk id="220" creationId="{2CE5C828-3BEB-0B41-F241-731507EE2D88}"/>
+          </ac:spMkLst>
+        </pc:spChg>
+        <pc:spChg chg="add mod">
+          <ac:chgData name="Joseph Wonsil" userId="f7a5a8f17f3cf2df" providerId="LiveId" clId="{8C080609-7CCE-411B-84E6-72C44917ABCF}" dt="2023-10-18T23:26:23.543" v="1483" actId="1036"/>
+          <ac:spMkLst>
+            <pc:docMk/>
+            <pc:sldMk cId="1645475767" sldId="256"/>
+            <ac:spMk id="221" creationId="{A704D209-4118-707C-FBA2-39647729D7FE}"/>
+          </ac:spMkLst>
+        </pc:spChg>
+        <pc:spChg chg="add mod">
+          <ac:chgData name="Joseph Wonsil" userId="f7a5a8f17f3cf2df" providerId="LiveId" clId="{8C080609-7CCE-411B-84E6-72C44917ABCF}" dt="2023-10-18T23:26:23.543" v="1483" actId="1036"/>
+          <ac:spMkLst>
+            <pc:docMk/>
+            <pc:sldMk cId="1645475767" sldId="256"/>
+            <ac:spMk id="222" creationId="{A73DA923-B0C2-24D3-3223-F3EECA14D156}"/>
+          </ac:spMkLst>
+        </pc:spChg>
+        <pc:spChg chg="add mod">
+          <ac:chgData name="Joseph Wonsil" userId="f7a5a8f17f3cf2df" providerId="LiveId" clId="{8C080609-7CCE-411B-84E6-72C44917ABCF}" dt="2023-10-18T23:26:23.543" v="1483" actId="1036"/>
+          <ac:spMkLst>
+            <pc:docMk/>
+            <pc:sldMk cId="1645475767" sldId="256"/>
+            <ac:spMk id="223" creationId="{98EA81B1-9379-5562-E87C-6BE04285588F}"/>
+          </ac:spMkLst>
+        </pc:spChg>
+        <pc:spChg chg="add mod">
+          <ac:chgData name="Joseph Wonsil" userId="f7a5a8f17f3cf2df" providerId="LiveId" clId="{8C080609-7CCE-411B-84E6-72C44917ABCF}" dt="2023-10-18T20:17:27.728" v="638" actId="164"/>
+          <ac:spMkLst>
+            <pc:docMk/>
+            <pc:sldMk cId="1645475767" sldId="256"/>
+            <ac:spMk id="224" creationId="{15C4FDDD-19C9-9A01-F091-8751F235E3A9}"/>
+          </ac:spMkLst>
+        </pc:spChg>
+        <pc:spChg chg="add mod">
+          <ac:chgData name="Joseph Wonsil" userId="f7a5a8f17f3cf2df" providerId="LiveId" clId="{8C080609-7CCE-411B-84E6-72C44917ABCF}" dt="2023-10-18T23:26:23.543" v="1483" actId="1036"/>
+          <ac:spMkLst>
+            <pc:docMk/>
+            <pc:sldMk cId="1645475767" sldId="256"/>
+            <ac:spMk id="225" creationId="{850CBD32-7AD7-DF07-FBE9-7EBE8B911969}"/>
+          </ac:spMkLst>
+        </pc:spChg>
+        <pc:spChg chg="add mod">
+          <ac:chgData name="Joseph Wonsil" userId="f7a5a8f17f3cf2df" providerId="LiveId" clId="{8C080609-7CCE-411B-84E6-72C44917ABCF}" dt="2023-10-18T23:26:23.543" v="1483" actId="1036"/>
+          <ac:spMkLst>
+            <pc:docMk/>
+            <pc:sldMk cId="1645475767" sldId="256"/>
+            <ac:spMk id="226" creationId="{7040D6DB-B4BE-DAC4-5921-1A9850EC0EEC}"/>
+          </ac:spMkLst>
+        </pc:spChg>
+        <pc:spChg chg="add mod">
+          <ac:chgData name="Joseph Wonsil" userId="f7a5a8f17f3cf2df" providerId="LiveId" clId="{8C080609-7CCE-411B-84E6-72C44917ABCF}" dt="2023-10-18T23:26:23.543" v="1483" actId="1036"/>
+          <ac:spMkLst>
+            <pc:docMk/>
+            <pc:sldMk cId="1645475767" sldId="256"/>
+            <ac:spMk id="227" creationId="{DA5E22C1-9470-3167-CB75-B1290B4FB1C7}"/>
+          </ac:spMkLst>
+        </pc:spChg>
+        <pc:spChg chg="add mod topLvl">
+          <ac:chgData name="Joseph Wonsil" userId="f7a5a8f17f3cf2df" providerId="LiveId" clId="{8C080609-7CCE-411B-84E6-72C44917ABCF}" dt="2023-10-18T23:35:04.242" v="1689" actId="165"/>
+          <ac:spMkLst>
+            <pc:docMk/>
+            <pc:sldMk cId="1645475767" sldId="256"/>
+            <ac:spMk id="228" creationId="{EE0FCCF9-B8F0-C0F4-8FA8-6A58FC68119D}"/>
+          </ac:spMkLst>
+        </pc:spChg>
+        <pc:spChg chg="add mod">
+          <ac:chgData name="Joseph Wonsil" userId="f7a5a8f17f3cf2df" providerId="LiveId" clId="{8C080609-7CCE-411B-84E6-72C44917ABCF}" dt="2023-10-18T23:26:23.543" v="1483" actId="1036"/>
+          <ac:spMkLst>
+            <pc:docMk/>
+            <pc:sldMk cId="1645475767" sldId="256"/>
+            <ac:spMk id="230" creationId="{A412271C-0293-8FAC-A024-C597CF244023}"/>
+          </ac:spMkLst>
+        </pc:spChg>
+        <pc:spChg chg="add del mod">
+          <ac:chgData name="Joseph Wonsil" userId="f7a5a8f17f3cf2df" providerId="LiveId" clId="{8C080609-7CCE-411B-84E6-72C44917ABCF}" dt="2023-10-18T20:06:32.361" v="485" actId="478"/>
+          <ac:spMkLst>
+            <pc:docMk/>
+            <pc:sldMk cId="1645475767" sldId="256"/>
+            <ac:spMk id="233" creationId="{A392A038-906A-DF2B-C823-6DBBE7762584}"/>
+          </ac:spMkLst>
+        </pc:spChg>
+        <pc:spChg chg="add mod">
+          <ac:chgData name="Joseph Wonsil" userId="f7a5a8f17f3cf2df" providerId="LiveId" clId="{8C080609-7CCE-411B-84E6-72C44917ABCF}" dt="2023-10-18T20:24:50.969" v="735" actId="164"/>
+          <ac:spMkLst>
+            <pc:docMk/>
+            <pc:sldMk cId="1645475767" sldId="256"/>
+            <ac:spMk id="235" creationId="{B8ACB6A0-BEBA-1B6C-4E82-D0C43185E879}"/>
+          </ac:spMkLst>
+        </pc:spChg>
+        <pc:spChg chg="add mod">
+          <ac:chgData name="Joseph Wonsil" userId="f7a5a8f17f3cf2df" providerId="LiveId" clId="{8C080609-7CCE-411B-84E6-72C44917ABCF}" dt="2023-10-18T23:26:23.543" v="1483" actId="1036"/>
+          <ac:spMkLst>
+            <pc:docMk/>
+            <pc:sldMk cId="1645475767" sldId="256"/>
+            <ac:spMk id="238" creationId="{EBDD0F59-C0A1-5DFE-3F5E-F797A3C05FA3}"/>
+          </ac:spMkLst>
+        </pc:spChg>
+        <pc:spChg chg="add mod">
+          <ac:chgData name="Joseph Wonsil" userId="f7a5a8f17f3cf2df" providerId="LiveId" clId="{8C080609-7CCE-411B-84E6-72C44917ABCF}" dt="2023-10-18T23:26:23.543" v="1483" actId="1036"/>
+          <ac:spMkLst>
+            <pc:docMk/>
+            <pc:sldMk cId="1645475767" sldId="256"/>
+            <ac:spMk id="240" creationId="{65D2929C-1097-3DCB-AD36-0DC797EDF22D}"/>
+          </ac:spMkLst>
+        </pc:spChg>
+        <pc:spChg chg="add mod">
+          <ac:chgData name="Joseph Wonsil" userId="f7a5a8f17f3cf2df" providerId="LiveId" clId="{8C080609-7CCE-411B-84E6-72C44917ABCF}" dt="2023-10-18T23:26:23.543" v="1483" actId="1036"/>
+          <ac:spMkLst>
+            <pc:docMk/>
+            <pc:sldMk cId="1645475767" sldId="256"/>
+            <ac:spMk id="246" creationId="{393737DC-96D0-A430-733E-25813A41BD16}"/>
+          </ac:spMkLst>
+        </pc:spChg>
+        <pc:spChg chg="add mod">
+          <ac:chgData name="Joseph Wonsil" userId="f7a5a8f17f3cf2df" providerId="LiveId" clId="{8C080609-7CCE-411B-84E6-72C44917ABCF}" dt="2023-10-18T23:26:23.543" v="1483" actId="1036"/>
+          <ac:spMkLst>
+            <pc:docMk/>
+            <pc:sldMk cId="1645475767" sldId="256"/>
+            <ac:spMk id="254" creationId="{D69DA629-519B-B2FA-292E-D394590F6BEE}"/>
+          </ac:spMkLst>
+        </pc:spChg>
+        <pc:spChg chg="add mod">
+          <ac:chgData name="Joseph Wonsil" userId="f7a5a8f17f3cf2df" providerId="LiveId" clId="{8C080609-7CCE-411B-84E6-72C44917ABCF}" dt="2023-10-18T23:26:23.543" v="1483" actId="1036"/>
+          <ac:spMkLst>
+            <pc:docMk/>
+            <pc:sldMk cId="1645475767" sldId="256"/>
+            <ac:spMk id="268" creationId="{449FE6F4-DC13-BF05-AF6E-73E38ACE71B8}"/>
+          </ac:spMkLst>
+        </pc:spChg>
+        <pc:spChg chg="add mod">
+          <ac:chgData name="Joseph Wonsil" userId="f7a5a8f17f3cf2df" providerId="LiveId" clId="{8C080609-7CCE-411B-84E6-72C44917ABCF}" dt="2023-10-18T20:17:27.728" v="638" actId="164"/>
+          <ac:spMkLst>
+            <pc:docMk/>
+            <pc:sldMk cId="1645475767" sldId="256"/>
+            <ac:spMk id="270" creationId="{B5990806-A5FA-4AAD-83A6-4F1B6A8A61EB}"/>
+          </ac:spMkLst>
+        </pc:spChg>
+        <pc:spChg chg="add mod">
+          <ac:chgData name="Joseph Wonsil" userId="f7a5a8f17f3cf2df" providerId="LiveId" clId="{8C080609-7CCE-411B-84E6-72C44917ABCF}" dt="2023-10-18T23:20:56.176" v="1435" actId="1035"/>
+          <ac:spMkLst>
+            <pc:docMk/>
+            <pc:sldMk cId="1645475767" sldId="256"/>
+            <ac:spMk id="271" creationId="{14D7BAFA-9311-A224-70E1-53DB2C8D3CAE}"/>
+          </ac:spMkLst>
+        </pc:spChg>
+        <pc:spChg chg="add mod">
+          <ac:chgData name="Joseph Wonsil" userId="f7a5a8f17f3cf2df" providerId="LiveId" clId="{8C080609-7CCE-411B-84E6-72C44917ABCF}" dt="2023-10-18T23:26:23.543" v="1483" actId="1036"/>
+          <ac:spMkLst>
+            <pc:docMk/>
+            <pc:sldMk cId="1645475767" sldId="256"/>
+            <ac:spMk id="272" creationId="{9FB30DB4-3A65-8325-66C1-1C35BDDCC64B}"/>
+          </ac:spMkLst>
+        </pc:spChg>
+        <pc:spChg chg="add del mod">
+          <ac:chgData name="Joseph Wonsil" userId="f7a5a8f17f3cf2df" providerId="LiveId" clId="{8C080609-7CCE-411B-84E6-72C44917ABCF}" dt="2023-10-18T20:37:06.888" v="992" actId="478"/>
+          <ac:spMkLst>
+            <pc:docMk/>
+            <pc:sldMk cId="1645475767" sldId="256"/>
+            <ac:spMk id="279" creationId="{CE1A34E2-A345-0590-03F5-1EDFA711A67A}"/>
+          </ac:spMkLst>
+        </pc:spChg>
+        <pc:spChg chg="add mod">
+          <ac:chgData name="Joseph Wonsil" userId="f7a5a8f17f3cf2df" providerId="LiveId" clId="{8C080609-7CCE-411B-84E6-72C44917ABCF}" dt="2023-10-18T23:26:23.543" v="1483" actId="1036"/>
+          <ac:spMkLst>
+            <pc:docMk/>
+            <pc:sldMk cId="1645475767" sldId="256"/>
+            <ac:spMk id="281" creationId="{6B7888B1-5AC7-5F61-2E31-6969BD259062}"/>
+          </ac:spMkLst>
+        </pc:spChg>
+        <pc:spChg chg="add mod">
+          <ac:chgData name="Joseph Wonsil" userId="f7a5a8f17f3cf2df" providerId="LiveId" clId="{8C080609-7CCE-411B-84E6-72C44917ABCF}" dt="2023-10-18T23:26:23.543" v="1483" actId="1036"/>
+          <ac:spMkLst>
+            <pc:docMk/>
+            <pc:sldMk cId="1645475767" sldId="256"/>
+            <ac:spMk id="286" creationId="{298BECD7-46E2-C328-55E6-A45B4670BECA}"/>
+          </ac:spMkLst>
+        </pc:spChg>
+        <pc:spChg chg="add mod">
+          <ac:chgData name="Joseph Wonsil" userId="f7a5a8f17f3cf2df" providerId="LiveId" clId="{8C080609-7CCE-411B-84E6-72C44917ABCF}" dt="2023-10-18T23:26:23.543" v="1483" actId="1036"/>
+          <ac:spMkLst>
+            <pc:docMk/>
+            <pc:sldMk cId="1645475767" sldId="256"/>
+            <ac:spMk id="290" creationId="{332C5BD7-55A8-4BB9-9B12-340F8BC9D237}"/>
+          </ac:spMkLst>
+        </pc:spChg>
+        <pc:spChg chg="add mod">
+          <ac:chgData name="Joseph Wonsil" userId="f7a5a8f17f3cf2df" providerId="LiveId" clId="{8C080609-7CCE-411B-84E6-72C44917ABCF}" dt="2023-10-18T23:26:23.543" v="1483" actId="1036"/>
+          <ac:spMkLst>
+            <pc:docMk/>
+            <pc:sldMk cId="1645475767" sldId="256"/>
+            <ac:spMk id="291" creationId="{FECF43F6-9555-251D-885A-46D003D7365D}"/>
+          </ac:spMkLst>
+        </pc:spChg>
+        <pc:spChg chg="add mod topLvl">
+          <ac:chgData name="Joseph Wonsil" userId="f7a5a8f17f3cf2df" providerId="LiveId" clId="{8C080609-7CCE-411B-84E6-72C44917ABCF}" dt="2023-10-18T23:35:04.242" v="1689" actId="165"/>
+          <ac:spMkLst>
+            <pc:docMk/>
+            <pc:sldMk cId="1645475767" sldId="256"/>
+            <ac:spMk id="308" creationId="{989CDA4F-A434-3232-BF4A-9BF9789ACE4B}"/>
+          </ac:spMkLst>
+        </pc:spChg>
+        <pc:spChg chg="add mod topLvl">
+          <ac:chgData name="Joseph Wonsil" userId="f7a5a8f17f3cf2df" providerId="LiveId" clId="{8C080609-7CCE-411B-84E6-72C44917ABCF}" dt="2023-10-18T23:35:04.242" v="1689" actId="165"/>
+          <ac:spMkLst>
+            <pc:docMk/>
+            <pc:sldMk cId="1645475767" sldId="256"/>
+            <ac:spMk id="312" creationId="{CEA69A73-CED3-8FF0-56B9-F0FA85C415DA}"/>
+          </ac:spMkLst>
+        </pc:spChg>
+        <pc:spChg chg="add mod">
+          <ac:chgData name="Joseph Wonsil" userId="f7a5a8f17f3cf2df" providerId="LiveId" clId="{8C080609-7CCE-411B-84E6-72C44917ABCF}" dt="2023-10-18T23:26:23.543" v="1483" actId="1036"/>
+          <ac:spMkLst>
+            <pc:docMk/>
+            <pc:sldMk cId="1645475767" sldId="256"/>
+            <ac:spMk id="318" creationId="{63B3D97B-2E6C-1258-48F9-8C783923327E}"/>
+          </ac:spMkLst>
+        </pc:spChg>
+        <pc:spChg chg="add mod">
+          <ac:chgData name="Joseph Wonsil" userId="f7a5a8f17f3cf2df" providerId="LiveId" clId="{8C080609-7CCE-411B-84E6-72C44917ABCF}" dt="2023-10-18T20:24:58.243" v="736" actId="2085"/>
+          <ac:spMkLst>
+            <pc:docMk/>
+            <pc:sldMk cId="1645475767" sldId="256"/>
+            <ac:spMk id="327" creationId="{C54D5F82-3390-F3E9-D897-F39022FFBB5D}"/>
+          </ac:spMkLst>
+        </pc:spChg>
+        <pc:spChg chg="add mod">
+          <ac:chgData name="Joseph Wonsil" userId="f7a5a8f17f3cf2df" providerId="LiveId" clId="{8C080609-7CCE-411B-84E6-72C44917ABCF}" dt="2023-10-18T20:24:58.243" v="736" actId="2085"/>
+          <ac:spMkLst>
+            <pc:docMk/>
+            <pc:sldMk cId="1645475767" sldId="256"/>
+            <ac:spMk id="328" creationId="{CAA22E7D-5488-7DF7-1454-3B2474E7DE37}"/>
+          </ac:spMkLst>
+        </pc:spChg>
+        <pc:spChg chg="add mod">
+          <ac:chgData name="Joseph Wonsil" userId="f7a5a8f17f3cf2df" providerId="LiveId" clId="{8C080609-7CCE-411B-84E6-72C44917ABCF}" dt="2023-10-18T23:26:23.543" v="1483" actId="1036"/>
+          <ac:spMkLst>
+            <pc:docMk/>
+            <pc:sldMk cId="1645475767" sldId="256"/>
+            <ac:spMk id="338" creationId="{121AB96C-68CA-961C-E780-78F888C739AE}"/>
+          </ac:spMkLst>
+        </pc:spChg>
+        <pc:spChg chg="add del mod">
+          <ac:chgData name="Joseph Wonsil" userId="f7a5a8f17f3cf2df" providerId="LiveId" clId="{8C080609-7CCE-411B-84E6-72C44917ABCF}" dt="2023-10-18T20:34:32.992" v="835" actId="478"/>
+          <ac:spMkLst>
+            <pc:docMk/>
+            <pc:sldMk cId="1645475767" sldId="256"/>
+            <ac:spMk id="359" creationId="{A91BC84C-1C0D-CEE8-9714-6B6902242CE4}"/>
+          </ac:spMkLst>
+        </pc:spChg>
+        <pc:spChg chg="add mod">
+          <ac:chgData name="Joseph Wonsil" userId="f7a5a8f17f3cf2df" providerId="LiveId" clId="{8C080609-7CCE-411B-84E6-72C44917ABCF}" dt="2023-10-18T23:26:23.543" v="1483" actId="1036"/>
+          <ac:spMkLst>
+            <pc:docMk/>
+            <pc:sldMk cId="1645475767" sldId="256"/>
+            <ac:spMk id="391" creationId="{0FA0E725-9150-71D7-F381-884209738BAE}"/>
+          </ac:spMkLst>
+        </pc:spChg>
+        <pc:spChg chg="add mod">
+          <ac:chgData name="Joseph Wonsil" userId="f7a5a8f17f3cf2df" providerId="LiveId" clId="{8C080609-7CCE-411B-84E6-72C44917ABCF}" dt="2023-10-18T23:26:23.543" v="1483" actId="1036"/>
+          <ac:spMkLst>
+            <pc:docMk/>
+            <pc:sldMk cId="1645475767" sldId="256"/>
+            <ac:spMk id="393" creationId="{AEEDA56F-ED36-B961-415D-CC6DB3A1FBD6}"/>
+          </ac:spMkLst>
+        </pc:spChg>
+        <pc:spChg chg="add del mod">
+          <ac:chgData name="Joseph Wonsil" userId="f7a5a8f17f3cf2df" providerId="LiveId" clId="{8C080609-7CCE-411B-84E6-72C44917ABCF}" dt="2023-10-18T23:36:36.285" v="1695" actId="478"/>
+          <ac:spMkLst>
+            <pc:docMk/>
+            <pc:sldMk cId="1645475767" sldId="256"/>
+            <ac:spMk id="453" creationId="{1D13A3AE-0B83-E2EF-F9EB-881B3A2AE16B}"/>
+          </ac:spMkLst>
+        </pc:spChg>
+        <pc:grpChg chg="add mod">
+          <ac:chgData name="Joseph Wonsil" userId="f7a5a8f17f3cf2df" providerId="LiveId" clId="{8C080609-7CCE-411B-84E6-72C44917ABCF}" dt="2023-10-18T20:04:12.209" v="363" actId="164"/>
+          <ac:grpSpMkLst>
+            <pc:docMk/>
+            <pc:sldMk cId="1645475767" sldId="256"/>
+            <ac:grpSpMk id="217" creationId="{0228E911-541A-56E9-842E-896DE840C364}"/>
+          </ac:grpSpMkLst>
+        </pc:grpChg>
+        <pc:grpChg chg="add mod">
+          <ac:chgData name="Joseph Wonsil" userId="f7a5a8f17f3cf2df" providerId="LiveId" clId="{8C080609-7CCE-411B-84E6-72C44917ABCF}" dt="2023-10-18T23:26:23.543" v="1483" actId="1036"/>
+          <ac:grpSpMkLst>
+            <pc:docMk/>
+            <pc:sldMk cId="1645475767" sldId="256"/>
+            <ac:grpSpMk id="301" creationId="{DD4639EE-10B2-D0BE-C573-62FDD98D4E33}"/>
+          </ac:grpSpMkLst>
+        </pc:grpChg>
+        <pc:grpChg chg="add del mod">
+          <ac:chgData name="Joseph Wonsil" userId="f7a5a8f17f3cf2df" providerId="LiveId" clId="{8C080609-7CCE-411B-84E6-72C44917ABCF}" dt="2023-10-18T23:35:04.242" v="1689" actId="165"/>
+          <ac:grpSpMkLst>
+            <pc:docMk/>
+            <pc:sldMk cId="1645475767" sldId="256"/>
+            <ac:grpSpMk id="321" creationId="{CFCEC70D-EE9E-8FF5-A986-8ABFF51B0B67}"/>
+          </ac:grpSpMkLst>
+        </pc:grpChg>
+        <pc:grpChg chg="add mod">
+          <ac:chgData name="Joseph Wonsil" userId="f7a5a8f17f3cf2df" providerId="LiveId" clId="{8C080609-7CCE-411B-84E6-72C44917ABCF}" dt="2023-10-18T23:26:23.543" v="1483" actId="1036"/>
+          <ac:grpSpMkLst>
+            <pc:docMk/>
+            <pc:sldMk cId="1645475767" sldId="256"/>
+            <ac:grpSpMk id="345" creationId="{A5E5AD25-3A1E-D595-C5A1-A8F9193493ED}"/>
+          </ac:grpSpMkLst>
+        </pc:grpChg>
+        <pc:picChg chg="add del mod">
+          <ac:chgData name="Joseph Wonsil" userId="f7a5a8f17f3cf2df" providerId="LiveId" clId="{8C080609-7CCE-411B-84E6-72C44917ABCF}" dt="2023-10-18T20:01:58.765" v="324" actId="478"/>
+          <ac:picMkLst>
+            <pc:docMk/>
+            <pc:sldMk cId="1645475767" sldId="256"/>
+            <ac:picMk id="214" creationId="{265B44B4-B989-C403-0913-7D0C712CC188}"/>
+          </ac:picMkLst>
+        </pc:picChg>
+        <pc:cxnChg chg="mod">
+          <ac:chgData name="Joseph Wonsil" userId="f7a5a8f17f3cf2df" providerId="LiveId" clId="{8C080609-7CCE-411B-84E6-72C44917ABCF}" dt="2023-10-18T23:26:23.543" v="1483" actId="1036"/>
+          <ac:cxnSpMkLst>
+            <pc:docMk/>
+            <pc:sldMk cId="1645475767" sldId="256"/>
+            <ac:cxnSpMk id="4" creationId="{1FAF49EF-246B-5065-399F-6F3D99F68D6C}"/>
+          </ac:cxnSpMkLst>
+        </pc:cxnChg>
+        <pc:cxnChg chg="del mod">
+          <ac:chgData name="Joseph Wonsil" userId="f7a5a8f17f3cf2df" providerId="LiveId" clId="{8C080609-7CCE-411B-84E6-72C44917ABCF}" dt="2023-10-18T19:30:28.185" v="0" actId="478"/>
+          <ac:cxnSpMkLst>
+            <pc:docMk/>
+            <pc:sldMk cId="1645475767" sldId="256"/>
+            <ac:cxnSpMk id="7" creationId="{CFFEAC4B-C6E1-0754-849B-C9DE5A9020F3}"/>
+          </ac:cxnSpMkLst>
+        </pc:cxnChg>
+        <pc:cxnChg chg="mod">
+          <ac:chgData name="Joseph Wonsil" userId="f7a5a8f17f3cf2df" providerId="LiveId" clId="{8C080609-7CCE-411B-84E6-72C44917ABCF}" dt="2023-10-18T23:26:23.543" v="1483" actId="1036"/>
+          <ac:cxnSpMkLst>
+            <pc:docMk/>
+            <pc:sldMk cId="1645475767" sldId="256"/>
+            <ac:cxnSpMk id="8" creationId="{E3A3FFC5-3ECB-F504-1EB7-79E7359B9CFC}"/>
+          </ac:cxnSpMkLst>
+        </pc:cxnChg>
+        <pc:cxnChg chg="mod">
+          <ac:chgData name="Joseph Wonsil" userId="f7a5a8f17f3cf2df" providerId="LiveId" clId="{8C080609-7CCE-411B-84E6-72C44917ABCF}" dt="2023-10-18T23:26:23.543" v="1483" actId="1036"/>
+          <ac:cxnSpMkLst>
+            <pc:docMk/>
+            <pc:sldMk cId="1645475767" sldId="256"/>
+            <ac:cxnSpMk id="9" creationId="{0A563654-6AF8-5959-7EF7-1707843DF81A}"/>
+          </ac:cxnSpMkLst>
+        </pc:cxnChg>
+        <pc:cxnChg chg="mod">
+          <ac:chgData name="Joseph Wonsil" userId="f7a5a8f17f3cf2df" providerId="LiveId" clId="{8C080609-7CCE-411B-84E6-72C44917ABCF}" dt="2023-10-18T23:26:23.543" v="1483" actId="1036"/>
+          <ac:cxnSpMkLst>
+            <pc:docMk/>
+            <pc:sldMk cId="1645475767" sldId="256"/>
+            <ac:cxnSpMk id="23" creationId="{23D61AF6-840C-7E29-57B3-7DB3D4B2CB5B}"/>
+          </ac:cxnSpMkLst>
+        </pc:cxnChg>
+        <pc:cxnChg chg="mod">
+          <ac:chgData name="Joseph Wonsil" userId="f7a5a8f17f3cf2df" providerId="LiveId" clId="{8C080609-7CCE-411B-84E6-72C44917ABCF}" dt="2023-10-18T23:26:23.543" v="1483" actId="1036"/>
+          <ac:cxnSpMkLst>
+            <pc:docMk/>
+            <pc:sldMk cId="1645475767" sldId="256"/>
+            <ac:cxnSpMk id="30" creationId="{92CF7358-07D9-EA8C-0D7A-860C9F5C5ACF}"/>
+          </ac:cxnSpMkLst>
+        </pc:cxnChg>
+        <pc:cxnChg chg="mod">
+          <ac:chgData name="Joseph Wonsil" userId="f7a5a8f17f3cf2df" providerId="LiveId" clId="{8C080609-7CCE-411B-84E6-72C44917ABCF}" dt="2023-10-18T23:29:31.514" v="1598" actId="14100"/>
+          <ac:cxnSpMkLst>
+            <pc:docMk/>
+            <pc:sldMk cId="1645475767" sldId="256"/>
+            <ac:cxnSpMk id="34" creationId="{8C48BD3A-932B-C7D1-C21F-389E8FA1D750}"/>
+          </ac:cxnSpMkLst>
+        </pc:cxnChg>
+        <pc:cxnChg chg="mod">
+          <ac:chgData name="Joseph Wonsil" userId="f7a5a8f17f3cf2df" providerId="LiveId" clId="{8C080609-7CCE-411B-84E6-72C44917ABCF}" dt="2023-10-18T23:26:23.543" v="1483" actId="1036"/>
+          <ac:cxnSpMkLst>
+            <pc:docMk/>
+            <pc:sldMk cId="1645475767" sldId="256"/>
+            <ac:cxnSpMk id="37" creationId="{6F20C18C-B4A8-7CAD-913D-7F0217BF73CC}"/>
+          </ac:cxnSpMkLst>
+        </pc:cxnChg>
+        <pc:cxnChg chg="mod">
+          <ac:chgData name="Joseph Wonsil" userId="f7a5a8f17f3cf2df" providerId="LiveId" clId="{8C080609-7CCE-411B-84E6-72C44917ABCF}" dt="2023-10-18T23:26:23.543" v="1483" actId="1036"/>
+          <ac:cxnSpMkLst>
+            <pc:docMk/>
+            <pc:sldMk cId="1645475767" sldId="256"/>
+            <ac:cxnSpMk id="46" creationId="{34027DC1-9608-8FC2-B855-03FC2D10CF3D}"/>
+          </ac:cxnSpMkLst>
+        </pc:cxnChg>
+        <pc:cxnChg chg="mod">
+          <ac:chgData name="Joseph Wonsil" userId="f7a5a8f17f3cf2df" providerId="LiveId" clId="{8C080609-7CCE-411B-84E6-72C44917ABCF}" dt="2023-10-18T23:26:23.543" v="1483" actId="1036"/>
+          <ac:cxnSpMkLst>
+            <pc:docMk/>
+            <pc:sldMk cId="1645475767" sldId="256"/>
+            <ac:cxnSpMk id="50" creationId="{3E940EC5-3D16-B53B-92BC-3B51950E358D}"/>
+          </ac:cxnSpMkLst>
+        </pc:cxnChg>
+        <pc:cxnChg chg="mod">
+          <ac:chgData name="Joseph Wonsil" userId="f7a5a8f17f3cf2df" providerId="LiveId" clId="{8C080609-7CCE-411B-84E6-72C44917ABCF}" dt="2023-10-18T23:26:23.543" v="1483" actId="1036"/>
+          <ac:cxnSpMkLst>
+            <pc:docMk/>
+            <pc:sldMk cId="1645475767" sldId="256"/>
+            <ac:cxnSpMk id="53" creationId="{1C2578E2-210F-BFA7-80C8-ADB6B3D34E24}"/>
+          </ac:cxnSpMkLst>
+        </pc:cxnChg>
+        <pc:cxnChg chg="mod">
+          <ac:chgData name="Joseph Wonsil" userId="f7a5a8f17f3cf2df" providerId="LiveId" clId="{8C080609-7CCE-411B-84E6-72C44917ABCF}" dt="2023-10-18T23:26:23.543" v="1483" actId="1036"/>
+          <ac:cxnSpMkLst>
+            <pc:docMk/>
+            <pc:sldMk cId="1645475767" sldId="256"/>
+            <ac:cxnSpMk id="56" creationId="{CE6983D4-3F57-B5C6-DA2B-A89A230613C8}"/>
+          </ac:cxnSpMkLst>
+        </pc:cxnChg>
+        <pc:cxnChg chg="mod">
+          <ac:chgData name="Joseph Wonsil" userId="f7a5a8f17f3cf2df" providerId="LiveId" clId="{8C080609-7CCE-411B-84E6-72C44917ABCF}" dt="2023-10-18T23:29:36.229" v="1600" actId="14100"/>
+          <ac:cxnSpMkLst>
+            <pc:docMk/>
+            <pc:sldMk cId="1645475767" sldId="256"/>
+            <ac:cxnSpMk id="62" creationId="{4467B832-EDA5-D418-B682-ECA109408340}"/>
+          </ac:cxnSpMkLst>
+        </pc:cxnChg>
+        <pc:cxnChg chg="mod">
+          <ac:chgData name="Joseph Wonsil" userId="f7a5a8f17f3cf2df" providerId="LiveId" clId="{8C080609-7CCE-411B-84E6-72C44917ABCF}" dt="2023-10-18T23:26:23.543" v="1483" actId="1036"/>
+          <ac:cxnSpMkLst>
+            <pc:docMk/>
+            <pc:sldMk cId="1645475767" sldId="256"/>
+            <ac:cxnSpMk id="69" creationId="{145A7E76-DF91-F32D-9FB1-A172DA075F92}"/>
+          </ac:cxnSpMkLst>
+        </pc:cxnChg>
+        <pc:cxnChg chg="mod">
+          <ac:chgData name="Joseph Wonsil" userId="f7a5a8f17f3cf2df" providerId="LiveId" clId="{8C080609-7CCE-411B-84E6-72C44917ABCF}" dt="2023-10-18T23:26:23.543" v="1483" actId="1036"/>
+          <ac:cxnSpMkLst>
+            <pc:docMk/>
+            <pc:sldMk cId="1645475767" sldId="256"/>
+            <ac:cxnSpMk id="73" creationId="{71C4DB77-00EC-7C19-199C-316CA4BAC798}"/>
+          </ac:cxnSpMkLst>
+        </pc:cxnChg>
+        <pc:cxnChg chg="mod">
+          <ac:chgData name="Joseph Wonsil" userId="f7a5a8f17f3cf2df" providerId="LiveId" clId="{8C080609-7CCE-411B-84E6-72C44917ABCF}" dt="2023-10-18T23:35:16.754" v="1691" actId="14100"/>
+          <ac:cxnSpMkLst>
+            <pc:docMk/>
+            <pc:sldMk cId="1645475767" sldId="256"/>
+            <ac:cxnSpMk id="75" creationId="{FB24C36A-F777-3F4B-7F99-AC0F285C243D}"/>
+          </ac:cxnSpMkLst>
+        </pc:cxnChg>
+        <pc:cxnChg chg="mod">
+          <ac:chgData name="Joseph Wonsil" userId="f7a5a8f17f3cf2df" providerId="LiveId" clId="{8C080609-7CCE-411B-84E6-72C44917ABCF}" dt="2023-10-18T23:30:34.381" v="1677" actId="14100"/>
+          <ac:cxnSpMkLst>
+            <pc:docMk/>
+            <pc:sldMk cId="1645475767" sldId="256"/>
+            <ac:cxnSpMk id="77" creationId="{3AC8B372-20BA-0704-66B7-39F62AA3CBF9}"/>
+          </ac:cxnSpMkLst>
+        </pc:cxnChg>
+        <pc:cxnChg chg="mod">
+          <ac:chgData name="Joseph Wonsil" userId="f7a5a8f17f3cf2df" providerId="LiveId" clId="{8C080609-7CCE-411B-84E6-72C44917ABCF}" dt="2023-10-18T23:26:23.543" v="1483" actId="1036"/>
+          <ac:cxnSpMkLst>
+            <pc:docMk/>
+            <pc:sldMk cId="1645475767" sldId="256"/>
+            <ac:cxnSpMk id="86" creationId="{EC053AFE-E056-79CC-7911-5BD8825293B3}"/>
+          </ac:cxnSpMkLst>
+        </pc:cxnChg>
+        <pc:cxnChg chg="mod">
+          <ac:chgData name="Joseph Wonsil" userId="f7a5a8f17f3cf2df" providerId="LiveId" clId="{8C080609-7CCE-411B-84E6-72C44917ABCF}" dt="2023-10-18T23:26:23.543" v="1483" actId="1036"/>
+          <ac:cxnSpMkLst>
+            <pc:docMk/>
+            <pc:sldMk cId="1645475767" sldId="256"/>
+            <ac:cxnSpMk id="92" creationId="{E4EFC397-B69B-7C22-91DF-71E352AAA497}"/>
+          </ac:cxnSpMkLst>
+        </pc:cxnChg>
+        <pc:cxnChg chg="mod">
+          <ac:chgData name="Joseph Wonsil" userId="f7a5a8f17f3cf2df" providerId="LiveId" clId="{8C080609-7CCE-411B-84E6-72C44917ABCF}" dt="2023-10-18T23:26:23.543" v="1483" actId="1036"/>
+          <ac:cxnSpMkLst>
+            <pc:docMk/>
+            <pc:sldMk cId="1645475767" sldId="256"/>
+            <ac:cxnSpMk id="140" creationId="{40F6DD3F-D4FB-8B03-9FE5-B051FC5E4D52}"/>
+          </ac:cxnSpMkLst>
+        </pc:cxnChg>
+        <pc:cxnChg chg="mod">
+          <ac:chgData name="Joseph Wonsil" userId="f7a5a8f17f3cf2df" providerId="LiveId" clId="{8C080609-7CCE-411B-84E6-72C44917ABCF}" dt="2023-10-18T23:30:47.929" v="1687" actId="1036"/>
+          <ac:cxnSpMkLst>
+            <pc:docMk/>
+            <pc:sldMk cId="1645475767" sldId="256"/>
+            <ac:cxnSpMk id="145" creationId="{0C692CDF-0F7B-0069-67DF-3E6458131FC3}"/>
+          </ac:cxnSpMkLst>
+        </pc:cxnChg>
+        <pc:cxnChg chg="add mod">
+          <ac:chgData name="Joseph Wonsil" userId="f7a5a8f17f3cf2df" providerId="LiveId" clId="{8C080609-7CCE-411B-84E6-72C44917ABCF}" dt="2023-10-18T23:26:23.543" v="1483" actId="1036"/>
+          <ac:cxnSpMkLst>
+            <pc:docMk/>
+            <pc:sldMk cId="1645475767" sldId="256"/>
+            <ac:cxnSpMk id="245" creationId="{048D4C45-AC60-B9E6-65C9-D9E5D24FCD5A}"/>
+          </ac:cxnSpMkLst>
+        </pc:cxnChg>
+        <pc:cxnChg chg="add mod">
+          <ac:chgData name="Joseph Wonsil" userId="f7a5a8f17f3cf2df" providerId="LiveId" clId="{8C080609-7CCE-411B-84E6-72C44917ABCF}" dt="2023-10-18T23:26:23.543" v="1483" actId="1036"/>
+          <ac:cxnSpMkLst>
+            <pc:docMk/>
+            <pc:sldMk cId="1645475767" sldId="256"/>
+            <ac:cxnSpMk id="293" creationId="{465BFAD8-046F-A3E1-6259-03C898568E09}"/>
+          </ac:cxnSpMkLst>
+        </pc:cxnChg>
+      </pc:sldChg>
+    </pc:docChg>
+  </pc:docChgLst>
+  <pc:docChgLst>
     <pc:chgData name="Joseph Wonsil" userId="f7a5a8f17f3cf2df" providerId="LiveId" clId="{D6ABC174-D68B-445B-A75D-5908BB74AC88}"/>
     <pc:docChg chg="undo custSel modSld">
       <pc:chgData name="Joseph Wonsil" userId="f7a5a8f17f3cf2df" providerId="LiveId" clId="{D6ABC174-D68B-445B-A75D-5908BB74AC88}" dt="2023-10-16T23:29:24.950" v="686" actId="1076"/>
@@ -2319,1092 +3415,1204 @@
     </pc:docChg>
   </pc:docChgLst>
   <pc:docChgLst>
-    <pc:chgData name="Joseph Wonsil" userId="f7a5a8f17f3cf2df" providerId="LiveId" clId="{8C080609-7CCE-411B-84E6-72C44917ABCF}"/>
-    <pc:docChg chg="undo custSel modSld">
-      <pc:chgData name="Joseph Wonsil" userId="f7a5a8f17f3cf2df" providerId="LiveId" clId="{8C080609-7CCE-411B-84E6-72C44917ABCF}" dt="2023-10-18T23:36:36.285" v="1695" actId="478"/>
+    <pc:chgData name="Joseph Wonsil" userId="f7a5a8f17f3cf2df" providerId="Windows Live" clId="Web-{67CC9483-2BB2-46C6-A5D4-96425EC9E7F9}"/>
+    <pc:docChg chg="modSld">
+      <pc:chgData name="Joseph Wonsil" userId="f7a5a8f17f3cf2df" providerId="Windows Live" clId="Web-{67CC9483-2BB2-46C6-A5D4-96425EC9E7F9}" dt="2023-10-19T22:05:10.094" v="449" actId="14100"/>
       <pc:docMkLst>
         <pc:docMk/>
       </pc:docMkLst>
-      <pc:sldChg chg="addSp delSp modSp mod">
-        <pc:chgData name="Joseph Wonsil" userId="f7a5a8f17f3cf2df" providerId="LiveId" clId="{8C080609-7CCE-411B-84E6-72C44917ABCF}" dt="2023-10-18T23:36:36.285" v="1695" actId="478"/>
+      <pc:sldChg chg="addSp delSp modSp">
+        <pc:chgData name="Joseph Wonsil" userId="f7a5a8f17f3cf2df" providerId="Windows Live" clId="Web-{67CC9483-2BB2-46C6-A5D4-96425EC9E7F9}" dt="2023-10-19T22:05:10.094" v="449" actId="14100"/>
         <pc:sldMkLst>
           <pc:docMk/>
           <pc:sldMk cId="1645475767" sldId="256"/>
         </pc:sldMkLst>
+        <pc:spChg chg="mod">
+          <ac:chgData name="Joseph Wonsil" userId="f7a5a8f17f3cf2df" providerId="Windows Live" clId="Web-{67CC9483-2BB2-46C6-A5D4-96425EC9E7F9}" dt="2023-10-19T21:13:24.953" v="131" actId="14100"/>
+          <ac:spMkLst>
+            <pc:docMk/>
+            <pc:sldMk cId="1645475767" sldId="256"/>
+            <ac:spMk id="5" creationId="{EDD77D8E-AC62-8835-147A-8365BEE24A8B}"/>
+          </ac:spMkLst>
+        </pc:spChg>
+        <pc:spChg chg="add mod">
+          <ac:chgData name="Joseph Wonsil" userId="f7a5a8f17f3cf2df" providerId="Windows Live" clId="Web-{67CC9483-2BB2-46C6-A5D4-96425EC9E7F9}" dt="2023-10-19T21:19:14.727" v="178" actId="1076"/>
+          <ac:spMkLst>
+            <pc:docMk/>
+            <pc:sldMk cId="1645475767" sldId="256"/>
+            <ac:spMk id="6" creationId="{6D972BEC-5A61-2F94-C38C-4E61977231CB}"/>
+          </ac:spMkLst>
+        </pc:spChg>
+        <pc:spChg chg="add mod">
+          <ac:chgData name="Joseph Wonsil" userId="f7a5a8f17f3cf2df" providerId="Windows Live" clId="Web-{67CC9483-2BB2-46C6-A5D4-96425EC9E7F9}" dt="2023-10-19T21:19:55.197" v="188" actId="1076"/>
+          <ac:spMkLst>
+            <pc:docMk/>
+            <pc:sldMk cId="1645475767" sldId="256"/>
+            <ac:spMk id="7" creationId="{3CF6E26B-FEEB-4601-B0B4-0668FEAE71C2}"/>
+          </ac:spMkLst>
+        </pc:spChg>
+        <pc:spChg chg="add mod">
+          <ac:chgData name="Joseph Wonsil" userId="f7a5a8f17f3cf2df" providerId="Windows Live" clId="Web-{67CC9483-2BB2-46C6-A5D4-96425EC9E7F9}" dt="2023-10-19T21:23:13.983" v="232" actId="14100"/>
+          <ac:spMkLst>
+            <pc:docMk/>
+            <pc:sldMk cId="1645475767" sldId="256"/>
+            <ac:spMk id="12" creationId="{742D11DE-D6EC-4DDC-6EA9-99B6CC283928}"/>
+          </ac:spMkLst>
+        </pc:spChg>
         <pc:spChg chg="del">
-          <ac:chgData name="Joseph Wonsil" userId="f7a5a8f17f3cf2df" providerId="LiveId" clId="{8C080609-7CCE-411B-84E6-72C44917ABCF}" dt="2023-10-18T19:30:28.185" v="0" actId="478"/>
-          <ac:spMkLst>
-            <pc:docMk/>
-            <pc:sldMk cId="1645475767" sldId="256"/>
-            <ac:spMk id="2" creationId="{461DAE0E-18AF-97FF-8732-1CF3DD2A0854}"/>
+          <ac:chgData name="Joseph Wonsil" userId="f7a5a8f17f3cf2df" providerId="Windows Live" clId="Web-{67CC9483-2BB2-46C6-A5D4-96425EC9E7F9}" dt="2023-10-19T21:00:40.496" v="26"/>
+          <ac:spMkLst>
+            <pc:docMk/>
+            <pc:sldMk cId="1645475767" sldId="256"/>
+            <ac:spMk id="15" creationId="{2082AF95-F57E-7714-98E1-6B18874A37D0}"/>
+          </ac:spMkLst>
+        </pc:spChg>
+        <pc:spChg chg="add mod">
+          <ac:chgData name="Joseph Wonsil" userId="f7a5a8f17f3cf2df" providerId="Windows Live" clId="Web-{67CC9483-2BB2-46C6-A5D4-96425EC9E7F9}" dt="2023-10-19T21:19:44.228" v="185" actId="1076"/>
+          <ac:spMkLst>
+            <pc:docMk/>
+            <pc:sldMk cId="1645475767" sldId="256"/>
+            <ac:spMk id="16" creationId="{46137EE1-F891-3B11-7981-FE3D3B5890DB}"/>
+          </ac:spMkLst>
+        </pc:spChg>
+        <pc:spChg chg="del">
+          <ac:chgData name="Joseph Wonsil" userId="f7a5a8f17f3cf2df" providerId="Windows Live" clId="Web-{67CC9483-2BB2-46C6-A5D4-96425EC9E7F9}" dt="2023-10-19T21:08:35.164" v="68"/>
+          <ac:spMkLst>
+            <pc:docMk/>
+            <pc:sldMk cId="1645475767" sldId="256"/>
+            <ac:spMk id="19" creationId="{CDC98E58-B7BF-FC65-3CF4-7910AC6F1E87}"/>
+          </ac:spMkLst>
+        </pc:spChg>
+        <pc:spChg chg="add mod">
+          <ac:chgData name="Joseph Wonsil" userId="f7a5a8f17f3cf2df" providerId="Windows Live" clId="Web-{67CC9483-2BB2-46C6-A5D4-96425EC9E7F9}" dt="2023-10-19T21:16:35.895" v="161" actId="1076"/>
+          <ac:spMkLst>
+            <pc:docMk/>
+            <pc:sldMk cId="1645475767" sldId="256"/>
+            <ac:spMk id="20" creationId="{4F8396E9-5F17-3CA5-D506-A70C1E952C57}"/>
+          </ac:spMkLst>
+        </pc:spChg>
+        <pc:spChg chg="add mod">
+          <ac:chgData name="Joseph Wonsil" userId="f7a5a8f17f3cf2df" providerId="Windows Live" clId="Web-{67CC9483-2BB2-46C6-A5D4-96425EC9E7F9}" dt="2023-10-19T21:17:00.694" v="170" actId="20577"/>
+          <ac:spMkLst>
+            <pc:docMk/>
+            <pc:sldMk cId="1645475767" sldId="256"/>
+            <ac:spMk id="22" creationId="{BB99D1F9-103B-7DA7-5E75-D2AEEE525B6C}"/>
+          </ac:spMkLst>
+        </pc:spChg>
+        <pc:spChg chg="del">
+          <ac:chgData name="Joseph Wonsil" userId="f7a5a8f17f3cf2df" providerId="Windows Live" clId="Web-{67CC9483-2BB2-46C6-A5D4-96425EC9E7F9}" dt="2023-10-19T21:01:21.028" v="43"/>
+          <ac:spMkLst>
+            <pc:docMk/>
+            <pc:sldMk cId="1645475767" sldId="256"/>
+            <ac:spMk id="25" creationId="{E1A7F699-7971-B2D7-583B-A3C58DD464BF}"/>
+          </ac:spMkLst>
+        </pc:spChg>
+        <pc:spChg chg="del">
+          <ac:chgData name="Joseph Wonsil" userId="f7a5a8f17f3cf2df" providerId="Windows Live" clId="Web-{67CC9483-2BB2-46C6-A5D4-96425EC9E7F9}" dt="2023-10-19T21:00:43.402" v="27"/>
+          <ac:spMkLst>
+            <pc:docMk/>
+            <pc:sldMk cId="1645475767" sldId="256"/>
+            <ac:spMk id="26" creationId="{1A397F50-31BF-2C16-56A3-490E4FF86B15}"/>
+          </ac:spMkLst>
+        </pc:spChg>
+        <pc:spChg chg="add mod">
+          <ac:chgData name="Joseph Wonsil" userId="f7a5a8f17f3cf2df" providerId="Windows Live" clId="Web-{67CC9483-2BB2-46C6-A5D4-96425EC9E7F9}" dt="2023-10-19T21:17:42.803" v="177" actId="1076"/>
+          <ac:spMkLst>
+            <pc:docMk/>
+            <pc:sldMk cId="1645475767" sldId="256"/>
+            <ac:spMk id="27" creationId="{17EE57D0-E42E-7D35-85E5-643C04CF2D37}"/>
+          </ac:spMkLst>
+        </pc:spChg>
+        <pc:spChg chg="mod">
+          <ac:chgData name="Joseph Wonsil" userId="f7a5a8f17f3cf2df" providerId="Windows Live" clId="Web-{67CC9483-2BB2-46C6-A5D4-96425EC9E7F9}" dt="2023-10-19T21:28:42.086" v="253" actId="20577"/>
+          <ac:spMkLst>
+            <pc:docMk/>
+            <pc:sldMk cId="1645475767" sldId="256"/>
+            <ac:spMk id="28" creationId="{60C86E43-A887-CEA7-E6E6-67B122EE91E1}"/>
+          </ac:spMkLst>
+        </pc:spChg>
+        <pc:spChg chg="add mod">
+          <ac:chgData name="Joseph Wonsil" userId="f7a5a8f17f3cf2df" providerId="Windows Live" clId="Web-{67CC9483-2BB2-46C6-A5D4-96425EC9E7F9}" dt="2023-10-19T21:20:08.275" v="194" actId="14100"/>
+          <ac:spMkLst>
+            <pc:docMk/>
+            <pc:sldMk cId="1645475767" sldId="256"/>
+            <ac:spMk id="29" creationId="{DDCE7481-5EE9-4AAC-F01E-59B4F23F8A48}"/>
+          </ac:spMkLst>
+        </pc:spChg>
+        <pc:spChg chg="add mod">
+          <ac:chgData name="Joseph Wonsil" userId="f7a5a8f17f3cf2df" providerId="Windows Live" clId="Web-{67CC9483-2BB2-46C6-A5D4-96425EC9E7F9}" dt="2023-10-19T21:20:27.682" v="198" actId="1076"/>
+          <ac:spMkLst>
+            <pc:docMk/>
+            <pc:sldMk cId="1645475767" sldId="256"/>
+            <ac:spMk id="32" creationId="{1F751169-D1D7-6ACB-E1DD-3F84F38FDAE1}"/>
+          </ac:spMkLst>
+        </pc:spChg>
+        <pc:spChg chg="del">
+          <ac:chgData name="Joseph Wonsil" userId="f7a5a8f17f3cf2df" providerId="Windows Live" clId="Web-{67CC9483-2BB2-46C6-A5D4-96425EC9E7F9}" dt="2023-10-19T21:43:10.154" v="351"/>
+          <ac:spMkLst>
+            <pc:docMk/>
+            <pc:sldMk cId="1645475767" sldId="256"/>
+            <ac:spMk id="33" creationId="{B616FDAC-239F-3BA5-52A9-57EC0735B18A}"/>
+          </ac:spMkLst>
+        </pc:spChg>
+        <pc:spChg chg="del">
+          <ac:chgData name="Joseph Wonsil" userId="f7a5a8f17f3cf2df" providerId="Windows Live" clId="Web-{67CC9483-2BB2-46C6-A5D4-96425EC9E7F9}" dt="2023-10-19T21:00:46.980" v="28"/>
+          <ac:spMkLst>
+            <pc:docMk/>
+            <pc:sldMk cId="1645475767" sldId="256"/>
+            <ac:spMk id="35" creationId="{79DFB4C1-7173-2B01-1064-8D6762B11BF5}"/>
+          </ac:spMkLst>
+        </pc:spChg>
+        <pc:spChg chg="add mod">
+          <ac:chgData name="Joseph Wonsil" userId="f7a5a8f17f3cf2df" providerId="Windows Live" clId="Web-{67CC9483-2BB2-46C6-A5D4-96425EC9E7F9}" dt="2023-10-19T21:22:03.700" v="220" actId="1076"/>
+          <ac:spMkLst>
+            <pc:docMk/>
+            <pc:sldMk cId="1645475767" sldId="256"/>
+            <ac:spMk id="36" creationId="{1AD8F266-0FA1-57BB-BBF1-373EB70655FF}"/>
+          </ac:spMkLst>
+        </pc:spChg>
+        <pc:spChg chg="add mod">
+          <ac:chgData name="Joseph Wonsil" userId="f7a5a8f17f3cf2df" providerId="Windows Live" clId="Web-{67CC9483-2BB2-46C6-A5D4-96425EC9E7F9}" dt="2023-10-19T21:21:41.872" v="213" actId="20577"/>
+          <ac:spMkLst>
+            <pc:docMk/>
+            <pc:sldMk cId="1645475767" sldId="256"/>
+            <ac:spMk id="38" creationId="{64EC060F-7690-D1F0-475C-C44712347ABA}"/>
+          </ac:spMkLst>
+        </pc:spChg>
+        <pc:spChg chg="del">
+          <ac:chgData name="Joseph Wonsil" userId="f7a5a8f17f3cf2df" providerId="Windows Live" clId="Web-{67CC9483-2BB2-46C6-A5D4-96425EC9E7F9}" dt="2023-10-19T21:00:49.168" v="29"/>
+          <ac:spMkLst>
+            <pc:docMk/>
+            <pc:sldMk cId="1645475767" sldId="256"/>
+            <ac:spMk id="39" creationId="{6DC816CB-8782-D01C-BC59-A0FB21EA3108}"/>
+          </ac:spMkLst>
+        </pc:spChg>
+        <pc:spChg chg="add mod">
+          <ac:chgData name="Joseph Wonsil" userId="f7a5a8f17f3cf2df" providerId="Windows Live" clId="Web-{67CC9483-2BB2-46C6-A5D4-96425EC9E7F9}" dt="2023-10-19T21:22:28.373" v="224" actId="1076"/>
+          <ac:spMkLst>
+            <pc:docMk/>
+            <pc:sldMk cId="1645475767" sldId="256"/>
+            <ac:spMk id="41" creationId="{6512B431-D175-FDE9-35DB-A1E6D7443B6C}"/>
+          </ac:spMkLst>
+        </pc:spChg>
+        <pc:spChg chg="del">
+          <ac:chgData name="Joseph Wonsil" userId="f7a5a8f17f3cf2df" providerId="Windows Live" clId="Web-{67CC9483-2BB2-46C6-A5D4-96425EC9E7F9}" dt="2023-10-19T21:43:06.842" v="342"/>
+          <ac:spMkLst>
+            <pc:docMk/>
+            <pc:sldMk cId="1645475767" sldId="256"/>
+            <ac:spMk id="43" creationId="{B0ECA40D-A1F1-0CE3-96F9-10D673EB3C97}"/>
+          </ac:spMkLst>
+        </pc:spChg>
+        <pc:spChg chg="add mod">
+          <ac:chgData name="Joseph Wonsil" userId="f7a5a8f17f3cf2df" providerId="Windows Live" clId="Web-{67CC9483-2BB2-46C6-A5D4-96425EC9E7F9}" dt="2023-10-19T21:23:04.639" v="229" actId="1076"/>
+          <ac:spMkLst>
+            <pc:docMk/>
+            <pc:sldMk cId="1645475767" sldId="256"/>
+            <ac:spMk id="44" creationId="{3E091A8C-6111-8A6C-33D3-20BA0A45EFC5}"/>
+          </ac:spMkLst>
+        </pc:spChg>
+        <pc:spChg chg="add mod">
+          <ac:chgData name="Joseph Wonsil" userId="f7a5a8f17f3cf2df" providerId="Windows Live" clId="Web-{67CC9483-2BB2-46C6-A5D4-96425EC9E7F9}" dt="2023-10-19T21:29:13.071" v="259" actId="1076"/>
+          <ac:spMkLst>
+            <pc:docMk/>
+            <pc:sldMk cId="1645475767" sldId="256"/>
+            <ac:spMk id="47" creationId="{B4B4D622-8CCD-1F1B-BDA4-6558D489801B}"/>
+          </ac:spMkLst>
+        </pc:spChg>
+        <pc:spChg chg="del">
+          <ac:chgData name="Joseph Wonsil" userId="f7a5a8f17f3cf2df" providerId="Windows Live" clId="Web-{67CC9483-2BB2-46C6-A5D4-96425EC9E7F9}" dt="2023-10-19T21:08:46.946" v="71"/>
+          <ac:spMkLst>
+            <pc:docMk/>
+            <pc:sldMk cId="1645475767" sldId="256"/>
+            <ac:spMk id="49" creationId="{842C1335-EDA0-BED9-1A06-5454B66B2CE0}"/>
+          </ac:spMkLst>
+        </pc:spChg>
+        <pc:spChg chg="add mod">
+          <ac:chgData name="Joseph Wonsil" userId="f7a5a8f17f3cf2df" providerId="Windows Live" clId="Web-{67CC9483-2BB2-46C6-A5D4-96425EC9E7F9}" dt="2023-10-19T21:29:54.634" v="271" actId="14100"/>
+          <ac:spMkLst>
+            <pc:docMk/>
+            <pc:sldMk cId="1645475767" sldId="256"/>
+            <ac:spMk id="51" creationId="{CBFC71D5-6A2B-3C91-3440-F7A68E13714E}"/>
+          </ac:spMkLst>
+        </pc:spChg>
+        <pc:spChg chg="del">
+          <ac:chgData name="Joseph Wonsil" userId="f7a5a8f17f3cf2df" providerId="Windows Live" clId="Web-{67CC9483-2BB2-46C6-A5D4-96425EC9E7F9}" dt="2023-10-19T21:08:24.023" v="66"/>
+          <ac:spMkLst>
+            <pc:docMk/>
+            <pc:sldMk cId="1645475767" sldId="256"/>
+            <ac:spMk id="52" creationId="{7317D925-AE7B-290C-67A6-493750A3352F}"/>
+          </ac:spMkLst>
+        </pc:spChg>
+        <pc:spChg chg="add mod">
+          <ac:chgData name="Joseph Wonsil" userId="f7a5a8f17f3cf2df" providerId="Windows Live" clId="Web-{67CC9483-2BB2-46C6-A5D4-96425EC9E7F9}" dt="2023-10-19T21:30:12.119" v="275" actId="1076"/>
+          <ac:spMkLst>
+            <pc:docMk/>
+            <pc:sldMk cId="1645475767" sldId="256"/>
+            <ac:spMk id="54" creationId="{BF118E14-6AAF-BDF9-ED62-6E905F777BE0}"/>
+          </ac:spMkLst>
+        </pc:spChg>
+        <pc:spChg chg="del">
+          <ac:chgData name="Joseph Wonsil" userId="f7a5a8f17f3cf2df" providerId="Windows Live" clId="Web-{67CC9483-2BB2-46C6-A5D4-96425EC9E7F9}" dt="2023-10-19T21:08:28.914" v="67"/>
+          <ac:spMkLst>
+            <pc:docMk/>
+            <pc:sldMk cId="1645475767" sldId="256"/>
+            <ac:spMk id="55" creationId="{A5E815BE-843F-B791-FF94-453526BE2EF2}"/>
+          </ac:spMkLst>
+        </pc:spChg>
+        <pc:spChg chg="add mod">
+          <ac:chgData name="Joseph Wonsil" userId="f7a5a8f17f3cf2df" providerId="Windows Live" clId="Web-{67CC9483-2BB2-46C6-A5D4-96425EC9E7F9}" dt="2023-10-19T21:30:37.776" v="285" actId="14100"/>
+          <ac:spMkLst>
+            <pc:docMk/>
+            <pc:sldMk cId="1645475767" sldId="256"/>
+            <ac:spMk id="58" creationId="{50825225-2F2D-5D3D-D0C6-ED0D185F1FC7}"/>
+          </ac:spMkLst>
+        </pc:spChg>
+        <pc:spChg chg="add mod">
+          <ac:chgData name="Joseph Wonsil" userId="f7a5a8f17f3cf2df" providerId="Windows Live" clId="Web-{67CC9483-2BB2-46C6-A5D4-96425EC9E7F9}" dt="2023-10-19T21:31:32.543" v="303" actId="1076"/>
+          <ac:spMkLst>
+            <pc:docMk/>
+            <pc:sldMk cId="1645475767" sldId="256"/>
+            <ac:spMk id="59" creationId="{7EC8E4B0-67B8-283D-2FEC-B11F5B9D721C}"/>
+          </ac:spMkLst>
+        </pc:spChg>
+        <pc:spChg chg="del">
+          <ac:chgData name="Joseph Wonsil" userId="f7a5a8f17f3cf2df" providerId="Windows Live" clId="Web-{67CC9483-2BB2-46C6-A5D4-96425EC9E7F9}" dt="2023-10-19T21:43:12.670" v="353"/>
+          <ac:spMkLst>
+            <pc:docMk/>
+            <pc:sldMk cId="1645475767" sldId="256"/>
+            <ac:spMk id="60" creationId="{35FA7E34-1A13-B6DF-79C2-60F41A23F37B}"/>
+          </ac:spMkLst>
+        </pc:spChg>
+        <pc:spChg chg="del">
+          <ac:chgData name="Joseph Wonsil" userId="f7a5a8f17f3cf2df" providerId="Windows Live" clId="Web-{67CC9483-2BB2-46C6-A5D4-96425EC9E7F9}" dt="2023-10-19T21:00:50.824" v="30"/>
+          <ac:spMkLst>
+            <pc:docMk/>
+            <pc:sldMk cId="1645475767" sldId="256"/>
+            <ac:spMk id="63" creationId="{07A62DDE-C94D-4783-4BFD-408E0B156DED}"/>
+          </ac:spMkLst>
+        </pc:spChg>
+        <pc:spChg chg="add mod">
+          <ac:chgData name="Joseph Wonsil" userId="f7a5a8f17f3cf2df" providerId="Windows Live" clId="Web-{67CC9483-2BB2-46C6-A5D4-96425EC9E7F9}" dt="2023-10-19T21:31:46.434" v="310" actId="1076"/>
+          <ac:spMkLst>
+            <pc:docMk/>
+            <pc:sldMk cId="1645475767" sldId="256"/>
+            <ac:spMk id="64" creationId="{00AF63C8-E610-166A-EB8D-9A5E75D0C542}"/>
+          </ac:spMkLst>
+        </pc:spChg>
+        <pc:spChg chg="add mod">
+          <ac:chgData name="Joseph Wonsil" userId="f7a5a8f17f3cf2df" providerId="Windows Live" clId="Web-{67CC9483-2BB2-46C6-A5D4-96425EC9E7F9}" dt="2023-10-19T21:31:57.200" v="312" actId="20577"/>
+          <ac:spMkLst>
+            <pc:docMk/>
+            <pc:sldMk cId="1645475767" sldId="256"/>
+            <ac:spMk id="65" creationId="{F5A0FF69-C258-EB4C-AD36-26FCB9C84FFB}"/>
+          </ac:spMkLst>
+        </pc:spChg>
+        <pc:spChg chg="add mod">
+          <ac:chgData name="Joseph Wonsil" userId="f7a5a8f17f3cf2df" providerId="Windows Live" clId="Web-{67CC9483-2BB2-46C6-A5D4-96425EC9E7F9}" dt="2023-10-19T21:31:52.622" v="311" actId="20577"/>
+          <ac:spMkLst>
+            <pc:docMk/>
+            <pc:sldMk cId="1645475767" sldId="256"/>
+            <ac:spMk id="67" creationId="{D1DA118C-BB7F-C467-916F-B8CA62C1A73E}"/>
+          </ac:spMkLst>
+        </pc:spChg>
+        <pc:spChg chg="add mod">
+          <ac:chgData name="Joseph Wonsil" userId="f7a5a8f17f3cf2df" providerId="Windows Live" clId="Web-{67CC9483-2BB2-46C6-A5D4-96425EC9E7F9}" dt="2023-10-19T21:32:02.075" v="316" actId="1076"/>
+          <ac:spMkLst>
+            <pc:docMk/>
+            <pc:sldMk cId="1645475767" sldId="256"/>
+            <ac:spMk id="68" creationId="{34FACE16-5128-07C9-FA02-6F8B229E2E29}"/>
+          </ac:spMkLst>
+        </pc:spChg>
+        <pc:spChg chg="del">
+          <ac:chgData name="Joseph Wonsil" userId="f7a5a8f17f3cf2df" providerId="Windows Live" clId="Web-{67CC9483-2BB2-46C6-A5D4-96425EC9E7F9}" dt="2023-10-19T21:43:10.154" v="350"/>
+          <ac:spMkLst>
+            <pc:docMk/>
+            <pc:sldMk cId="1645475767" sldId="256"/>
+            <ac:spMk id="71" creationId="{2A34F01A-7639-BB9B-04EC-3D4D626FAB55}"/>
+          </ac:spMkLst>
+        </pc:spChg>
+        <pc:spChg chg="add mod">
+          <ac:chgData name="Joseph Wonsil" userId="f7a5a8f17f3cf2df" providerId="Windows Live" clId="Web-{67CC9483-2BB2-46C6-A5D4-96425EC9E7F9}" dt="2023-10-19T21:32:02.372" v="318" actId="1076"/>
+          <ac:spMkLst>
+            <pc:docMk/>
+            <pc:sldMk cId="1645475767" sldId="256"/>
+            <ac:spMk id="72" creationId="{DF26985C-D81A-5506-F6AE-ADF0F3049273}"/>
+          </ac:spMkLst>
+        </pc:spChg>
+        <pc:spChg chg="del">
+          <ac:chgData name="Joseph Wonsil" userId="f7a5a8f17f3cf2df" providerId="Windows Live" clId="Web-{67CC9483-2BB2-46C6-A5D4-96425EC9E7F9}" dt="2023-10-19T21:43:09.108" v="343"/>
+          <ac:spMkLst>
+            <pc:docMk/>
+            <pc:sldMk cId="1645475767" sldId="256"/>
+            <ac:spMk id="74" creationId="{52E3ADAE-159A-D64F-DF75-180DC743C4CA}"/>
+          </ac:spMkLst>
+        </pc:spChg>
+        <pc:spChg chg="add mod">
+          <ac:chgData name="Joseph Wonsil" userId="f7a5a8f17f3cf2df" providerId="Windows Live" clId="Web-{67CC9483-2BB2-46C6-A5D4-96425EC9E7F9}" dt="2023-10-19T21:32:15.966" v="322" actId="1076"/>
+          <ac:spMkLst>
+            <pc:docMk/>
+            <pc:sldMk cId="1645475767" sldId="256"/>
+            <ac:spMk id="76" creationId="{FC00C707-CFE2-E5BF-816E-D0477738EF99}"/>
+          </ac:spMkLst>
+        </pc:spChg>
+        <pc:spChg chg="add mod">
+          <ac:chgData name="Joseph Wonsil" userId="f7a5a8f17f3cf2df" providerId="Windows Live" clId="Web-{67CC9483-2BB2-46C6-A5D4-96425EC9E7F9}" dt="2023-10-19T21:32:39.716" v="328" actId="20577"/>
+          <ac:spMkLst>
+            <pc:docMk/>
+            <pc:sldMk cId="1645475767" sldId="256"/>
+            <ac:spMk id="79" creationId="{81AD025B-262E-A140-642B-7B5119375D75}"/>
+          </ac:spMkLst>
+        </pc:spChg>
+        <pc:spChg chg="add mod">
+          <ac:chgData name="Joseph Wonsil" userId="f7a5a8f17f3cf2df" providerId="Windows Live" clId="Web-{67CC9483-2BB2-46C6-A5D4-96425EC9E7F9}" dt="2023-10-19T21:32:49.029" v="332" actId="1076"/>
+          <ac:spMkLst>
+            <pc:docMk/>
+            <pc:sldMk cId="1645475767" sldId="256"/>
+            <ac:spMk id="80" creationId="{B742AF54-6F12-7646-02ED-763846068273}"/>
+          </ac:spMkLst>
+        </pc:spChg>
+        <pc:spChg chg="add mod">
+          <ac:chgData name="Joseph Wonsil" userId="f7a5a8f17f3cf2df" providerId="Windows Live" clId="Web-{67CC9483-2BB2-46C6-A5D4-96425EC9E7F9}" dt="2023-10-19T21:32:49.310" v="334" actId="1076"/>
+          <ac:spMkLst>
+            <pc:docMk/>
+            <pc:sldMk cId="1645475767" sldId="256"/>
+            <ac:spMk id="82" creationId="{BC8D52AF-865C-6AF4-DCE1-6341AA824C2C}"/>
+          </ac:spMkLst>
+        </pc:spChg>
+        <pc:spChg chg="add mod">
+          <ac:chgData name="Joseph Wonsil" userId="f7a5a8f17f3cf2df" providerId="Windows Live" clId="Web-{67CC9483-2BB2-46C6-A5D4-96425EC9E7F9}" dt="2023-10-19T22:05:10.094" v="449" actId="14100"/>
+          <ac:spMkLst>
+            <pc:docMk/>
+            <pc:sldMk cId="1645475767" sldId="256"/>
+            <ac:spMk id="83" creationId="{49EF8866-7E22-6BCA-3E76-56F58BDA0C16}"/>
+          </ac:spMkLst>
+        </pc:spChg>
+        <pc:spChg chg="del">
+          <ac:chgData name="Joseph Wonsil" userId="f7a5a8f17f3cf2df" providerId="Windows Live" clId="Web-{67CC9483-2BB2-46C6-A5D4-96425EC9E7F9}" dt="2023-10-19T21:00:54.183" v="31"/>
+          <ac:spMkLst>
+            <pc:docMk/>
+            <pc:sldMk cId="1645475767" sldId="256"/>
+            <ac:spMk id="84" creationId="{D34F5F8D-B16A-EDE4-A61F-9D0E7E4C7BBC}"/>
+          </ac:spMkLst>
+        </pc:spChg>
+        <pc:spChg chg="add del mod">
+          <ac:chgData name="Joseph Wonsil" userId="f7a5a8f17f3cf2df" providerId="Windows Live" clId="Web-{67CC9483-2BB2-46C6-A5D4-96425EC9E7F9}" dt="2023-10-19T21:44:15.844" v="376"/>
+          <ac:spMkLst>
+            <pc:docMk/>
+            <pc:sldMk cId="1645475767" sldId="256"/>
+            <ac:spMk id="88" creationId="{BD641FD8-3F5F-8BB3-A014-87CDEE07D569}"/>
+          </ac:spMkLst>
+        </pc:spChg>
+        <pc:spChg chg="mod">
+          <ac:chgData name="Joseph Wonsil" userId="f7a5a8f17f3cf2df" providerId="Windows Live" clId="Web-{67CC9483-2BB2-46C6-A5D4-96425EC9E7F9}" dt="2023-10-19T21:28:08.272" v="247" actId="20577"/>
+          <ac:spMkLst>
+            <pc:docMk/>
+            <pc:sldMk cId="1645475767" sldId="256"/>
+            <ac:spMk id="90" creationId="{8A8D6037-92ED-5E61-EE2A-60DD15DDB033}"/>
+          </ac:spMkLst>
+        </pc:spChg>
+        <pc:spChg chg="add del mod">
+          <ac:chgData name="Joseph Wonsil" userId="f7a5a8f17f3cf2df" providerId="Windows Live" clId="Web-{67CC9483-2BB2-46C6-A5D4-96425EC9E7F9}" dt="2023-10-19T21:44:15.844" v="374"/>
+          <ac:spMkLst>
+            <pc:docMk/>
+            <pc:sldMk cId="1645475767" sldId="256"/>
+            <ac:spMk id="91" creationId="{B98D61BF-48FE-DAA3-7DC0-C4FC4F3CB9C7}"/>
+          </ac:spMkLst>
+        </pc:spChg>
+        <pc:spChg chg="add mod">
+          <ac:chgData name="Joseph Wonsil" userId="f7a5a8f17f3cf2df" providerId="Windows Live" clId="Web-{67CC9483-2BB2-46C6-A5D4-96425EC9E7F9}" dt="2023-10-19T21:44:27.719" v="382" actId="1076"/>
+          <ac:spMkLst>
+            <pc:docMk/>
+            <pc:sldMk cId="1645475767" sldId="256"/>
+            <ac:spMk id="94" creationId="{A7D7ABA3-C831-B007-E132-54190CE7F84F}"/>
+          </ac:spMkLst>
+        </pc:spChg>
+        <pc:spChg chg="add mod">
+          <ac:chgData name="Joseph Wonsil" userId="f7a5a8f17f3cf2df" providerId="Windows Live" clId="Web-{67CC9483-2BB2-46C6-A5D4-96425EC9E7F9}" dt="2023-10-19T21:44:27.969" v="384" actId="1076"/>
+          <ac:spMkLst>
+            <pc:docMk/>
+            <pc:sldMk cId="1645475767" sldId="256"/>
+            <ac:spMk id="96" creationId="{ACF845C9-F512-1D84-4A26-6760DFEC5447}"/>
+          </ac:spMkLst>
+        </pc:spChg>
+        <pc:spChg chg="add mod">
+          <ac:chgData name="Joseph Wonsil" userId="f7a5a8f17f3cf2df" providerId="Windows Live" clId="Web-{67CC9483-2BB2-46C6-A5D4-96425EC9E7F9}" dt="2023-10-19T21:45:14.705" v="391" actId="1076"/>
+          <ac:spMkLst>
+            <pc:docMk/>
+            <pc:sldMk cId="1645475767" sldId="256"/>
+            <ac:spMk id="99" creationId="{0A816FDE-FAC6-B8C0-AA92-FC9141B83590}"/>
+          </ac:spMkLst>
+        </pc:spChg>
+        <pc:spChg chg="del">
+          <ac:chgData name="Joseph Wonsil" userId="f7a5a8f17f3cf2df" providerId="Windows Live" clId="Web-{67CC9483-2BB2-46C6-A5D4-96425EC9E7F9}" dt="2023-10-19T21:01:07.215" v="42"/>
+          <ac:spMkLst>
+            <pc:docMk/>
+            <pc:sldMk cId="1645475767" sldId="256"/>
+            <ac:spMk id="100" creationId="{E92B3433-66A4-7341-0A10-1B6541AA2707}"/>
+          </ac:spMkLst>
+        </pc:spChg>
+        <pc:spChg chg="del">
+          <ac:chgData name="Joseph Wonsil" userId="f7a5a8f17f3cf2df" providerId="Windows Live" clId="Web-{67CC9483-2BB2-46C6-A5D4-96425EC9E7F9}" dt="2023-10-19T21:01:05.965" v="40"/>
+          <ac:spMkLst>
+            <pc:docMk/>
+            <pc:sldMk cId="1645475767" sldId="256"/>
+            <ac:spMk id="101" creationId="{1DE6908C-CB8C-CAF2-6CD7-D732B0AB1E33}"/>
+          </ac:spMkLst>
+        </pc:spChg>
+        <pc:spChg chg="del">
+          <ac:chgData name="Joseph Wonsil" userId="f7a5a8f17f3cf2df" providerId="Windows Live" clId="Web-{67CC9483-2BB2-46C6-A5D4-96425EC9E7F9}" dt="2023-10-19T21:01:04.559" v="38"/>
+          <ac:spMkLst>
+            <pc:docMk/>
+            <pc:sldMk cId="1645475767" sldId="256"/>
+            <ac:spMk id="102" creationId="{BAB78B8E-574B-3156-CD83-4D165FEDCC4F}"/>
+          </ac:spMkLst>
+        </pc:spChg>
+        <pc:spChg chg="del">
+          <ac:chgData name="Joseph Wonsil" userId="f7a5a8f17f3cf2df" providerId="Windows Live" clId="Web-{67CC9483-2BB2-46C6-A5D4-96425EC9E7F9}" dt="2023-10-19T21:01:03.215" v="36"/>
+          <ac:spMkLst>
+            <pc:docMk/>
+            <pc:sldMk cId="1645475767" sldId="256"/>
+            <ac:spMk id="103" creationId="{0C69731E-2E67-A043-504E-23C966E68671}"/>
+          </ac:spMkLst>
+        </pc:spChg>
+        <pc:spChg chg="del">
+          <ac:chgData name="Joseph Wonsil" userId="f7a5a8f17f3cf2df" providerId="Windows Live" clId="Web-{67CC9483-2BB2-46C6-A5D4-96425EC9E7F9}" dt="2023-10-19T21:01:01.981" v="34"/>
+          <ac:spMkLst>
+            <pc:docMk/>
+            <pc:sldMk cId="1645475767" sldId="256"/>
+            <ac:spMk id="105" creationId="{2ACDEB4D-3118-62F1-B8A8-ADB24DBACF82}"/>
+          </ac:spMkLst>
+        </pc:spChg>
+        <pc:spChg chg="del">
+          <ac:chgData name="Joseph Wonsil" userId="f7a5a8f17f3cf2df" providerId="Windows Live" clId="Web-{67CC9483-2BB2-46C6-A5D4-96425EC9E7F9}" dt="2023-10-19T21:27:29.005" v="239"/>
+          <ac:spMkLst>
+            <pc:docMk/>
+            <pc:sldMk cId="1645475767" sldId="256"/>
+            <ac:spMk id="106" creationId="{4B49D07C-8A79-6007-E41D-E45A4FC9D8C6}"/>
+          </ac:spMkLst>
+        </pc:spChg>
+        <pc:spChg chg="add mod">
+          <ac:chgData name="Joseph Wonsil" userId="f7a5a8f17f3cf2df" providerId="Windows Live" clId="Web-{67CC9483-2BB2-46C6-A5D4-96425EC9E7F9}" dt="2023-10-19T21:47:36.005" v="413" actId="1076"/>
+          <ac:spMkLst>
+            <pc:docMk/>
+            <pc:sldMk cId="1645475767" sldId="256"/>
+            <ac:spMk id="110" creationId="{9B0EFE21-04EF-0A27-A373-5D737250BADB}"/>
+          </ac:spMkLst>
+        </pc:spChg>
+        <pc:spChg chg="add mod">
+          <ac:chgData name="Joseph Wonsil" userId="f7a5a8f17f3cf2df" providerId="Windows Live" clId="Web-{67CC9483-2BB2-46C6-A5D4-96425EC9E7F9}" dt="2023-10-19T21:47:47.255" v="419" actId="1076"/>
+          <ac:spMkLst>
+            <pc:docMk/>
+            <pc:sldMk cId="1645475767" sldId="256"/>
+            <ac:spMk id="111" creationId="{A6BC6F61-BFF1-89D1-F4C9-3FD0273AA64C}"/>
+          </ac:spMkLst>
+        </pc:spChg>
+        <pc:spChg chg="add mod">
+          <ac:chgData name="Joseph Wonsil" userId="f7a5a8f17f3cf2df" providerId="Windows Live" clId="Web-{67CC9483-2BB2-46C6-A5D4-96425EC9E7F9}" dt="2023-10-19T21:47:53.349" v="422" actId="20577"/>
+          <ac:spMkLst>
+            <pc:docMk/>
+            <pc:sldMk cId="1645475767" sldId="256"/>
+            <ac:spMk id="112" creationId="{F7D9D98D-C43A-4076-4146-3C2D8E5E6FBD}"/>
+          </ac:spMkLst>
+        </pc:spChg>
+        <pc:spChg chg="add mod">
+          <ac:chgData name="Joseph Wonsil" userId="f7a5a8f17f3cf2df" providerId="Windows Live" clId="Web-{67CC9483-2BB2-46C6-A5D4-96425EC9E7F9}" dt="2023-10-19T21:48:20.834" v="426" actId="20577"/>
+          <ac:spMkLst>
+            <pc:docMk/>
+            <pc:sldMk cId="1645475767" sldId="256"/>
+            <ac:spMk id="113" creationId="{98509700-1543-63AE-3D92-B942ABC99B4B}"/>
+          </ac:spMkLst>
+        </pc:spChg>
+        <pc:spChg chg="add mod">
+          <ac:chgData name="Joseph Wonsil" userId="f7a5a8f17f3cf2df" providerId="Windows Live" clId="Web-{67CC9483-2BB2-46C6-A5D4-96425EC9E7F9}" dt="2023-10-19T21:49:25.508" v="440" actId="1076"/>
+          <ac:spMkLst>
+            <pc:docMk/>
+            <pc:sldMk cId="1645475767" sldId="256"/>
+            <ac:spMk id="115" creationId="{8F5D90A4-184A-2FEB-BC5B-1282DD0F3025}"/>
+          </ac:spMkLst>
+        </pc:spChg>
+        <pc:spChg chg="add mod">
+          <ac:chgData name="Joseph Wonsil" userId="f7a5a8f17f3cf2df" providerId="Windows Live" clId="Web-{67CC9483-2BB2-46C6-A5D4-96425EC9E7F9}" dt="2023-10-19T21:50:04.040" v="448" actId="20577"/>
+          <ac:spMkLst>
+            <pc:docMk/>
+            <pc:sldMk cId="1645475767" sldId="256"/>
+            <ac:spMk id="117" creationId="{0F7BF592-580F-E24B-944A-40A3FACEDE32}"/>
+          </ac:spMkLst>
+        </pc:spChg>
+        <pc:spChg chg="del">
+          <ac:chgData name="Joseph Wonsil" userId="f7a5a8f17f3cf2df" providerId="Windows Live" clId="Web-{67CC9483-2BB2-46C6-A5D4-96425EC9E7F9}" dt="2023-10-19T21:43:12.670" v="352"/>
+          <ac:spMkLst>
+            <pc:docMk/>
+            <pc:sldMk cId="1645475767" sldId="256"/>
+            <ac:spMk id="139" creationId="{802C46F5-7BD6-F450-D2B4-347C92B57CFE}"/>
+          </ac:spMkLst>
+        </pc:spChg>
+        <pc:spChg chg="mod">
+          <ac:chgData name="Joseph Wonsil" userId="f7a5a8f17f3cf2df" providerId="Windows Live" clId="Web-{67CC9483-2BB2-46C6-A5D4-96425EC9E7F9}" dt="2023-10-19T21:45:22.252" v="392" actId="1076"/>
+          <ac:spMkLst>
+            <pc:docMk/>
+            <pc:sldMk cId="1645475767" sldId="256"/>
+            <ac:spMk id="144" creationId="{3BA36D46-2F89-D8A4-A60C-17E29D68CFA5}"/>
           </ac:spMkLst>
         </pc:spChg>
         <pc:spChg chg="del mod">
-          <ac:chgData name="Joseph Wonsil" userId="f7a5a8f17f3cf2df" providerId="LiveId" clId="{8C080609-7CCE-411B-84E6-72C44917ABCF}" dt="2023-10-18T20:18:00.012" v="646" actId="478"/>
-          <ac:spMkLst>
-            <pc:docMk/>
-            <pc:sldMk cId="1645475767" sldId="256"/>
-            <ac:spMk id="3" creationId="{475EA8C8-F0A4-6F01-74CD-54546E0C2AEE}"/>
+          <ac:chgData name="Joseph Wonsil" userId="f7a5a8f17f3cf2df" providerId="Windows Live" clId="Web-{67CC9483-2BB2-46C6-A5D4-96425EC9E7F9}" dt="2023-10-19T21:43:05.514" v="340"/>
+          <ac:spMkLst>
+            <pc:docMk/>
+            <pc:sldMk cId="1645475767" sldId="256"/>
+            <ac:spMk id="157" creationId="{2EC089FA-274C-2CBC-86EB-EAA86F31FDEF}"/>
+          </ac:spMkLst>
+        </pc:spChg>
+        <pc:spChg chg="del">
+          <ac:chgData name="Joseph Wonsil" userId="f7a5a8f17f3cf2df" providerId="Windows Live" clId="Web-{67CC9483-2BB2-46C6-A5D4-96425EC9E7F9}" dt="2023-10-19T21:13:08.124" v="128"/>
+          <ac:spMkLst>
+            <pc:docMk/>
+            <pc:sldMk cId="1645475767" sldId="256"/>
+            <ac:spMk id="159" creationId="{FAA5B709-EF66-0E55-121C-2E5288DA869C}"/>
+          </ac:spMkLst>
+        </pc:spChg>
+        <pc:spChg chg="del">
+          <ac:chgData name="Joseph Wonsil" userId="f7a5a8f17f3cf2df" providerId="Windows Live" clId="Web-{67CC9483-2BB2-46C6-A5D4-96425EC9E7F9}" dt="2023-10-19T21:13:10.249" v="130"/>
+          <ac:spMkLst>
+            <pc:docMk/>
+            <pc:sldMk cId="1645475767" sldId="256"/>
+            <ac:spMk id="170" creationId="{BFAB41F3-F9EF-C391-5021-8D23B909B24B}"/>
+          </ac:spMkLst>
+        </pc:spChg>
+        <pc:spChg chg="del">
+          <ac:chgData name="Joseph Wonsil" userId="f7a5a8f17f3cf2df" providerId="Windows Live" clId="Web-{67CC9483-2BB2-46C6-A5D4-96425EC9E7F9}" dt="2023-10-19T21:13:06.843" v="127"/>
+          <ac:spMkLst>
+            <pc:docMk/>
+            <pc:sldMk cId="1645475767" sldId="256"/>
+            <ac:spMk id="181" creationId="{248CC43D-90F5-671B-FC25-CD2136983D57}"/>
+          </ac:spMkLst>
+        </pc:spChg>
+        <pc:spChg chg="del">
+          <ac:chgData name="Joseph Wonsil" userId="f7a5a8f17f3cf2df" providerId="Windows Live" clId="Web-{67CC9483-2BB2-46C6-A5D4-96425EC9E7F9}" dt="2023-10-19T21:13:09.171" v="129"/>
+          <ac:spMkLst>
+            <pc:docMk/>
+            <pc:sldMk cId="1645475767" sldId="256"/>
+            <ac:spMk id="182" creationId="{907D58AE-50C8-F93D-1136-78E6BCCC8072}"/>
+          </ac:spMkLst>
+        </pc:spChg>
+        <pc:spChg chg="del">
+          <ac:chgData name="Joseph Wonsil" userId="f7a5a8f17f3cf2df" providerId="Windows Live" clId="Web-{67CC9483-2BB2-46C6-A5D4-96425EC9E7F9}" dt="2023-10-19T21:43:10.154" v="349"/>
+          <ac:spMkLst>
+            <pc:docMk/>
+            <pc:sldMk cId="1645475767" sldId="256"/>
+            <ac:spMk id="196" creationId="{64A37683-F464-6803-A853-1D36D77E903B}"/>
+          </ac:spMkLst>
+        </pc:spChg>
+        <pc:spChg chg="del">
+          <ac:chgData name="Joseph Wonsil" userId="f7a5a8f17f3cf2df" providerId="Windows Live" clId="Web-{67CC9483-2BB2-46C6-A5D4-96425EC9E7F9}" dt="2023-10-19T21:43:10.154" v="348"/>
+          <ac:spMkLst>
+            <pc:docMk/>
+            <pc:sldMk cId="1645475767" sldId="256"/>
+            <ac:spMk id="197" creationId="{C7BEE81F-D7A4-129C-136B-6AD53A842FE7}"/>
+          </ac:spMkLst>
+        </pc:spChg>
+        <pc:spChg chg="del">
+          <ac:chgData name="Joseph Wonsil" userId="f7a5a8f17f3cf2df" providerId="Windows Live" clId="Web-{67CC9483-2BB2-46C6-A5D4-96425EC9E7F9}" dt="2023-10-19T21:43:10.154" v="347"/>
+          <ac:spMkLst>
+            <pc:docMk/>
+            <pc:sldMk cId="1645475767" sldId="256"/>
+            <ac:spMk id="198" creationId="{97481AB8-5857-3AC0-BCB6-E2A7EF4E71A4}"/>
+          </ac:spMkLst>
+        </pc:spChg>
+        <pc:spChg chg="del">
+          <ac:chgData name="Joseph Wonsil" userId="f7a5a8f17f3cf2df" providerId="Windows Live" clId="Web-{67CC9483-2BB2-46C6-A5D4-96425EC9E7F9}" dt="2023-10-19T21:43:10.154" v="346"/>
+          <ac:spMkLst>
+            <pc:docMk/>
+            <pc:sldMk cId="1645475767" sldId="256"/>
+            <ac:spMk id="204" creationId="{AF0B4C90-7F51-3154-21DD-F141AA6B7D1C}"/>
+          </ac:spMkLst>
+        </pc:spChg>
+        <pc:spChg chg="del">
+          <ac:chgData name="Joseph Wonsil" userId="f7a5a8f17f3cf2df" providerId="Windows Live" clId="Web-{67CC9483-2BB2-46C6-A5D4-96425EC9E7F9}" dt="2023-10-19T21:43:10.154" v="345"/>
+          <ac:spMkLst>
+            <pc:docMk/>
+            <pc:sldMk cId="1645475767" sldId="256"/>
+            <ac:spMk id="207" creationId="{83505876-8FEF-325E-3C41-C080552E164D}"/>
+          </ac:spMkLst>
+        </pc:spChg>
+        <pc:spChg chg="del">
+          <ac:chgData name="Joseph Wonsil" userId="f7a5a8f17f3cf2df" providerId="Windows Live" clId="Web-{67CC9483-2BB2-46C6-A5D4-96425EC9E7F9}" dt="2023-10-19T21:43:10.154" v="344"/>
+          <ac:spMkLst>
+            <pc:docMk/>
+            <pc:sldMk cId="1645475767" sldId="256"/>
+            <ac:spMk id="209" creationId="{3607486D-7794-339C-97B9-508DD9223B9A}"/>
           </ac:spMkLst>
         </pc:spChg>
         <pc:spChg chg="mod">
-          <ac:chgData name="Joseph Wonsil" userId="f7a5a8f17f3cf2df" providerId="LiveId" clId="{8C080609-7CCE-411B-84E6-72C44917ABCF}" dt="2023-10-18T23:26:23.543" v="1483" actId="1036"/>
-          <ac:spMkLst>
-            <pc:docMk/>
-            <pc:sldMk cId="1645475767" sldId="256"/>
-            <ac:spMk id="5" creationId="{EDD77D8E-AC62-8835-147A-8365BEE24A8B}"/>
-          </ac:spMkLst>
-        </pc:spChg>
-        <pc:spChg chg="del mod">
-          <ac:chgData name="Joseph Wonsil" userId="f7a5a8f17f3cf2df" providerId="LiveId" clId="{8C080609-7CCE-411B-84E6-72C44917ABCF}" dt="2023-10-18T20:07:57.780" v="504" actId="478"/>
-          <ac:spMkLst>
-            <pc:docMk/>
-            <pc:sldMk cId="1645475767" sldId="256"/>
-            <ac:spMk id="6" creationId="{F392B7D7-3E0F-8DD1-67FB-1EF515E6A632}"/>
+          <ac:chgData name="Joseph Wonsil" userId="f7a5a8f17f3cf2df" providerId="Windows Live" clId="Web-{67CC9483-2BB2-46C6-A5D4-96425EC9E7F9}" dt="2023-10-19T20:59:03.712" v="13" actId="14100"/>
+          <ac:spMkLst>
+            <pc:docMk/>
+            <pc:sldMk cId="1645475767" sldId="256"/>
+            <ac:spMk id="212" creationId="{E55F2EEF-5883-D72A-7FCC-5638BC1DCDEB}"/>
           </ac:spMkLst>
         </pc:spChg>
         <pc:spChg chg="mod">
-          <ac:chgData name="Joseph Wonsil" userId="f7a5a8f17f3cf2df" providerId="LiveId" clId="{8C080609-7CCE-411B-84E6-72C44917ABCF}" dt="2023-10-18T23:26:23.543" v="1483" actId="1036"/>
-          <ac:spMkLst>
-            <pc:docMk/>
-            <pc:sldMk cId="1645475767" sldId="256"/>
-            <ac:spMk id="10" creationId="{5D155BFF-B441-4572-6BCC-1D6480ADC254}"/>
-          </ac:spMkLst>
-        </pc:spChg>
-        <pc:spChg chg="del mod">
-          <ac:chgData name="Joseph Wonsil" userId="f7a5a8f17f3cf2df" providerId="LiveId" clId="{8C080609-7CCE-411B-84E6-72C44917ABCF}" dt="2023-10-18T20:17:58.964" v="645" actId="478"/>
-          <ac:spMkLst>
-            <pc:docMk/>
-            <pc:sldMk cId="1645475767" sldId="256"/>
-            <ac:spMk id="11" creationId="{89D3A37F-AE8C-286E-D005-973A429F2F60}"/>
+          <ac:chgData name="Joseph Wonsil" userId="f7a5a8f17f3cf2df" providerId="Windows Live" clId="Web-{67CC9483-2BB2-46C6-A5D4-96425EC9E7F9}" dt="2023-10-19T21:14:28.251" v="138" actId="14100"/>
+          <ac:spMkLst>
+            <pc:docMk/>
+            <pc:sldMk cId="1645475767" sldId="256"/>
+            <ac:spMk id="218" creationId="{766078B8-ECF8-60EF-9212-6287758A5D20}"/>
+          </ac:spMkLst>
+        </pc:spChg>
+        <pc:spChg chg="del">
+          <ac:chgData name="Joseph Wonsil" userId="f7a5a8f17f3cf2df" providerId="Windows Live" clId="Web-{67CC9483-2BB2-46C6-A5D4-96425EC9E7F9}" dt="2023-10-19T21:01:51.716" v="53"/>
+          <ac:spMkLst>
+            <pc:docMk/>
+            <pc:sldMk cId="1645475767" sldId="256"/>
+            <ac:spMk id="221" creationId="{A704D209-4118-707C-FBA2-39647729D7FE}"/>
+          </ac:spMkLst>
+        </pc:spChg>
+        <pc:spChg chg="del">
+          <ac:chgData name="Joseph Wonsil" userId="f7a5a8f17f3cf2df" providerId="Windows Live" clId="Web-{67CC9483-2BB2-46C6-A5D4-96425EC9E7F9}" dt="2023-10-19T21:08:43.805" v="69"/>
+          <ac:spMkLst>
+            <pc:docMk/>
+            <pc:sldMk cId="1645475767" sldId="256"/>
+            <ac:spMk id="222" creationId="{A73DA923-B0C2-24D3-3223-F3EECA14D156}"/>
+          </ac:spMkLst>
+        </pc:spChg>
+        <pc:spChg chg="del">
+          <ac:chgData name="Joseph Wonsil" userId="f7a5a8f17f3cf2df" providerId="Windows Live" clId="Web-{67CC9483-2BB2-46C6-A5D4-96425EC9E7F9}" dt="2023-10-19T21:01:28.450" v="46"/>
+          <ac:spMkLst>
+            <pc:docMk/>
+            <pc:sldMk cId="1645475767" sldId="256"/>
+            <ac:spMk id="223" creationId="{98EA81B1-9379-5562-E87C-6BE04285588F}"/>
+          </ac:spMkLst>
+        </pc:spChg>
+        <pc:spChg chg="del">
+          <ac:chgData name="Joseph Wonsil" userId="f7a5a8f17f3cf2df" providerId="Windows Live" clId="Web-{67CC9483-2BB2-46C6-A5D4-96425EC9E7F9}" dt="2023-10-19T21:01:31.856" v="48"/>
+          <ac:spMkLst>
+            <pc:docMk/>
+            <pc:sldMk cId="1645475767" sldId="256"/>
+            <ac:spMk id="225" creationId="{850CBD32-7AD7-DF07-FBE9-7EBE8B911969}"/>
+          </ac:spMkLst>
+        </pc:spChg>
+        <pc:spChg chg="del">
+          <ac:chgData name="Joseph Wonsil" userId="f7a5a8f17f3cf2df" providerId="Windows Live" clId="Web-{67CC9483-2BB2-46C6-A5D4-96425EC9E7F9}" dt="2023-10-19T21:01:32.778" v="49"/>
+          <ac:spMkLst>
+            <pc:docMk/>
+            <pc:sldMk cId="1645475767" sldId="256"/>
+            <ac:spMk id="226" creationId="{7040D6DB-B4BE-DAC4-5921-1A9850EC0EEC}"/>
+          </ac:spMkLst>
+        </pc:spChg>
+        <pc:spChg chg="del">
+          <ac:chgData name="Joseph Wonsil" userId="f7a5a8f17f3cf2df" providerId="Windows Live" clId="Web-{67CC9483-2BB2-46C6-A5D4-96425EC9E7F9}" dt="2023-10-19T21:01:33.747" v="50"/>
+          <ac:spMkLst>
+            <pc:docMk/>
+            <pc:sldMk cId="1645475767" sldId="256"/>
+            <ac:spMk id="227" creationId="{DA5E22C1-9470-3167-CB75-B1290B4FB1C7}"/>
+          </ac:spMkLst>
+        </pc:spChg>
+        <pc:spChg chg="del">
+          <ac:chgData name="Joseph Wonsil" userId="f7a5a8f17f3cf2df" providerId="Windows Live" clId="Web-{67CC9483-2BB2-46C6-A5D4-96425EC9E7F9}" dt="2023-10-19T21:08:55.899" v="78"/>
+          <ac:spMkLst>
+            <pc:docMk/>
+            <pc:sldMk cId="1645475767" sldId="256"/>
+            <ac:spMk id="230" creationId="{A412271C-0293-8FAC-A024-C597CF244023}"/>
+          </ac:spMkLst>
+        </pc:spChg>
+        <pc:spChg chg="del">
+          <ac:chgData name="Joseph Wonsil" userId="f7a5a8f17f3cf2df" providerId="Windows Live" clId="Web-{67CC9483-2BB2-46C6-A5D4-96425EC9E7F9}" dt="2023-10-19T21:08:55.836" v="77"/>
+          <ac:spMkLst>
+            <pc:docMk/>
+            <pc:sldMk cId="1645475767" sldId="256"/>
+            <ac:spMk id="238" creationId="{EBDD0F59-C0A1-5DFE-3F5E-F797A3C05FA3}"/>
+          </ac:spMkLst>
+        </pc:spChg>
+        <pc:spChg chg="del">
+          <ac:chgData name="Joseph Wonsil" userId="f7a5a8f17f3cf2df" providerId="Windows Live" clId="Web-{67CC9483-2BB2-46C6-A5D4-96425EC9E7F9}" dt="2023-10-19T21:08:55.774" v="76"/>
+          <ac:spMkLst>
+            <pc:docMk/>
+            <pc:sldMk cId="1645475767" sldId="256"/>
+            <ac:spMk id="240" creationId="{65D2929C-1097-3DCB-AD36-0DC797EDF22D}"/>
+          </ac:spMkLst>
+        </pc:spChg>
+        <pc:spChg chg="del">
+          <ac:chgData name="Joseph Wonsil" userId="f7a5a8f17f3cf2df" providerId="Windows Live" clId="Web-{67CC9483-2BB2-46C6-A5D4-96425EC9E7F9}" dt="2023-10-19T21:01:53.435" v="54"/>
+          <ac:spMkLst>
+            <pc:docMk/>
+            <pc:sldMk cId="1645475767" sldId="256"/>
+            <ac:spMk id="254" creationId="{D69DA629-519B-B2FA-292E-D394590F6BEE}"/>
+          </ac:spMkLst>
+        </pc:spChg>
+        <pc:spChg chg="del">
+          <ac:chgData name="Joseph Wonsil" userId="f7a5a8f17f3cf2df" providerId="Windows Live" clId="Web-{67CC9483-2BB2-46C6-A5D4-96425EC9E7F9}" dt="2023-10-19T21:08:55.696" v="75"/>
+          <ac:spMkLst>
+            <pc:docMk/>
+            <pc:sldMk cId="1645475767" sldId="256"/>
+            <ac:spMk id="268" creationId="{449FE6F4-DC13-BF05-AF6E-73E38ACE71B8}"/>
+          </ac:spMkLst>
+        </pc:spChg>
+        <pc:spChg chg="del">
+          <ac:chgData name="Joseph Wonsil" userId="f7a5a8f17f3cf2df" providerId="Windows Live" clId="Web-{67CC9483-2BB2-46C6-A5D4-96425EC9E7F9}" dt="2023-10-19T21:08:55.696" v="74"/>
+          <ac:spMkLst>
+            <pc:docMk/>
+            <pc:sldMk cId="1645475767" sldId="256"/>
+            <ac:spMk id="272" creationId="{9FB30DB4-3A65-8325-66C1-1C35BDDCC64B}"/>
+          </ac:spMkLst>
+        </pc:spChg>
+        <pc:spChg chg="del">
+          <ac:chgData name="Joseph Wonsil" userId="f7a5a8f17f3cf2df" providerId="Windows Live" clId="Web-{67CC9483-2BB2-46C6-A5D4-96425EC9E7F9}" dt="2023-10-19T21:01:54.388" v="56"/>
+          <ac:spMkLst>
+            <pc:docMk/>
+            <pc:sldMk cId="1645475767" sldId="256"/>
+            <ac:spMk id="281" creationId="{6B7888B1-5AC7-5F61-2E31-6969BD259062}"/>
+          </ac:spMkLst>
+        </pc:spChg>
+        <pc:spChg chg="del">
+          <ac:chgData name="Joseph Wonsil" userId="f7a5a8f17f3cf2df" providerId="Windows Live" clId="Web-{67CC9483-2BB2-46C6-A5D4-96425EC9E7F9}" dt="2023-10-19T21:01:53.826" v="55"/>
+          <ac:spMkLst>
+            <pc:docMk/>
+            <pc:sldMk cId="1645475767" sldId="256"/>
+            <ac:spMk id="286" creationId="{298BECD7-46E2-C328-55E6-A45B4670BECA}"/>
           </ac:spMkLst>
         </pc:spChg>
         <pc:spChg chg="mod">
-          <ac:chgData name="Joseph Wonsil" userId="f7a5a8f17f3cf2df" providerId="LiveId" clId="{8C080609-7CCE-411B-84E6-72C44917ABCF}" dt="2023-10-18T23:26:23.543" v="1483" actId="1036"/>
-          <ac:spMkLst>
-            <pc:docMk/>
-            <pc:sldMk cId="1645475767" sldId="256"/>
-            <ac:spMk id="13" creationId="{77E6E453-03D9-6363-9B2B-536E1D203421}"/>
-          </ac:spMkLst>
-        </pc:spChg>
-        <pc:spChg chg="del mod">
-          <ac:chgData name="Joseph Wonsil" userId="f7a5a8f17f3cf2df" providerId="LiveId" clId="{8C080609-7CCE-411B-84E6-72C44917ABCF}" dt="2023-10-18T20:17:57.929" v="644" actId="478"/>
-          <ac:spMkLst>
-            <pc:docMk/>
-            <pc:sldMk cId="1645475767" sldId="256"/>
-            <ac:spMk id="14" creationId="{F7F39D2E-7806-1ED6-1633-3BF9C768F480}"/>
+          <ac:chgData name="Joseph Wonsil" userId="f7a5a8f17f3cf2df" providerId="Windows Live" clId="Web-{67CC9483-2BB2-46C6-A5D4-96425EC9E7F9}" dt="2023-10-19T21:08:04.976" v="63" actId="1076"/>
+          <ac:spMkLst>
+            <pc:docMk/>
+            <pc:sldMk cId="1645475767" sldId="256"/>
+            <ac:spMk id="308" creationId="{989CDA4F-A434-3232-BF4A-9BF9789ACE4B}"/>
           </ac:spMkLst>
         </pc:spChg>
         <pc:spChg chg="mod">
-          <ac:chgData name="Joseph Wonsil" userId="f7a5a8f17f3cf2df" providerId="LiveId" clId="{8C080609-7CCE-411B-84E6-72C44917ABCF}" dt="2023-10-18T23:26:23.543" v="1483" actId="1036"/>
-          <ac:spMkLst>
-            <pc:docMk/>
-            <pc:sldMk cId="1645475767" sldId="256"/>
-            <ac:spMk id="15" creationId="{2082AF95-F57E-7714-98E1-6B18874A37D0}"/>
-          </ac:spMkLst>
-        </pc:spChg>
-        <pc:spChg chg="del mod">
-          <ac:chgData name="Joseph Wonsil" userId="f7a5a8f17f3cf2df" providerId="LiveId" clId="{8C080609-7CCE-411B-84E6-72C44917ABCF}" dt="2023-10-18T20:19:03.756" v="657" actId="478"/>
-          <ac:spMkLst>
-            <pc:docMk/>
-            <pc:sldMk cId="1645475767" sldId="256"/>
-            <ac:spMk id="17" creationId="{63544155-B132-0D32-3BAA-3EC3DE1072D8}"/>
-          </ac:spMkLst>
-        </pc:spChg>
-        <pc:spChg chg="mod">
-          <ac:chgData name="Joseph Wonsil" userId="f7a5a8f17f3cf2df" providerId="LiveId" clId="{8C080609-7CCE-411B-84E6-72C44917ABCF}" dt="2023-10-18T23:26:23.543" v="1483" actId="1036"/>
-          <ac:spMkLst>
-            <pc:docMk/>
-            <pc:sldMk cId="1645475767" sldId="256"/>
-            <ac:spMk id="19" creationId="{CDC98E58-B7BF-FC65-3CF4-7910AC6F1E87}"/>
-          </ac:spMkLst>
-        </pc:spChg>
-        <pc:spChg chg="del">
-          <ac:chgData name="Joseph Wonsil" userId="f7a5a8f17f3cf2df" providerId="LiveId" clId="{8C080609-7CCE-411B-84E6-72C44917ABCF}" dt="2023-10-18T19:30:31.049" v="1" actId="478"/>
-          <ac:spMkLst>
-            <pc:docMk/>
-            <pc:sldMk cId="1645475767" sldId="256"/>
-            <ac:spMk id="20" creationId="{F418ACC7-3AD4-0F3B-E0DB-D175E87A7239}"/>
-          </ac:spMkLst>
-        </pc:spChg>
-        <pc:spChg chg="del mod">
-          <ac:chgData name="Joseph Wonsil" userId="f7a5a8f17f3cf2df" providerId="LiveId" clId="{8C080609-7CCE-411B-84E6-72C44917ABCF}" dt="2023-10-18T20:19:12.594" v="660" actId="478"/>
-          <ac:spMkLst>
-            <pc:docMk/>
-            <pc:sldMk cId="1645475767" sldId="256"/>
-            <ac:spMk id="21" creationId="{3C58F1C7-3BCD-294E-EA4C-FB19607A2A8B}"/>
-          </ac:spMkLst>
-        </pc:spChg>
-        <pc:spChg chg="del mod">
-          <ac:chgData name="Joseph Wonsil" userId="f7a5a8f17f3cf2df" providerId="LiveId" clId="{8C080609-7CCE-411B-84E6-72C44917ABCF}" dt="2023-10-18T20:19:18.319" v="662" actId="478"/>
-          <ac:spMkLst>
-            <pc:docMk/>
-            <pc:sldMk cId="1645475767" sldId="256"/>
-            <ac:spMk id="24" creationId="{3DF15931-71E1-C90B-0673-3380DC81ED7C}"/>
-          </ac:spMkLst>
-        </pc:spChg>
-        <pc:spChg chg="mod">
-          <ac:chgData name="Joseph Wonsil" userId="f7a5a8f17f3cf2df" providerId="LiveId" clId="{8C080609-7CCE-411B-84E6-72C44917ABCF}" dt="2023-10-18T23:26:23.543" v="1483" actId="1036"/>
-          <ac:spMkLst>
-            <pc:docMk/>
-            <pc:sldMk cId="1645475767" sldId="256"/>
-            <ac:spMk id="25" creationId="{E1A7F699-7971-B2D7-583B-A3C58DD464BF}"/>
-          </ac:spMkLst>
-        </pc:spChg>
-        <pc:spChg chg="mod">
-          <ac:chgData name="Joseph Wonsil" userId="f7a5a8f17f3cf2df" providerId="LiveId" clId="{8C080609-7CCE-411B-84E6-72C44917ABCF}" dt="2023-10-18T23:26:23.543" v="1483" actId="1036"/>
-          <ac:spMkLst>
-            <pc:docMk/>
-            <pc:sldMk cId="1645475767" sldId="256"/>
-            <ac:spMk id="26" creationId="{1A397F50-31BF-2C16-56A3-490E4FF86B15}"/>
-          </ac:spMkLst>
-        </pc:spChg>
-        <pc:spChg chg="del mod">
-          <ac:chgData name="Joseph Wonsil" userId="f7a5a8f17f3cf2df" providerId="LiveId" clId="{8C080609-7CCE-411B-84E6-72C44917ABCF}" dt="2023-10-18T20:18:00.555" v="647" actId="478"/>
-          <ac:spMkLst>
-            <pc:docMk/>
-            <pc:sldMk cId="1645475767" sldId="256"/>
-            <ac:spMk id="27" creationId="{58A52717-D259-852F-EAFC-045F5DFD670C}"/>
-          </ac:spMkLst>
-        </pc:spChg>
-        <pc:spChg chg="mod">
-          <ac:chgData name="Joseph Wonsil" userId="f7a5a8f17f3cf2df" providerId="LiveId" clId="{8C080609-7CCE-411B-84E6-72C44917ABCF}" dt="2023-10-18T23:29:42.396" v="1602" actId="14100"/>
-          <ac:spMkLst>
-            <pc:docMk/>
-            <pc:sldMk cId="1645475767" sldId="256"/>
-            <ac:spMk id="28" creationId="{60C86E43-A887-CEA7-E6E6-67B122EE91E1}"/>
-          </ac:spMkLst>
-        </pc:spChg>
-        <pc:spChg chg="del mod">
-          <ac:chgData name="Joseph Wonsil" userId="f7a5a8f17f3cf2df" providerId="LiveId" clId="{8C080609-7CCE-411B-84E6-72C44917ABCF}" dt="2023-10-18T20:22:56.125" v="715" actId="478"/>
-          <ac:spMkLst>
-            <pc:docMk/>
-            <pc:sldMk cId="1645475767" sldId="256"/>
-            <ac:spMk id="32" creationId="{D4A062A0-410E-0FF1-9B6D-20281611B271}"/>
-          </ac:spMkLst>
-        </pc:spChg>
-        <pc:spChg chg="mod">
-          <ac:chgData name="Joseph Wonsil" userId="f7a5a8f17f3cf2df" providerId="LiveId" clId="{8C080609-7CCE-411B-84E6-72C44917ABCF}" dt="2023-10-18T23:26:23.543" v="1483" actId="1036"/>
-          <ac:spMkLst>
-            <pc:docMk/>
-            <pc:sldMk cId="1645475767" sldId="256"/>
-            <ac:spMk id="33" creationId="{B616FDAC-239F-3BA5-52A9-57EC0735B18A}"/>
-          </ac:spMkLst>
-        </pc:spChg>
-        <pc:spChg chg="mod">
-          <ac:chgData name="Joseph Wonsil" userId="f7a5a8f17f3cf2df" providerId="LiveId" clId="{8C080609-7CCE-411B-84E6-72C44917ABCF}" dt="2023-10-18T23:26:23.543" v="1483" actId="1036"/>
-          <ac:spMkLst>
-            <pc:docMk/>
-            <pc:sldMk cId="1645475767" sldId="256"/>
-            <ac:spMk id="35" creationId="{79DFB4C1-7173-2B01-1064-8D6762B11BF5}"/>
-          </ac:spMkLst>
-        </pc:spChg>
-        <pc:spChg chg="del mod">
-          <ac:chgData name="Joseph Wonsil" userId="f7a5a8f17f3cf2df" providerId="LiveId" clId="{8C080609-7CCE-411B-84E6-72C44917ABCF}" dt="2023-10-18T20:18:01.451" v="648" actId="478"/>
-          <ac:spMkLst>
-            <pc:docMk/>
-            <pc:sldMk cId="1645475767" sldId="256"/>
-            <ac:spMk id="36" creationId="{B350F5B9-E2F8-D410-A3BA-F93D66DB605C}"/>
-          </ac:spMkLst>
-        </pc:spChg>
-        <pc:spChg chg="mod">
-          <ac:chgData name="Joseph Wonsil" userId="f7a5a8f17f3cf2df" providerId="LiveId" clId="{8C080609-7CCE-411B-84E6-72C44917ABCF}" dt="2023-10-18T23:26:23.543" v="1483" actId="1036"/>
-          <ac:spMkLst>
-            <pc:docMk/>
-            <pc:sldMk cId="1645475767" sldId="256"/>
-            <ac:spMk id="39" creationId="{6DC816CB-8782-D01C-BC59-A0FB21EA3108}"/>
-          </ac:spMkLst>
-        </pc:spChg>
-        <pc:spChg chg="del mod">
-          <ac:chgData name="Joseph Wonsil" userId="f7a5a8f17f3cf2df" providerId="LiveId" clId="{8C080609-7CCE-411B-84E6-72C44917ABCF}" dt="2023-10-18T20:18:02.196" v="649" actId="478"/>
-          <ac:spMkLst>
-            <pc:docMk/>
-            <pc:sldMk cId="1645475767" sldId="256"/>
-            <ac:spMk id="40" creationId="{FA25254E-DFA7-64F8-8FB4-6A5D4F0738C7}"/>
-          </ac:spMkLst>
-        </pc:spChg>
-        <pc:spChg chg="del mod">
-          <ac:chgData name="Joseph Wonsil" userId="f7a5a8f17f3cf2df" providerId="LiveId" clId="{8C080609-7CCE-411B-84E6-72C44917ABCF}" dt="2023-10-18T20:26:15.362" v="754" actId="478"/>
-          <ac:spMkLst>
-            <pc:docMk/>
-            <pc:sldMk cId="1645475767" sldId="256"/>
-            <ac:spMk id="42" creationId="{62A6E74D-C00B-6C92-47F2-6164F95E0268}"/>
-          </ac:spMkLst>
-        </pc:spChg>
-        <pc:spChg chg="mod">
-          <ac:chgData name="Joseph Wonsil" userId="f7a5a8f17f3cf2df" providerId="LiveId" clId="{8C080609-7CCE-411B-84E6-72C44917ABCF}" dt="2023-10-18T23:30:29.255" v="1676" actId="1076"/>
-          <ac:spMkLst>
-            <pc:docMk/>
-            <pc:sldMk cId="1645475767" sldId="256"/>
-            <ac:spMk id="43" creationId="{B0ECA40D-A1F1-0CE3-96F9-10D673EB3C97}"/>
-          </ac:spMkLst>
-        </pc:spChg>
-        <pc:spChg chg="mod">
-          <ac:chgData name="Joseph Wonsil" userId="f7a5a8f17f3cf2df" providerId="LiveId" clId="{8C080609-7CCE-411B-84E6-72C44917ABCF}" dt="2023-10-18T23:26:23.543" v="1483" actId="1036"/>
-          <ac:spMkLst>
-            <pc:docMk/>
-            <pc:sldMk cId="1645475767" sldId="256"/>
-            <ac:spMk id="49" creationId="{842C1335-EDA0-BED9-1A06-5454B66B2CE0}"/>
-          </ac:spMkLst>
-        </pc:spChg>
-        <pc:spChg chg="mod">
-          <ac:chgData name="Joseph Wonsil" userId="f7a5a8f17f3cf2df" providerId="LiveId" clId="{8C080609-7CCE-411B-84E6-72C44917ABCF}" dt="2023-10-18T23:26:23.543" v="1483" actId="1036"/>
-          <ac:spMkLst>
-            <pc:docMk/>
-            <pc:sldMk cId="1645475767" sldId="256"/>
-            <ac:spMk id="52" creationId="{7317D925-AE7B-290C-67A6-493750A3352F}"/>
-          </ac:spMkLst>
-        </pc:spChg>
-        <pc:spChg chg="mod">
-          <ac:chgData name="Joseph Wonsil" userId="f7a5a8f17f3cf2df" providerId="LiveId" clId="{8C080609-7CCE-411B-84E6-72C44917ABCF}" dt="2023-10-18T23:26:23.543" v="1483" actId="1036"/>
-          <ac:spMkLst>
-            <pc:docMk/>
-            <pc:sldMk cId="1645475767" sldId="256"/>
-            <ac:spMk id="55" creationId="{A5E815BE-843F-B791-FF94-453526BE2EF2}"/>
-          </ac:spMkLst>
-        </pc:spChg>
-        <pc:spChg chg="mod">
-          <ac:chgData name="Joseph Wonsil" userId="f7a5a8f17f3cf2df" providerId="LiveId" clId="{8C080609-7CCE-411B-84E6-72C44917ABCF}" dt="2023-10-18T23:26:23.543" v="1483" actId="1036"/>
-          <ac:spMkLst>
-            <pc:docMk/>
-            <pc:sldMk cId="1645475767" sldId="256"/>
-            <ac:spMk id="60" creationId="{35FA7E34-1A13-B6DF-79C2-60F41A23F37B}"/>
-          </ac:spMkLst>
-        </pc:spChg>
-        <pc:spChg chg="del mod">
-          <ac:chgData name="Joseph Wonsil" userId="f7a5a8f17f3cf2df" providerId="LiveId" clId="{8C080609-7CCE-411B-84E6-72C44917ABCF}" dt="2023-10-18T20:22:43.874" v="711" actId="478"/>
-          <ac:spMkLst>
-            <pc:docMk/>
-            <pc:sldMk cId="1645475767" sldId="256"/>
-            <ac:spMk id="61" creationId="{7ECA03CF-DD24-9307-D184-41182C04B82A}"/>
-          </ac:spMkLst>
-        </pc:spChg>
-        <pc:spChg chg="mod">
-          <ac:chgData name="Joseph Wonsil" userId="f7a5a8f17f3cf2df" providerId="LiveId" clId="{8C080609-7CCE-411B-84E6-72C44917ABCF}" dt="2023-10-18T23:26:23.543" v="1483" actId="1036"/>
-          <ac:spMkLst>
-            <pc:docMk/>
-            <pc:sldMk cId="1645475767" sldId="256"/>
-            <ac:spMk id="63" creationId="{07A62DDE-C94D-4783-4BFD-408E0B156DED}"/>
-          </ac:spMkLst>
-        </pc:spChg>
-        <pc:spChg chg="del mod">
-          <ac:chgData name="Joseph Wonsil" userId="f7a5a8f17f3cf2df" providerId="LiveId" clId="{8C080609-7CCE-411B-84E6-72C44917ABCF}" dt="2023-10-18T20:18:04.381" v="650" actId="478"/>
-          <ac:spMkLst>
-            <pc:docMk/>
-            <pc:sldMk cId="1645475767" sldId="256"/>
-            <ac:spMk id="68" creationId="{9CD63190-6F0C-7B53-9050-C772D436F95B}"/>
-          </ac:spMkLst>
-        </pc:spChg>
-        <pc:spChg chg="del mod">
-          <ac:chgData name="Joseph Wonsil" userId="f7a5a8f17f3cf2df" providerId="LiveId" clId="{8C080609-7CCE-411B-84E6-72C44917ABCF}" dt="2023-10-18T20:23:19.104" v="721" actId="478"/>
-          <ac:spMkLst>
-            <pc:docMk/>
-            <pc:sldMk cId="1645475767" sldId="256"/>
-            <ac:spMk id="70" creationId="{EEB73B9F-8EE1-8959-6128-F66F9F2B6A19}"/>
-          </ac:spMkLst>
-        </pc:spChg>
-        <pc:spChg chg="mod">
-          <ac:chgData name="Joseph Wonsil" userId="f7a5a8f17f3cf2df" providerId="LiveId" clId="{8C080609-7CCE-411B-84E6-72C44917ABCF}" dt="2023-10-18T23:26:23.543" v="1483" actId="1036"/>
-          <ac:spMkLst>
-            <pc:docMk/>
-            <pc:sldMk cId="1645475767" sldId="256"/>
-            <ac:spMk id="71" creationId="{2A34F01A-7639-BB9B-04EC-3D4D626FAB55}"/>
-          </ac:spMkLst>
-        </pc:spChg>
-        <pc:spChg chg="mod">
-          <ac:chgData name="Joseph Wonsil" userId="f7a5a8f17f3cf2df" providerId="LiveId" clId="{8C080609-7CCE-411B-84E6-72C44917ABCF}" dt="2023-10-18T23:30:42.849" v="1679" actId="1076"/>
-          <ac:spMkLst>
-            <pc:docMk/>
-            <pc:sldMk cId="1645475767" sldId="256"/>
-            <ac:spMk id="74" creationId="{52E3ADAE-159A-D64F-DF75-180DC743C4CA}"/>
-          </ac:spMkLst>
-        </pc:spChg>
-        <pc:spChg chg="mod">
-          <ac:chgData name="Joseph Wonsil" userId="f7a5a8f17f3cf2df" providerId="LiveId" clId="{8C080609-7CCE-411B-84E6-72C44917ABCF}" dt="2023-10-18T23:26:23.543" v="1483" actId="1036"/>
-          <ac:spMkLst>
-            <pc:docMk/>
-            <pc:sldMk cId="1645475767" sldId="256"/>
-            <ac:spMk id="84" creationId="{D34F5F8D-B16A-EDE4-A61F-9D0E7E4C7BBC}"/>
-          </ac:spMkLst>
-        </pc:spChg>
-        <pc:spChg chg="del mod">
-          <ac:chgData name="Joseph Wonsil" userId="f7a5a8f17f3cf2df" providerId="LiveId" clId="{8C080609-7CCE-411B-84E6-72C44917ABCF}" dt="2023-10-18T20:18:05.243" v="651" actId="478"/>
-          <ac:spMkLst>
-            <pc:docMk/>
-            <pc:sldMk cId="1645475767" sldId="256"/>
-            <ac:spMk id="85" creationId="{84E65B77-934D-4C57-DE5D-9702D4AA5BCB}"/>
-          </ac:spMkLst>
-        </pc:spChg>
-        <pc:spChg chg="add mod">
-          <ac:chgData name="Joseph Wonsil" userId="f7a5a8f17f3cf2df" providerId="LiveId" clId="{8C080609-7CCE-411B-84E6-72C44917ABCF}" dt="2023-10-18T23:26:23.543" v="1483" actId="1036"/>
-          <ac:spMkLst>
-            <pc:docMk/>
-            <pc:sldMk cId="1645475767" sldId="256"/>
-            <ac:spMk id="87" creationId="{82CE14C6-7B0F-B926-F430-14ABCCC7F1FD}"/>
-          </ac:spMkLst>
-        </pc:spChg>
-        <pc:spChg chg="mod">
-          <ac:chgData name="Joseph Wonsil" userId="f7a5a8f17f3cf2df" providerId="LiveId" clId="{8C080609-7CCE-411B-84E6-72C44917ABCF}" dt="2023-10-18T23:26:23.543" v="1483" actId="1036"/>
-          <ac:spMkLst>
-            <pc:docMk/>
-            <pc:sldMk cId="1645475767" sldId="256"/>
-            <ac:spMk id="90" creationId="{8A8D6037-92ED-5E61-EE2A-60DD15DDB033}"/>
-          </ac:spMkLst>
-        </pc:spChg>
-        <pc:spChg chg="del mod">
-          <ac:chgData name="Joseph Wonsil" userId="f7a5a8f17f3cf2df" providerId="LiveId" clId="{8C080609-7CCE-411B-84E6-72C44917ABCF}" dt="2023-10-18T20:20:45.521" v="687" actId="478"/>
-          <ac:spMkLst>
-            <pc:docMk/>
-            <pc:sldMk cId="1645475767" sldId="256"/>
-            <ac:spMk id="91" creationId="{659BA44D-74DE-FF8E-EC99-D7D1DC21885A}"/>
-          </ac:spMkLst>
-        </pc:spChg>
-        <pc:spChg chg="add mod">
-          <ac:chgData name="Joseph Wonsil" userId="f7a5a8f17f3cf2df" providerId="LiveId" clId="{8C080609-7CCE-411B-84E6-72C44917ABCF}" dt="2023-10-18T23:26:23.543" v="1483" actId="1036"/>
-          <ac:spMkLst>
-            <pc:docMk/>
-            <pc:sldMk cId="1645475767" sldId="256"/>
-            <ac:spMk id="98" creationId="{3F0C47E2-1D81-5986-8BF3-6F32C673CACF}"/>
-          </ac:spMkLst>
-        </pc:spChg>
-        <pc:spChg chg="mod">
-          <ac:chgData name="Joseph Wonsil" userId="f7a5a8f17f3cf2df" providerId="LiveId" clId="{8C080609-7CCE-411B-84E6-72C44917ABCF}" dt="2023-10-18T23:26:23.543" v="1483" actId="1036"/>
-          <ac:spMkLst>
-            <pc:docMk/>
-            <pc:sldMk cId="1645475767" sldId="256"/>
-            <ac:spMk id="100" creationId="{E92B3433-66A4-7341-0A10-1B6541AA2707}"/>
-          </ac:spMkLst>
-        </pc:spChg>
-        <pc:spChg chg="mod">
-          <ac:chgData name="Joseph Wonsil" userId="f7a5a8f17f3cf2df" providerId="LiveId" clId="{8C080609-7CCE-411B-84E6-72C44917ABCF}" dt="2023-10-18T23:26:23.543" v="1483" actId="1036"/>
-          <ac:spMkLst>
-            <pc:docMk/>
-            <pc:sldMk cId="1645475767" sldId="256"/>
-            <ac:spMk id="101" creationId="{1DE6908C-CB8C-CAF2-6CD7-D732B0AB1E33}"/>
-          </ac:spMkLst>
-        </pc:spChg>
-        <pc:spChg chg="mod">
-          <ac:chgData name="Joseph Wonsil" userId="f7a5a8f17f3cf2df" providerId="LiveId" clId="{8C080609-7CCE-411B-84E6-72C44917ABCF}" dt="2023-10-18T23:26:23.543" v="1483" actId="1036"/>
-          <ac:spMkLst>
-            <pc:docMk/>
-            <pc:sldMk cId="1645475767" sldId="256"/>
-            <ac:spMk id="102" creationId="{BAB78B8E-574B-3156-CD83-4D165FEDCC4F}"/>
-          </ac:spMkLst>
-        </pc:spChg>
-        <pc:spChg chg="mod">
-          <ac:chgData name="Joseph Wonsil" userId="f7a5a8f17f3cf2df" providerId="LiveId" clId="{8C080609-7CCE-411B-84E6-72C44917ABCF}" dt="2023-10-18T23:26:23.543" v="1483" actId="1036"/>
-          <ac:spMkLst>
-            <pc:docMk/>
-            <pc:sldMk cId="1645475767" sldId="256"/>
-            <ac:spMk id="103" creationId="{0C69731E-2E67-A043-504E-23C966E68671}"/>
-          </ac:spMkLst>
-        </pc:spChg>
-        <pc:spChg chg="del mod">
-          <ac:chgData name="Joseph Wonsil" userId="f7a5a8f17f3cf2df" providerId="LiveId" clId="{8C080609-7CCE-411B-84E6-72C44917ABCF}" dt="2023-10-18T19:49:03.763" v="164" actId="478"/>
-          <ac:spMkLst>
-            <pc:docMk/>
-            <pc:sldMk cId="1645475767" sldId="256"/>
-            <ac:spMk id="104" creationId="{6B62EFFA-4EC9-3E5B-73F6-0D19114CAFC9}"/>
-          </ac:spMkLst>
-        </pc:spChg>
-        <pc:spChg chg="mod">
-          <ac:chgData name="Joseph Wonsil" userId="f7a5a8f17f3cf2df" providerId="LiveId" clId="{8C080609-7CCE-411B-84E6-72C44917ABCF}" dt="2023-10-18T23:26:23.543" v="1483" actId="1036"/>
-          <ac:spMkLst>
-            <pc:docMk/>
-            <pc:sldMk cId="1645475767" sldId="256"/>
-            <ac:spMk id="105" creationId="{2ACDEB4D-3118-62F1-B8A8-ADB24DBACF82}"/>
-          </ac:spMkLst>
-        </pc:spChg>
-        <pc:spChg chg="mod">
-          <ac:chgData name="Joseph Wonsil" userId="f7a5a8f17f3cf2df" providerId="LiveId" clId="{8C080609-7CCE-411B-84E6-72C44917ABCF}" dt="2023-10-18T23:26:23.543" v="1483" actId="1036"/>
-          <ac:spMkLst>
-            <pc:docMk/>
-            <pc:sldMk cId="1645475767" sldId="256"/>
-            <ac:spMk id="106" creationId="{4B49D07C-8A79-6007-E41D-E45A4FC9D8C6}"/>
-          </ac:spMkLst>
-        </pc:spChg>
-        <pc:spChg chg="add mod">
-          <ac:chgData name="Joseph Wonsil" userId="f7a5a8f17f3cf2df" providerId="LiveId" clId="{8C080609-7CCE-411B-84E6-72C44917ABCF}" dt="2023-10-18T23:26:23.543" v="1483" actId="1036"/>
-          <ac:spMkLst>
-            <pc:docMk/>
-            <pc:sldMk cId="1645475767" sldId="256"/>
-            <ac:spMk id="107" creationId="{ACB2C250-4EEB-BBE9-D880-0A0D23EB95A9}"/>
-          </ac:spMkLst>
-        </pc:spChg>
-        <pc:spChg chg="add del mod">
-          <ac:chgData name="Joseph Wonsil" userId="f7a5a8f17f3cf2df" providerId="LiveId" clId="{8C080609-7CCE-411B-84E6-72C44917ABCF}" dt="2023-10-18T20:21:32.810" v="693" actId="478"/>
-          <ac:spMkLst>
-            <pc:docMk/>
-            <pc:sldMk cId="1645475767" sldId="256"/>
-            <ac:spMk id="113" creationId="{AFF1851C-5F69-C25E-05E2-1311857365D0}"/>
-          </ac:spMkLst>
-        </pc:spChg>
-        <pc:spChg chg="mod">
-          <ac:chgData name="Joseph Wonsil" userId="f7a5a8f17f3cf2df" providerId="LiveId" clId="{8C080609-7CCE-411B-84E6-72C44917ABCF}" dt="2023-10-18T23:26:23.543" v="1483" actId="1036"/>
-          <ac:spMkLst>
-            <pc:docMk/>
-            <pc:sldMk cId="1645475767" sldId="256"/>
-            <ac:spMk id="132" creationId="{85BD8B9C-80C0-4ECE-A347-E4D26F891B45}"/>
-          </ac:spMkLst>
-        </pc:spChg>
-        <pc:spChg chg="del mod">
-          <ac:chgData name="Joseph Wonsil" userId="f7a5a8f17f3cf2df" providerId="LiveId" clId="{8C080609-7CCE-411B-84E6-72C44917ABCF}" dt="2023-10-18T20:22:58.481" v="716" actId="478"/>
-          <ac:spMkLst>
-            <pc:docMk/>
-            <pc:sldMk cId="1645475767" sldId="256"/>
-            <ac:spMk id="138" creationId="{E242FAFA-CB49-296E-9F35-248943C2966E}"/>
-          </ac:spMkLst>
-        </pc:spChg>
-        <pc:spChg chg="mod">
-          <ac:chgData name="Joseph Wonsil" userId="f7a5a8f17f3cf2df" providerId="LiveId" clId="{8C080609-7CCE-411B-84E6-72C44917ABCF}" dt="2023-10-18T23:26:23.543" v="1483" actId="1036"/>
-          <ac:spMkLst>
-            <pc:docMk/>
-            <pc:sldMk cId="1645475767" sldId="256"/>
-            <ac:spMk id="139" creationId="{802C46F5-7BD6-F450-D2B4-347C92B57CFE}"/>
-          </ac:spMkLst>
-        </pc:spChg>
-        <pc:spChg chg="mod ord">
-          <ac:chgData name="Joseph Wonsil" userId="f7a5a8f17f3cf2df" providerId="LiveId" clId="{8C080609-7CCE-411B-84E6-72C44917ABCF}" dt="2023-10-18T23:26:23.543" v="1483" actId="1036"/>
-          <ac:spMkLst>
-            <pc:docMk/>
-            <pc:sldMk cId="1645475767" sldId="256"/>
-            <ac:spMk id="144" creationId="{3BA36D46-2F89-D8A4-A60C-17E29D68CFA5}"/>
-          </ac:spMkLst>
-        </pc:spChg>
-        <pc:spChg chg="mod">
-          <ac:chgData name="Joseph Wonsil" userId="f7a5a8f17f3cf2df" providerId="LiveId" clId="{8C080609-7CCE-411B-84E6-72C44917ABCF}" dt="2023-10-18T23:30:47.929" v="1687" actId="1036"/>
-          <ac:spMkLst>
-            <pc:docMk/>
-            <pc:sldMk cId="1645475767" sldId="256"/>
-            <ac:spMk id="157" creationId="{2EC089FA-274C-2CBC-86EB-EAA86F31FDEF}"/>
-          </ac:spMkLst>
-        </pc:spChg>
-        <pc:spChg chg="add mod">
-          <ac:chgData name="Joseph Wonsil" userId="f7a5a8f17f3cf2df" providerId="LiveId" clId="{8C080609-7CCE-411B-84E6-72C44917ABCF}" dt="2023-10-18T23:26:23.543" v="1483" actId="1036"/>
-          <ac:spMkLst>
-            <pc:docMk/>
-            <pc:sldMk cId="1645475767" sldId="256"/>
-            <ac:spMk id="159" creationId="{FAA5B709-EF66-0E55-121C-2E5288DA869C}"/>
-          </ac:spMkLst>
-        </pc:spChg>
-        <pc:spChg chg="add del mod">
-          <ac:chgData name="Joseph Wonsil" userId="f7a5a8f17f3cf2df" providerId="LiveId" clId="{8C080609-7CCE-411B-84E6-72C44917ABCF}" dt="2023-10-18T19:54:49.826" v="214" actId="478"/>
-          <ac:spMkLst>
-            <pc:docMk/>
-            <pc:sldMk cId="1645475767" sldId="256"/>
-            <ac:spMk id="160" creationId="{48783D87-855A-7324-67B1-C24649D448BF}"/>
-          </ac:spMkLst>
-        </pc:spChg>
-        <pc:spChg chg="add mod">
-          <ac:chgData name="Joseph Wonsil" userId="f7a5a8f17f3cf2df" providerId="LiveId" clId="{8C080609-7CCE-411B-84E6-72C44917ABCF}" dt="2023-10-18T23:26:23.543" v="1483" actId="1036"/>
-          <ac:spMkLst>
-            <pc:docMk/>
-            <pc:sldMk cId="1645475767" sldId="256"/>
-            <ac:spMk id="170" creationId="{BFAB41F3-F9EF-C391-5021-8D23B909B24B}"/>
-          </ac:spMkLst>
-        </pc:spChg>
-        <pc:spChg chg="add mod">
-          <ac:chgData name="Joseph Wonsil" userId="f7a5a8f17f3cf2df" providerId="LiveId" clId="{8C080609-7CCE-411B-84E6-72C44917ABCF}" dt="2023-10-18T23:26:23.543" v="1483" actId="1036"/>
-          <ac:spMkLst>
-            <pc:docMk/>
-            <pc:sldMk cId="1645475767" sldId="256"/>
-            <ac:spMk id="176" creationId="{1AC7E783-FF9D-D9AE-1AC5-8E4342EC4EBD}"/>
-          </ac:spMkLst>
-        </pc:spChg>
-        <pc:spChg chg="add mod">
-          <ac:chgData name="Joseph Wonsil" userId="f7a5a8f17f3cf2df" providerId="LiveId" clId="{8C080609-7CCE-411B-84E6-72C44917ABCF}" dt="2023-10-18T23:26:23.543" v="1483" actId="1036"/>
-          <ac:spMkLst>
-            <pc:docMk/>
-            <pc:sldMk cId="1645475767" sldId="256"/>
-            <ac:spMk id="181" creationId="{248CC43D-90F5-671B-FC25-CD2136983D57}"/>
-          </ac:spMkLst>
-        </pc:spChg>
-        <pc:spChg chg="add mod">
-          <ac:chgData name="Joseph Wonsil" userId="f7a5a8f17f3cf2df" providerId="LiveId" clId="{8C080609-7CCE-411B-84E6-72C44917ABCF}" dt="2023-10-18T23:26:23.543" v="1483" actId="1036"/>
-          <ac:spMkLst>
-            <pc:docMk/>
-            <pc:sldMk cId="1645475767" sldId="256"/>
-            <ac:spMk id="182" creationId="{907D58AE-50C8-F93D-1136-78E6BCCC8072}"/>
-          </ac:spMkLst>
-        </pc:spChg>
-        <pc:spChg chg="add mod">
-          <ac:chgData name="Joseph Wonsil" userId="f7a5a8f17f3cf2df" providerId="LiveId" clId="{8C080609-7CCE-411B-84E6-72C44917ABCF}" dt="2023-10-18T23:26:23.543" v="1483" actId="1036"/>
-          <ac:spMkLst>
-            <pc:docMk/>
-            <pc:sldMk cId="1645475767" sldId="256"/>
-            <ac:spMk id="196" creationId="{64A37683-F464-6803-A853-1D36D77E903B}"/>
-          </ac:spMkLst>
-        </pc:spChg>
-        <pc:spChg chg="add mod">
-          <ac:chgData name="Joseph Wonsil" userId="f7a5a8f17f3cf2df" providerId="LiveId" clId="{8C080609-7CCE-411B-84E6-72C44917ABCF}" dt="2023-10-18T23:26:23.543" v="1483" actId="1036"/>
-          <ac:spMkLst>
-            <pc:docMk/>
-            <pc:sldMk cId="1645475767" sldId="256"/>
-            <ac:spMk id="197" creationId="{C7BEE81F-D7A4-129C-136B-6AD53A842FE7}"/>
-          </ac:spMkLst>
-        </pc:spChg>
-        <pc:spChg chg="add mod">
-          <ac:chgData name="Joseph Wonsil" userId="f7a5a8f17f3cf2df" providerId="LiveId" clId="{8C080609-7CCE-411B-84E6-72C44917ABCF}" dt="2023-10-18T23:26:23.543" v="1483" actId="1036"/>
-          <ac:spMkLst>
-            <pc:docMk/>
-            <pc:sldMk cId="1645475767" sldId="256"/>
-            <ac:spMk id="198" creationId="{97481AB8-5857-3AC0-BCB6-E2A7EF4E71A4}"/>
-          </ac:spMkLst>
-        </pc:spChg>
-        <pc:spChg chg="add mod">
-          <ac:chgData name="Joseph Wonsil" userId="f7a5a8f17f3cf2df" providerId="LiveId" clId="{8C080609-7CCE-411B-84E6-72C44917ABCF}" dt="2023-10-18T23:30:22.854" v="1674" actId="1036"/>
-          <ac:spMkLst>
-            <pc:docMk/>
-            <pc:sldMk cId="1645475767" sldId="256"/>
-            <ac:spMk id="204" creationId="{AF0B4C90-7F51-3154-21DD-F141AA6B7D1C}"/>
-          </ac:spMkLst>
-        </pc:spChg>
-        <pc:spChg chg="add mod">
-          <ac:chgData name="Joseph Wonsil" userId="f7a5a8f17f3cf2df" providerId="LiveId" clId="{8C080609-7CCE-411B-84E6-72C44917ABCF}" dt="2023-10-18T23:30:47.929" v="1687" actId="1036"/>
-          <ac:spMkLst>
-            <pc:docMk/>
-            <pc:sldMk cId="1645475767" sldId="256"/>
-            <ac:spMk id="207" creationId="{83505876-8FEF-325E-3C41-C080552E164D}"/>
-          </ac:spMkLst>
-        </pc:spChg>
-        <pc:spChg chg="add mod">
-          <ac:chgData name="Joseph Wonsil" userId="f7a5a8f17f3cf2df" providerId="LiveId" clId="{8C080609-7CCE-411B-84E6-72C44917ABCF}" dt="2023-10-18T23:30:05.993" v="1656" actId="1035"/>
-          <ac:spMkLst>
-            <pc:docMk/>
-            <pc:sldMk cId="1645475767" sldId="256"/>
-            <ac:spMk id="209" creationId="{3607486D-7794-339C-97B9-508DD9223B9A}"/>
-          </ac:spMkLst>
-        </pc:spChg>
-        <pc:spChg chg="add mod">
-          <ac:chgData name="Joseph Wonsil" userId="f7a5a8f17f3cf2df" providerId="LiveId" clId="{8C080609-7CCE-411B-84E6-72C44917ABCF}" dt="2023-10-18T23:26:23.543" v="1483" actId="1036"/>
-          <ac:spMkLst>
-            <pc:docMk/>
-            <pc:sldMk cId="1645475767" sldId="256"/>
-            <ac:spMk id="212" creationId="{E55F2EEF-5883-D72A-7FCC-5638BC1DCDEB}"/>
-          </ac:spMkLst>
-        </pc:spChg>
-        <pc:spChg chg="add del mod">
-          <ac:chgData name="Joseph Wonsil" userId="f7a5a8f17f3cf2df" providerId="LiveId" clId="{8C080609-7CCE-411B-84E6-72C44917ABCF}" dt="2023-10-18T20:04:20.317" v="380" actId="478"/>
-          <ac:spMkLst>
-            <pc:docMk/>
-            <pc:sldMk cId="1645475767" sldId="256"/>
-            <ac:spMk id="215" creationId="{1F46A5B4-556E-6637-352E-0AB85B25636E}"/>
-          </ac:spMkLst>
-        </pc:spChg>
-        <pc:spChg chg="add del mod">
-          <ac:chgData name="Joseph Wonsil" userId="f7a5a8f17f3cf2df" providerId="LiveId" clId="{8C080609-7CCE-411B-84E6-72C44917ABCF}" dt="2023-10-18T20:04:15.250" v="372"/>
-          <ac:spMkLst>
-            <pc:docMk/>
-            <pc:sldMk cId="1645475767" sldId="256"/>
-            <ac:spMk id="216" creationId="{93E6D794-9A51-7E13-8D23-DFFA2675EC9F}"/>
-          </ac:spMkLst>
-        </pc:spChg>
-        <pc:spChg chg="add mod">
-          <ac:chgData name="Joseph Wonsil" userId="f7a5a8f17f3cf2df" providerId="LiveId" clId="{8C080609-7CCE-411B-84E6-72C44917ABCF}" dt="2023-10-18T23:26:23.543" v="1483" actId="1036"/>
-          <ac:spMkLst>
-            <pc:docMk/>
-            <pc:sldMk cId="1645475767" sldId="256"/>
-            <ac:spMk id="218" creationId="{766078B8-ECF8-60EF-9212-6287758A5D20}"/>
-          </ac:spMkLst>
-        </pc:spChg>
-        <pc:spChg chg="add del">
-          <ac:chgData name="Joseph Wonsil" userId="f7a5a8f17f3cf2df" providerId="LiveId" clId="{8C080609-7CCE-411B-84E6-72C44917ABCF}" dt="2023-10-18T20:04:50.262" v="390" actId="22"/>
-          <ac:spMkLst>
-            <pc:docMk/>
-            <pc:sldMk cId="1645475767" sldId="256"/>
-            <ac:spMk id="220" creationId="{2CE5C828-3BEB-0B41-F241-731507EE2D88}"/>
-          </ac:spMkLst>
-        </pc:spChg>
-        <pc:spChg chg="add mod">
-          <ac:chgData name="Joseph Wonsil" userId="f7a5a8f17f3cf2df" providerId="LiveId" clId="{8C080609-7CCE-411B-84E6-72C44917ABCF}" dt="2023-10-18T23:26:23.543" v="1483" actId="1036"/>
-          <ac:spMkLst>
-            <pc:docMk/>
-            <pc:sldMk cId="1645475767" sldId="256"/>
-            <ac:spMk id="221" creationId="{A704D209-4118-707C-FBA2-39647729D7FE}"/>
-          </ac:spMkLst>
-        </pc:spChg>
-        <pc:spChg chg="add mod">
-          <ac:chgData name="Joseph Wonsil" userId="f7a5a8f17f3cf2df" providerId="LiveId" clId="{8C080609-7CCE-411B-84E6-72C44917ABCF}" dt="2023-10-18T23:26:23.543" v="1483" actId="1036"/>
-          <ac:spMkLst>
-            <pc:docMk/>
-            <pc:sldMk cId="1645475767" sldId="256"/>
-            <ac:spMk id="222" creationId="{A73DA923-B0C2-24D3-3223-F3EECA14D156}"/>
-          </ac:spMkLst>
-        </pc:spChg>
-        <pc:spChg chg="add mod">
-          <ac:chgData name="Joseph Wonsil" userId="f7a5a8f17f3cf2df" providerId="LiveId" clId="{8C080609-7CCE-411B-84E6-72C44917ABCF}" dt="2023-10-18T23:26:23.543" v="1483" actId="1036"/>
-          <ac:spMkLst>
-            <pc:docMk/>
-            <pc:sldMk cId="1645475767" sldId="256"/>
-            <ac:spMk id="223" creationId="{98EA81B1-9379-5562-E87C-6BE04285588F}"/>
-          </ac:spMkLst>
-        </pc:spChg>
-        <pc:spChg chg="add mod">
-          <ac:chgData name="Joseph Wonsil" userId="f7a5a8f17f3cf2df" providerId="LiveId" clId="{8C080609-7CCE-411B-84E6-72C44917ABCF}" dt="2023-10-18T20:17:27.728" v="638" actId="164"/>
-          <ac:spMkLst>
-            <pc:docMk/>
-            <pc:sldMk cId="1645475767" sldId="256"/>
-            <ac:spMk id="224" creationId="{15C4FDDD-19C9-9A01-F091-8751F235E3A9}"/>
-          </ac:spMkLst>
-        </pc:spChg>
-        <pc:spChg chg="add mod">
-          <ac:chgData name="Joseph Wonsil" userId="f7a5a8f17f3cf2df" providerId="LiveId" clId="{8C080609-7CCE-411B-84E6-72C44917ABCF}" dt="2023-10-18T23:26:23.543" v="1483" actId="1036"/>
-          <ac:spMkLst>
-            <pc:docMk/>
-            <pc:sldMk cId="1645475767" sldId="256"/>
-            <ac:spMk id="225" creationId="{850CBD32-7AD7-DF07-FBE9-7EBE8B911969}"/>
-          </ac:spMkLst>
-        </pc:spChg>
-        <pc:spChg chg="add mod">
-          <ac:chgData name="Joseph Wonsil" userId="f7a5a8f17f3cf2df" providerId="LiveId" clId="{8C080609-7CCE-411B-84E6-72C44917ABCF}" dt="2023-10-18T23:26:23.543" v="1483" actId="1036"/>
-          <ac:spMkLst>
-            <pc:docMk/>
-            <pc:sldMk cId="1645475767" sldId="256"/>
-            <ac:spMk id="226" creationId="{7040D6DB-B4BE-DAC4-5921-1A9850EC0EEC}"/>
-          </ac:spMkLst>
-        </pc:spChg>
-        <pc:spChg chg="add mod">
-          <ac:chgData name="Joseph Wonsil" userId="f7a5a8f17f3cf2df" providerId="LiveId" clId="{8C080609-7CCE-411B-84E6-72C44917ABCF}" dt="2023-10-18T23:26:23.543" v="1483" actId="1036"/>
-          <ac:spMkLst>
-            <pc:docMk/>
-            <pc:sldMk cId="1645475767" sldId="256"/>
-            <ac:spMk id="227" creationId="{DA5E22C1-9470-3167-CB75-B1290B4FB1C7}"/>
-          </ac:spMkLst>
-        </pc:spChg>
-        <pc:spChg chg="add mod topLvl">
-          <ac:chgData name="Joseph Wonsil" userId="f7a5a8f17f3cf2df" providerId="LiveId" clId="{8C080609-7CCE-411B-84E6-72C44917ABCF}" dt="2023-10-18T23:35:04.242" v="1689" actId="165"/>
-          <ac:spMkLst>
-            <pc:docMk/>
-            <pc:sldMk cId="1645475767" sldId="256"/>
-            <ac:spMk id="228" creationId="{EE0FCCF9-B8F0-C0F4-8FA8-6A58FC68119D}"/>
-          </ac:spMkLst>
-        </pc:spChg>
-        <pc:spChg chg="add mod">
-          <ac:chgData name="Joseph Wonsil" userId="f7a5a8f17f3cf2df" providerId="LiveId" clId="{8C080609-7CCE-411B-84E6-72C44917ABCF}" dt="2023-10-18T23:26:23.543" v="1483" actId="1036"/>
-          <ac:spMkLst>
-            <pc:docMk/>
-            <pc:sldMk cId="1645475767" sldId="256"/>
-            <ac:spMk id="230" creationId="{A412271C-0293-8FAC-A024-C597CF244023}"/>
-          </ac:spMkLst>
-        </pc:spChg>
-        <pc:spChg chg="add del mod">
-          <ac:chgData name="Joseph Wonsil" userId="f7a5a8f17f3cf2df" providerId="LiveId" clId="{8C080609-7CCE-411B-84E6-72C44917ABCF}" dt="2023-10-18T20:06:32.361" v="485" actId="478"/>
-          <ac:spMkLst>
-            <pc:docMk/>
-            <pc:sldMk cId="1645475767" sldId="256"/>
-            <ac:spMk id="233" creationId="{A392A038-906A-DF2B-C823-6DBBE7762584}"/>
-          </ac:spMkLst>
-        </pc:spChg>
-        <pc:spChg chg="add mod">
-          <ac:chgData name="Joseph Wonsil" userId="f7a5a8f17f3cf2df" providerId="LiveId" clId="{8C080609-7CCE-411B-84E6-72C44917ABCF}" dt="2023-10-18T20:24:50.969" v="735" actId="164"/>
-          <ac:spMkLst>
-            <pc:docMk/>
-            <pc:sldMk cId="1645475767" sldId="256"/>
-            <ac:spMk id="235" creationId="{B8ACB6A0-BEBA-1B6C-4E82-D0C43185E879}"/>
-          </ac:spMkLst>
-        </pc:spChg>
-        <pc:spChg chg="add mod">
-          <ac:chgData name="Joseph Wonsil" userId="f7a5a8f17f3cf2df" providerId="LiveId" clId="{8C080609-7CCE-411B-84E6-72C44917ABCF}" dt="2023-10-18T23:26:23.543" v="1483" actId="1036"/>
-          <ac:spMkLst>
-            <pc:docMk/>
-            <pc:sldMk cId="1645475767" sldId="256"/>
-            <ac:spMk id="238" creationId="{EBDD0F59-C0A1-5DFE-3F5E-F797A3C05FA3}"/>
-          </ac:spMkLst>
-        </pc:spChg>
-        <pc:spChg chg="add mod">
-          <ac:chgData name="Joseph Wonsil" userId="f7a5a8f17f3cf2df" providerId="LiveId" clId="{8C080609-7CCE-411B-84E6-72C44917ABCF}" dt="2023-10-18T23:26:23.543" v="1483" actId="1036"/>
-          <ac:spMkLst>
-            <pc:docMk/>
-            <pc:sldMk cId="1645475767" sldId="256"/>
-            <ac:spMk id="240" creationId="{65D2929C-1097-3DCB-AD36-0DC797EDF22D}"/>
-          </ac:spMkLst>
-        </pc:spChg>
-        <pc:spChg chg="add mod">
-          <ac:chgData name="Joseph Wonsil" userId="f7a5a8f17f3cf2df" providerId="LiveId" clId="{8C080609-7CCE-411B-84E6-72C44917ABCF}" dt="2023-10-18T23:26:23.543" v="1483" actId="1036"/>
-          <ac:spMkLst>
-            <pc:docMk/>
-            <pc:sldMk cId="1645475767" sldId="256"/>
-            <ac:spMk id="246" creationId="{393737DC-96D0-A430-733E-25813A41BD16}"/>
-          </ac:spMkLst>
-        </pc:spChg>
-        <pc:spChg chg="add mod">
-          <ac:chgData name="Joseph Wonsil" userId="f7a5a8f17f3cf2df" providerId="LiveId" clId="{8C080609-7CCE-411B-84E6-72C44917ABCF}" dt="2023-10-18T23:26:23.543" v="1483" actId="1036"/>
-          <ac:spMkLst>
-            <pc:docMk/>
-            <pc:sldMk cId="1645475767" sldId="256"/>
-            <ac:spMk id="254" creationId="{D69DA629-519B-B2FA-292E-D394590F6BEE}"/>
-          </ac:spMkLst>
-        </pc:spChg>
-        <pc:spChg chg="add mod">
-          <ac:chgData name="Joseph Wonsil" userId="f7a5a8f17f3cf2df" providerId="LiveId" clId="{8C080609-7CCE-411B-84E6-72C44917ABCF}" dt="2023-10-18T23:26:23.543" v="1483" actId="1036"/>
-          <ac:spMkLst>
-            <pc:docMk/>
-            <pc:sldMk cId="1645475767" sldId="256"/>
-            <ac:spMk id="268" creationId="{449FE6F4-DC13-BF05-AF6E-73E38ACE71B8}"/>
-          </ac:spMkLst>
-        </pc:spChg>
-        <pc:spChg chg="add mod">
-          <ac:chgData name="Joseph Wonsil" userId="f7a5a8f17f3cf2df" providerId="LiveId" clId="{8C080609-7CCE-411B-84E6-72C44917ABCF}" dt="2023-10-18T20:17:27.728" v="638" actId="164"/>
-          <ac:spMkLst>
-            <pc:docMk/>
-            <pc:sldMk cId="1645475767" sldId="256"/>
-            <ac:spMk id="270" creationId="{B5990806-A5FA-4AAD-83A6-4F1B6A8A61EB}"/>
-          </ac:spMkLst>
-        </pc:spChg>
-        <pc:spChg chg="add mod">
-          <ac:chgData name="Joseph Wonsil" userId="f7a5a8f17f3cf2df" providerId="LiveId" clId="{8C080609-7CCE-411B-84E6-72C44917ABCF}" dt="2023-10-18T23:20:56.176" v="1435" actId="1035"/>
-          <ac:spMkLst>
-            <pc:docMk/>
-            <pc:sldMk cId="1645475767" sldId="256"/>
-            <ac:spMk id="271" creationId="{14D7BAFA-9311-A224-70E1-53DB2C8D3CAE}"/>
-          </ac:spMkLst>
-        </pc:spChg>
-        <pc:spChg chg="add mod">
-          <ac:chgData name="Joseph Wonsil" userId="f7a5a8f17f3cf2df" providerId="LiveId" clId="{8C080609-7CCE-411B-84E6-72C44917ABCF}" dt="2023-10-18T23:26:23.543" v="1483" actId="1036"/>
-          <ac:spMkLst>
-            <pc:docMk/>
-            <pc:sldMk cId="1645475767" sldId="256"/>
-            <ac:spMk id="272" creationId="{9FB30DB4-3A65-8325-66C1-1C35BDDCC64B}"/>
-          </ac:spMkLst>
-        </pc:spChg>
-        <pc:spChg chg="add del mod">
-          <ac:chgData name="Joseph Wonsil" userId="f7a5a8f17f3cf2df" providerId="LiveId" clId="{8C080609-7CCE-411B-84E6-72C44917ABCF}" dt="2023-10-18T20:37:06.888" v="992" actId="478"/>
-          <ac:spMkLst>
-            <pc:docMk/>
-            <pc:sldMk cId="1645475767" sldId="256"/>
-            <ac:spMk id="279" creationId="{CE1A34E2-A345-0590-03F5-1EDFA711A67A}"/>
-          </ac:spMkLst>
-        </pc:spChg>
-        <pc:spChg chg="add mod">
-          <ac:chgData name="Joseph Wonsil" userId="f7a5a8f17f3cf2df" providerId="LiveId" clId="{8C080609-7CCE-411B-84E6-72C44917ABCF}" dt="2023-10-18T23:26:23.543" v="1483" actId="1036"/>
-          <ac:spMkLst>
-            <pc:docMk/>
-            <pc:sldMk cId="1645475767" sldId="256"/>
-            <ac:spMk id="281" creationId="{6B7888B1-5AC7-5F61-2E31-6969BD259062}"/>
-          </ac:spMkLst>
-        </pc:spChg>
-        <pc:spChg chg="add mod">
-          <ac:chgData name="Joseph Wonsil" userId="f7a5a8f17f3cf2df" providerId="LiveId" clId="{8C080609-7CCE-411B-84E6-72C44917ABCF}" dt="2023-10-18T23:26:23.543" v="1483" actId="1036"/>
-          <ac:spMkLst>
-            <pc:docMk/>
-            <pc:sldMk cId="1645475767" sldId="256"/>
-            <ac:spMk id="286" creationId="{298BECD7-46E2-C328-55E6-A45B4670BECA}"/>
-          </ac:spMkLst>
-        </pc:spChg>
-        <pc:spChg chg="add mod">
-          <ac:chgData name="Joseph Wonsil" userId="f7a5a8f17f3cf2df" providerId="LiveId" clId="{8C080609-7CCE-411B-84E6-72C44917ABCF}" dt="2023-10-18T23:26:23.543" v="1483" actId="1036"/>
-          <ac:spMkLst>
-            <pc:docMk/>
-            <pc:sldMk cId="1645475767" sldId="256"/>
-            <ac:spMk id="290" creationId="{332C5BD7-55A8-4BB9-9B12-340F8BC9D237}"/>
-          </ac:spMkLst>
-        </pc:spChg>
-        <pc:spChg chg="add mod">
-          <ac:chgData name="Joseph Wonsil" userId="f7a5a8f17f3cf2df" providerId="LiveId" clId="{8C080609-7CCE-411B-84E6-72C44917ABCF}" dt="2023-10-18T23:26:23.543" v="1483" actId="1036"/>
-          <ac:spMkLst>
-            <pc:docMk/>
-            <pc:sldMk cId="1645475767" sldId="256"/>
-            <ac:spMk id="291" creationId="{FECF43F6-9555-251D-885A-46D003D7365D}"/>
-          </ac:spMkLst>
-        </pc:spChg>
-        <pc:spChg chg="add mod topLvl">
-          <ac:chgData name="Joseph Wonsil" userId="f7a5a8f17f3cf2df" providerId="LiveId" clId="{8C080609-7CCE-411B-84E6-72C44917ABCF}" dt="2023-10-18T23:35:04.242" v="1689" actId="165"/>
-          <ac:spMkLst>
-            <pc:docMk/>
-            <pc:sldMk cId="1645475767" sldId="256"/>
-            <ac:spMk id="308" creationId="{989CDA4F-A434-3232-BF4A-9BF9789ACE4B}"/>
-          </ac:spMkLst>
-        </pc:spChg>
-        <pc:spChg chg="add mod topLvl">
-          <ac:chgData name="Joseph Wonsil" userId="f7a5a8f17f3cf2df" providerId="LiveId" clId="{8C080609-7CCE-411B-84E6-72C44917ABCF}" dt="2023-10-18T23:35:04.242" v="1689" actId="165"/>
-          <ac:spMkLst>
-            <pc:docMk/>
-            <pc:sldMk cId="1645475767" sldId="256"/>
-            <ac:spMk id="312" creationId="{CEA69A73-CED3-8FF0-56B9-F0FA85C415DA}"/>
-          </ac:spMkLst>
-        </pc:spChg>
-        <pc:spChg chg="add mod">
-          <ac:chgData name="Joseph Wonsil" userId="f7a5a8f17f3cf2df" providerId="LiveId" clId="{8C080609-7CCE-411B-84E6-72C44917ABCF}" dt="2023-10-18T23:26:23.543" v="1483" actId="1036"/>
+          <ac:chgData name="Joseph Wonsil" userId="f7a5a8f17f3cf2df" providerId="Windows Live" clId="Web-{67CC9483-2BB2-46C6-A5D4-96425EC9E7F9}" dt="2023-10-19T21:08:49.711" v="72" actId="1076"/>
           <ac:spMkLst>
             <pc:docMk/>
             <pc:sldMk cId="1645475767" sldId="256"/>
             <ac:spMk id="318" creationId="{63B3D97B-2E6C-1258-48F9-8C783923327E}"/>
           </ac:spMkLst>
         </pc:spChg>
-        <pc:spChg chg="add mod">
-          <ac:chgData name="Joseph Wonsil" userId="f7a5a8f17f3cf2df" providerId="LiveId" clId="{8C080609-7CCE-411B-84E6-72C44917ABCF}" dt="2023-10-18T20:24:58.243" v="736" actId="2085"/>
-          <ac:spMkLst>
-            <pc:docMk/>
-            <pc:sldMk cId="1645475767" sldId="256"/>
-            <ac:spMk id="327" creationId="{C54D5F82-3390-F3E9-D897-F39022FFBB5D}"/>
-          </ac:spMkLst>
-        </pc:spChg>
-        <pc:spChg chg="add mod">
-          <ac:chgData name="Joseph Wonsil" userId="f7a5a8f17f3cf2df" providerId="LiveId" clId="{8C080609-7CCE-411B-84E6-72C44917ABCF}" dt="2023-10-18T20:24:58.243" v="736" actId="2085"/>
-          <ac:spMkLst>
-            <pc:docMk/>
-            <pc:sldMk cId="1645475767" sldId="256"/>
-            <ac:spMk id="328" creationId="{CAA22E7D-5488-7DF7-1454-3B2474E7DE37}"/>
-          </ac:spMkLst>
-        </pc:spChg>
-        <pc:spChg chg="add mod">
-          <ac:chgData name="Joseph Wonsil" userId="f7a5a8f17f3cf2df" providerId="LiveId" clId="{8C080609-7CCE-411B-84E6-72C44917ABCF}" dt="2023-10-18T23:26:23.543" v="1483" actId="1036"/>
-          <ac:spMkLst>
-            <pc:docMk/>
-            <pc:sldMk cId="1645475767" sldId="256"/>
-            <ac:spMk id="338" creationId="{121AB96C-68CA-961C-E780-78F888C739AE}"/>
-          </ac:spMkLst>
-        </pc:spChg>
-        <pc:spChg chg="add del mod">
-          <ac:chgData name="Joseph Wonsil" userId="f7a5a8f17f3cf2df" providerId="LiveId" clId="{8C080609-7CCE-411B-84E6-72C44917ABCF}" dt="2023-10-18T20:34:32.992" v="835" actId="478"/>
-          <ac:spMkLst>
-            <pc:docMk/>
-            <pc:sldMk cId="1645475767" sldId="256"/>
-            <ac:spMk id="359" creationId="{A91BC84C-1C0D-CEE8-9714-6B6902242CE4}"/>
-          </ac:spMkLst>
-        </pc:spChg>
-        <pc:spChg chg="add mod">
-          <ac:chgData name="Joseph Wonsil" userId="f7a5a8f17f3cf2df" providerId="LiveId" clId="{8C080609-7CCE-411B-84E6-72C44917ABCF}" dt="2023-10-18T23:26:23.543" v="1483" actId="1036"/>
-          <ac:spMkLst>
-            <pc:docMk/>
-            <pc:sldMk cId="1645475767" sldId="256"/>
-            <ac:spMk id="391" creationId="{0FA0E725-9150-71D7-F381-884209738BAE}"/>
-          </ac:spMkLst>
-        </pc:spChg>
-        <pc:spChg chg="add mod">
-          <ac:chgData name="Joseph Wonsil" userId="f7a5a8f17f3cf2df" providerId="LiveId" clId="{8C080609-7CCE-411B-84E6-72C44917ABCF}" dt="2023-10-18T23:26:23.543" v="1483" actId="1036"/>
-          <ac:spMkLst>
-            <pc:docMk/>
-            <pc:sldMk cId="1645475767" sldId="256"/>
-            <ac:spMk id="393" creationId="{AEEDA56F-ED36-B961-415D-CC6DB3A1FBD6}"/>
-          </ac:spMkLst>
-        </pc:spChg>
-        <pc:spChg chg="add del mod">
-          <ac:chgData name="Joseph Wonsil" userId="f7a5a8f17f3cf2df" providerId="LiveId" clId="{8C080609-7CCE-411B-84E6-72C44917ABCF}" dt="2023-10-18T23:36:36.285" v="1695" actId="478"/>
-          <ac:spMkLst>
-            <pc:docMk/>
-            <pc:sldMk cId="1645475767" sldId="256"/>
-            <ac:spMk id="453" creationId="{1D13A3AE-0B83-E2EF-F9EB-881B3A2AE16B}"/>
-          </ac:spMkLst>
-        </pc:spChg>
-        <pc:grpChg chg="add mod">
-          <ac:chgData name="Joseph Wonsil" userId="f7a5a8f17f3cf2df" providerId="LiveId" clId="{8C080609-7CCE-411B-84E6-72C44917ABCF}" dt="2023-10-18T20:04:12.209" v="363" actId="164"/>
-          <ac:grpSpMkLst>
-            <pc:docMk/>
-            <pc:sldMk cId="1645475767" sldId="256"/>
-            <ac:grpSpMk id="217" creationId="{0228E911-541A-56E9-842E-896DE840C364}"/>
-          </ac:grpSpMkLst>
-        </pc:grpChg>
-        <pc:grpChg chg="add mod">
-          <ac:chgData name="Joseph Wonsil" userId="f7a5a8f17f3cf2df" providerId="LiveId" clId="{8C080609-7CCE-411B-84E6-72C44917ABCF}" dt="2023-10-18T23:26:23.543" v="1483" actId="1036"/>
+        <pc:grpChg chg="del">
+          <ac:chgData name="Joseph Wonsil" userId="f7a5a8f17f3cf2df" providerId="Windows Live" clId="Web-{67CC9483-2BB2-46C6-A5D4-96425EC9E7F9}" dt="2023-10-19T21:01:29.372" v="47"/>
           <ac:grpSpMkLst>
             <pc:docMk/>
             <pc:sldMk cId="1645475767" sldId="256"/>
             <ac:grpSpMk id="301" creationId="{DD4639EE-10B2-D0BE-C573-62FDD98D4E33}"/>
           </ac:grpSpMkLst>
         </pc:grpChg>
-        <pc:grpChg chg="add del mod">
-          <ac:chgData name="Joseph Wonsil" userId="f7a5a8f17f3cf2df" providerId="LiveId" clId="{8C080609-7CCE-411B-84E6-72C44917ABCF}" dt="2023-10-18T23:35:04.242" v="1689" actId="165"/>
+        <pc:grpChg chg="del mod">
+          <ac:chgData name="Joseph Wonsil" userId="f7a5a8f17f3cf2df" providerId="Windows Live" clId="Web-{67CC9483-2BB2-46C6-A5D4-96425EC9E7F9}" dt="2023-10-19T21:08:57.071" v="79"/>
           <ac:grpSpMkLst>
             <pc:docMk/>
             <pc:sldMk cId="1645475767" sldId="256"/>
             <ac:grpSpMk id="321" creationId="{CFCEC70D-EE9E-8FF5-A986-8ABFF51B0B67}"/>
           </ac:grpSpMkLst>
         </pc:grpChg>
-        <pc:grpChg chg="add mod">
-          <ac:chgData name="Joseph Wonsil" userId="f7a5a8f17f3cf2df" providerId="LiveId" clId="{8C080609-7CCE-411B-84E6-72C44917ABCF}" dt="2023-10-18T23:26:23.543" v="1483" actId="1036"/>
+        <pc:grpChg chg="del">
+          <ac:chgData name="Joseph Wonsil" userId="f7a5a8f17f3cf2df" providerId="Windows Live" clId="Web-{67CC9483-2BB2-46C6-A5D4-96425EC9E7F9}" dt="2023-10-19T21:08:55.680" v="73"/>
           <ac:grpSpMkLst>
             <pc:docMk/>
             <pc:sldMk cId="1645475767" sldId="256"/>
             <ac:grpSpMk id="345" creationId="{A5E5AD25-3A1E-D595-C5A1-A8F9193493ED}"/>
           </ac:grpSpMkLst>
         </pc:grpChg>
-        <pc:picChg chg="add del mod">
-          <ac:chgData name="Joseph Wonsil" userId="f7a5a8f17f3cf2df" providerId="LiveId" clId="{8C080609-7CCE-411B-84E6-72C44917ABCF}" dt="2023-10-18T20:01:58.765" v="324" actId="478"/>
-          <ac:picMkLst>
-            <pc:docMk/>
-            <pc:sldMk cId="1645475767" sldId="256"/>
-            <ac:picMk id="214" creationId="{265B44B4-B989-C403-0913-7D0C712CC188}"/>
-          </ac:picMkLst>
-        </pc:picChg>
+        <pc:cxnChg chg="add del mod">
+          <ac:chgData name="Joseph Wonsil" userId="f7a5a8f17f3cf2df" providerId="Windows Live" clId="Web-{67CC9483-2BB2-46C6-A5D4-96425EC9E7F9}" dt="2023-10-19T21:09:28.806" v="90"/>
+          <ac:cxnSpMkLst>
+            <pc:docMk/>
+            <pc:sldMk cId="1645475767" sldId="256"/>
+            <ac:cxnSpMk id="2" creationId="{9052726D-0116-41C9-325C-DA5A8B9C7200}"/>
+          </ac:cxnSpMkLst>
+        </pc:cxnChg>
+        <pc:cxnChg chg="add mod">
+          <ac:chgData name="Joseph Wonsil" userId="f7a5a8f17f3cf2df" providerId="Windows Live" clId="Web-{67CC9483-2BB2-46C6-A5D4-96425EC9E7F9}" dt="2023-10-19T21:45:32.174" v="394" actId="14100"/>
+          <ac:cxnSpMkLst>
+            <pc:docMk/>
+            <pc:sldMk cId="1645475767" sldId="256"/>
+            <ac:cxnSpMk id="3" creationId="{63F37F73-1565-6922-1A4D-AD5D36408EE7}"/>
+          </ac:cxnSpMkLst>
+        </pc:cxnChg>
         <pc:cxnChg chg="mod">
-          <ac:chgData name="Joseph Wonsil" userId="f7a5a8f17f3cf2df" providerId="LiveId" clId="{8C080609-7CCE-411B-84E6-72C44917ABCF}" dt="2023-10-18T23:26:23.543" v="1483" actId="1036"/>
+          <ac:chgData name="Joseph Wonsil" userId="f7a5a8f17f3cf2df" providerId="Windows Live" clId="Web-{67CC9483-2BB2-46C6-A5D4-96425EC9E7F9}" dt="2023-10-19T21:14:51.533" v="143" actId="14100"/>
           <ac:cxnSpMkLst>
             <pc:docMk/>
             <pc:sldMk cId="1645475767" sldId="256"/>
             <ac:cxnSpMk id="4" creationId="{1FAF49EF-246B-5065-399F-6F3D99F68D6C}"/>
           </ac:cxnSpMkLst>
         </pc:cxnChg>
+        <pc:cxnChg chg="mod">
+          <ac:chgData name="Joseph Wonsil" userId="f7a5a8f17f3cf2df" providerId="Windows Live" clId="Web-{67CC9483-2BB2-46C6-A5D4-96425EC9E7F9}" dt="2023-10-19T20:58:53.133" v="9" actId="14100"/>
+          <ac:cxnSpMkLst>
+            <pc:docMk/>
+            <pc:sldMk cId="1645475767" sldId="256"/>
+            <ac:cxnSpMk id="8" creationId="{E3A3FFC5-3ECB-F504-1EB7-79E7359B9CFC}"/>
+          </ac:cxnSpMkLst>
+        </pc:cxnChg>
         <pc:cxnChg chg="del mod">
-          <ac:chgData name="Joseph Wonsil" userId="f7a5a8f17f3cf2df" providerId="LiveId" clId="{8C080609-7CCE-411B-84E6-72C44917ABCF}" dt="2023-10-18T19:30:28.185" v="0" actId="478"/>
-          <ac:cxnSpMkLst>
-            <pc:docMk/>
-            <pc:sldMk cId="1645475767" sldId="256"/>
-            <ac:cxnSpMk id="7" creationId="{CFFEAC4B-C6E1-0754-849B-C9DE5A9020F3}"/>
-          </ac:cxnSpMkLst>
-        </pc:cxnChg>
-        <pc:cxnChg chg="mod">
-          <ac:chgData name="Joseph Wonsil" userId="f7a5a8f17f3cf2df" providerId="LiveId" clId="{8C080609-7CCE-411B-84E6-72C44917ABCF}" dt="2023-10-18T23:26:23.543" v="1483" actId="1036"/>
-          <ac:cxnSpMkLst>
-            <pc:docMk/>
-            <pc:sldMk cId="1645475767" sldId="256"/>
-            <ac:cxnSpMk id="8" creationId="{E3A3FFC5-3ECB-F504-1EB7-79E7359B9CFC}"/>
-          </ac:cxnSpMkLst>
-        </pc:cxnChg>
-        <pc:cxnChg chg="mod">
-          <ac:chgData name="Joseph Wonsil" userId="f7a5a8f17f3cf2df" providerId="LiveId" clId="{8C080609-7CCE-411B-84E6-72C44917ABCF}" dt="2023-10-18T23:26:23.543" v="1483" actId="1036"/>
+          <ac:chgData name="Joseph Wonsil" userId="f7a5a8f17f3cf2df" providerId="Windows Live" clId="Web-{67CC9483-2BB2-46C6-A5D4-96425EC9E7F9}" dt="2023-10-19T21:07:41.428" v="60"/>
           <ac:cxnSpMkLst>
             <pc:docMk/>
             <pc:sldMk cId="1645475767" sldId="256"/>
             <ac:cxnSpMk id="9" creationId="{0A563654-6AF8-5959-7EF7-1707843DF81A}"/>
           </ac:cxnSpMkLst>
         </pc:cxnChg>
-        <pc:cxnChg chg="mod">
-          <ac:chgData name="Joseph Wonsil" userId="f7a5a8f17f3cf2df" providerId="LiveId" clId="{8C080609-7CCE-411B-84E6-72C44917ABCF}" dt="2023-10-18T23:26:23.543" v="1483" actId="1036"/>
+        <pc:cxnChg chg="add mod">
+          <ac:chgData name="Joseph Wonsil" userId="f7a5a8f17f3cf2df" providerId="Windows Live" clId="Web-{67CC9483-2BB2-46C6-A5D4-96425EC9E7F9}" dt="2023-10-19T21:19:35.243" v="182" actId="1076"/>
+          <ac:cxnSpMkLst>
+            <pc:docMk/>
+            <pc:sldMk cId="1645475767" sldId="256"/>
+            <ac:cxnSpMk id="11" creationId="{517CEBC0-383D-39C0-D39A-BF4C87361C6F}"/>
+          </ac:cxnSpMkLst>
+        </pc:cxnChg>
+        <pc:cxnChg chg="add mod">
+          <ac:chgData name="Joseph Wonsil" userId="f7a5a8f17f3cf2df" providerId="Windows Live" clId="Web-{67CC9483-2BB2-46C6-A5D4-96425EC9E7F9}" dt="2023-10-19T21:19:44.150" v="184" actId="1076"/>
+          <ac:cxnSpMkLst>
+            <pc:docMk/>
+            <pc:sldMk cId="1645475767" sldId="256"/>
+            <ac:cxnSpMk id="14" creationId="{8ED0136A-702F-ABCF-6004-6FEE38C0006F}"/>
+          </ac:cxnSpMkLst>
+        </pc:cxnChg>
+        <pc:cxnChg chg="add del mod">
+          <ac:chgData name="Joseph Wonsil" userId="f7a5a8f17f3cf2df" providerId="Windows Live" clId="Web-{67CC9483-2BB2-46C6-A5D4-96425EC9E7F9}" dt="2023-10-19T21:15:15.346" v="148"/>
+          <ac:cxnSpMkLst>
+            <pc:docMk/>
+            <pc:sldMk cId="1645475767" sldId="256"/>
+            <ac:cxnSpMk id="17" creationId="{95CCA4A3-B30E-FF56-FD05-F88C116476E4}"/>
+          </ac:cxnSpMkLst>
+        </pc:cxnChg>
+        <pc:cxnChg chg="add del mod">
+          <ac:chgData name="Joseph Wonsil" userId="f7a5a8f17f3cf2df" providerId="Windows Live" clId="Web-{67CC9483-2BB2-46C6-A5D4-96425EC9E7F9}" dt="2023-10-19T21:17:14.568" v="171"/>
+          <ac:cxnSpMkLst>
+            <pc:docMk/>
+            <pc:sldMk cId="1645475767" sldId="256"/>
+            <ac:cxnSpMk id="18" creationId="{3C1721C6-B804-5CA2-386E-918D40D34EF6}"/>
+          </ac:cxnSpMkLst>
+        </pc:cxnChg>
+        <pc:cxnChg chg="add mod">
+          <ac:chgData name="Joseph Wonsil" userId="f7a5a8f17f3cf2df" providerId="Windows Live" clId="Web-{67CC9483-2BB2-46C6-A5D4-96425EC9E7F9}" dt="2023-10-19T21:16:43.458" v="164"/>
+          <ac:cxnSpMkLst>
+            <pc:docMk/>
+            <pc:sldMk cId="1645475767" sldId="256"/>
+            <ac:cxnSpMk id="21" creationId="{07D1431F-AA7C-BC65-FB53-423D383084D4}"/>
+          </ac:cxnSpMkLst>
+        </pc:cxnChg>
+        <pc:cxnChg chg="del mod">
+          <ac:chgData name="Joseph Wonsil" userId="f7a5a8f17f3cf2df" providerId="Windows Live" clId="Web-{67CC9483-2BB2-46C6-A5D4-96425EC9E7F9}" dt="2023-10-19T21:01:24.966" v="45"/>
           <ac:cxnSpMkLst>
             <pc:docMk/>
             <pc:sldMk cId="1645475767" sldId="256"/>
             <ac:cxnSpMk id="23" creationId="{23D61AF6-840C-7E29-57B3-7DB3D4B2CB5B}"/>
           </ac:cxnSpMkLst>
         </pc:cxnChg>
-        <pc:cxnChg chg="mod">
-          <ac:chgData name="Joseph Wonsil" userId="f7a5a8f17f3cf2df" providerId="LiveId" clId="{8C080609-7CCE-411B-84E6-72C44917ABCF}" dt="2023-10-18T23:26:23.543" v="1483" actId="1036"/>
+        <pc:cxnChg chg="add mod">
+          <ac:chgData name="Joseph Wonsil" userId="f7a5a8f17f3cf2df" providerId="Windows Live" clId="Web-{67CC9483-2BB2-46C6-A5D4-96425EC9E7F9}" dt="2023-10-19T21:29:30.040" v="263" actId="1076"/>
+          <ac:cxnSpMkLst>
+            <pc:docMk/>
+            <pc:sldMk cId="1645475767" sldId="256"/>
+            <ac:cxnSpMk id="24" creationId="{FC2512A0-0E15-D14E-C285-8BA41957071A}"/>
+          </ac:cxnSpMkLst>
+        </pc:cxnChg>
+        <pc:cxnChg chg="del mod">
+          <ac:chgData name="Joseph Wonsil" userId="f7a5a8f17f3cf2df" providerId="Windows Live" clId="Web-{67CC9483-2BB2-46C6-A5D4-96425EC9E7F9}" dt="2023-10-19T21:01:23.481" v="44"/>
           <ac:cxnSpMkLst>
             <pc:docMk/>
             <pc:sldMk cId="1645475767" sldId="256"/>
             <ac:cxnSpMk id="30" creationId="{92CF7358-07D9-EA8C-0D7A-860C9F5C5ACF}"/>
           </ac:cxnSpMkLst>
         </pc:cxnChg>
-        <pc:cxnChg chg="mod">
-          <ac:chgData name="Joseph Wonsil" userId="f7a5a8f17f3cf2df" providerId="LiveId" clId="{8C080609-7CCE-411B-84E6-72C44917ABCF}" dt="2023-10-18T23:29:31.514" v="1598" actId="14100"/>
+        <pc:cxnChg chg="add mod">
+          <ac:chgData name="Joseph Wonsil" userId="f7a5a8f17f3cf2df" providerId="Windows Live" clId="Web-{67CC9483-2BB2-46C6-A5D4-96425EC9E7F9}" dt="2023-10-19T21:20:20.385" v="196" actId="1076"/>
+          <ac:cxnSpMkLst>
+            <pc:docMk/>
+            <pc:sldMk cId="1645475767" sldId="256"/>
+            <ac:cxnSpMk id="31" creationId="{B62BEBBD-78DB-1C12-0E48-B6117DDF6F9B}"/>
+          </ac:cxnSpMkLst>
+        </pc:cxnChg>
+        <pc:cxnChg chg="del mod">
+          <ac:chgData name="Joseph Wonsil" userId="f7a5a8f17f3cf2df" providerId="Windows Live" clId="Web-{67CC9483-2BB2-46C6-A5D4-96425EC9E7F9}" dt="2023-10-19T21:09:03.165" v="85"/>
           <ac:cxnSpMkLst>
             <pc:docMk/>
             <pc:sldMk cId="1645475767" sldId="256"/>
             <ac:cxnSpMk id="34" creationId="{8C48BD3A-932B-C7D1-C21F-389E8FA1D750}"/>
           </ac:cxnSpMkLst>
         </pc:cxnChg>
-        <pc:cxnChg chg="mod">
-          <ac:chgData name="Joseph Wonsil" userId="f7a5a8f17f3cf2df" providerId="LiveId" clId="{8C080609-7CCE-411B-84E6-72C44917ABCF}" dt="2023-10-18T23:26:23.543" v="1483" actId="1036"/>
+        <pc:cxnChg chg="del mod">
+          <ac:chgData name="Joseph Wonsil" userId="f7a5a8f17f3cf2df" providerId="Windows Live" clId="Web-{67CC9483-2BB2-46C6-A5D4-96425EC9E7F9}" dt="2023-10-19T21:01:06.559" v="41"/>
           <ac:cxnSpMkLst>
             <pc:docMk/>
             <pc:sldMk cId="1645475767" sldId="256"/>
             <ac:cxnSpMk id="37" creationId="{6F20C18C-B4A8-7CAD-913D-7F0217BF73CC}"/>
           </ac:cxnSpMkLst>
         </pc:cxnChg>
-        <pc:cxnChg chg="mod">
-          <ac:chgData name="Joseph Wonsil" userId="f7a5a8f17f3cf2df" providerId="LiveId" clId="{8C080609-7CCE-411B-84E6-72C44917ABCF}" dt="2023-10-18T23:26:23.543" v="1483" actId="1036"/>
+        <pc:cxnChg chg="add mod">
+          <ac:chgData name="Joseph Wonsil" userId="f7a5a8f17f3cf2df" providerId="Windows Live" clId="Web-{67CC9483-2BB2-46C6-A5D4-96425EC9E7F9}" dt="2023-10-19T21:22:10.091" v="222" actId="14100"/>
+          <ac:cxnSpMkLst>
+            <pc:docMk/>
+            <pc:sldMk cId="1645475767" sldId="256"/>
+            <ac:cxnSpMk id="40" creationId="{E02792B3-B6A0-FE85-F627-4E2D12DD8662}"/>
+          </ac:cxnSpMkLst>
+        </pc:cxnChg>
+        <pc:cxnChg chg="add mod">
+          <ac:chgData name="Joseph Wonsil" userId="f7a5a8f17f3cf2df" providerId="Windows Live" clId="Web-{67CC9483-2BB2-46C6-A5D4-96425EC9E7F9}" dt="2023-10-19T21:45:43.393" v="395" actId="14100"/>
+          <ac:cxnSpMkLst>
+            <pc:docMk/>
+            <pc:sldMk cId="1645475767" sldId="256"/>
+            <ac:cxnSpMk id="42" creationId="{9DF5ADD6-FE46-131E-62B8-59CCEEC5D434}"/>
+          </ac:cxnSpMkLst>
+        </pc:cxnChg>
+        <pc:cxnChg chg="add mod">
+          <ac:chgData name="Joseph Wonsil" userId="f7a5a8f17f3cf2df" providerId="Windows Live" clId="Web-{67CC9483-2BB2-46C6-A5D4-96425EC9E7F9}" dt="2023-10-19T21:29:24.805" v="262" actId="1076"/>
+          <ac:cxnSpMkLst>
+            <pc:docMk/>
+            <pc:sldMk cId="1645475767" sldId="256"/>
+            <ac:cxnSpMk id="45" creationId="{166EC043-E346-D27D-C6B6-1906CA4C64B2}"/>
+          </ac:cxnSpMkLst>
+        </pc:cxnChg>
+        <pc:cxnChg chg="del mod">
+          <ac:chgData name="Joseph Wonsil" userId="f7a5a8f17f3cf2df" providerId="Windows Live" clId="Web-{67CC9483-2BB2-46C6-A5D4-96425EC9E7F9}" dt="2023-10-19T21:01:05.231" v="39"/>
           <ac:cxnSpMkLst>
             <pc:docMk/>
             <pc:sldMk cId="1645475767" sldId="256"/>
             <ac:cxnSpMk id="46" creationId="{34027DC1-9608-8FC2-B855-03FC2D10CF3D}"/>
           </ac:cxnSpMkLst>
         </pc:cxnChg>
-        <pc:cxnChg chg="mod">
-          <ac:chgData name="Joseph Wonsil" userId="f7a5a8f17f3cf2df" providerId="LiveId" clId="{8C080609-7CCE-411B-84E6-72C44917ABCF}" dt="2023-10-18T23:26:23.543" v="1483" actId="1036"/>
+        <pc:cxnChg chg="add mod">
+          <ac:chgData name="Joseph Wonsil" userId="f7a5a8f17f3cf2df" providerId="Windows Live" clId="Web-{67CC9483-2BB2-46C6-A5D4-96425EC9E7F9}" dt="2023-10-19T21:29:37.884" v="264"/>
+          <ac:cxnSpMkLst>
+            <pc:docMk/>
+            <pc:sldMk cId="1645475767" sldId="256"/>
+            <ac:cxnSpMk id="48" creationId="{47D37092-986B-BF1E-B379-B7F77D83CD98}"/>
+          </ac:cxnSpMkLst>
+        </pc:cxnChg>
+        <pc:cxnChg chg="del mod">
+          <ac:chgData name="Joseph Wonsil" userId="f7a5a8f17f3cf2df" providerId="Windows Live" clId="Web-{67CC9483-2BB2-46C6-A5D4-96425EC9E7F9}" dt="2023-10-19T21:08:44.867" v="70"/>
           <ac:cxnSpMkLst>
             <pc:docMk/>
             <pc:sldMk cId="1645475767" sldId="256"/>
             <ac:cxnSpMk id="50" creationId="{3E940EC5-3D16-B53B-92BC-3B51950E358D}"/>
           </ac:cxnSpMkLst>
         </pc:cxnChg>
-        <pc:cxnChg chg="mod">
-          <ac:chgData name="Joseph Wonsil" userId="f7a5a8f17f3cf2df" providerId="LiveId" clId="{8C080609-7CCE-411B-84E6-72C44917ABCF}" dt="2023-10-18T23:26:23.543" v="1483" actId="1036"/>
+        <pc:cxnChg chg="del mod">
+          <ac:chgData name="Joseph Wonsil" userId="f7a5a8f17f3cf2df" providerId="Windows Live" clId="Web-{67CC9483-2BB2-46C6-A5D4-96425EC9E7F9}" dt="2023-10-19T21:07:43.569" v="61"/>
           <ac:cxnSpMkLst>
             <pc:docMk/>
             <pc:sldMk cId="1645475767" sldId="256"/>
             <ac:cxnSpMk id="53" creationId="{1C2578E2-210F-BFA7-80C8-ADB6B3D34E24}"/>
           </ac:cxnSpMkLst>
         </pc:cxnChg>
-        <pc:cxnChg chg="mod">
-          <ac:chgData name="Joseph Wonsil" userId="f7a5a8f17f3cf2df" providerId="LiveId" clId="{8C080609-7CCE-411B-84E6-72C44917ABCF}" dt="2023-10-18T23:26:23.543" v="1483" actId="1036"/>
+        <pc:cxnChg chg="del mod">
+          <ac:chgData name="Joseph Wonsil" userId="f7a5a8f17f3cf2df" providerId="Windows Live" clId="Web-{67CC9483-2BB2-46C6-A5D4-96425EC9E7F9}" dt="2023-10-19T21:08:07.570" v="64"/>
           <ac:cxnSpMkLst>
             <pc:docMk/>
             <pc:sldMk cId="1645475767" sldId="256"/>
             <ac:cxnSpMk id="56" creationId="{CE6983D4-3F57-B5C6-DA2B-A89A230613C8}"/>
           </ac:cxnSpMkLst>
         </pc:cxnChg>
-        <pc:cxnChg chg="mod">
-          <ac:chgData name="Joseph Wonsil" userId="f7a5a8f17f3cf2df" providerId="LiveId" clId="{8C080609-7CCE-411B-84E6-72C44917ABCF}" dt="2023-10-18T23:29:36.229" v="1600" actId="14100"/>
+        <pc:cxnChg chg="add mod">
+          <ac:chgData name="Joseph Wonsil" userId="f7a5a8f17f3cf2df" providerId="Windows Live" clId="Web-{67CC9483-2BB2-46C6-A5D4-96425EC9E7F9}" dt="2023-10-19T21:30:16.697" v="277" actId="1076"/>
+          <ac:cxnSpMkLst>
+            <pc:docMk/>
+            <pc:sldMk cId="1645475767" sldId="256"/>
+            <ac:cxnSpMk id="57" creationId="{628A0F19-D5E7-7D1E-564C-97043C929B6F}"/>
+          </ac:cxnSpMkLst>
+        </pc:cxnChg>
+        <pc:cxnChg chg="add mod">
+          <ac:chgData name="Joseph Wonsil" userId="f7a5a8f17f3cf2df" providerId="Windows Live" clId="Web-{67CC9483-2BB2-46C6-A5D4-96425EC9E7F9}" dt="2023-10-19T21:30:57.245" v="290" actId="1076"/>
+          <ac:cxnSpMkLst>
+            <pc:docMk/>
+            <pc:sldMk cId="1645475767" sldId="256"/>
+            <ac:cxnSpMk id="61" creationId="{7909407A-8A6F-0806-AF4F-6285482CA4F0}"/>
+          </ac:cxnSpMkLst>
+        </pc:cxnChg>
+        <pc:cxnChg chg="del mod">
+          <ac:chgData name="Joseph Wonsil" userId="f7a5a8f17f3cf2df" providerId="Windows Live" clId="Web-{67CC9483-2BB2-46C6-A5D4-96425EC9E7F9}" dt="2023-10-19T21:08:59.805" v="82"/>
           <ac:cxnSpMkLst>
             <pc:docMk/>
             <pc:sldMk cId="1645475767" sldId="256"/>
             <ac:cxnSpMk id="62" creationId="{4467B832-EDA5-D418-B682-ECA109408340}"/>
           </ac:cxnSpMkLst>
         </pc:cxnChg>
-        <pc:cxnChg chg="mod">
-          <ac:chgData name="Joseph Wonsil" userId="f7a5a8f17f3cf2df" providerId="LiveId" clId="{8C080609-7CCE-411B-84E6-72C44917ABCF}" dt="2023-10-18T23:26:23.543" v="1483" actId="1036"/>
+        <pc:cxnChg chg="add mod">
+          <ac:chgData name="Joseph Wonsil" userId="f7a5a8f17f3cf2df" providerId="Windows Live" clId="Web-{67CC9483-2BB2-46C6-A5D4-96425EC9E7F9}" dt="2023-10-19T21:31:42.574" v="308" actId="1076"/>
+          <ac:cxnSpMkLst>
+            <pc:docMk/>
+            <pc:sldMk cId="1645475767" sldId="256"/>
+            <ac:cxnSpMk id="66" creationId="{6E9844B3-7B13-601F-2D3D-49D6D0A56CA8}"/>
+          </ac:cxnSpMkLst>
+        </pc:cxnChg>
+        <pc:cxnChg chg="del mod">
+          <ac:chgData name="Joseph Wonsil" userId="f7a5a8f17f3cf2df" providerId="Windows Live" clId="Web-{67CC9483-2BB2-46C6-A5D4-96425EC9E7F9}" dt="2023-10-19T21:01:03.652" v="37"/>
           <ac:cxnSpMkLst>
             <pc:docMk/>
             <pc:sldMk cId="1645475767" sldId="256"/>
             <ac:cxnSpMk id="69" creationId="{145A7E76-DF91-F32D-9FB1-A172DA075F92}"/>
           </ac:cxnSpMkLst>
         </pc:cxnChg>
-        <pc:cxnChg chg="mod">
-          <ac:chgData name="Joseph Wonsil" userId="f7a5a8f17f3cf2df" providerId="LiveId" clId="{8C080609-7CCE-411B-84E6-72C44917ABCF}" dt="2023-10-18T23:26:23.543" v="1483" actId="1036"/>
+        <pc:cxnChg chg="add mod">
+          <ac:chgData name="Joseph Wonsil" userId="f7a5a8f17f3cf2df" providerId="Windows Live" clId="Web-{67CC9483-2BB2-46C6-A5D4-96425EC9E7F9}" dt="2023-10-19T21:32:02.231" v="317" actId="1076"/>
+          <ac:cxnSpMkLst>
+            <pc:docMk/>
+            <pc:sldMk cId="1645475767" sldId="256"/>
+            <ac:cxnSpMk id="70" creationId="{8D6235FA-A6E9-098E-BC22-BFDF18760CEA}"/>
+          </ac:cxnSpMkLst>
+        </pc:cxnChg>
+        <pc:cxnChg chg="del mod">
+          <ac:chgData name="Joseph Wonsil" userId="f7a5a8f17f3cf2df" providerId="Windows Live" clId="Web-{67CC9483-2BB2-46C6-A5D4-96425EC9E7F9}" dt="2023-10-19T21:09:02.399" v="84"/>
           <ac:cxnSpMkLst>
             <pc:docMk/>
             <pc:sldMk cId="1645475767" sldId="256"/>
             <ac:cxnSpMk id="73" creationId="{71C4DB77-00EC-7C19-199C-316CA4BAC798}"/>
           </ac:cxnSpMkLst>
         </pc:cxnChg>
-        <pc:cxnChg chg="mod">
-          <ac:chgData name="Joseph Wonsil" userId="f7a5a8f17f3cf2df" providerId="LiveId" clId="{8C080609-7CCE-411B-84E6-72C44917ABCF}" dt="2023-10-18T23:35:16.754" v="1691" actId="14100"/>
+        <pc:cxnChg chg="del mod">
+          <ac:chgData name="Joseph Wonsil" userId="f7a5a8f17f3cf2df" providerId="Windows Live" clId="Web-{67CC9483-2BB2-46C6-A5D4-96425EC9E7F9}" dt="2023-10-19T21:08:58.961" v="80"/>
           <ac:cxnSpMkLst>
             <pc:docMk/>
             <pc:sldMk cId="1645475767" sldId="256"/>
             <ac:cxnSpMk id="75" creationId="{FB24C36A-F777-3F4B-7F99-AC0F285C243D}"/>
           </ac:cxnSpMkLst>
         </pc:cxnChg>
-        <pc:cxnChg chg="mod">
-          <ac:chgData name="Joseph Wonsil" userId="f7a5a8f17f3cf2df" providerId="LiveId" clId="{8C080609-7CCE-411B-84E6-72C44917ABCF}" dt="2023-10-18T23:30:34.381" v="1677" actId="14100"/>
+        <pc:cxnChg chg="del mod">
+          <ac:chgData name="Joseph Wonsil" userId="f7a5a8f17f3cf2df" providerId="Windows Live" clId="Web-{67CC9483-2BB2-46C6-A5D4-96425EC9E7F9}" dt="2023-10-19T21:09:01.821" v="83"/>
           <ac:cxnSpMkLst>
             <pc:docMk/>
             <pc:sldMk cId="1645475767" sldId="256"/>
             <ac:cxnSpMk id="77" creationId="{3AC8B372-20BA-0704-66B7-39F62AA3CBF9}"/>
           </ac:cxnSpMkLst>
         </pc:cxnChg>
-        <pc:cxnChg chg="mod">
-          <ac:chgData name="Joseph Wonsil" userId="f7a5a8f17f3cf2df" providerId="LiveId" clId="{8C080609-7CCE-411B-84E6-72C44917ABCF}" dt="2023-10-18T23:26:23.543" v="1483" actId="1036"/>
+        <pc:cxnChg chg="add mod">
+          <ac:chgData name="Joseph Wonsil" userId="f7a5a8f17f3cf2df" providerId="Windows Live" clId="Web-{67CC9483-2BB2-46C6-A5D4-96425EC9E7F9}" dt="2023-10-19T21:32:16.091" v="323" actId="1076"/>
+          <ac:cxnSpMkLst>
+            <pc:docMk/>
+            <pc:sldMk cId="1645475767" sldId="256"/>
+            <ac:cxnSpMk id="78" creationId="{5D42EA6E-3BCA-8FCC-9CDE-82CFEA3310D7}"/>
+          </ac:cxnSpMkLst>
+        </pc:cxnChg>
+        <pc:cxnChg chg="add mod">
+          <ac:chgData name="Joseph Wonsil" userId="f7a5a8f17f3cf2df" providerId="Windows Live" clId="Web-{67CC9483-2BB2-46C6-A5D4-96425EC9E7F9}" dt="2023-10-19T21:32:49.170" v="333" actId="1076"/>
+          <ac:cxnSpMkLst>
+            <pc:docMk/>
+            <pc:sldMk cId="1645475767" sldId="256"/>
+            <ac:cxnSpMk id="81" creationId="{1CC86931-6B2A-C173-C79C-EF28BD88E863}"/>
+          </ac:cxnSpMkLst>
+        </pc:cxnChg>
+        <pc:cxnChg chg="add del mod">
+          <ac:chgData name="Joseph Wonsil" userId="f7a5a8f17f3cf2df" providerId="Windows Live" clId="Web-{67CC9483-2BB2-46C6-A5D4-96425EC9E7F9}" dt="2023-10-19T21:44:19.437" v="377"/>
+          <ac:cxnSpMkLst>
+            <pc:docMk/>
+            <pc:sldMk cId="1645475767" sldId="256"/>
+            <ac:cxnSpMk id="85" creationId="{412F9000-A29F-74DA-3164-7B0706303992}"/>
+          </ac:cxnSpMkLst>
+        </pc:cxnChg>
+        <pc:cxnChg chg="del mod">
+          <ac:chgData name="Joseph Wonsil" userId="f7a5a8f17f3cf2df" providerId="Windows Live" clId="Web-{67CC9483-2BB2-46C6-A5D4-96425EC9E7F9}" dt="2023-10-19T21:01:02.699" v="35"/>
           <ac:cxnSpMkLst>
             <pc:docMk/>
             <pc:sldMk cId="1645475767" sldId="256"/>
             <ac:cxnSpMk id="86" creationId="{EC053AFE-E056-79CC-7911-5BD8825293B3}"/>
           </ac:cxnSpMkLst>
         </pc:cxnChg>
-        <pc:cxnChg chg="mod">
-          <ac:chgData name="Joseph Wonsil" userId="f7a5a8f17f3cf2df" providerId="LiveId" clId="{8C080609-7CCE-411B-84E6-72C44917ABCF}" dt="2023-10-18T23:26:23.543" v="1483" actId="1036"/>
+        <pc:cxnChg chg="add del mod">
+          <ac:chgData name="Joseph Wonsil" userId="f7a5a8f17f3cf2df" providerId="Windows Live" clId="Web-{67CC9483-2BB2-46C6-A5D4-96425EC9E7F9}" dt="2023-10-19T21:44:15.844" v="375"/>
+          <ac:cxnSpMkLst>
+            <pc:docMk/>
+            <pc:sldMk cId="1645475767" sldId="256"/>
+            <ac:cxnSpMk id="89" creationId="{B1968033-C345-EF93-BA3F-6D3BF8396D1E}"/>
+          </ac:cxnSpMkLst>
+        </pc:cxnChg>
+        <pc:cxnChg chg="del mod">
+          <ac:chgData name="Joseph Wonsil" userId="f7a5a8f17f3cf2df" providerId="Windows Live" clId="Web-{67CC9483-2BB2-46C6-A5D4-96425EC9E7F9}" dt="2023-10-19T21:00:59.559" v="32"/>
           <ac:cxnSpMkLst>
             <pc:docMk/>
             <pc:sldMk cId="1645475767" sldId="256"/>
             <ac:cxnSpMk id="92" creationId="{E4EFC397-B69B-7C22-91DF-71E352AAA497}"/>
           </ac:cxnSpMkLst>
         </pc:cxnChg>
-        <pc:cxnChg chg="mod">
-          <ac:chgData name="Joseph Wonsil" userId="f7a5a8f17f3cf2df" providerId="LiveId" clId="{8C080609-7CCE-411B-84E6-72C44917ABCF}" dt="2023-10-18T23:26:23.543" v="1483" actId="1036"/>
+        <pc:cxnChg chg="add del mod">
+          <ac:chgData name="Joseph Wonsil" userId="f7a5a8f17f3cf2df" providerId="Windows Live" clId="Web-{67CC9483-2BB2-46C6-A5D4-96425EC9E7F9}" dt="2023-10-19T21:44:15.844" v="373"/>
+          <ac:cxnSpMkLst>
+            <pc:docMk/>
+            <pc:sldMk cId="1645475767" sldId="256"/>
+            <ac:cxnSpMk id="93" creationId="{18574F4C-AD56-0F94-2CD7-D0ACCEDF0B0F}"/>
+          </ac:cxnSpMkLst>
+        </pc:cxnChg>
+        <pc:cxnChg chg="add mod">
+          <ac:chgData name="Joseph Wonsil" userId="f7a5a8f17f3cf2df" providerId="Windows Live" clId="Web-{67CC9483-2BB2-46C6-A5D4-96425EC9E7F9}" dt="2023-10-19T21:44:36.704" v="387"/>
+          <ac:cxnSpMkLst>
+            <pc:docMk/>
+            <pc:sldMk cId="1645475767" sldId="256"/>
+            <ac:cxnSpMk id="95" creationId="{96CA6E5C-47D2-BC60-8014-8E7B8139FF80}"/>
+          </ac:cxnSpMkLst>
+        </pc:cxnChg>
+        <pc:cxnChg chg="add mod">
+          <ac:chgData name="Joseph Wonsil" userId="f7a5a8f17f3cf2df" providerId="Windows Live" clId="Web-{67CC9483-2BB2-46C6-A5D4-96425EC9E7F9}" dt="2023-10-19T21:44:34.297" v="386"/>
+          <ac:cxnSpMkLst>
+            <pc:docMk/>
+            <pc:sldMk cId="1645475767" sldId="256"/>
+            <ac:cxnSpMk id="97" creationId="{F738894B-7224-9B69-C57B-005777ED4B33}"/>
+          </ac:cxnSpMkLst>
+        </pc:cxnChg>
+        <pc:cxnChg chg="add mod">
+          <ac:chgData name="Joseph Wonsil" userId="f7a5a8f17f3cf2df" providerId="Windows Live" clId="Web-{67CC9483-2BB2-46C6-A5D4-96425EC9E7F9}" dt="2023-10-19T21:46:32.253" v="400" actId="14100"/>
+          <ac:cxnSpMkLst>
+            <pc:docMk/>
+            <pc:sldMk cId="1645475767" sldId="256"/>
+            <ac:cxnSpMk id="104" creationId="{26A0F210-C4F5-88DF-31EC-6735813B3918}"/>
+          </ac:cxnSpMkLst>
+        </pc:cxnChg>
+        <pc:cxnChg chg="add del mod">
+          <ac:chgData name="Joseph Wonsil" userId="f7a5a8f17f3cf2df" providerId="Windows Live" clId="Web-{67CC9483-2BB2-46C6-A5D4-96425EC9E7F9}" dt="2023-10-19T21:46:55.035" v="403"/>
+          <ac:cxnSpMkLst>
+            <pc:docMk/>
+            <pc:sldMk cId="1645475767" sldId="256"/>
+            <ac:cxnSpMk id="108" creationId="{1F4A83BD-8C15-DC65-08E3-A7213E817C9A}"/>
+          </ac:cxnSpMkLst>
+        </pc:cxnChg>
+        <pc:cxnChg chg="add mod">
+          <ac:chgData name="Joseph Wonsil" userId="f7a5a8f17f3cf2df" providerId="Windows Live" clId="Web-{67CC9483-2BB2-46C6-A5D4-96425EC9E7F9}" dt="2023-10-19T21:47:59.459" v="423" actId="14100"/>
+          <ac:cxnSpMkLst>
+            <pc:docMk/>
+            <pc:sldMk cId="1645475767" sldId="256"/>
+            <ac:cxnSpMk id="109" creationId="{2B4CA454-BC06-4592-9E98-BC168C363F8A}"/>
+          </ac:cxnSpMkLst>
+        </pc:cxnChg>
+        <pc:cxnChg chg="add mod">
+          <ac:chgData name="Joseph Wonsil" userId="f7a5a8f17f3cf2df" providerId="Windows Live" clId="Web-{67CC9483-2BB2-46C6-A5D4-96425EC9E7F9}" dt="2023-10-19T21:48:37.522" v="429" actId="14100"/>
+          <ac:cxnSpMkLst>
+            <pc:docMk/>
+            <pc:sldMk cId="1645475767" sldId="256"/>
+            <ac:cxnSpMk id="114" creationId="{76390F95-E33D-6839-1C36-35B1D8D37D30}"/>
+          </ac:cxnSpMkLst>
+        </pc:cxnChg>
+        <pc:cxnChg chg="add mod">
+          <ac:chgData name="Joseph Wonsil" userId="f7a5a8f17f3cf2df" providerId="Windows Live" clId="Web-{67CC9483-2BB2-46C6-A5D4-96425EC9E7F9}" dt="2023-10-19T21:49:48.180" v="444" actId="14100"/>
+          <ac:cxnSpMkLst>
+            <pc:docMk/>
+            <pc:sldMk cId="1645475767" sldId="256"/>
+            <ac:cxnSpMk id="116" creationId="{74E32083-D3C5-14DC-C64E-D1B20F58978B}"/>
+          </ac:cxnSpMkLst>
+        </pc:cxnChg>
+        <pc:cxnChg chg="del mod">
+          <ac:chgData name="Joseph Wonsil" userId="f7a5a8f17f3cf2df" providerId="Windows Live" clId="Web-{67CC9483-2BB2-46C6-A5D4-96425EC9E7F9}" dt="2023-10-19T21:08:59.383" v="81"/>
           <ac:cxnSpMkLst>
             <pc:docMk/>
             <pc:sldMk cId="1645475767" sldId="256"/>
             <ac:cxnSpMk id="140" creationId="{40F6DD3F-D4FB-8B03-9FE5-B051FC5E4D52}"/>
           </ac:cxnSpMkLst>
         </pc:cxnChg>
-        <pc:cxnChg chg="mod">
-          <ac:chgData name="Joseph Wonsil" userId="f7a5a8f17f3cf2df" providerId="LiveId" clId="{8C080609-7CCE-411B-84E6-72C44917ABCF}" dt="2023-10-18T23:30:47.929" v="1687" actId="1036"/>
+        <pc:cxnChg chg="del mod">
+          <ac:chgData name="Joseph Wonsil" userId="f7a5a8f17f3cf2df" providerId="Windows Live" clId="Web-{67CC9483-2BB2-46C6-A5D4-96425EC9E7F9}" dt="2023-10-19T21:43:05.514" v="341"/>
           <ac:cxnSpMkLst>
             <pc:docMk/>
             <pc:sldMk cId="1645475767" sldId="256"/>
             <ac:cxnSpMk id="145" creationId="{0C692CDF-0F7B-0069-67DF-3E6458131FC3}"/>
           </ac:cxnSpMkLst>
         </pc:cxnChg>
-        <pc:cxnChg chg="add mod">
-          <ac:chgData name="Joseph Wonsil" userId="f7a5a8f17f3cf2df" providerId="LiveId" clId="{8C080609-7CCE-411B-84E6-72C44917ABCF}" dt="2023-10-18T23:26:23.543" v="1483" actId="1036"/>
+        <pc:cxnChg chg="del mod">
+          <ac:chgData name="Joseph Wonsil" userId="f7a5a8f17f3cf2df" providerId="Windows Live" clId="Web-{67CC9483-2BB2-46C6-A5D4-96425EC9E7F9}" dt="2023-10-19T21:09:15.181" v="87"/>
           <ac:cxnSpMkLst>
             <pc:docMk/>
             <pc:sldMk cId="1645475767" sldId="256"/>
             <ac:cxnSpMk id="245" creationId="{048D4C45-AC60-B9E6-65C9-D9E5D24FCD5A}"/>
           </ac:cxnSpMkLst>
         </pc:cxnChg>
-        <pc:cxnChg chg="add mod">
-          <ac:chgData name="Joseph Wonsil" userId="f7a5a8f17f3cf2df" providerId="LiveId" clId="{8C080609-7CCE-411B-84E6-72C44917ABCF}" dt="2023-10-18T23:26:23.543" v="1483" actId="1036"/>
+        <pc:cxnChg chg="del mod">
+          <ac:chgData name="Joseph Wonsil" userId="f7a5a8f17f3cf2df" providerId="Windows Live" clId="Web-{67CC9483-2BB2-46C6-A5D4-96425EC9E7F9}" dt="2023-10-19T21:01:01.137" v="33"/>
           <ac:cxnSpMkLst>
             <pc:docMk/>
             <pc:sldMk cId="1645475767" sldId="256"/>
@@ -3561,1214 +4769,6 @@
             <pc:docMk/>
             <pc:sldMk cId="1645475767" sldId="256"/>
             <ac:cxnSpMk id="81" creationId="{1CC86931-6B2A-C173-C79C-EF28BD88E863}"/>
-          </ac:cxnSpMkLst>
-        </pc:cxnChg>
-      </pc:sldChg>
-    </pc:docChg>
-  </pc:docChgLst>
-  <pc:docChgLst>
-    <pc:chgData name="Joseph Wonsil" userId="f7a5a8f17f3cf2df" providerId="Windows Live" clId="Web-{67CC9483-2BB2-46C6-A5D4-96425EC9E7F9}"/>
-    <pc:docChg chg="modSld">
-      <pc:chgData name="Joseph Wonsil" userId="f7a5a8f17f3cf2df" providerId="Windows Live" clId="Web-{67CC9483-2BB2-46C6-A5D4-96425EC9E7F9}" dt="2023-10-19T22:05:10.094" v="449" actId="14100"/>
-      <pc:docMkLst>
-        <pc:docMk/>
-      </pc:docMkLst>
-      <pc:sldChg chg="addSp delSp modSp">
-        <pc:chgData name="Joseph Wonsil" userId="f7a5a8f17f3cf2df" providerId="Windows Live" clId="Web-{67CC9483-2BB2-46C6-A5D4-96425EC9E7F9}" dt="2023-10-19T22:05:10.094" v="449" actId="14100"/>
-        <pc:sldMkLst>
-          <pc:docMk/>
-          <pc:sldMk cId="1645475767" sldId="256"/>
-        </pc:sldMkLst>
-        <pc:spChg chg="mod">
-          <ac:chgData name="Joseph Wonsil" userId="f7a5a8f17f3cf2df" providerId="Windows Live" clId="Web-{67CC9483-2BB2-46C6-A5D4-96425EC9E7F9}" dt="2023-10-19T21:13:24.953" v="131" actId="14100"/>
-          <ac:spMkLst>
-            <pc:docMk/>
-            <pc:sldMk cId="1645475767" sldId="256"/>
-            <ac:spMk id="5" creationId="{EDD77D8E-AC62-8835-147A-8365BEE24A8B}"/>
-          </ac:spMkLst>
-        </pc:spChg>
-        <pc:spChg chg="add mod">
-          <ac:chgData name="Joseph Wonsil" userId="f7a5a8f17f3cf2df" providerId="Windows Live" clId="Web-{67CC9483-2BB2-46C6-A5D4-96425EC9E7F9}" dt="2023-10-19T21:19:14.727" v="178" actId="1076"/>
-          <ac:spMkLst>
-            <pc:docMk/>
-            <pc:sldMk cId="1645475767" sldId="256"/>
-            <ac:spMk id="6" creationId="{6D972BEC-5A61-2F94-C38C-4E61977231CB}"/>
-          </ac:spMkLst>
-        </pc:spChg>
-        <pc:spChg chg="add mod">
-          <ac:chgData name="Joseph Wonsil" userId="f7a5a8f17f3cf2df" providerId="Windows Live" clId="Web-{67CC9483-2BB2-46C6-A5D4-96425EC9E7F9}" dt="2023-10-19T21:19:55.197" v="188" actId="1076"/>
-          <ac:spMkLst>
-            <pc:docMk/>
-            <pc:sldMk cId="1645475767" sldId="256"/>
-            <ac:spMk id="7" creationId="{3CF6E26B-FEEB-4601-B0B4-0668FEAE71C2}"/>
-          </ac:spMkLst>
-        </pc:spChg>
-        <pc:spChg chg="add mod">
-          <ac:chgData name="Joseph Wonsil" userId="f7a5a8f17f3cf2df" providerId="Windows Live" clId="Web-{67CC9483-2BB2-46C6-A5D4-96425EC9E7F9}" dt="2023-10-19T21:23:13.983" v="232" actId="14100"/>
-          <ac:spMkLst>
-            <pc:docMk/>
-            <pc:sldMk cId="1645475767" sldId="256"/>
-            <ac:spMk id="12" creationId="{742D11DE-D6EC-4DDC-6EA9-99B6CC283928}"/>
-          </ac:spMkLst>
-        </pc:spChg>
-        <pc:spChg chg="del">
-          <ac:chgData name="Joseph Wonsil" userId="f7a5a8f17f3cf2df" providerId="Windows Live" clId="Web-{67CC9483-2BB2-46C6-A5D4-96425EC9E7F9}" dt="2023-10-19T21:00:40.496" v="26"/>
-          <ac:spMkLst>
-            <pc:docMk/>
-            <pc:sldMk cId="1645475767" sldId="256"/>
-            <ac:spMk id="15" creationId="{2082AF95-F57E-7714-98E1-6B18874A37D0}"/>
-          </ac:spMkLst>
-        </pc:spChg>
-        <pc:spChg chg="add mod">
-          <ac:chgData name="Joseph Wonsil" userId="f7a5a8f17f3cf2df" providerId="Windows Live" clId="Web-{67CC9483-2BB2-46C6-A5D4-96425EC9E7F9}" dt="2023-10-19T21:19:44.228" v="185" actId="1076"/>
-          <ac:spMkLst>
-            <pc:docMk/>
-            <pc:sldMk cId="1645475767" sldId="256"/>
-            <ac:spMk id="16" creationId="{46137EE1-F891-3B11-7981-FE3D3B5890DB}"/>
-          </ac:spMkLst>
-        </pc:spChg>
-        <pc:spChg chg="del">
-          <ac:chgData name="Joseph Wonsil" userId="f7a5a8f17f3cf2df" providerId="Windows Live" clId="Web-{67CC9483-2BB2-46C6-A5D4-96425EC9E7F9}" dt="2023-10-19T21:08:35.164" v="68"/>
-          <ac:spMkLst>
-            <pc:docMk/>
-            <pc:sldMk cId="1645475767" sldId="256"/>
-            <ac:spMk id="19" creationId="{CDC98E58-B7BF-FC65-3CF4-7910AC6F1E87}"/>
-          </ac:spMkLst>
-        </pc:spChg>
-        <pc:spChg chg="add mod">
-          <ac:chgData name="Joseph Wonsil" userId="f7a5a8f17f3cf2df" providerId="Windows Live" clId="Web-{67CC9483-2BB2-46C6-A5D4-96425EC9E7F9}" dt="2023-10-19T21:16:35.895" v="161" actId="1076"/>
-          <ac:spMkLst>
-            <pc:docMk/>
-            <pc:sldMk cId="1645475767" sldId="256"/>
-            <ac:spMk id="20" creationId="{4F8396E9-5F17-3CA5-D506-A70C1E952C57}"/>
-          </ac:spMkLst>
-        </pc:spChg>
-        <pc:spChg chg="add mod">
-          <ac:chgData name="Joseph Wonsil" userId="f7a5a8f17f3cf2df" providerId="Windows Live" clId="Web-{67CC9483-2BB2-46C6-A5D4-96425EC9E7F9}" dt="2023-10-19T21:17:00.694" v="170" actId="20577"/>
-          <ac:spMkLst>
-            <pc:docMk/>
-            <pc:sldMk cId="1645475767" sldId="256"/>
-            <ac:spMk id="22" creationId="{BB99D1F9-103B-7DA7-5E75-D2AEEE525B6C}"/>
-          </ac:spMkLst>
-        </pc:spChg>
-        <pc:spChg chg="del">
-          <ac:chgData name="Joseph Wonsil" userId="f7a5a8f17f3cf2df" providerId="Windows Live" clId="Web-{67CC9483-2BB2-46C6-A5D4-96425EC9E7F9}" dt="2023-10-19T21:01:21.028" v="43"/>
-          <ac:spMkLst>
-            <pc:docMk/>
-            <pc:sldMk cId="1645475767" sldId="256"/>
-            <ac:spMk id="25" creationId="{E1A7F699-7971-B2D7-583B-A3C58DD464BF}"/>
-          </ac:spMkLst>
-        </pc:spChg>
-        <pc:spChg chg="del">
-          <ac:chgData name="Joseph Wonsil" userId="f7a5a8f17f3cf2df" providerId="Windows Live" clId="Web-{67CC9483-2BB2-46C6-A5D4-96425EC9E7F9}" dt="2023-10-19T21:00:43.402" v="27"/>
-          <ac:spMkLst>
-            <pc:docMk/>
-            <pc:sldMk cId="1645475767" sldId="256"/>
-            <ac:spMk id="26" creationId="{1A397F50-31BF-2C16-56A3-490E4FF86B15}"/>
-          </ac:spMkLst>
-        </pc:spChg>
-        <pc:spChg chg="add mod">
-          <ac:chgData name="Joseph Wonsil" userId="f7a5a8f17f3cf2df" providerId="Windows Live" clId="Web-{67CC9483-2BB2-46C6-A5D4-96425EC9E7F9}" dt="2023-10-19T21:17:42.803" v="177" actId="1076"/>
-          <ac:spMkLst>
-            <pc:docMk/>
-            <pc:sldMk cId="1645475767" sldId="256"/>
-            <ac:spMk id="27" creationId="{17EE57D0-E42E-7D35-85E5-643C04CF2D37}"/>
-          </ac:spMkLst>
-        </pc:spChg>
-        <pc:spChg chg="mod">
-          <ac:chgData name="Joseph Wonsil" userId="f7a5a8f17f3cf2df" providerId="Windows Live" clId="Web-{67CC9483-2BB2-46C6-A5D4-96425EC9E7F9}" dt="2023-10-19T21:28:42.086" v="253" actId="20577"/>
-          <ac:spMkLst>
-            <pc:docMk/>
-            <pc:sldMk cId="1645475767" sldId="256"/>
-            <ac:spMk id="28" creationId="{60C86E43-A887-CEA7-E6E6-67B122EE91E1}"/>
-          </ac:spMkLst>
-        </pc:spChg>
-        <pc:spChg chg="add mod">
-          <ac:chgData name="Joseph Wonsil" userId="f7a5a8f17f3cf2df" providerId="Windows Live" clId="Web-{67CC9483-2BB2-46C6-A5D4-96425EC9E7F9}" dt="2023-10-19T21:20:08.275" v="194" actId="14100"/>
-          <ac:spMkLst>
-            <pc:docMk/>
-            <pc:sldMk cId="1645475767" sldId="256"/>
-            <ac:spMk id="29" creationId="{DDCE7481-5EE9-4AAC-F01E-59B4F23F8A48}"/>
-          </ac:spMkLst>
-        </pc:spChg>
-        <pc:spChg chg="add mod">
-          <ac:chgData name="Joseph Wonsil" userId="f7a5a8f17f3cf2df" providerId="Windows Live" clId="Web-{67CC9483-2BB2-46C6-A5D4-96425EC9E7F9}" dt="2023-10-19T21:20:27.682" v="198" actId="1076"/>
-          <ac:spMkLst>
-            <pc:docMk/>
-            <pc:sldMk cId="1645475767" sldId="256"/>
-            <ac:spMk id="32" creationId="{1F751169-D1D7-6ACB-E1DD-3F84F38FDAE1}"/>
-          </ac:spMkLst>
-        </pc:spChg>
-        <pc:spChg chg="del">
-          <ac:chgData name="Joseph Wonsil" userId="f7a5a8f17f3cf2df" providerId="Windows Live" clId="Web-{67CC9483-2BB2-46C6-A5D4-96425EC9E7F9}" dt="2023-10-19T21:43:10.154" v="351"/>
-          <ac:spMkLst>
-            <pc:docMk/>
-            <pc:sldMk cId="1645475767" sldId="256"/>
-            <ac:spMk id="33" creationId="{B616FDAC-239F-3BA5-52A9-57EC0735B18A}"/>
-          </ac:spMkLst>
-        </pc:spChg>
-        <pc:spChg chg="del">
-          <ac:chgData name="Joseph Wonsil" userId="f7a5a8f17f3cf2df" providerId="Windows Live" clId="Web-{67CC9483-2BB2-46C6-A5D4-96425EC9E7F9}" dt="2023-10-19T21:00:46.980" v="28"/>
-          <ac:spMkLst>
-            <pc:docMk/>
-            <pc:sldMk cId="1645475767" sldId="256"/>
-            <ac:spMk id="35" creationId="{79DFB4C1-7173-2B01-1064-8D6762B11BF5}"/>
-          </ac:spMkLst>
-        </pc:spChg>
-        <pc:spChg chg="add mod">
-          <ac:chgData name="Joseph Wonsil" userId="f7a5a8f17f3cf2df" providerId="Windows Live" clId="Web-{67CC9483-2BB2-46C6-A5D4-96425EC9E7F9}" dt="2023-10-19T21:22:03.700" v="220" actId="1076"/>
-          <ac:spMkLst>
-            <pc:docMk/>
-            <pc:sldMk cId="1645475767" sldId="256"/>
-            <ac:spMk id="36" creationId="{1AD8F266-0FA1-57BB-BBF1-373EB70655FF}"/>
-          </ac:spMkLst>
-        </pc:spChg>
-        <pc:spChg chg="add mod">
-          <ac:chgData name="Joseph Wonsil" userId="f7a5a8f17f3cf2df" providerId="Windows Live" clId="Web-{67CC9483-2BB2-46C6-A5D4-96425EC9E7F9}" dt="2023-10-19T21:21:41.872" v="213" actId="20577"/>
-          <ac:spMkLst>
-            <pc:docMk/>
-            <pc:sldMk cId="1645475767" sldId="256"/>
-            <ac:spMk id="38" creationId="{64EC060F-7690-D1F0-475C-C44712347ABA}"/>
-          </ac:spMkLst>
-        </pc:spChg>
-        <pc:spChg chg="del">
-          <ac:chgData name="Joseph Wonsil" userId="f7a5a8f17f3cf2df" providerId="Windows Live" clId="Web-{67CC9483-2BB2-46C6-A5D4-96425EC9E7F9}" dt="2023-10-19T21:00:49.168" v="29"/>
-          <ac:spMkLst>
-            <pc:docMk/>
-            <pc:sldMk cId="1645475767" sldId="256"/>
-            <ac:spMk id="39" creationId="{6DC816CB-8782-D01C-BC59-A0FB21EA3108}"/>
-          </ac:spMkLst>
-        </pc:spChg>
-        <pc:spChg chg="add mod">
-          <ac:chgData name="Joseph Wonsil" userId="f7a5a8f17f3cf2df" providerId="Windows Live" clId="Web-{67CC9483-2BB2-46C6-A5D4-96425EC9E7F9}" dt="2023-10-19T21:22:28.373" v="224" actId="1076"/>
-          <ac:spMkLst>
-            <pc:docMk/>
-            <pc:sldMk cId="1645475767" sldId="256"/>
-            <ac:spMk id="41" creationId="{6512B431-D175-FDE9-35DB-A1E6D7443B6C}"/>
-          </ac:spMkLst>
-        </pc:spChg>
-        <pc:spChg chg="del">
-          <ac:chgData name="Joseph Wonsil" userId="f7a5a8f17f3cf2df" providerId="Windows Live" clId="Web-{67CC9483-2BB2-46C6-A5D4-96425EC9E7F9}" dt="2023-10-19T21:43:06.842" v="342"/>
-          <ac:spMkLst>
-            <pc:docMk/>
-            <pc:sldMk cId="1645475767" sldId="256"/>
-            <ac:spMk id="43" creationId="{B0ECA40D-A1F1-0CE3-96F9-10D673EB3C97}"/>
-          </ac:spMkLst>
-        </pc:spChg>
-        <pc:spChg chg="add mod">
-          <ac:chgData name="Joseph Wonsil" userId="f7a5a8f17f3cf2df" providerId="Windows Live" clId="Web-{67CC9483-2BB2-46C6-A5D4-96425EC9E7F9}" dt="2023-10-19T21:23:04.639" v="229" actId="1076"/>
-          <ac:spMkLst>
-            <pc:docMk/>
-            <pc:sldMk cId="1645475767" sldId="256"/>
-            <ac:spMk id="44" creationId="{3E091A8C-6111-8A6C-33D3-20BA0A45EFC5}"/>
-          </ac:spMkLst>
-        </pc:spChg>
-        <pc:spChg chg="add mod">
-          <ac:chgData name="Joseph Wonsil" userId="f7a5a8f17f3cf2df" providerId="Windows Live" clId="Web-{67CC9483-2BB2-46C6-A5D4-96425EC9E7F9}" dt="2023-10-19T21:29:13.071" v="259" actId="1076"/>
-          <ac:spMkLst>
-            <pc:docMk/>
-            <pc:sldMk cId="1645475767" sldId="256"/>
-            <ac:spMk id="47" creationId="{B4B4D622-8CCD-1F1B-BDA4-6558D489801B}"/>
-          </ac:spMkLst>
-        </pc:spChg>
-        <pc:spChg chg="del">
-          <ac:chgData name="Joseph Wonsil" userId="f7a5a8f17f3cf2df" providerId="Windows Live" clId="Web-{67CC9483-2BB2-46C6-A5D4-96425EC9E7F9}" dt="2023-10-19T21:08:46.946" v="71"/>
-          <ac:spMkLst>
-            <pc:docMk/>
-            <pc:sldMk cId="1645475767" sldId="256"/>
-            <ac:spMk id="49" creationId="{842C1335-EDA0-BED9-1A06-5454B66B2CE0}"/>
-          </ac:spMkLst>
-        </pc:spChg>
-        <pc:spChg chg="add mod">
-          <ac:chgData name="Joseph Wonsil" userId="f7a5a8f17f3cf2df" providerId="Windows Live" clId="Web-{67CC9483-2BB2-46C6-A5D4-96425EC9E7F9}" dt="2023-10-19T21:29:54.634" v="271" actId="14100"/>
-          <ac:spMkLst>
-            <pc:docMk/>
-            <pc:sldMk cId="1645475767" sldId="256"/>
-            <ac:spMk id="51" creationId="{CBFC71D5-6A2B-3C91-3440-F7A68E13714E}"/>
-          </ac:spMkLst>
-        </pc:spChg>
-        <pc:spChg chg="del">
-          <ac:chgData name="Joseph Wonsil" userId="f7a5a8f17f3cf2df" providerId="Windows Live" clId="Web-{67CC9483-2BB2-46C6-A5D4-96425EC9E7F9}" dt="2023-10-19T21:08:24.023" v="66"/>
-          <ac:spMkLst>
-            <pc:docMk/>
-            <pc:sldMk cId="1645475767" sldId="256"/>
-            <ac:spMk id="52" creationId="{7317D925-AE7B-290C-67A6-493750A3352F}"/>
-          </ac:spMkLst>
-        </pc:spChg>
-        <pc:spChg chg="add mod">
-          <ac:chgData name="Joseph Wonsil" userId="f7a5a8f17f3cf2df" providerId="Windows Live" clId="Web-{67CC9483-2BB2-46C6-A5D4-96425EC9E7F9}" dt="2023-10-19T21:30:12.119" v="275" actId="1076"/>
-          <ac:spMkLst>
-            <pc:docMk/>
-            <pc:sldMk cId="1645475767" sldId="256"/>
-            <ac:spMk id="54" creationId="{BF118E14-6AAF-BDF9-ED62-6E905F777BE0}"/>
-          </ac:spMkLst>
-        </pc:spChg>
-        <pc:spChg chg="del">
-          <ac:chgData name="Joseph Wonsil" userId="f7a5a8f17f3cf2df" providerId="Windows Live" clId="Web-{67CC9483-2BB2-46C6-A5D4-96425EC9E7F9}" dt="2023-10-19T21:08:28.914" v="67"/>
-          <ac:spMkLst>
-            <pc:docMk/>
-            <pc:sldMk cId="1645475767" sldId="256"/>
-            <ac:spMk id="55" creationId="{A5E815BE-843F-B791-FF94-453526BE2EF2}"/>
-          </ac:spMkLst>
-        </pc:spChg>
-        <pc:spChg chg="add mod">
-          <ac:chgData name="Joseph Wonsil" userId="f7a5a8f17f3cf2df" providerId="Windows Live" clId="Web-{67CC9483-2BB2-46C6-A5D4-96425EC9E7F9}" dt="2023-10-19T21:30:37.776" v="285" actId="14100"/>
-          <ac:spMkLst>
-            <pc:docMk/>
-            <pc:sldMk cId="1645475767" sldId="256"/>
-            <ac:spMk id="58" creationId="{50825225-2F2D-5D3D-D0C6-ED0D185F1FC7}"/>
-          </ac:spMkLst>
-        </pc:spChg>
-        <pc:spChg chg="add mod">
-          <ac:chgData name="Joseph Wonsil" userId="f7a5a8f17f3cf2df" providerId="Windows Live" clId="Web-{67CC9483-2BB2-46C6-A5D4-96425EC9E7F9}" dt="2023-10-19T21:31:32.543" v="303" actId="1076"/>
-          <ac:spMkLst>
-            <pc:docMk/>
-            <pc:sldMk cId="1645475767" sldId="256"/>
-            <ac:spMk id="59" creationId="{7EC8E4B0-67B8-283D-2FEC-B11F5B9D721C}"/>
-          </ac:spMkLst>
-        </pc:spChg>
-        <pc:spChg chg="del">
-          <ac:chgData name="Joseph Wonsil" userId="f7a5a8f17f3cf2df" providerId="Windows Live" clId="Web-{67CC9483-2BB2-46C6-A5D4-96425EC9E7F9}" dt="2023-10-19T21:43:12.670" v="353"/>
-          <ac:spMkLst>
-            <pc:docMk/>
-            <pc:sldMk cId="1645475767" sldId="256"/>
-            <ac:spMk id="60" creationId="{35FA7E34-1A13-B6DF-79C2-60F41A23F37B}"/>
-          </ac:spMkLst>
-        </pc:spChg>
-        <pc:spChg chg="del">
-          <ac:chgData name="Joseph Wonsil" userId="f7a5a8f17f3cf2df" providerId="Windows Live" clId="Web-{67CC9483-2BB2-46C6-A5D4-96425EC9E7F9}" dt="2023-10-19T21:00:50.824" v="30"/>
-          <ac:spMkLst>
-            <pc:docMk/>
-            <pc:sldMk cId="1645475767" sldId="256"/>
-            <ac:spMk id="63" creationId="{07A62DDE-C94D-4783-4BFD-408E0B156DED}"/>
-          </ac:spMkLst>
-        </pc:spChg>
-        <pc:spChg chg="add mod">
-          <ac:chgData name="Joseph Wonsil" userId="f7a5a8f17f3cf2df" providerId="Windows Live" clId="Web-{67CC9483-2BB2-46C6-A5D4-96425EC9E7F9}" dt="2023-10-19T21:31:46.434" v="310" actId="1076"/>
-          <ac:spMkLst>
-            <pc:docMk/>
-            <pc:sldMk cId="1645475767" sldId="256"/>
-            <ac:spMk id="64" creationId="{00AF63C8-E610-166A-EB8D-9A5E75D0C542}"/>
-          </ac:spMkLst>
-        </pc:spChg>
-        <pc:spChg chg="add mod">
-          <ac:chgData name="Joseph Wonsil" userId="f7a5a8f17f3cf2df" providerId="Windows Live" clId="Web-{67CC9483-2BB2-46C6-A5D4-96425EC9E7F9}" dt="2023-10-19T21:31:57.200" v="312" actId="20577"/>
-          <ac:spMkLst>
-            <pc:docMk/>
-            <pc:sldMk cId="1645475767" sldId="256"/>
-            <ac:spMk id="65" creationId="{F5A0FF69-C258-EB4C-AD36-26FCB9C84FFB}"/>
-          </ac:spMkLst>
-        </pc:spChg>
-        <pc:spChg chg="add mod">
-          <ac:chgData name="Joseph Wonsil" userId="f7a5a8f17f3cf2df" providerId="Windows Live" clId="Web-{67CC9483-2BB2-46C6-A5D4-96425EC9E7F9}" dt="2023-10-19T21:31:52.622" v="311" actId="20577"/>
-          <ac:spMkLst>
-            <pc:docMk/>
-            <pc:sldMk cId="1645475767" sldId="256"/>
-            <ac:spMk id="67" creationId="{D1DA118C-BB7F-C467-916F-B8CA62C1A73E}"/>
-          </ac:spMkLst>
-        </pc:spChg>
-        <pc:spChg chg="add mod">
-          <ac:chgData name="Joseph Wonsil" userId="f7a5a8f17f3cf2df" providerId="Windows Live" clId="Web-{67CC9483-2BB2-46C6-A5D4-96425EC9E7F9}" dt="2023-10-19T21:32:02.075" v="316" actId="1076"/>
-          <ac:spMkLst>
-            <pc:docMk/>
-            <pc:sldMk cId="1645475767" sldId="256"/>
-            <ac:spMk id="68" creationId="{34FACE16-5128-07C9-FA02-6F8B229E2E29}"/>
-          </ac:spMkLst>
-        </pc:spChg>
-        <pc:spChg chg="del">
-          <ac:chgData name="Joseph Wonsil" userId="f7a5a8f17f3cf2df" providerId="Windows Live" clId="Web-{67CC9483-2BB2-46C6-A5D4-96425EC9E7F9}" dt="2023-10-19T21:43:10.154" v="350"/>
-          <ac:spMkLst>
-            <pc:docMk/>
-            <pc:sldMk cId="1645475767" sldId="256"/>
-            <ac:spMk id="71" creationId="{2A34F01A-7639-BB9B-04EC-3D4D626FAB55}"/>
-          </ac:spMkLst>
-        </pc:spChg>
-        <pc:spChg chg="add mod">
-          <ac:chgData name="Joseph Wonsil" userId="f7a5a8f17f3cf2df" providerId="Windows Live" clId="Web-{67CC9483-2BB2-46C6-A5D4-96425EC9E7F9}" dt="2023-10-19T21:32:02.372" v="318" actId="1076"/>
-          <ac:spMkLst>
-            <pc:docMk/>
-            <pc:sldMk cId="1645475767" sldId="256"/>
-            <ac:spMk id="72" creationId="{DF26985C-D81A-5506-F6AE-ADF0F3049273}"/>
-          </ac:spMkLst>
-        </pc:spChg>
-        <pc:spChg chg="del">
-          <ac:chgData name="Joseph Wonsil" userId="f7a5a8f17f3cf2df" providerId="Windows Live" clId="Web-{67CC9483-2BB2-46C6-A5D4-96425EC9E7F9}" dt="2023-10-19T21:43:09.108" v="343"/>
-          <ac:spMkLst>
-            <pc:docMk/>
-            <pc:sldMk cId="1645475767" sldId="256"/>
-            <ac:spMk id="74" creationId="{52E3ADAE-159A-D64F-DF75-180DC743C4CA}"/>
-          </ac:spMkLst>
-        </pc:spChg>
-        <pc:spChg chg="add mod">
-          <ac:chgData name="Joseph Wonsil" userId="f7a5a8f17f3cf2df" providerId="Windows Live" clId="Web-{67CC9483-2BB2-46C6-A5D4-96425EC9E7F9}" dt="2023-10-19T21:32:15.966" v="322" actId="1076"/>
-          <ac:spMkLst>
-            <pc:docMk/>
-            <pc:sldMk cId="1645475767" sldId="256"/>
-            <ac:spMk id="76" creationId="{FC00C707-CFE2-E5BF-816E-D0477738EF99}"/>
-          </ac:spMkLst>
-        </pc:spChg>
-        <pc:spChg chg="add mod">
-          <ac:chgData name="Joseph Wonsil" userId="f7a5a8f17f3cf2df" providerId="Windows Live" clId="Web-{67CC9483-2BB2-46C6-A5D4-96425EC9E7F9}" dt="2023-10-19T21:32:39.716" v="328" actId="20577"/>
-          <ac:spMkLst>
-            <pc:docMk/>
-            <pc:sldMk cId="1645475767" sldId="256"/>
-            <ac:spMk id="79" creationId="{81AD025B-262E-A140-642B-7B5119375D75}"/>
-          </ac:spMkLst>
-        </pc:spChg>
-        <pc:spChg chg="add mod">
-          <ac:chgData name="Joseph Wonsil" userId="f7a5a8f17f3cf2df" providerId="Windows Live" clId="Web-{67CC9483-2BB2-46C6-A5D4-96425EC9E7F9}" dt="2023-10-19T21:32:49.029" v="332" actId="1076"/>
-          <ac:spMkLst>
-            <pc:docMk/>
-            <pc:sldMk cId="1645475767" sldId="256"/>
-            <ac:spMk id="80" creationId="{B742AF54-6F12-7646-02ED-763846068273}"/>
-          </ac:spMkLst>
-        </pc:spChg>
-        <pc:spChg chg="add mod">
-          <ac:chgData name="Joseph Wonsil" userId="f7a5a8f17f3cf2df" providerId="Windows Live" clId="Web-{67CC9483-2BB2-46C6-A5D4-96425EC9E7F9}" dt="2023-10-19T21:32:49.310" v="334" actId="1076"/>
-          <ac:spMkLst>
-            <pc:docMk/>
-            <pc:sldMk cId="1645475767" sldId="256"/>
-            <ac:spMk id="82" creationId="{BC8D52AF-865C-6AF4-DCE1-6341AA824C2C}"/>
-          </ac:spMkLst>
-        </pc:spChg>
-        <pc:spChg chg="add mod">
-          <ac:chgData name="Joseph Wonsil" userId="f7a5a8f17f3cf2df" providerId="Windows Live" clId="Web-{67CC9483-2BB2-46C6-A5D4-96425EC9E7F9}" dt="2023-10-19T22:05:10.094" v="449" actId="14100"/>
-          <ac:spMkLst>
-            <pc:docMk/>
-            <pc:sldMk cId="1645475767" sldId="256"/>
-            <ac:spMk id="83" creationId="{49EF8866-7E22-6BCA-3E76-56F58BDA0C16}"/>
-          </ac:spMkLst>
-        </pc:spChg>
-        <pc:spChg chg="del">
-          <ac:chgData name="Joseph Wonsil" userId="f7a5a8f17f3cf2df" providerId="Windows Live" clId="Web-{67CC9483-2BB2-46C6-A5D4-96425EC9E7F9}" dt="2023-10-19T21:00:54.183" v="31"/>
-          <ac:spMkLst>
-            <pc:docMk/>
-            <pc:sldMk cId="1645475767" sldId="256"/>
-            <ac:spMk id="84" creationId="{D34F5F8D-B16A-EDE4-A61F-9D0E7E4C7BBC}"/>
-          </ac:spMkLst>
-        </pc:spChg>
-        <pc:spChg chg="add del mod">
-          <ac:chgData name="Joseph Wonsil" userId="f7a5a8f17f3cf2df" providerId="Windows Live" clId="Web-{67CC9483-2BB2-46C6-A5D4-96425EC9E7F9}" dt="2023-10-19T21:44:15.844" v="376"/>
-          <ac:spMkLst>
-            <pc:docMk/>
-            <pc:sldMk cId="1645475767" sldId="256"/>
-            <ac:spMk id="88" creationId="{BD641FD8-3F5F-8BB3-A014-87CDEE07D569}"/>
-          </ac:spMkLst>
-        </pc:spChg>
-        <pc:spChg chg="mod">
-          <ac:chgData name="Joseph Wonsil" userId="f7a5a8f17f3cf2df" providerId="Windows Live" clId="Web-{67CC9483-2BB2-46C6-A5D4-96425EC9E7F9}" dt="2023-10-19T21:28:08.272" v="247" actId="20577"/>
-          <ac:spMkLst>
-            <pc:docMk/>
-            <pc:sldMk cId="1645475767" sldId="256"/>
-            <ac:spMk id="90" creationId="{8A8D6037-92ED-5E61-EE2A-60DD15DDB033}"/>
-          </ac:spMkLst>
-        </pc:spChg>
-        <pc:spChg chg="add del mod">
-          <ac:chgData name="Joseph Wonsil" userId="f7a5a8f17f3cf2df" providerId="Windows Live" clId="Web-{67CC9483-2BB2-46C6-A5D4-96425EC9E7F9}" dt="2023-10-19T21:44:15.844" v="374"/>
-          <ac:spMkLst>
-            <pc:docMk/>
-            <pc:sldMk cId="1645475767" sldId="256"/>
-            <ac:spMk id="91" creationId="{B98D61BF-48FE-DAA3-7DC0-C4FC4F3CB9C7}"/>
-          </ac:spMkLst>
-        </pc:spChg>
-        <pc:spChg chg="add mod">
-          <ac:chgData name="Joseph Wonsil" userId="f7a5a8f17f3cf2df" providerId="Windows Live" clId="Web-{67CC9483-2BB2-46C6-A5D4-96425EC9E7F9}" dt="2023-10-19T21:44:27.719" v="382" actId="1076"/>
-          <ac:spMkLst>
-            <pc:docMk/>
-            <pc:sldMk cId="1645475767" sldId="256"/>
-            <ac:spMk id="94" creationId="{A7D7ABA3-C831-B007-E132-54190CE7F84F}"/>
-          </ac:spMkLst>
-        </pc:spChg>
-        <pc:spChg chg="add mod">
-          <ac:chgData name="Joseph Wonsil" userId="f7a5a8f17f3cf2df" providerId="Windows Live" clId="Web-{67CC9483-2BB2-46C6-A5D4-96425EC9E7F9}" dt="2023-10-19T21:44:27.969" v="384" actId="1076"/>
-          <ac:spMkLst>
-            <pc:docMk/>
-            <pc:sldMk cId="1645475767" sldId="256"/>
-            <ac:spMk id="96" creationId="{ACF845C9-F512-1D84-4A26-6760DFEC5447}"/>
-          </ac:spMkLst>
-        </pc:spChg>
-        <pc:spChg chg="add mod">
-          <ac:chgData name="Joseph Wonsil" userId="f7a5a8f17f3cf2df" providerId="Windows Live" clId="Web-{67CC9483-2BB2-46C6-A5D4-96425EC9E7F9}" dt="2023-10-19T21:45:14.705" v="391" actId="1076"/>
-          <ac:spMkLst>
-            <pc:docMk/>
-            <pc:sldMk cId="1645475767" sldId="256"/>
-            <ac:spMk id="99" creationId="{0A816FDE-FAC6-B8C0-AA92-FC9141B83590}"/>
-          </ac:spMkLst>
-        </pc:spChg>
-        <pc:spChg chg="del">
-          <ac:chgData name="Joseph Wonsil" userId="f7a5a8f17f3cf2df" providerId="Windows Live" clId="Web-{67CC9483-2BB2-46C6-A5D4-96425EC9E7F9}" dt="2023-10-19T21:01:07.215" v="42"/>
-          <ac:spMkLst>
-            <pc:docMk/>
-            <pc:sldMk cId="1645475767" sldId="256"/>
-            <ac:spMk id="100" creationId="{E92B3433-66A4-7341-0A10-1B6541AA2707}"/>
-          </ac:spMkLst>
-        </pc:spChg>
-        <pc:spChg chg="del">
-          <ac:chgData name="Joseph Wonsil" userId="f7a5a8f17f3cf2df" providerId="Windows Live" clId="Web-{67CC9483-2BB2-46C6-A5D4-96425EC9E7F9}" dt="2023-10-19T21:01:05.965" v="40"/>
-          <ac:spMkLst>
-            <pc:docMk/>
-            <pc:sldMk cId="1645475767" sldId="256"/>
-            <ac:spMk id="101" creationId="{1DE6908C-CB8C-CAF2-6CD7-D732B0AB1E33}"/>
-          </ac:spMkLst>
-        </pc:spChg>
-        <pc:spChg chg="del">
-          <ac:chgData name="Joseph Wonsil" userId="f7a5a8f17f3cf2df" providerId="Windows Live" clId="Web-{67CC9483-2BB2-46C6-A5D4-96425EC9E7F9}" dt="2023-10-19T21:01:04.559" v="38"/>
-          <ac:spMkLst>
-            <pc:docMk/>
-            <pc:sldMk cId="1645475767" sldId="256"/>
-            <ac:spMk id="102" creationId="{BAB78B8E-574B-3156-CD83-4D165FEDCC4F}"/>
-          </ac:spMkLst>
-        </pc:spChg>
-        <pc:spChg chg="del">
-          <ac:chgData name="Joseph Wonsil" userId="f7a5a8f17f3cf2df" providerId="Windows Live" clId="Web-{67CC9483-2BB2-46C6-A5D4-96425EC9E7F9}" dt="2023-10-19T21:01:03.215" v="36"/>
-          <ac:spMkLst>
-            <pc:docMk/>
-            <pc:sldMk cId="1645475767" sldId="256"/>
-            <ac:spMk id="103" creationId="{0C69731E-2E67-A043-504E-23C966E68671}"/>
-          </ac:spMkLst>
-        </pc:spChg>
-        <pc:spChg chg="del">
-          <ac:chgData name="Joseph Wonsil" userId="f7a5a8f17f3cf2df" providerId="Windows Live" clId="Web-{67CC9483-2BB2-46C6-A5D4-96425EC9E7F9}" dt="2023-10-19T21:01:01.981" v="34"/>
-          <ac:spMkLst>
-            <pc:docMk/>
-            <pc:sldMk cId="1645475767" sldId="256"/>
-            <ac:spMk id="105" creationId="{2ACDEB4D-3118-62F1-B8A8-ADB24DBACF82}"/>
-          </ac:spMkLst>
-        </pc:spChg>
-        <pc:spChg chg="del">
-          <ac:chgData name="Joseph Wonsil" userId="f7a5a8f17f3cf2df" providerId="Windows Live" clId="Web-{67CC9483-2BB2-46C6-A5D4-96425EC9E7F9}" dt="2023-10-19T21:27:29.005" v="239"/>
-          <ac:spMkLst>
-            <pc:docMk/>
-            <pc:sldMk cId="1645475767" sldId="256"/>
-            <ac:spMk id="106" creationId="{4B49D07C-8A79-6007-E41D-E45A4FC9D8C6}"/>
-          </ac:spMkLst>
-        </pc:spChg>
-        <pc:spChg chg="add mod">
-          <ac:chgData name="Joseph Wonsil" userId="f7a5a8f17f3cf2df" providerId="Windows Live" clId="Web-{67CC9483-2BB2-46C6-A5D4-96425EC9E7F9}" dt="2023-10-19T21:47:36.005" v="413" actId="1076"/>
-          <ac:spMkLst>
-            <pc:docMk/>
-            <pc:sldMk cId="1645475767" sldId="256"/>
-            <ac:spMk id="110" creationId="{9B0EFE21-04EF-0A27-A373-5D737250BADB}"/>
-          </ac:spMkLst>
-        </pc:spChg>
-        <pc:spChg chg="add mod">
-          <ac:chgData name="Joseph Wonsil" userId="f7a5a8f17f3cf2df" providerId="Windows Live" clId="Web-{67CC9483-2BB2-46C6-A5D4-96425EC9E7F9}" dt="2023-10-19T21:47:47.255" v="419" actId="1076"/>
-          <ac:spMkLst>
-            <pc:docMk/>
-            <pc:sldMk cId="1645475767" sldId="256"/>
-            <ac:spMk id="111" creationId="{A6BC6F61-BFF1-89D1-F4C9-3FD0273AA64C}"/>
-          </ac:spMkLst>
-        </pc:spChg>
-        <pc:spChg chg="add mod">
-          <ac:chgData name="Joseph Wonsil" userId="f7a5a8f17f3cf2df" providerId="Windows Live" clId="Web-{67CC9483-2BB2-46C6-A5D4-96425EC9E7F9}" dt="2023-10-19T21:47:53.349" v="422" actId="20577"/>
-          <ac:spMkLst>
-            <pc:docMk/>
-            <pc:sldMk cId="1645475767" sldId="256"/>
-            <ac:spMk id="112" creationId="{F7D9D98D-C43A-4076-4146-3C2D8E5E6FBD}"/>
-          </ac:spMkLst>
-        </pc:spChg>
-        <pc:spChg chg="add mod">
-          <ac:chgData name="Joseph Wonsil" userId="f7a5a8f17f3cf2df" providerId="Windows Live" clId="Web-{67CC9483-2BB2-46C6-A5D4-96425EC9E7F9}" dt="2023-10-19T21:48:20.834" v="426" actId="20577"/>
-          <ac:spMkLst>
-            <pc:docMk/>
-            <pc:sldMk cId="1645475767" sldId="256"/>
-            <ac:spMk id="113" creationId="{98509700-1543-63AE-3D92-B942ABC99B4B}"/>
-          </ac:spMkLst>
-        </pc:spChg>
-        <pc:spChg chg="add mod">
-          <ac:chgData name="Joseph Wonsil" userId="f7a5a8f17f3cf2df" providerId="Windows Live" clId="Web-{67CC9483-2BB2-46C6-A5D4-96425EC9E7F9}" dt="2023-10-19T21:49:25.508" v="440" actId="1076"/>
-          <ac:spMkLst>
-            <pc:docMk/>
-            <pc:sldMk cId="1645475767" sldId="256"/>
-            <ac:spMk id="115" creationId="{8F5D90A4-184A-2FEB-BC5B-1282DD0F3025}"/>
-          </ac:spMkLst>
-        </pc:spChg>
-        <pc:spChg chg="add mod">
-          <ac:chgData name="Joseph Wonsil" userId="f7a5a8f17f3cf2df" providerId="Windows Live" clId="Web-{67CC9483-2BB2-46C6-A5D4-96425EC9E7F9}" dt="2023-10-19T21:50:04.040" v="448" actId="20577"/>
-          <ac:spMkLst>
-            <pc:docMk/>
-            <pc:sldMk cId="1645475767" sldId="256"/>
-            <ac:spMk id="117" creationId="{0F7BF592-580F-E24B-944A-40A3FACEDE32}"/>
-          </ac:spMkLst>
-        </pc:spChg>
-        <pc:spChg chg="del">
-          <ac:chgData name="Joseph Wonsil" userId="f7a5a8f17f3cf2df" providerId="Windows Live" clId="Web-{67CC9483-2BB2-46C6-A5D4-96425EC9E7F9}" dt="2023-10-19T21:43:12.670" v="352"/>
-          <ac:spMkLst>
-            <pc:docMk/>
-            <pc:sldMk cId="1645475767" sldId="256"/>
-            <ac:spMk id="139" creationId="{802C46F5-7BD6-F450-D2B4-347C92B57CFE}"/>
-          </ac:spMkLst>
-        </pc:spChg>
-        <pc:spChg chg="mod">
-          <ac:chgData name="Joseph Wonsil" userId="f7a5a8f17f3cf2df" providerId="Windows Live" clId="Web-{67CC9483-2BB2-46C6-A5D4-96425EC9E7F9}" dt="2023-10-19T21:45:22.252" v="392" actId="1076"/>
-          <ac:spMkLst>
-            <pc:docMk/>
-            <pc:sldMk cId="1645475767" sldId="256"/>
-            <ac:spMk id="144" creationId="{3BA36D46-2F89-D8A4-A60C-17E29D68CFA5}"/>
-          </ac:spMkLst>
-        </pc:spChg>
-        <pc:spChg chg="del mod">
-          <ac:chgData name="Joseph Wonsil" userId="f7a5a8f17f3cf2df" providerId="Windows Live" clId="Web-{67CC9483-2BB2-46C6-A5D4-96425EC9E7F9}" dt="2023-10-19T21:43:05.514" v="340"/>
-          <ac:spMkLst>
-            <pc:docMk/>
-            <pc:sldMk cId="1645475767" sldId="256"/>
-            <ac:spMk id="157" creationId="{2EC089FA-274C-2CBC-86EB-EAA86F31FDEF}"/>
-          </ac:spMkLst>
-        </pc:spChg>
-        <pc:spChg chg="del">
-          <ac:chgData name="Joseph Wonsil" userId="f7a5a8f17f3cf2df" providerId="Windows Live" clId="Web-{67CC9483-2BB2-46C6-A5D4-96425EC9E7F9}" dt="2023-10-19T21:13:08.124" v="128"/>
-          <ac:spMkLst>
-            <pc:docMk/>
-            <pc:sldMk cId="1645475767" sldId="256"/>
-            <ac:spMk id="159" creationId="{FAA5B709-EF66-0E55-121C-2E5288DA869C}"/>
-          </ac:spMkLst>
-        </pc:spChg>
-        <pc:spChg chg="del">
-          <ac:chgData name="Joseph Wonsil" userId="f7a5a8f17f3cf2df" providerId="Windows Live" clId="Web-{67CC9483-2BB2-46C6-A5D4-96425EC9E7F9}" dt="2023-10-19T21:13:10.249" v="130"/>
-          <ac:spMkLst>
-            <pc:docMk/>
-            <pc:sldMk cId="1645475767" sldId="256"/>
-            <ac:spMk id="170" creationId="{BFAB41F3-F9EF-C391-5021-8D23B909B24B}"/>
-          </ac:spMkLst>
-        </pc:spChg>
-        <pc:spChg chg="del">
-          <ac:chgData name="Joseph Wonsil" userId="f7a5a8f17f3cf2df" providerId="Windows Live" clId="Web-{67CC9483-2BB2-46C6-A5D4-96425EC9E7F9}" dt="2023-10-19T21:13:06.843" v="127"/>
-          <ac:spMkLst>
-            <pc:docMk/>
-            <pc:sldMk cId="1645475767" sldId="256"/>
-            <ac:spMk id="181" creationId="{248CC43D-90F5-671B-FC25-CD2136983D57}"/>
-          </ac:spMkLst>
-        </pc:spChg>
-        <pc:spChg chg="del">
-          <ac:chgData name="Joseph Wonsil" userId="f7a5a8f17f3cf2df" providerId="Windows Live" clId="Web-{67CC9483-2BB2-46C6-A5D4-96425EC9E7F9}" dt="2023-10-19T21:13:09.171" v="129"/>
-          <ac:spMkLst>
-            <pc:docMk/>
-            <pc:sldMk cId="1645475767" sldId="256"/>
-            <ac:spMk id="182" creationId="{907D58AE-50C8-F93D-1136-78E6BCCC8072}"/>
-          </ac:spMkLst>
-        </pc:spChg>
-        <pc:spChg chg="del">
-          <ac:chgData name="Joseph Wonsil" userId="f7a5a8f17f3cf2df" providerId="Windows Live" clId="Web-{67CC9483-2BB2-46C6-A5D4-96425EC9E7F9}" dt="2023-10-19T21:43:10.154" v="349"/>
-          <ac:spMkLst>
-            <pc:docMk/>
-            <pc:sldMk cId="1645475767" sldId="256"/>
-            <ac:spMk id="196" creationId="{64A37683-F464-6803-A853-1D36D77E903B}"/>
-          </ac:spMkLst>
-        </pc:spChg>
-        <pc:spChg chg="del">
-          <ac:chgData name="Joseph Wonsil" userId="f7a5a8f17f3cf2df" providerId="Windows Live" clId="Web-{67CC9483-2BB2-46C6-A5D4-96425EC9E7F9}" dt="2023-10-19T21:43:10.154" v="348"/>
-          <ac:spMkLst>
-            <pc:docMk/>
-            <pc:sldMk cId="1645475767" sldId="256"/>
-            <ac:spMk id="197" creationId="{C7BEE81F-D7A4-129C-136B-6AD53A842FE7}"/>
-          </ac:spMkLst>
-        </pc:spChg>
-        <pc:spChg chg="del">
-          <ac:chgData name="Joseph Wonsil" userId="f7a5a8f17f3cf2df" providerId="Windows Live" clId="Web-{67CC9483-2BB2-46C6-A5D4-96425EC9E7F9}" dt="2023-10-19T21:43:10.154" v="347"/>
-          <ac:spMkLst>
-            <pc:docMk/>
-            <pc:sldMk cId="1645475767" sldId="256"/>
-            <ac:spMk id="198" creationId="{97481AB8-5857-3AC0-BCB6-E2A7EF4E71A4}"/>
-          </ac:spMkLst>
-        </pc:spChg>
-        <pc:spChg chg="del">
-          <ac:chgData name="Joseph Wonsil" userId="f7a5a8f17f3cf2df" providerId="Windows Live" clId="Web-{67CC9483-2BB2-46C6-A5D4-96425EC9E7F9}" dt="2023-10-19T21:43:10.154" v="346"/>
-          <ac:spMkLst>
-            <pc:docMk/>
-            <pc:sldMk cId="1645475767" sldId="256"/>
-            <ac:spMk id="204" creationId="{AF0B4C90-7F51-3154-21DD-F141AA6B7D1C}"/>
-          </ac:spMkLst>
-        </pc:spChg>
-        <pc:spChg chg="del">
-          <ac:chgData name="Joseph Wonsil" userId="f7a5a8f17f3cf2df" providerId="Windows Live" clId="Web-{67CC9483-2BB2-46C6-A5D4-96425EC9E7F9}" dt="2023-10-19T21:43:10.154" v="345"/>
-          <ac:spMkLst>
-            <pc:docMk/>
-            <pc:sldMk cId="1645475767" sldId="256"/>
-            <ac:spMk id="207" creationId="{83505876-8FEF-325E-3C41-C080552E164D}"/>
-          </ac:spMkLst>
-        </pc:spChg>
-        <pc:spChg chg="del">
-          <ac:chgData name="Joseph Wonsil" userId="f7a5a8f17f3cf2df" providerId="Windows Live" clId="Web-{67CC9483-2BB2-46C6-A5D4-96425EC9E7F9}" dt="2023-10-19T21:43:10.154" v="344"/>
-          <ac:spMkLst>
-            <pc:docMk/>
-            <pc:sldMk cId="1645475767" sldId="256"/>
-            <ac:spMk id="209" creationId="{3607486D-7794-339C-97B9-508DD9223B9A}"/>
-          </ac:spMkLst>
-        </pc:spChg>
-        <pc:spChg chg="mod">
-          <ac:chgData name="Joseph Wonsil" userId="f7a5a8f17f3cf2df" providerId="Windows Live" clId="Web-{67CC9483-2BB2-46C6-A5D4-96425EC9E7F9}" dt="2023-10-19T20:59:03.712" v="13" actId="14100"/>
-          <ac:spMkLst>
-            <pc:docMk/>
-            <pc:sldMk cId="1645475767" sldId="256"/>
-            <ac:spMk id="212" creationId="{E55F2EEF-5883-D72A-7FCC-5638BC1DCDEB}"/>
-          </ac:spMkLst>
-        </pc:spChg>
-        <pc:spChg chg="mod">
-          <ac:chgData name="Joseph Wonsil" userId="f7a5a8f17f3cf2df" providerId="Windows Live" clId="Web-{67CC9483-2BB2-46C6-A5D4-96425EC9E7F9}" dt="2023-10-19T21:14:28.251" v="138" actId="14100"/>
-          <ac:spMkLst>
-            <pc:docMk/>
-            <pc:sldMk cId="1645475767" sldId="256"/>
-            <ac:spMk id="218" creationId="{766078B8-ECF8-60EF-9212-6287758A5D20}"/>
-          </ac:spMkLst>
-        </pc:spChg>
-        <pc:spChg chg="del">
-          <ac:chgData name="Joseph Wonsil" userId="f7a5a8f17f3cf2df" providerId="Windows Live" clId="Web-{67CC9483-2BB2-46C6-A5D4-96425EC9E7F9}" dt="2023-10-19T21:01:51.716" v="53"/>
-          <ac:spMkLst>
-            <pc:docMk/>
-            <pc:sldMk cId="1645475767" sldId="256"/>
-            <ac:spMk id="221" creationId="{A704D209-4118-707C-FBA2-39647729D7FE}"/>
-          </ac:spMkLst>
-        </pc:spChg>
-        <pc:spChg chg="del">
-          <ac:chgData name="Joseph Wonsil" userId="f7a5a8f17f3cf2df" providerId="Windows Live" clId="Web-{67CC9483-2BB2-46C6-A5D4-96425EC9E7F9}" dt="2023-10-19T21:08:43.805" v="69"/>
-          <ac:spMkLst>
-            <pc:docMk/>
-            <pc:sldMk cId="1645475767" sldId="256"/>
-            <ac:spMk id="222" creationId="{A73DA923-B0C2-24D3-3223-F3EECA14D156}"/>
-          </ac:spMkLst>
-        </pc:spChg>
-        <pc:spChg chg="del">
-          <ac:chgData name="Joseph Wonsil" userId="f7a5a8f17f3cf2df" providerId="Windows Live" clId="Web-{67CC9483-2BB2-46C6-A5D4-96425EC9E7F9}" dt="2023-10-19T21:01:28.450" v="46"/>
-          <ac:spMkLst>
-            <pc:docMk/>
-            <pc:sldMk cId="1645475767" sldId="256"/>
-            <ac:spMk id="223" creationId="{98EA81B1-9379-5562-E87C-6BE04285588F}"/>
-          </ac:spMkLst>
-        </pc:spChg>
-        <pc:spChg chg="del">
-          <ac:chgData name="Joseph Wonsil" userId="f7a5a8f17f3cf2df" providerId="Windows Live" clId="Web-{67CC9483-2BB2-46C6-A5D4-96425EC9E7F9}" dt="2023-10-19T21:01:31.856" v="48"/>
-          <ac:spMkLst>
-            <pc:docMk/>
-            <pc:sldMk cId="1645475767" sldId="256"/>
-            <ac:spMk id="225" creationId="{850CBD32-7AD7-DF07-FBE9-7EBE8B911969}"/>
-          </ac:spMkLst>
-        </pc:spChg>
-        <pc:spChg chg="del">
-          <ac:chgData name="Joseph Wonsil" userId="f7a5a8f17f3cf2df" providerId="Windows Live" clId="Web-{67CC9483-2BB2-46C6-A5D4-96425EC9E7F9}" dt="2023-10-19T21:01:32.778" v="49"/>
-          <ac:spMkLst>
-            <pc:docMk/>
-            <pc:sldMk cId="1645475767" sldId="256"/>
-            <ac:spMk id="226" creationId="{7040D6DB-B4BE-DAC4-5921-1A9850EC0EEC}"/>
-          </ac:spMkLst>
-        </pc:spChg>
-        <pc:spChg chg="del">
-          <ac:chgData name="Joseph Wonsil" userId="f7a5a8f17f3cf2df" providerId="Windows Live" clId="Web-{67CC9483-2BB2-46C6-A5D4-96425EC9E7F9}" dt="2023-10-19T21:01:33.747" v="50"/>
-          <ac:spMkLst>
-            <pc:docMk/>
-            <pc:sldMk cId="1645475767" sldId="256"/>
-            <ac:spMk id="227" creationId="{DA5E22C1-9470-3167-CB75-B1290B4FB1C7}"/>
-          </ac:spMkLst>
-        </pc:spChg>
-        <pc:spChg chg="del">
-          <ac:chgData name="Joseph Wonsil" userId="f7a5a8f17f3cf2df" providerId="Windows Live" clId="Web-{67CC9483-2BB2-46C6-A5D4-96425EC9E7F9}" dt="2023-10-19T21:08:55.899" v="78"/>
-          <ac:spMkLst>
-            <pc:docMk/>
-            <pc:sldMk cId="1645475767" sldId="256"/>
-            <ac:spMk id="230" creationId="{A412271C-0293-8FAC-A024-C597CF244023}"/>
-          </ac:spMkLst>
-        </pc:spChg>
-        <pc:spChg chg="del">
-          <ac:chgData name="Joseph Wonsil" userId="f7a5a8f17f3cf2df" providerId="Windows Live" clId="Web-{67CC9483-2BB2-46C6-A5D4-96425EC9E7F9}" dt="2023-10-19T21:08:55.836" v="77"/>
-          <ac:spMkLst>
-            <pc:docMk/>
-            <pc:sldMk cId="1645475767" sldId="256"/>
-            <ac:spMk id="238" creationId="{EBDD0F59-C0A1-5DFE-3F5E-F797A3C05FA3}"/>
-          </ac:spMkLst>
-        </pc:spChg>
-        <pc:spChg chg="del">
-          <ac:chgData name="Joseph Wonsil" userId="f7a5a8f17f3cf2df" providerId="Windows Live" clId="Web-{67CC9483-2BB2-46C6-A5D4-96425EC9E7F9}" dt="2023-10-19T21:08:55.774" v="76"/>
-          <ac:spMkLst>
-            <pc:docMk/>
-            <pc:sldMk cId="1645475767" sldId="256"/>
-            <ac:spMk id="240" creationId="{65D2929C-1097-3DCB-AD36-0DC797EDF22D}"/>
-          </ac:spMkLst>
-        </pc:spChg>
-        <pc:spChg chg="del">
-          <ac:chgData name="Joseph Wonsil" userId="f7a5a8f17f3cf2df" providerId="Windows Live" clId="Web-{67CC9483-2BB2-46C6-A5D4-96425EC9E7F9}" dt="2023-10-19T21:01:53.435" v="54"/>
-          <ac:spMkLst>
-            <pc:docMk/>
-            <pc:sldMk cId="1645475767" sldId="256"/>
-            <ac:spMk id="254" creationId="{D69DA629-519B-B2FA-292E-D394590F6BEE}"/>
-          </ac:spMkLst>
-        </pc:spChg>
-        <pc:spChg chg="del">
-          <ac:chgData name="Joseph Wonsil" userId="f7a5a8f17f3cf2df" providerId="Windows Live" clId="Web-{67CC9483-2BB2-46C6-A5D4-96425EC9E7F9}" dt="2023-10-19T21:08:55.696" v="75"/>
-          <ac:spMkLst>
-            <pc:docMk/>
-            <pc:sldMk cId="1645475767" sldId="256"/>
-            <ac:spMk id="268" creationId="{449FE6F4-DC13-BF05-AF6E-73E38ACE71B8}"/>
-          </ac:spMkLst>
-        </pc:spChg>
-        <pc:spChg chg="del">
-          <ac:chgData name="Joseph Wonsil" userId="f7a5a8f17f3cf2df" providerId="Windows Live" clId="Web-{67CC9483-2BB2-46C6-A5D4-96425EC9E7F9}" dt="2023-10-19T21:08:55.696" v="74"/>
-          <ac:spMkLst>
-            <pc:docMk/>
-            <pc:sldMk cId="1645475767" sldId="256"/>
-            <ac:spMk id="272" creationId="{9FB30DB4-3A65-8325-66C1-1C35BDDCC64B}"/>
-          </ac:spMkLst>
-        </pc:spChg>
-        <pc:spChg chg="del">
-          <ac:chgData name="Joseph Wonsil" userId="f7a5a8f17f3cf2df" providerId="Windows Live" clId="Web-{67CC9483-2BB2-46C6-A5D4-96425EC9E7F9}" dt="2023-10-19T21:01:54.388" v="56"/>
-          <ac:spMkLst>
-            <pc:docMk/>
-            <pc:sldMk cId="1645475767" sldId="256"/>
-            <ac:spMk id="281" creationId="{6B7888B1-5AC7-5F61-2E31-6969BD259062}"/>
-          </ac:spMkLst>
-        </pc:spChg>
-        <pc:spChg chg="del">
-          <ac:chgData name="Joseph Wonsil" userId="f7a5a8f17f3cf2df" providerId="Windows Live" clId="Web-{67CC9483-2BB2-46C6-A5D4-96425EC9E7F9}" dt="2023-10-19T21:01:53.826" v="55"/>
-          <ac:spMkLst>
-            <pc:docMk/>
-            <pc:sldMk cId="1645475767" sldId="256"/>
-            <ac:spMk id="286" creationId="{298BECD7-46E2-C328-55E6-A45B4670BECA}"/>
-          </ac:spMkLst>
-        </pc:spChg>
-        <pc:spChg chg="mod">
-          <ac:chgData name="Joseph Wonsil" userId="f7a5a8f17f3cf2df" providerId="Windows Live" clId="Web-{67CC9483-2BB2-46C6-A5D4-96425EC9E7F9}" dt="2023-10-19T21:08:04.976" v="63" actId="1076"/>
-          <ac:spMkLst>
-            <pc:docMk/>
-            <pc:sldMk cId="1645475767" sldId="256"/>
-            <ac:spMk id="308" creationId="{989CDA4F-A434-3232-BF4A-9BF9789ACE4B}"/>
-          </ac:spMkLst>
-        </pc:spChg>
-        <pc:spChg chg="mod">
-          <ac:chgData name="Joseph Wonsil" userId="f7a5a8f17f3cf2df" providerId="Windows Live" clId="Web-{67CC9483-2BB2-46C6-A5D4-96425EC9E7F9}" dt="2023-10-19T21:08:49.711" v="72" actId="1076"/>
-          <ac:spMkLst>
-            <pc:docMk/>
-            <pc:sldMk cId="1645475767" sldId="256"/>
-            <ac:spMk id="318" creationId="{63B3D97B-2E6C-1258-48F9-8C783923327E}"/>
-          </ac:spMkLst>
-        </pc:spChg>
-        <pc:grpChg chg="del">
-          <ac:chgData name="Joseph Wonsil" userId="f7a5a8f17f3cf2df" providerId="Windows Live" clId="Web-{67CC9483-2BB2-46C6-A5D4-96425EC9E7F9}" dt="2023-10-19T21:01:29.372" v="47"/>
-          <ac:grpSpMkLst>
-            <pc:docMk/>
-            <pc:sldMk cId="1645475767" sldId="256"/>
-            <ac:grpSpMk id="301" creationId="{DD4639EE-10B2-D0BE-C573-62FDD98D4E33}"/>
-          </ac:grpSpMkLst>
-        </pc:grpChg>
-        <pc:grpChg chg="del mod">
-          <ac:chgData name="Joseph Wonsil" userId="f7a5a8f17f3cf2df" providerId="Windows Live" clId="Web-{67CC9483-2BB2-46C6-A5D4-96425EC9E7F9}" dt="2023-10-19T21:08:57.071" v="79"/>
-          <ac:grpSpMkLst>
-            <pc:docMk/>
-            <pc:sldMk cId="1645475767" sldId="256"/>
-            <ac:grpSpMk id="321" creationId="{CFCEC70D-EE9E-8FF5-A986-8ABFF51B0B67}"/>
-          </ac:grpSpMkLst>
-        </pc:grpChg>
-        <pc:grpChg chg="del">
-          <ac:chgData name="Joseph Wonsil" userId="f7a5a8f17f3cf2df" providerId="Windows Live" clId="Web-{67CC9483-2BB2-46C6-A5D4-96425EC9E7F9}" dt="2023-10-19T21:08:55.680" v="73"/>
-          <ac:grpSpMkLst>
-            <pc:docMk/>
-            <pc:sldMk cId="1645475767" sldId="256"/>
-            <ac:grpSpMk id="345" creationId="{A5E5AD25-3A1E-D595-C5A1-A8F9193493ED}"/>
-          </ac:grpSpMkLst>
-        </pc:grpChg>
-        <pc:cxnChg chg="add del mod">
-          <ac:chgData name="Joseph Wonsil" userId="f7a5a8f17f3cf2df" providerId="Windows Live" clId="Web-{67CC9483-2BB2-46C6-A5D4-96425EC9E7F9}" dt="2023-10-19T21:09:28.806" v="90"/>
-          <ac:cxnSpMkLst>
-            <pc:docMk/>
-            <pc:sldMk cId="1645475767" sldId="256"/>
-            <ac:cxnSpMk id="2" creationId="{9052726D-0116-41C9-325C-DA5A8B9C7200}"/>
-          </ac:cxnSpMkLst>
-        </pc:cxnChg>
-        <pc:cxnChg chg="add mod">
-          <ac:chgData name="Joseph Wonsil" userId="f7a5a8f17f3cf2df" providerId="Windows Live" clId="Web-{67CC9483-2BB2-46C6-A5D4-96425EC9E7F9}" dt="2023-10-19T21:45:32.174" v="394" actId="14100"/>
-          <ac:cxnSpMkLst>
-            <pc:docMk/>
-            <pc:sldMk cId="1645475767" sldId="256"/>
-            <ac:cxnSpMk id="3" creationId="{63F37F73-1565-6922-1A4D-AD5D36408EE7}"/>
-          </ac:cxnSpMkLst>
-        </pc:cxnChg>
-        <pc:cxnChg chg="mod">
-          <ac:chgData name="Joseph Wonsil" userId="f7a5a8f17f3cf2df" providerId="Windows Live" clId="Web-{67CC9483-2BB2-46C6-A5D4-96425EC9E7F9}" dt="2023-10-19T21:14:51.533" v="143" actId="14100"/>
-          <ac:cxnSpMkLst>
-            <pc:docMk/>
-            <pc:sldMk cId="1645475767" sldId="256"/>
-            <ac:cxnSpMk id="4" creationId="{1FAF49EF-246B-5065-399F-6F3D99F68D6C}"/>
-          </ac:cxnSpMkLst>
-        </pc:cxnChg>
-        <pc:cxnChg chg="mod">
-          <ac:chgData name="Joseph Wonsil" userId="f7a5a8f17f3cf2df" providerId="Windows Live" clId="Web-{67CC9483-2BB2-46C6-A5D4-96425EC9E7F9}" dt="2023-10-19T20:58:53.133" v="9" actId="14100"/>
-          <ac:cxnSpMkLst>
-            <pc:docMk/>
-            <pc:sldMk cId="1645475767" sldId="256"/>
-            <ac:cxnSpMk id="8" creationId="{E3A3FFC5-3ECB-F504-1EB7-79E7359B9CFC}"/>
-          </ac:cxnSpMkLst>
-        </pc:cxnChg>
-        <pc:cxnChg chg="del mod">
-          <ac:chgData name="Joseph Wonsil" userId="f7a5a8f17f3cf2df" providerId="Windows Live" clId="Web-{67CC9483-2BB2-46C6-A5D4-96425EC9E7F9}" dt="2023-10-19T21:07:41.428" v="60"/>
-          <ac:cxnSpMkLst>
-            <pc:docMk/>
-            <pc:sldMk cId="1645475767" sldId="256"/>
-            <ac:cxnSpMk id="9" creationId="{0A563654-6AF8-5959-7EF7-1707843DF81A}"/>
-          </ac:cxnSpMkLst>
-        </pc:cxnChg>
-        <pc:cxnChg chg="add mod">
-          <ac:chgData name="Joseph Wonsil" userId="f7a5a8f17f3cf2df" providerId="Windows Live" clId="Web-{67CC9483-2BB2-46C6-A5D4-96425EC9E7F9}" dt="2023-10-19T21:19:35.243" v="182" actId="1076"/>
-          <ac:cxnSpMkLst>
-            <pc:docMk/>
-            <pc:sldMk cId="1645475767" sldId="256"/>
-            <ac:cxnSpMk id="11" creationId="{517CEBC0-383D-39C0-D39A-BF4C87361C6F}"/>
-          </ac:cxnSpMkLst>
-        </pc:cxnChg>
-        <pc:cxnChg chg="add mod">
-          <ac:chgData name="Joseph Wonsil" userId="f7a5a8f17f3cf2df" providerId="Windows Live" clId="Web-{67CC9483-2BB2-46C6-A5D4-96425EC9E7F9}" dt="2023-10-19T21:19:44.150" v="184" actId="1076"/>
-          <ac:cxnSpMkLst>
-            <pc:docMk/>
-            <pc:sldMk cId="1645475767" sldId="256"/>
-            <ac:cxnSpMk id="14" creationId="{8ED0136A-702F-ABCF-6004-6FEE38C0006F}"/>
-          </ac:cxnSpMkLst>
-        </pc:cxnChg>
-        <pc:cxnChg chg="add del mod">
-          <ac:chgData name="Joseph Wonsil" userId="f7a5a8f17f3cf2df" providerId="Windows Live" clId="Web-{67CC9483-2BB2-46C6-A5D4-96425EC9E7F9}" dt="2023-10-19T21:15:15.346" v="148"/>
-          <ac:cxnSpMkLst>
-            <pc:docMk/>
-            <pc:sldMk cId="1645475767" sldId="256"/>
-            <ac:cxnSpMk id="17" creationId="{95CCA4A3-B30E-FF56-FD05-F88C116476E4}"/>
-          </ac:cxnSpMkLst>
-        </pc:cxnChg>
-        <pc:cxnChg chg="add del mod">
-          <ac:chgData name="Joseph Wonsil" userId="f7a5a8f17f3cf2df" providerId="Windows Live" clId="Web-{67CC9483-2BB2-46C6-A5D4-96425EC9E7F9}" dt="2023-10-19T21:17:14.568" v="171"/>
-          <ac:cxnSpMkLst>
-            <pc:docMk/>
-            <pc:sldMk cId="1645475767" sldId="256"/>
-            <ac:cxnSpMk id="18" creationId="{3C1721C6-B804-5CA2-386E-918D40D34EF6}"/>
-          </ac:cxnSpMkLst>
-        </pc:cxnChg>
-        <pc:cxnChg chg="add mod">
-          <ac:chgData name="Joseph Wonsil" userId="f7a5a8f17f3cf2df" providerId="Windows Live" clId="Web-{67CC9483-2BB2-46C6-A5D4-96425EC9E7F9}" dt="2023-10-19T21:16:43.458" v="164"/>
-          <ac:cxnSpMkLst>
-            <pc:docMk/>
-            <pc:sldMk cId="1645475767" sldId="256"/>
-            <ac:cxnSpMk id="21" creationId="{07D1431F-AA7C-BC65-FB53-423D383084D4}"/>
-          </ac:cxnSpMkLst>
-        </pc:cxnChg>
-        <pc:cxnChg chg="del mod">
-          <ac:chgData name="Joseph Wonsil" userId="f7a5a8f17f3cf2df" providerId="Windows Live" clId="Web-{67CC9483-2BB2-46C6-A5D4-96425EC9E7F9}" dt="2023-10-19T21:01:24.966" v="45"/>
-          <ac:cxnSpMkLst>
-            <pc:docMk/>
-            <pc:sldMk cId="1645475767" sldId="256"/>
-            <ac:cxnSpMk id="23" creationId="{23D61AF6-840C-7E29-57B3-7DB3D4B2CB5B}"/>
-          </ac:cxnSpMkLst>
-        </pc:cxnChg>
-        <pc:cxnChg chg="add mod">
-          <ac:chgData name="Joseph Wonsil" userId="f7a5a8f17f3cf2df" providerId="Windows Live" clId="Web-{67CC9483-2BB2-46C6-A5D4-96425EC9E7F9}" dt="2023-10-19T21:29:30.040" v="263" actId="1076"/>
-          <ac:cxnSpMkLst>
-            <pc:docMk/>
-            <pc:sldMk cId="1645475767" sldId="256"/>
-            <ac:cxnSpMk id="24" creationId="{FC2512A0-0E15-D14E-C285-8BA41957071A}"/>
-          </ac:cxnSpMkLst>
-        </pc:cxnChg>
-        <pc:cxnChg chg="del mod">
-          <ac:chgData name="Joseph Wonsil" userId="f7a5a8f17f3cf2df" providerId="Windows Live" clId="Web-{67CC9483-2BB2-46C6-A5D4-96425EC9E7F9}" dt="2023-10-19T21:01:23.481" v="44"/>
-          <ac:cxnSpMkLst>
-            <pc:docMk/>
-            <pc:sldMk cId="1645475767" sldId="256"/>
-            <ac:cxnSpMk id="30" creationId="{92CF7358-07D9-EA8C-0D7A-860C9F5C5ACF}"/>
-          </ac:cxnSpMkLst>
-        </pc:cxnChg>
-        <pc:cxnChg chg="add mod">
-          <ac:chgData name="Joseph Wonsil" userId="f7a5a8f17f3cf2df" providerId="Windows Live" clId="Web-{67CC9483-2BB2-46C6-A5D4-96425EC9E7F9}" dt="2023-10-19T21:20:20.385" v="196" actId="1076"/>
-          <ac:cxnSpMkLst>
-            <pc:docMk/>
-            <pc:sldMk cId="1645475767" sldId="256"/>
-            <ac:cxnSpMk id="31" creationId="{B62BEBBD-78DB-1C12-0E48-B6117DDF6F9B}"/>
-          </ac:cxnSpMkLst>
-        </pc:cxnChg>
-        <pc:cxnChg chg="del mod">
-          <ac:chgData name="Joseph Wonsil" userId="f7a5a8f17f3cf2df" providerId="Windows Live" clId="Web-{67CC9483-2BB2-46C6-A5D4-96425EC9E7F9}" dt="2023-10-19T21:09:03.165" v="85"/>
-          <ac:cxnSpMkLst>
-            <pc:docMk/>
-            <pc:sldMk cId="1645475767" sldId="256"/>
-            <ac:cxnSpMk id="34" creationId="{8C48BD3A-932B-C7D1-C21F-389E8FA1D750}"/>
-          </ac:cxnSpMkLst>
-        </pc:cxnChg>
-        <pc:cxnChg chg="del mod">
-          <ac:chgData name="Joseph Wonsil" userId="f7a5a8f17f3cf2df" providerId="Windows Live" clId="Web-{67CC9483-2BB2-46C6-A5D4-96425EC9E7F9}" dt="2023-10-19T21:01:06.559" v="41"/>
-          <ac:cxnSpMkLst>
-            <pc:docMk/>
-            <pc:sldMk cId="1645475767" sldId="256"/>
-            <ac:cxnSpMk id="37" creationId="{6F20C18C-B4A8-7CAD-913D-7F0217BF73CC}"/>
-          </ac:cxnSpMkLst>
-        </pc:cxnChg>
-        <pc:cxnChg chg="add mod">
-          <ac:chgData name="Joseph Wonsil" userId="f7a5a8f17f3cf2df" providerId="Windows Live" clId="Web-{67CC9483-2BB2-46C6-A5D4-96425EC9E7F9}" dt="2023-10-19T21:22:10.091" v="222" actId="14100"/>
-          <ac:cxnSpMkLst>
-            <pc:docMk/>
-            <pc:sldMk cId="1645475767" sldId="256"/>
-            <ac:cxnSpMk id="40" creationId="{E02792B3-B6A0-FE85-F627-4E2D12DD8662}"/>
-          </ac:cxnSpMkLst>
-        </pc:cxnChg>
-        <pc:cxnChg chg="add mod">
-          <ac:chgData name="Joseph Wonsil" userId="f7a5a8f17f3cf2df" providerId="Windows Live" clId="Web-{67CC9483-2BB2-46C6-A5D4-96425EC9E7F9}" dt="2023-10-19T21:45:43.393" v="395" actId="14100"/>
-          <ac:cxnSpMkLst>
-            <pc:docMk/>
-            <pc:sldMk cId="1645475767" sldId="256"/>
-            <ac:cxnSpMk id="42" creationId="{9DF5ADD6-FE46-131E-62B8-59CCEEC5D434}"/>
-          </ac:cxnSpMkLst>
-        </pc:cxnChg>
-        <pc:cxnChg chg="add mod">
-          <ac:chgData name="Joseph Wonsil" userId="f7a5a8f17f3cf2df" providerId="Windows Live" clId="Web-{67CC9483-2BB2-46C6-A5D4-96425EC9E7F9}" dt="2023-10-19T21:29:24.805" v="262" actId="1076"/>
-          <ac:cxnSpMkLst>
-            <pc:docMk/>
-            <pc:sldMk cId="1645475767" sldId="256"/>
-            <ac:cxnSpMk id="45" creationId="{166EC043-E346-D27D-C6B6-1906CA4C64B2}"/>
-          </ac:cxnSpMkLst>
-        </pc:cxnChg>
-        <pc:cxnChg chg="del mod">
-          <ac:chgData name="Joseph Wonsil" userId="f7a5a8f17f3cf2df" providerId="Windows Live" clId="Web-{67CC9483-2BB2-46C6-A5D4-96425EC9E7F9}" dt="2023-10-19T21:01:05.231" v="39"/>
-          <ac:cxnSpMkLst>
-            <pc:docMk/>
-            <pc:sldMk cId="1645475767" sldId="256"/>
-            <ac:cxnSpMk id="46" creationId="{34027DC1-9608-8FC2-B855-03FC2D10CF3D}"/>
-          </ac:cxnSpMkLst>
-        </pc:cxnChg>
-        <pc:cxnChg chg="add mod">
-          <ac:chgData name="Joseph Wonsil" userId="f7a5a8f17f3cf2df" providerId="Windows Live" clId="Web-{67CC9483-2BB2-46C6-A5D4-96425EC9E7F9}" dt="2023-10-19T21:29:37.884" v="264"/>
-          <ac:cxnSpMkLst>
-            <pc:docMk/>
-            <pc:sldMk cId="1645475767" sldId="256"/>
-            <ac:cxnSpMk id="48" creationId="{47D37092-986B-BF1E-B379-B7F77D83CD98}"/>
-          </ac:cxnSpMkLst>
-        </pc:cxnChg>
-        <pc:cxnChg chg="del mod">
-          <ac:chgData name="Joseph Wonsil" userId="f7a5a8f17f3cf2df" providerId="Windows Live" clId="Web-{67CC9483-2BB2-46C6-A5D4-96425EC9E7F9}" dt="2023-10-19T21:08:44.867" v="70"/>
-          <ac:cxnSpMkLst>
-            <pc:docMk/>
-            <pc:sldMk cId="1645475767" sldId="256"/>
-            <ac:cxnSpMk id="50" creationId="{3E940EC5-3D16-B53B-92BC-3B51950E358D}"/>
-          </ac:cxnSpMkLst>
-        </pc:cxnChg>
-        <pc:cxnChg chg="del mod">
-          <ac:chgData name="Joseph Wonsil" userId="f7a5a8f17f3cf2df" providerId="Windows Live" clId="Web-{67CC9483-2BB2-46C6-A5D4-96425EC9E7F9}" dt="2023-10-19T21:07:43.569" v="61"/>
-          <ac:cxnSpMkLst>
-            <pc:docMk/>
-            <pc:sldMk cId="1645475767" sldId="256"/>
-            <ac:cxnSpMk id="53" creationId="{1C2578E2-210F-BFA7-80C8-ADB6B3D34E24}"/>
-          </ac:cxnSpMkLst>
-        </pc:cxnChg>
-        <pc:cxnChg chg="del mod">
-          <ac:chgData name="Joseph Wonsil" userId="f7a5a8f17f3cf2df" providerId="Windows Live" clId="Web-{67CC9483-2BB2-46C6-A5D4-96425EC9E7F9}" dt="2023-10-19T21:08:07.570" v="64"/>
-          <ac:cxnSpMkLst>
-            <pc:docMk/>
-            <pc:sldMk cId="1645475767" sldId="256"/>
-            <ac:cxnSpMk id="56" creationId="{CE6983D4-3F57-B5C6-DA2B-A89A230613C8}"/>
-          </ac:cxnSpMkLst>
-        </pc:cxnChg>
-        <pc:cxnChg chg="add mod">
-          <ac:chgData name="Joseph Wonsil" userId="f7a5a8f17f3cf2df" providerId="Windows Live" clId="Web-{67CC9483-2BB2-46C6-A5D4-96425EC9E7F9}" dt="2023-10-19T21:30:16.697" v="277" actId="1076"/>
-          <ac:cxnSpMkLst>
-            <pc:docMk/>
-            <pc:sldMk cId="1645475767" sldId="256"/>
-            <ac:cxnSpMk id="57" creationId="{628A0F19-D5E7-7D1E-564C-97043C929B6F}"/>
-          </ac:cxnSpMkLst>
-        </pc:cxnChg>
-        <pc:cxnChg chg="add mod">
-          <ac:chgData name="Joseph Wonsil" userId="f7a5a8f17f3cf2df" providerId="Windows Live" clId="Web-{67CC9483-2BB2-46C6-A5D4-96425EC9E7F9}" dt="2023-10-19T21:30:57.245" v="290" actId="1076"/>
-          <ac:cxnSpMkLst>
-            <pc:docMk/>
-            <pc:sldMk cId="1645475767" sldId="256"/>
-            <ac:cxnSpMk id="61" creationId="{7909407A-8A6F-0806-AF4F-6285482CA4F0}"/>
-          </ac:cxnSpMkLst>
-        </pc:cxnChg>
-        <pc:cxnChg chg="del mod">
-          <ac:chgData name="Joseph Wonsil" userId="f7a5a8f17f3cf2df" providerId="Windows Live" clId="Web-{67CC9483-2BB2-46C6-A5D4-96425EC9E7F9}" dt="2023-10-19T21:08:59.805" v="82"/>
-          <ac:cxnSpMkLst>
-            <pc:docMk/>
-            <pc:sldMk cId="1645475767" sldId="256"/>
-            <ac:cxnSpMk id="62" creationId="{4467B832-EDA5-D418-B682-ECA109408340}"/>
-          </ac:cxnSpMkLst>
-        </pc:cxnChg>
-        <pc:cxnChg chg="add mod">
-          <ac:chgData name="Joseph Wonsil" userId="f7a5a8f17f3cf2df" providerId="Windows Live" clId="Web-{67CC9483-2BB2-46C6-A5D4-96425EC9E7F9}" dt="2023-10-19T21:31:42.574" v="308" actId="1076"/>
-          <ac:cxnSpMkLst>
-            <pc:docMk/>
-            <pc:sldMk cId="1645475767" sldId="256"/>
-            <ac:cxnSpMk id="66" creationId="{6E9844B3-7B13-601F-2D3D-49D6D0A56CA8}"/>
-          </ac:cxnSpMkLst>
-        </pc:cxnChg>
-        <pc:cxnChg chg="del mod">
-          <ac:chgData name="Joseph Wonsil" userId="f7a5a8f17f3cf2df" providerId="Windows Live" clId="Web-{67CC9483-2BB2-46C6-A5D4-96425EC9E7F9}" dt="2023-10-19T21:01:03.652" v="37"/>
-          <ac:cxnSpMkLst>
-            <pc:docMk/>
-            <pc:sldMk cId="1645475767" sldId="256"/>
-            <ac:cxnSpMk id="69" creationId="{145A7E76-DF91-F32D-9FB1-A172DA075F92}"/>
-          </ac:cxnSpMkLst>
-        </pc:cxnChg>
-        <pc:cxnChg chg="add mod">
-          <ac:chgData name="Joseph Wonsil" userId="f7a5a8f17f3cf2df" providerId="Windows Live" clId="Web-{67CC9483-2BB2-46C6-A5D4-96425EC9E7F9}" dt="2023-10-19T21:32:02.231" v="317" actId="1076"/>
-          <ac:cxnSpMkLst>
-            <pc:docMk/>
-            <pc:sldMk cId="1645475767" sldId="256"/>
-            <ac:cxnSpMk id="70" creationId="{8D6235FA-A6E9-098E-BC22-BFDF18760CEA}"/>
-          </ac:cxnSpMkLst>
-        </pc:cxnChg>
-        <pc:cxnChg chg="del mod">
-          <ac:chgData name="Joseph Wonsil" userId="f7a5a8f17f3cf2df" providerId="Windows Live" clId="Web-{67CC9483-2BB2-46C6-A5D4-96425EC9E7F9}" dt="2023-10-19T21:09:02.399" v="84"/>
-          <ac:cxnSpMkLst>
-            <pc:docMk/>
-            <pc:sldMk cId="1645475767" sldId="256"/>
-            <ac:cxnSpMk id="73" creationId="{71C4DB77-00EC-7C19-199C-316CA4BAC798}"/>
-          </ac:cxnSpMkLst>
-        </pc:cxnChg>
-        <pc:cxnChg chg="del mod">
-          <ac:chgData name="Joseph Wonsil" userId="f7a5a8f17f3cf2df" providerId="Windows Live" clId="Web-{67CC9483-2BB2-46C6-A5D4-96425EC9E7F9}" dt="2023-10-19T21:08:58.961" v="80"/>
-          <ac:cxnSpMkLst>
-            <pc:docMk/>
-            <pc:sldMk cId="1645475767" sldId="256"/>
-            <ac:cxnSpMk id="75" creationId="{FB24C36A-F777-3F4B-7F99-AC0F285C243D}"/>
-          </ac:cxnSpMkLst>
-        </pc:cxnChg>
-        <pc:cxnChg chg="del mod">
-          <ac:chgData name="Joseph Wonsil" userId="f7a5a8f17f3cf2df" providerId="Windows Live" clId="Web-{67CC9483-2BB2-46C6-A5D4-96425EC9E7F9}" dt="2023-10-19T21:09:01.821" v="83"/>
-          <ac:cxnSpMkLst>
-            <pc:docMk/>
-            <pc:sldMk cId="1645475767" sldId="256"/>
-            <ac:cxnSpMk id="77" creationId="{3AC8B372-20BA-0704-66B7-39F62AA3CBF9}"/>
-          </ac:cxnSpMkLst>
-        </pc:cxnChg>
-        <pc:cxnChg chg="add mod">
-          <ac:chgData name="Joseph Wonsil" userId="f7a5a8f17f3cf2df" providerId="Windows Live" clId="Web-{67CC9483-2BB2-46C6-A5D4-96425EC9E7F9}" dt="2023-10-19T21:32:16.091" v="323" actId="1076"/>
-          <ac:cxnSpMkLst>
-            <pc:docMk/>
-            <pc:sldMk cId="1645475767" sldId="256"/>
-            <ac:cxnSpMk id="78" creationId="{5D42EA6E-3BCA-8FCC-9CDE-82CFEA3310D7}"/>
-          </ac:cxnSpMkLst>
-        </pc:cxnChg>
-        <pc:cxnChg chg="add mod">
-          <ac:chgData name="Joseph Wonsil" userId="f7a5a8f17f3cf2df" providerId="Windows Live" clId="Web-{67CC9483-2BB2-46C6-A5D4-96425EC9E7F9}" dt="2023-10-19T21:32:49.170" v="333" actId="1076"/>
-          <ac:cxnSpMkLst>
-            <pc:docMk/>
-            <pc:sldMk cId="1645475767" sldId="256"/>
-            <ac:cxnSpMk id="81" creationId="{1CC86931-6B2A-C173-C79C-EF28BD88E863}"/>
-          </ac:cxnSpMkLst>
-        </pc:cxnChg>
-        <pc:cxnChg chg="add del mod">
-          <ac:chgData name="Joseph Wonsil" userId="f7a5a8f17f3cf2df" providerId="Windows Live" clId="Web-{67CC9483-2BB2-46C6-A5D4-96425EC9E7F9}" dt="2023-10-19T21:44:19.437" v="377"/>
-          <ac:cxnSpMkLst>
-            <pc:docMk/>
-            <pc:sldMk cId="1645475767" sldId="256"/>
-            <ac:cxnSpMk id="85" creationId="{412F9000-A29F-74DA-3164-7B0706303992}"/>
-          </ac:cxnSpMkLst>
-        </pc:cxnChg>
-        <pc:cxnChg chg="del mod">
-          <ac:chgData name="Joseph Wonsil" userId="f7a5a8f17f3cf2df" providerId="Windows Live" clId="Web-{67CC9483-2BB2-46C6-A5D4-96425EC9E7F9}" dt="2023-10-19T21:01:02.699" v="35"/>
-          <ac:cxnSpMkLst>
-            <pc:docMk/>
-            <pc:sldMk cId="1645475767" sldId="256"/>
-            <ac:cxnSpMk id="86" creationId="{EC053AFE-E056-79CC-7911-5BD8825293B3}"/>
-          </ac:cxnSpMkLst>
-        </pc:cxnChg>
-        <pc:cxnChg chg="add del mod">
-          <ac:chgData name="Joseph Wonsil" userId="f7a5a8f17f3cf2df" providerId="Windows Live" clId="Web-{67CC9483-2BB2-46C6-A5D4-96425EC9E7F9}" dt="2023-10-19T21:44:15.844" v="375"/>
-          <ac:cxnSpMkLst>
-            <pc:docMk/>
-            <pc:sldMk cId="1645475767" sldId="256"/>
-            <ac:cxnSpMk id="89" creationId="{B1968033-C345-EF93-BA3F-6D3BF8396D1E}"/>
-          </ac:cxnSpMkLst>
-        </pc:cxnChg>
-        <pc:cxnChg chg="del mod">
-          <ac:chgData name="Joseph Wonsil" userId="f7a5a8f17f3cf2df" providerId="Windows Live" clId="Web-{67CC9483-2BB2-46C6-A5D4-96425EC9E7F9}" dt="2023-10-19T21:00:59.559" v="32"/>
-          <ac:cxnSpMkLst>
-            <pc:docMk/>
-            <pc:sldMk cId="1645475767" sldId="256"/>
-            <ac:cxnSpMk id="92" creationId="{E4EFC397-B69B-7C22-91DF-71E352AAA497}"/>
-          </ac:cxnSpMkLst>
-        </pc:cxnChg>
-        <pc:cxnChg chg="add del mod">
-          <ac:chgData name="Joseph Wonsil" userId="f7a5a8f17f3cf2df" providerId="Windows Live" clId="Web-{67CC9483-2BB2-46C6-A5D4-96425EC9E7F9}" dt="2023-10-19T21:44:15.844" v="373"/>
-          <ac:cxnSpMkLst>
-            <pc:docMk/>
-            <pc:sldMk cId="1645475767" sldId="256"/>
-            <ac:cxnSpMk id="93" creationId="{18574F4C-AD56-0F94-2CD7-D0ACCEDF0B0F}"/>
-          </ac:cxnSpMkLst>
-        </pc:cxnChg>
-        <pc:cxnChg chg="add mod">
-          <ac:chgData name="Joseph Wonsil" userId="f7a5a8f17f3cf2df" providerId="Windows Live" clId="Web-{67CC9483-2BB2-46C6-A5D4-96425EC9E7F9}" dt="2023-10-19T21:44:36.704" v="387"/>
-          <ac:cxnSpMkLst>
-            <pc:docMk/>
-            <pc:sldMk cId="1645475767" sldId="256"/>
-            <ac:cxnSpMk id="95" creationId="{96CA6E5C-47D2-BC60-8014-8E7B8139FF80}"/>
-          </ac:cxnSpMkLst>
-        </pc:cxnChg>
-        <pc:cxnChg chg="add mod">
-          <ac:chgData name="Joseph Wonsil" userId="f7a5a8f17f3cf2df" providerId="Windows Live" clId="Web-{67CC9483-2BB2-46C6-A5D4-96425EC9E7F9}" dt="2023-10-19T21:44:34.297" v="386"/>
-          <ac:cxnSpMkLst>
-            <pc:docMk/>
-            <pc:sldMk cId="1645475767" sldId="256"/>
-            <ac:cxnSpMk id="97" creationId="{F738894B-7224-9B69-C57B-005777ED4B33}"/>
-          </ac:cxnSpMkLst>
-        </pc:cxnChg>
-        <pc:cxnChg chg="add mod">
-          <ac:chgData name="Joseph Wonsil" userId="f7a5a8f17f3cf2df" providerId="Windows Live" clId="Web-{67CC9483-2BB2-46C6-A5D4-96425EC9E7F9}" dt="2023-10-19T21:46:32.253" v="400" actId="14100"/>
-          <ac:cxnSpMkLst>
-            <pc:docMk/>
-            <pc:sldMk cId="1645475767" sldId="256"/>
-            <ac:cxnSpMk id="104" creationId="{26A0F210-C4F5-88DF-31EC-6735813B3918}"/>
-          </ac:cxnSpMkLst>
-        </pc:cxnChg>
-        <pc:cxnChg chg="add del mod">
-          <ac:chgData name="Joseph Wonsil" userId="f7a5a8f17f3cf2df" providerId="Windows Live" clId="Web-{67CC9483-2BB2-46C6-A5D4-96425EC9E7F9}" dt="2023-10-19T21:46:55.035" v="403"/>
-          <ac:cxnSpMkLst>
-            <pc:docMk/>
-            <pc:sldMk cId="1645475767" sldId="256"/>
-            <ac:cxnSpMk id="108" creationId="{1F4A83BD-8C15-DC65-08E3-A7213E817C9A}"/>
-          </ac:cxnSpMkLst>
-        </pc:cxnChg>
-        <pc:cxnChg chg="add mod">
-          <ac:chgData name="Joseph Wonsil" userId="f7a5a8f17f3cf2df" providerId="Windows Live" clId="Web-{67CC9483-2BB2-46C6-A5D4-96425EC9E7F9}" dt="2023-10-19T21:47:59.459" v="423" actId="14100"/>
-          <ac:cxnSpMkLst>
-            <pc:docMk/>
-            <pc:sldMk cId="1645475767" sldId="256"/>
-            <ac:cxnSpMk id="109" creationId="{2B4CA454-BC06-4592-9E98-BC168C363F8A}"/>
-          </ac:cxnSpMkLst>
-        </pc:cxnChg>
-        <pc:cxnChg chg="add mod">
-          <ac:chgData name="Joseph Wonsil" userId="f7a5a8f17f3cf2df" providerId="Windows Live" clId="Web-{67CC9483-2BB2-46C6-A5D4-96425EC9E7F9}" dt="2023-10-19T21:48:37.522" v="429" actId="14100"/>
-          <ac:cxnSpMkLst>
-            <pc:docMk/>
-            <pc:sldMk cId="1645475767" sldId="256"/>
-            <ac:cxnSpMk id="114" creationId="{76390F95-E33D-6839-1C36-35B1D8D37D30}"/>
-          </ac:cxnSpMkLst>
-        </pc:cxnChg>
-        <pc:cxnChg chg="add mod">
-          <ac:chgData name="Joseph Wonsil" userId="f7a5a8f17f3cf2df" providerId="Windows Live" clId="Web-{67CC9483-2BB2-46C6-A5D4-96425EC9E7F9}" dt="2023-10-19T21:49:48.180" v="444" actId="14100"/>
-          <ac:cxnSpMkLst>
-            <pc:docMk/>
-            <pc:sldMk cId="1645475767" sldId="256"/>
-            <ac:cxnSpMk id="116" creationId="{74E32083-D3C5-14DC-C64E-D1B20F58978B}"/>
-          </ac:cxnSpMkLst>
-        </pc:cxnChg>
-        <pc:cxnChg chg="del mod">
-          <ac:chgData name="Joseph Wonsil" userId="f7a5a8f17f3cf2df" providerId="Windows Live" clId="Web-{67CC9483-2BB2-46C6-A5D4-96425EC9E7F9}" dt="2023-10-19T21:08:59.383" v="81"/>
-          <ac:cxnSpMkLst>
-            <pc:docMk/>
-            <pc:sldMk cId="1645475767" sldId="256"/>
-            <ac:cxnSpMk id="140" creationId="{40F6DD3F-D4FB-8B03-9FE5-B051FC5E4D52}"/>
-          </ac:cxnSpMkLst>
-        </pc:cxnChg>
-        <pc:cxnChg chg="del mod">
-          <ac:chgData name="Joseph Wonsil" userId="f7a5a8f17f3cf2df" providerId="Windows Live" clId="Web-{67CC9483-2BB2-46C6-A5D4-96425EC9E7F9}" dt="2023-10-19T21:43:05.514" v="341"/>
-          <ac:cxnSpMkLst>
-            <pc:docMk/>
-            <pc:sldMk cId="1645475767" sldId="256"/>
-            <ac:cxnSpMk id="145" creationId="{0C692CDF-0F7B-0069-67DF-3E6458131FC3}"/>
-          </ac:cxnSpMkLst>
-        </pc:cxnChg>
-        <pc:cxnChg chg="del mod">
-          <ac:chgData name="Joseph Wonsil" userId="f7a5a8f17f3cf2df" providerId="Windows Live" clId="Web-{67CC9483-2BB2-46C6-A5D4-96425EC9E7F9}" dt="2023-10-19T21:09:15.181" v="87"/>
-          <ac:cxnSpMkLst>
-            <pc:docMk/>
-            <pc:sldMk cId="1645475767" sldId="256"/>
-            <ac:cxnSpMk id="245" creationId="{048D4C45-AC60-B9E6-65C9-D9E5D24FCD5A}"/>
-          </ac:cxnSpMkLst>
-        </pc:cxnChg>
-        <pc:cxnChg chg="del mod">
-          <ac:chgData name="Joseph Wonsil" userId="f7a5a8f17f3cf2df" providerId="Windows Live" clId="Web-{67CC9483-2BB2-46C6-A5D4-96425EC9E7F9}" dt="2023-10-19T21:01:01.137" v="33"/>
-          <ac:cxnSpMkLst>
-            <pc:docMk/>
-            <pc:sldMk cId="1645475767" sldId="256"/>
-            <ac:cxnSpMk id="293" creationId="{465BFAD8-046F-A3E1-6259-03C898568E09}"/>
           </ac:cxnSpMkLst>
         </pc:cxnChg>
       </pc:sldChg>
@@ -6290,7 +6290,7 @@
           <a:p>
             <a:fld id="{4DAAF268-B108-415A-8D22-4C329ED559E0}" type="datetimeFigureOut">
               <a:rPr lang="en-US" smtClean="0"/>
-              <a:t>10/24/2023</a:t>
+              <a:t>10/30/23</a:t>
             </a:fld>
             <a:endParaRPr lang="en-US"/>
           </a:p>
@@ -6460,7 +6460,7 @@
           <a:p>
             <a:fld id="{4DAAF268-B108-415A-8D22-4C329ED559E0}" type="datetimeFigureOut">
               <a:rPr lang="en-US" smtClean="0"/>
-              <a:t>10/24/2023</a:t>
+              <a:t>10/30/23</a:t>
             </a:fld>
             <a:endParaRPr lang="en-US"/>
           </a:p>
@@ -6640,7 +6640,7 @@
           <a:p>
             <a:fld id="{4DAAF268-B108-415A-8D22-4C329ED559E0}" type="datetimeFigureOut">
               <a:rPr lang="en-US" smtClean="0"/>
-              <a:t>10/24/2023</a:t>
+              <a:t>10/30/23</a:t>
             </a:fld>
             <a:endParaRPr lang="en-US"/>
           </a:p>
@@ -6810,7 +6810,7 @@
           <a:p>
             <a:fld id="{4DAAF268-B108-415A-8D22-4C329ED559E0}" type="datetimeFigureOut">
               <a:rPr lang="en-US" smtClean="0"/>
-              <a:t>10/24/2023</a:t>
+              <a:t>10/30/23</a:t>
             </a:fld>
             <a:endParaRPr lang="en-US"/>
           </a:p>
@@ -7054,7 +7054,7 @@
           <a:p>
             <a:fld id="{4DAAF268-B108-415A-8D22-4C329ED559E0}" type="datetimeFigureOut">
               <a:rPr lang="en-US" smtClean="0"/>
-              <a:t>10/24/2023</a:t>
+              <a:t>10/30/23</a:t>
             </a:fld>
             <a:endParaRPr lang="en-US"/>
           </a:p>
@@ -7286,7 +7286,7 @@
           <a:p>
             <a:fld id="{4DAAF268-B108-415A-8D22-4C329ED559E0}" type="datetimeFigureOut">
               <a:rPr lang="en-US" smtClean="0"/>
-              <a:t>10/24/2023</a:t>
+              <a:t>10/30/23</a:t>
             </a:fld>
             <a:endParaRPr lang="en-US"/>
           </a:p>
@@ -7653,7 +7653,7 @@
           <a:p>
             <a:fld id="{4DAAF268-B108-415A-8D22-4C329ED559E0}" type="datetimeFigureOut">
               <a:rPr lang="en-US" smtClean="0"/>
-              <a:t>10/24/2023</a:t>
+              <a:t>10/30/23</a:t>
             </a:fld>
             <a:endParaRPr lang="en-US"/>
           </a:p>
@@ -7771,7 +7771,7 @@
           <a:p>
             <a:fld id="{4DAAF268-B108-415A-8D22-4C329ED559E0}" type="datetimeFigureOut">
               <a:rPr lang="en-US" smtClean="0"/>
-              <a:t>10/24/2023</a:t>
+              <a:t>10/30/23</a:t>
             </a:fld>
             <a:endParaRPr lang="en-US"/>
           </a:p>
@@ -7866,7 +7866,7 @@
           <a:p>
             <a:fld id="{4DAAF268-B108-415A-8D22-4C329ED559E0}" type="datetimeFigureOut">
               <a:rPr lang="en-US" smtClean="0"/>
-              <a:t>10/24/2023</a:t>
+              <a:t>10/30/23</a:t>
             </a:fld>
             <a:endParaRPr lang="en-US"/>
           </a:p>
@@ -8143,7 +8143,7 @@
           <a:p>
             <a:fld id="{4DAAF268-B108-415A-8D22-4C329ED559E0}" type="datetimeFigureOut">
               <a:rPr lang="en-US" smtClean="0"/>
-              <a:t>10/24/2023</a:t>
+              <a:t>10/30/23</a:t>
             </a:fld>
             <a:endParaRPr lang="en-US"/>
           </a:p>
@@ -8400,7 +8400,7 @@
           <a:p>
             <a:fld id="{4DAAF268-B108-415A-8D22-4C329ED559E0}" type="datetimeFigureOut">
               <a:rPr lang="en-US" smtClean="0"/>
-              <a:t>10/24/2023</a:t>
+              <a:t>10/30/23</a:t>
             </a:fld>
             <a:endParaRPr lang="en-US"/>
           </a:p>
@@ -8613,7 +8613,7 @@
           <a:p>
             <a:fld id="{4DAAF268-B108-415A-8D22-4C329ED559E0}" type="datetimeFigureOut">
               <a:rPr lang="en-US" smtClean="0"/>
-              <a:t>10/24/2023</a:t>
+              <a:t>10/30/23</a:t>
             </a:fld>
             <a:endParaRPr lang="en-US"/>
           </a:p>
@@ -9032,8 +9032,8 @@
         </p:nvSpPr>
         <p:spPr>
           <a:xfrm>
-            <a:off x="16260193" y="4046042"/>
-            <a:ext cx="9013021" cy="13130909"/>
+            <a:off x="16260193" y="2832160"/>
+            <a:ext cx="9039311" cy="14344791"/>
           </a:xfrm>
           <a:prstGeom prst="rect">
             <a:avLst/>
@@ -9058,378 +9058,377 @@
           <a:lstStyle/>
           <a:p>
             <a:r>
-              <a:rPr lang="en-US" sz="1500" dirty="0"/>
+              <a:rPr lang="en-US" sz="1600" dirty="0"/>
               <a:t>/pr/venv/lib/python3.11/site-packages/numpy/core/_multiarray_umath.cpython-311-x86_64-linux-gnu.so</a:t>
             </a:r>
           </a:p>
           <a:p>
             <a:r>
-              <a:rPr lang="en-US" sz="1500" dirty="0"/>
+              <a:rPr lang="en-US" sz="1600" dirty="0"/>
               <a:t>/home/pr/venv/lib/python3.11/site-packages/numpy.libs/libopenblas64_p-r0-0cf96a72.3.23.dev.so</a:t>
             </a:r>
           </a:p>
           <a:p>
             <a:r>
-              <a:rPr lang="en-US" sz="1500" dirty="0"/>
+              <a:rPr lang="en-US" sz="1600" dirty="0"/>
               <a:t>/home/pr/</a:t>
             </a:r>
             <a:r>
-              <a:rPr lang="en-US" sz="1500" dirty="0" err="1"/>
+              <a:rPr lang="en-US" sz="1600" dirty="0" err="1"/>
               <a:t>venv</a:t>
             </a:r>
             <a:r>
-              <a:rPr lang="en-US" sz="1500" dirty="0"/>
+              <a:rPr lang="en-US" sz="1600" dirty="0"/>
               <a:t>/lib/python3.11/site-packages/</a:t>
             </a:r>
             <a:r>
-              <a:rPr lang="en-US" sz="1500" dirty="0" err="1"/>
+              <a:rPr lang="en-US" sz="1600" dirty="0" err="1"/>
               <a:t>numpy.libs</a:t>
             </a:r>
             <a:r>
-              <a:rPr lang="en-US" sz="1500" dirty="0"/>
+              <a:rPr lang="en-US" sz="1600" dirty="0"/>
               <a:t>/libgfortran-040039e1.so.5.0.0</a:t>
             </a:r>
           </a:p>
           <a:p>
             <a:r>
-              <a:rPr lang="en-US" sz="1500" dirty="0"/>
+              <a:rPr lang="en-US" sz="1600" dirty="0"/>
               <a:t>/home/pr/</a:t>
             </a:r>
             <a:r>
-              <a:rPr lang="en-US" sz="1500" dirty="0" err="1"/>
+              <a:rPr lang="en-US" sz="1600" dirty="0" err="1"/>
               <a:t>venv</a:t>
             </a:r>
             <a:r>
-              <a:rPr lang="en-US" sz="1500" dirty="0"/>
+              <a:rPr lang="en-US" sz="1600" dirty="0"/>
               <a:t>/lib/python3.11/site-packages/</a:t>
             </a:r>
             <a:r>
-              <a:rPr lang="en-US" sz="1500" dirty="0" err="1"/>
+              <a:rPr lang="en-US" sz="1600" dirty="0" err="1"/>
               <a:t>numpy.libs</a:t>
             </a:r>
             <a:r>
-              <a:rPr lang="en-US" sz="1500" dirty="0"/>
+              <a:rPr lang="en-US" sz="1600" dirty="0"/>
               <a:t>/libquadmath-96973f99.so.0.0.0</a:t>
             </a:r>
           </a:p>
           <a:p>
             <a:r>
-              <a:rPr lang="en-US" sz="1500" dirty="0"/>
+              <a:rPr lang="en-US" sz="1600" dirty="0"/>
               <a:t>/pr/venv/lib/python3.11/site-packages/numpy/core/_multiarray_tests.cpython-311-x86_64-linux-gnu.so</a:t>
             </a:r>
           </a:p>
           <a:p>
             <a:r>
-              <a:rPr lang="en-US" sz="1500" dirty="0"/>
+              <a:rPr lang="en-US" sz="1600" dirty="0"/>
               <a:t>/pr/venv/lib/python3.11/site-packages/numpy/linalg/_umath_linalg.cpython-311-x86_64-linux-gnu.so</a:t>
             </a:r>
           </a:p>
           <a:p>
             <a:r>
-              <a:rPr lang="en-US" sz="1500" dirty="0"/>
+              <a:rPr lang="en-US" sz="1600" dirty="0"/>
               <a:t>/pr/venv/lib/python3.11/site-packages/numpy/fft/_pocketfft_internal.cpython-311-x86_64-linux-gnu.so</a:t>
             </a:r>
           </a:p>
           <a:p>
             <a:r>
-              <a:rPr lang="en-US" sz="1500" dirty="0"/>
+              <a:rPr lang="en-US" sz="1600" dirty="0"/>
               <a:t>/pr/venv/lib/python3.11/site-packages/numpy/random/mtrand.cpython-311-x86_64-linux-gnu.so</a:t>
             </a:r>
           </a:p>
           <a:p>
             <a:r>
-              <a:rPr lang="en-US" sz="1500" dirty="0"/>
+              <a:rPr lang="en-US" sz="1600" dirty="0"/>
               <a:t>/pr/venv/lib/python3.11/site-packages/numpy/random/bit_generator.cpython-311-x86_64-linux-gnu.so</a:t>
             </a:r>
           </a:p>
           <a:p>
             <a:r>
-              <a:rPr lang="en-US" sz="1500" dirty="0"/>
+              <a:rPr lang="en-US" sz="1600" dirty="0"/>
               <a:t>/pr/venv/lib/python3.11/site-packages/numpy/random/_common.cpython-311-x86_64-linux-gnu.so</a:t>
             </a:r>
           </a:p>
           <a:p>
             <a:r>
-              <a:rPr lang="en-US" sz="1500" dirty="0"/>
+              <a:rPr lang="en-US" sz="1600" dirty="0"/>
               <a:t>/pr/venv/lib/python3.11/site-packages/numpy/random/_bounded_integers.cpython-311-x86_64-linux-gnu.so</a:t>
             </a:r>
           </a:p>
           <a:p>
             <a:r>
-              <a:rPr lang="en-US" sz="1500" dirty="0"/>
+              <a:rPr lang="en-US" sz="1600" dirty="0"/>
               <a:t>/pr/venv/lib/python3.11/site-packages/numpy/random/_mt19937.cpython-311-x86_64-linux-gnu.so</a:t>
             </a:r>
           </a:p>
           <a:p>
             <a:r>
-              <a:rPr lang="en-US" sz="1500" dirty="0"/>
+              <a:rPr lang="en-US" sz="1600" dirty="0"/>
               <a:t>/pr/venv/lib/python3.11/site-packages/numpy/random/_philox.cpython-311-x86_64-linux-gnu.so</a:t>
             </a:r>
           </a:p>
           <a:p>
             <a:r>
-              <a:rPr lang="en-US" sz="1500" dirty="0"/>
+              <a:rPr lang="en-US" sz="1600" dirty="0"/>
               <a:t>/pr/venv/lib/python3.11/site-packages/numpy/random/_pcg64.cpython-311-x86_64-linux-gnu.so</a:t>
             </a:r>
           </a:p>
           <a:p>
             <a:r>
-              <a:rPr lang="en-US" sz="1500" dirty="0"/>
+              <a:rPr lang="en-US" sz="1600" dirty="0"/>
               <a:t>/pr/venv/lib/python3.11/site-packages/numpy/random/_sfc64.cpython-311-x86_64-linux-gnu.so</a:t>
             </a:r>
           </a:p>
           <a:p>
             <a:r>
-              <a:rPr lang="en-US" sz="1500" dirty="0"/>
+              <a:rPr lang="en-US" sz="1600" dirty="0"/>
               <a:t>/pr/venv/lib/python3.11/site-packages/numpy/random/_generator.cpython-311-x86_64-linux-gnu.so</a:t>
             </a:r>
           </a:p>
           <a:p>
             <a:r>
-              <a:rPr lang="en-US" sz="1500" dirty="0"/>
+              <a:rPr lang="en-US" sz="1600" dirty="0"/>
               <a:t>/pr/venv/lib/python3.11/site-packages/pandas/_libs/pandas_parser.cpython-311-x86_64-linux-gnu.so</a:t>
             </a:r>
           </a:p>
           <a:p>
             <a:r>
-              <a:rPr lang="en-US" sz="1500" dirty="0"/>
+              <a:rPr lang="en-US" sz="1600" dirty="0"/>
               <a:t>/pr/venv/lib/python3.11/site-packages/pandas/_libs/pandas_datetime.cpython-311-x86_64-linux-gnu.so</a:t>
             </a:r>
           </a:p>
           <a:p>
             <a:r>
-              <a:rPr lang="en-US" sz="1500" dirty="0"/>
+              <a:rPr lang="en-US" sz="1600" dirty="0"/>
               <a:t>/pr/venv/lib/python3.11/site-packages/pandas/_libs/interval.cpython-311-x86_64-linux-gnu.so</a:t>
             </a:r>
           </a:p>
           <a:p>
             <a:r>
-              <a:rPr lang="en-US" sz="1500" dirty="0"/>
+              <a:rPr lang="en-US" sz="1600" dirty="0"/>
               <a:t>/pr/venv/lib/python3.11/site-packages/pandas/_libs/hashtable.cpython-311-x86_64-linux-gnu.so</a:t>
             </a:r>
           </a:p>
           <a:p>
             <a:r>
-              <a:rPr lang="en-US" sz="1500" dirty="0"/>
+              <a:rPr lang="en-US" sz="1600" dirty="0"/>
               <a:t>/pr/venv/lib/python3.11/site-packages/pandas/_libs/missing.cpython-311-x86_64-linux-gnu.so</a:t>
             </a:r>
           </a:p>
           <a:p>
             <a:r>
-              <a:rPr lang="en-US" sz="1500" dirty="0"/>
+              <a:rPr lang="en-US" sz="1600" dirty="0"/>
               <a:t>/venv/lib/python3.11/site-packages/pandas/_libs/tslibs/dtypes.cpython-311-x86_64-linux-gnu.so</a:t>
             </a:r>
           </a:p>
           <a:p>
             <a:r>
-              <a:rPr lang="en-US" sz="1500" dirty="0"/>
+              <a:rPr lang="en-US" sz="1600" dirty="0"/>
               <a:t>/venv/lib/python3.11/site-packages/pandas/_libs/tslibs/np_datetime.cpython-311-x86_64-linux-gnu.so</a:t>
             </a:r>
           </a:p>
           <a:p>
             <a:r>
-              <a:rPr lang="en-US" sz="1500" dirty="0"/>
+              <a:rPr lang="en-US" sz="1600" dirty="0"/>
               <a:t>/venv/lib/python3.11/site-packages/pandas/_libs/tslibs/conversion.cpython-311-x86_64-linux-gnu.so</a:t>
             </a:r>
           </a:p>
           <a:p>
             <a:r>
-              <a:rPr lang="en-US" sz="1500" dirty="0"/>
+              <a:rPr lang="en-US" sz="1600" dirty="0"/>
               <a:t>/venv/lib/python3.11/site-packages/pandas/_libs/tslibs/base.cpython-311-x86_64-linux-gnu.so</a:t>
             </a:r>
           </a:p>
           <a:p>
             <a:r>
-              <a:rPr lang="en-US" sz="1500" dirty="0"/>
+              <a:rPr lang="en-US" sz="1600" dirty="0"/>
               <a:t>/venv/lib/python3.11/site-packages/pandas/_libs/tslibs/offsets.cpython-311-x86_64-linux-gnu.so</a:t>
             </a:r>
           </a:p>
           <a:p>
             <a:r>
-              <a:rPr lang="en-US" sz="1500" dirty="0"/>
+              <a:rPr lang="en-US" sz="1600" dirty="0"/>
               <a:t>/venv/lib/python3.11/site-packages/pandas/_libs/tslibs/timestamps.cpython-311-x86_64-linux-gnu.so</a:t>
             </a:r>
           </a:p>
           <a:p>
             <a:r>
-              <a:rPr lang="en-US" sz="1500" dirty="0"/>
+              <a:rPr lang="en-US" sz="1600" dirty="0"/>
               <a:t>/venv/lib/python3.11/site-packages/pandas/_libs/tslibs/nattype.cpython-311-x86_64-linux-gnu.so</a:t>
             </a:r>
           </a:p>
           <a:p>
             <a:r>
-              <a:rPr lang="en-US" sz="1500" dirty="0"/>
+              <a:rPr lang="en-US" sz="1600" dirty="0"/>
               <a:t>/venv/lib/python3.11/site-packages/pandas/_libs/tslibs/timedeltas.cpython-311-x86_64-linux-gnu.so</a:t>
             </a:r>
           </a:p>
           <a:p>
             <a:r>
-              <a:rPr lang="en-US" sz="1500" dirty="0"/>
+              <a:rPr lang="en-US" sz="1600" dirty="0"/>
               <a:t>/venv/lib/python3.11/site-packages/pandas/_libs/tslibs/timezones.cpython-311-x86_64-linux-gnu.so</a:t>
             </a:r>
           </a:p>
           <a:p>
             <a:r>
-              <a:rPr lang="en-US" sz="1500" dirty="0"/>
+              <a:rPr lang="en-US" sz="1600" dirty="0"/>
               <a:t>/venv/lib/python3.11/site-packages/pandas/_libs/tslibs/fields.cpython-311-x86_64-linux-gnu.so</a:t>
             </a:r>
           </a:p>
           <a:p>
             <a:r>
-              <a:rPr lang="en-US" sz="1500" dirty="0"/>
+              <a:rPr lang="en-US" sz="1600" dirty="0"/>
               <a:t>/venv/lib/python3.11/site-packages/pandas/_libs/tslibs/ccalendar.cpython-311-x86_64-linux-gnu.so</a:t>
             </a:r>
           </a:p>
           <a:p>
             <a:r>
-              <a:rPr lang="en-US" sz="1500" dirty="0"/>
+              <a:rPr lang="en-US" sz="1600" dirty="0"/>
               <a:t>/venv/lib/python3.11/site-packages/pandas/_libs/tslibs/tzconversion.cpython-311-x86_64-linux-gnu.so</a:t>
             </a:r>
           </a:p>
           <a:p>
             <a:r>
-              <a:rPr lang="en-US" sz="1500" dirty="0"/>
+              <a:rPr lang="en-US" sz="1600" dirty="0"/>
               <a:t>/pr/venv/lib/python3.11/site-packages/pandas/_libs/properties.cpython-311-x86_64-linux-gnu.so</a:t>
             </a:r>
           </a:p>
           <a:p>
             <a:r>
-              <a:rPr lang="en-US" sz="1500" dirty="0"/>
+              <a:rPr lang="en-US" sz="1600" dirty="0"/>
               <a:t>/venv/lib/python3.11/site-packages/pandas/_libs/tslibs/parsing.cpython-311-x86_64-linux-gnu.so</a:t>
             </a:r>
           </a:p>
           <a:p>
             <a:r>
-              <a:rPr lang="en-US" sz="1500" dirty="0"/>
+              <a:rPr lang="en-US" sz="1600" dirty="0"/>
               <a:t>/venv/lib/python3.11/site-packages/pandas/_libs/tslibs/strptime.cpython-311-x86_64-linux-gnu.so</a:t>
             </a:r>
           </a:p>
           <a:p>
             <a:r>
-              <a:rPr lang="en-US" sz="1500" dirty="0"/>
+              <a:rPr lang="en-US" sz="1600" dirty="0"/>
               <a:t>/venv/lib/python3.11/site-packages/pandas/_libs/tslibs/period.cpython-311-x86_64-linux-gnu.so</a:t>
             </a:r>
           </a:p>
           <a:p>
             <a:r>
-              <a:rPr lang="en-US" sz="1500" dirty="0"/>
+              <a:rPr lang="en-US" sz="1600" dirty="0"/>
               <a:t>/venv/lib/python3.11/site-packages/pandas/_libs/tslibs/vectorized.cpython-311-x86_64-linux-gnu.so</a:t>
             </a:r>
           </a:p>
           <a:p>
             <a:r>
-              <a:rPr lang="en-US" sz="1500" dirty="0"/>
+              <a:rPr lang="en-US" sz="1600" dirty="0"/>
               <a:t>/pr/venv/lib/python3.11/site-packages/pandas/_libs/ops_dispatch.cpython-311-x86_64-linux-gnu.so</a:t>
             </a:r>
           </a:p>
           <a:p>
             <a:r>
-              <a:rPr lang="en-US" sz="1500" dirty="0"/>
+              <a:rPr lang="en-US" sz="1600" dirty="0"/>
               <a:t>/pr/venv/lib/python3.11/site-packages/pandas/_libs/algos.cpython-311-x86_64-linux-gnu.so</a:t>
             </a:r>
           </a:p>
           <a:p>
             <a:r>
-              <a:rPr lang="en-US" sz="1500" dirty="0"/>
+              <a:rPr lang="en-US" sz="1600" dirty="0"/>
               <a:t>/pr/venv/lib/python3.11/site-packages/pandas/_libs/lib.cpython-311-x86_64-linux-gnu.so</a:t>
             </a:r>
           </a:p>
           <a:p>
             <a:r>
-              <a:rPr lang="en-US" sz="1500" dirty="0"/>
+              <a:rPr lang="en-US" sz="1600" dirty="0"/>
               <a:t>/pr/venv/lib/python3.11/site-packages/pandas/_libs/ops.cpython-311-x86_64-linux-gnu.so</a:t>
             </a:r>
           </a:p>
           <a:p>
             <a:r>
-              <a:rPr lang="en-US" sz="1500" dirty="0"/>
+              <a:rPr lang="en-US" sz="1600" dirty="0"/>
               <a:t>/pr/venv/lib/python3.11/site-packages/pandas/_libs/arrays.cpython-311-x86_64-linux-gnu.so</a:t>
             </a:r>
           </a:p>
           <a:p>
             <a:r>
-              <a:rPr lang="en-US" sz="1500" dirty="0"/>
+              <a:rPr lang="en-US" sz="1600" dirty="0"/>
               <a:t>/pr/venv/lib/python3.11/site-packages/pandas/_libs/tslib.cpython-311-x86_64-linux-gnu.so</a:t>
             </a:r>
           </a:p>
           <a:p>
             <a:r>
-              <a:rPr lang="en-US" sz="1500" dirty="0"/>
+              <a:rPr lang="en-US" sz="1600" dirty="0"/>
               <a:t>/pr/venv/lib/python3.11/site-packages/pandas/_libs/sparse.cpython-311-x86_64-linux-gnu.so</a:t>
             </a:r>
           </a:p>
           <a:p>
             <a:r>
-              <a:rPr lang="en-US" sz="1500" dirty="0"/>
+              <a:rPr lang="en-US" sz="1600" dirty="0"/>
               <a:t>/pr/venv/lib/python3.11/site-packages/pandas/_libs/indexing.cpython-311-x86_64-linux-gnu.so</a:t>
             </a:r>
           </a:p>
           <a:p>
             <a:r>
-              <a:rPr lang="en-US" sz="1500" dirty="0"/>
+              <a:rPr lang="en-US" sz="1600" dirty="0"/>
               <a:t>/pr/venv/lib/python3.11/site-packages/pandas/_libs/index.cpython-311-x86_64-linux-gnu.so</a:t>
             </a:r>
           </a:p>
           <a:p>
             <a:r>
-              <a:rPr lang="en-US" sz="1500" dirty="0"/>
+              <a:rPr lang="en-US" sz="1600" dirty="0"/>
               <a:t>/pr/venv/lib/python3.11/site-packages/pandas/_libs/internals.cpython-311-x86_64-linux-gnu.so</a:t>
             </a:r>
           </a:p>
           <a:p>
             <a:r>
-              <a:rPr lang="en-US" sz="1500" dirty="0"/>
+              <a:rPr lang="en-US" sz="1600" dirty="0"/>
               <a:t>/pr/venv/lib/python3.11/site-packages/pandas/_libs/join.cpython-311-x86_64-linux-gnu.so</a:t>
             </a:r>
           </a:p>
           <a:p>
             <a:r>
-              <a:rPr lang="en-US" sz="1500" dirty="0"/>
+              <a:rPr lang="en-US" sz="1600" dirty="0"/>
               <a:t>/pr/venv/lib/python3.11/site-packages/pandas/_libs/writers.cpython-311-x86_64-linux-gnu.so</a:t>
             </a:r>
           </a:p>
           <a:p>
             <a:r>
-              <a:rPr lang="en-US" sz="1500" dirty="0"/>
+              <a:rPr lang="en-US" sz="1600" dirty="0"/>
               <a:t>/venv/lib/python3.11/site-packages/pandas/_libs/window/aggregations.cpython-311-x86_64-linux-gnu.so</a:t>
             </a:r>
           </a:p>
           <a:p>
             <a:r>
-              <a:rPr lang="en-US" sz="1500" dirty="0"/>
+              <a:rPr lang="en-US" sz="1600" dirty="0"/>
               <a:t>/venv/lib/python3.11/site-packages/pandas/_libs/window/indexers.cpython-311-x86_64-linux-gnu.so</a:t>
             </a:r>
           </a:p>
           <a:p>
             <a:r>
-              <a:rPr lang="en-US" sz="1500" dirty="0"/>
+              <a:rPr lang="en-US" sz="1600" dirty="0"/>
               <a:t>/pr/venv/lib/python3.11/site-packages/pandas/_libs/reshape.cpython-311-x86_64-linux-gnu.so</a:t>
             </a:r>
           </a:p>
           <a:p>
             <a:r>
-              <a:rPr lang="en-US" sz="1500" dirty="0"/>
+              <a:rPr lang="en-US" sz="1600" dirty="0"/>
               <a:t>/pr/venv/lib/python3.11/site-packages/pandas/_libs/groupby.cpython-311-x86_64-linux-gnu.so</a:t>
             </a:r>
           </a:p>
           <a:p>
             <a:r>
-              <a:rPr lang="en-US" sz="1500" dirty="0"/>
+              <a:rPr lang="en-US" sz="1600" dirty="0"/>
               <a:t>/pr/venv/lib/python3.11/site-packages/pandas/_libs/json.cpython-311-x86_64-linux-gnu.so</a:t>
             </a:r>
           </a:p>
           <a:p>
             <a:r>
-              <a:rPr lang="en-US" sz="1500" dirty="0"/>
+              <a:rPr lang="en-US" sz="1600" dirty="0"/>
               <a:t>/pr/venv/lib/python3.11/site-packages/pandas/_libs/parsers.cpython-311-x86_64-linux-gnu.so</a:t>
             </a:r>
           </a:p>
           <a:p>
             <a:r>
-              <a:rPr lang="en-US" sz="1500" dirty="0"/>
+              <a:rPr lang="en-US" sz="1600" dirty="0"/>
               <a:t>/pr/venv/lib/python3.11/site-packages/pandas/_libs/testing.cpython-311-x86_64-linux-gnu.so</a:t>
             </a:r>
-            <a:endParaRPr lang="en-US" sz="2250" dirty="0"/>
           </a:p>
         </p:txBody>
       </p:sp>
@@ -9478,32 +9477,32 @@
           <a:p>
             <a:pPr algn="ctr"/>
             <a:r>
-              <a:rPr lang="en-US" sz="1500" dirty="0"/>
+              <a:rPr lang="en-US" sz="1600" dirty="0"/>
               <a:t>process </a:t>
             </a:r>
             <a:r>
-              <a:rPr lang="en-US" sz="1500" dirty="0" err="1"/>
+              <a:rPr lang="en-US" sz="1600" dirty="0" err="1"/>
               <a:t>pid</a:t>
             </a:r>
             <a:r>
-              <a:rPr lang="en-US" sz="1500" dirty="0"/>
+              <a:rPr lang="en-US" sz="1600" dirty="0"/>
               <a:t>: </a:t>
             </a:r>
           </a:p>
           <a:p>
             <a:pPr algn="ctr"/>
             <a:r>
-              <a:rPr lang="en-US" sz="1500" dirty="0"/>
+              <a:rPr lang="en-US" sz="1600" dirty="0"/>
               <a:t>143829</a:t>
             </a:r>
-            <a:endParaRPr lang="en-US" sz="1500" dirty="0">
+            <a:endParaRPr lang="en-US" sz="1600" dirty="0">
               <a:ea typeface="Calibri"/>
               <a:cs typeface="Calibri"/>
             </a:endParaRPr>
           </a:p>
           <a:p>
             <a:pPr algn="ctr"/>
-            <a:endParaRPr lang="en-US" sz="1500" dirty="0">
+            <a:endParaRPr lang="en-US" sz="1600" dirty="0">
               <a:ea typeface="Calibri"/>
               <a:cs typeface="Calibri"/>
             </a:endParaRPr>
@@ -9525,7 +9524,7 @@
         <p:spPr>
           <a:xfrm>
             <a:off x="2050891" y="1053092"/>
-            <a:ext cx="1593271" cy="323165"/>
+            <a:ext cx="1593271" cy="338554"/>
           </a:xfrm>
           <a:prstGeom prst="rect">
             <a:avLst/>
@@ -9540,7 +9539,7 @@
           <a:p>
             <a:pPr algn="ctr"/>
             <a:r>
-              <a:rPr lang="en-US" sz="1500" dirty="0"/>
+              <a:rPr lang="en-US" sz="1600" dirty="0"/>
               <a:t>load</a:t>
             </a:r>
           </a:p>
@@ -9634,15 +9633,15 @@
           <a:p>
             <a:pPr algn="ctr"/>
             <a:r>
-              <a:rPr lang="en-US" sz="1500" dirty="0"/>
+              <a:rPr lang="en-US" sz="1600" dirty="0"/>
               <a:t>process </a:t>
             </a:r>
             <a:r>
-              <a:rPr lang="en-US" sz="1500" dirty="0" err="1"/>
+              <a:rPr lang="en-US" sz="1600" dirty="0" err="1"/>
               <a:t>pid</a:t>
             </a:r>
             <a:r>
-              <a:rPr lang="en-US" sz="1500" dirty="0"/>
+              <a:rPr lang="en-US" sz="1600" dirty="0"/>
               <a:t>: 143841</a:t>
             </a:r>
           </a:p>
@@ -9690,15 +9689,15 @@
           <a:p>
             <a:pPr algn="ctr"/>
             <a:r>
-              <a:rPr lang="en-US" sz="1500" dirty="0"/>
+              <a:rPr lang="en-US" sz="1600" dirty="0"/>
               <a:t>process </a:t>
             </a:r>
             <a:r>
-              <a:rPr lang="en-US" sz="1500" dirty="0" err="1"/>
+              <a:rPr lang="en-US" sz="1600" dirty="0" err="1"/>
               <a:t>pid</a:t>
             </a:r>
             <a:r>
-              <a:rPr lang="en-US" sz="1500" dirty="0"/>
+              <a:rPr lang="en-US" sz="1600" dirty="0"/>
               <a:t>: 143830</a:t>
             </a:r>
           </a:p>
@@ -9748,7 +9747,7 @@
           <a:lstStyle/>
           <a:p>
             <a:pPr algn="ctr"/>
-            <a:endParaRPr lang="en-US" sz="1500" dirty="0"/>
+            <a:endParaRPr lang="en-US" sz="1600" dirty="0"/>
           </a:p>
         </p:txBody>
       </p:sp>
@@ -9796,7 +9795,7 @@
           <a:lstStyle/>
           <a:p>
             <a:pPr algn="ctr"/>
-            <a:endParaRPr lang="en-US" sz="1500" dirty="0"/>
+            <a:endParaRPr lang="en-US" sz="1600" dirty="0"/>
           </a:p>
         </p:txBody>
       </p:sp>
@@ -9844,7 +9843,7 @@
           <a:lstStyle/>
           <a:p>
             <a:pPr algn="ctr"/>
-            <a:endParaRPr lang="en-US" sz="1500" dirty="0"/>
+            <a:endParaRPr lang="en-US" sz="1600" dirty="0"/>
           </a:p>
         </p:txBody>
       </p:sp>
@@ -9892,7 +9891,7 @@
           <a:lstStyle/>
           <a:p>
             <a:pPr algn="ctr"/>
-            <a:endParaRPr lang="en-US" sz="1500" dirty="0"/>
+            <a:endParaRPr lang="en-US" sz="1600" dirty="0"/>
           </a:p>
         </p:txBody>
       </p:sp>
@@ -9940,7 +9939,7 @@
           <a:lstStyle/>
           <a:p>
             <a:pPr algn="ctr"/>
-            <a:endParaRPr lang="en-US" sz="1500" dirty="0"/>
+            <a:endParaRPr lang="en-US" sz="1600" dirty="0"/>
           </a:p>
         </p:txBody>
       </p:sp>
@@ -9958,8 +9957,8 @@
         </p:nvSpPr>
         <p:spPr>
           <a:xfrm>
-            <a:off x="12327760" y="1227566"/>
-            <a:ext cx="2254094" cy="696431"/>
+            <a:off x="12327759" y="1089632"/>
+            <a:ext cx="2523137" cy="834365"/>
           </a:xfrm>
           <a:prstGeom prst="rect">
             <a:avLst/>
@@ -9985,18 +9984,17 @@
           <a:p>
             <a:pPr algn="ctr"/>
             <a:r>
-              <a:rPr lang="en-US" sz="1500" dirty="0"/>
+              <a:rPr lang="en-US" sz="1600" dirty="0"/>
               <a:t>/root/</a:t>
             </a:r>
             <a:r>
-              <a:rPr lang="en-US" sz="1500" dirty="0" err="1"/>
+              <a:rPr lang="en-US" sz="1600" dirty="0" err="1"/>
               <a:t>usr</a:t>
             </a:r>
             <a:r>
-              <a:rPr lang="en-US" sz="1500" dirty="0"/>
+              <a:rPr lang="en-US" sz="1600" dirty="0"/>
               <a:t>/bin/python3.11</a:t>
             </a:r>
-            <a:endParaRPr lang="en-US" sz="2250" dirty="0"/>
           </a:p>
         </p:txBody>
       </p:sp>
@@ -10044,7 +10042,7 @@
           <a:lstStyle/>
           <a:p>
             <a:pPr algn="ctr"/>
-            <a:endParaRPr lang="en-US" sz="1500" dirty="0"/>
+            <a:endParaRPr lang="en-US" sz="1600" dirty="0"/>
           </a:p>
         </p:txBody>
       </p:sp>
@@ -10092,7 +10090,7 @@
           <a:lstStyle/>
           <a:p>
             <a:pPr algn="ctr"/>
-            <a:endParaRPr lang="en-US" sz="1500" dirty="0"/>
+            <a:endParaRPr lang="en-US" sz="1600" dirty="0"/>
           </a:p>
         </p:txBody>
       </p:sp>
@@ -10140,7 +10138,7 @@
           <a:lstStyle/>
           <a:p>
             <a:pPr algn="ctr"/>
-            <a:endParaRPr lang="en-US" sz="1500" dirty="0"/>
+            <a:endParaRPr lang="en-US" sz="1600" dirty="0"/>
           </a:p>
         </p:txBody>
       </p:sp>
@@ -10188,7 +10186,7 @@
           <a:lstStyle/>
           <a:p>
             <a:pPr algn="ctr"/>
-            <a:endParaRPr lang="en-US" sz="1500" dirty="0"/>
+            <a:endParaRPr lang="en-US" sz="1600" dirty="0"/>
           </a:p>
         </p:txBody>
       </p:sp>
@@ -10207,7 +10205,7 @@
         <p:spPr>
           <a:xfrm>
             <a:off x="2045310" y="1580217"/>
-            <a:ext cx="1593271" cy="323165"/>
+            <a:ext cx="1593271" cy="338554"/>
           </a:xfrm>
           <a:prstGeom prst="rect">
             <a:avLst/>
@@ -10222,7 +10220,7 @@
           <a:p>
             <a:pPr algn="ctr"/>
             <a:r>
-              <a:rPr lang="en-US" sz="1500" dirty="0"/>
+              <a:rPr lang="en-US" sz="1600" dirty="0"/>
               <a:t>load</a:t>
             </a:r>
           </a:p>
@@ -10288,7 +10286,7 @@
         <p:spPr>
           <a:xfrm>
             <a:off x="2385285" y="2474484"/>
-            <a:ext cx="907736" cy="323165"/>
+            <a:ext cx="907736" cy="338554"/>
           </a:xfrm>
           <a:prstGeom prst="rect">
             <a:avLst/>
@@ -10303,7 +10301,7 @@
           <a:p>
             <a:pPr algn="ctr"/>
             <a:r>
-              <a:rPr lang="en-US" sz="1500" dirty="0"/>
+              <a:rPr lang="en-US" sz="1600" dirty="0"/>
               <a:t>read</a:t>
             </a:r>
           </a:p>
@@ -10323,8 +10321,8 @@
         </p:nvSpPr>
         <p:spPr>
           <a:xfrm>
-            <a:off x="12339170" y="2650646"/>
-            <a:ext cx="2154006" cy="381928"/>
+            <a:off x="12339169" y="2650646"/>
+            <a:ext cx="3096073" cy="366405"/>
           </a:xfrm>
           <a:prstGeom prst="rect">
             <a:avLst/>
@@ -10350,10 +10348,9 @@
           <a:p>
             <a:pPr algn="ctr"/>
             <a:r>
-              <a:rPr lang="en-US" sz="1500" dirty="0"/>
+              <a:rPr lang="en-US" sz="1600" dirty="0"/>
               <a:t>/home/pr/exp3/data.csv</a:t>
             </a:r>
-            <a:endParaRPr lang="en-US" sz="2250" dirty="0"/>
           </a:p>
         </p:txBody>
       </p:sp>
@@ -10375,8 +10372,8 @@
         </p:nvCxnSpPr>
         <p:spPr>
           <a:xfrm>
-            <a:off x="2232019" y="2832160"/>
-            <a:ext cx="10107148" cy="9453"/>
+            <a:off x="2232021" y="2832162"/>
+            <a:ext cx="10107148" cy="1687"/>
           </a:xfrm>
           <a:prstGeom prst="straightConnector1">
             <a:avLst/>
@@ -10415,7 +10412,7 @@
         <p:spPr>
           <a:xfrm>
             <a:off x="12335609" y="3294750"/>
-            <a:ext cx="2703501" cy="681455"/>
+            <a:ext cx="3096073" cy="681455"/>
           </a:xfrm>
           <a:prstGeom prst="rect">
             <a:avLst/>
@@ -10441,10 +10438,9 @@
           <a:p>
             <a:pPr algn="ctr"/>
             <a:r>
-              <a:rPr lang="en-US" sz="1500" dirty="0"/>
+              <a:rPr lang="en-US" sz="1600" dirty="0"/>
               <a:t>/home/pr/exp3/temp_data.csv</a:t>
             </a:r>
-            <a:endParaRPr lang="en-US" sz="2250" dirty="0"/>
           </a:p>
         </p:txBody>
       </p:sp>
@@ -10506,7 +10502,7 @@
         <p:spPr>
           <a:xfrm>
             <a:off x="2384327" y="3118591"/>
-            <a:ext cx="907736" cy="346249"/>
+            <a:ext cx="907736" cy="361637"/>
           </a:xfrm>
           <a:prstGeom prst="rect">
             <a:avLst/>
@@ -10521,7 +10517,7 @@
           <a:p>
             <a:pPr algn="ctr"/>
             <a:r>
-              <a:rPr lang="en-US" sz="1500" dirty="0"/>
+              <a:rPr lang="en-US" sz="1600" dirty="0"/>
               <a:t>write</a:t>
             </a:r>
           </a:p>
@@ -10541,8 +10537,8 @@
         </p:nvSpPr>
         <p:spPr>
           <a:xfrm>
-            <a:off x="1150699" y="4867042"/>
-            <a:ext cx="4167386" cy="449671"/>
+            <a:off x="1150698" y="4878942"/>
+            <a:ext cx="4418827" cy="437771"/>
           </a:xfrm>
           <a:prstGeom prst="rect">
             <a:avLst/>
@@ -10569,7 +10565,7 @@
           <a:p>
             <a:pPr algn="ctr"/>
             <a:r>
-              <a:rPr lang="en-US" sz="1500" dirty="0">
+              <a:rPr lang="en-US" sz="1600" dirty="0">
                 <a:solidFill>
                   <a:srgbClr val="000000"/>
                 </a:solidFill>
@@ -10579,7 +10575,7 @@
               <a:t>/home/pr/test/</a:t>
             </a:r>
             <a:r>
-              <a:rPr lang="en-US" sz="1500" dirty="0" err="1">
+              <a:rPr lang="en-US" sz="1600" dirty="0" err="1">
                 <a:solidFill>
                   <a:srgbClr val="000000"/>
                 </a:solidFill>
@@ -10589,7 +10585,7 @@
               <a:t>venv</a:t>
             </a:r>
             <a:r>
-              <a:rPr lang="en-US" sz="1500" dirty="0">
+              <a:rPr lang="en-US" sz="1600" dirty="0">
                 <a:solidFill>
                   <a:srgbClr val="000000"/>
                 </a:solidFill>
@@ -10599,10 +10595,10 @@
               <a:t>/bin/python3 </a:t>
             </a:r>
             <a:r>
-              <a:rPr lang="en-US" sz="1500" dirty="0"/>
+              <a:rPr lang="en-US" sz="1600" dirty="0"/>
               <a:t>train_model.py</a:t>
             </a:r>
-            <a:endParaRPr lang="en-US" sz="1500" dirty="0">
+            <a:endParaRPr lang="en-US" sz="1600" dirty="0">
               <a:ea typeface="Calibri"/>
               <a:cs typeface="Calibri"/>
             </a:endParaRPr>
@@ -10620,19 +10616,19 @@
           </p:cNvPr>
           <p:cNvCxnSpPr>
             <a:cxnSpLocks/>
-            <a:stCxn id="218" idx="1"/>
+            <a:stCxn id="23" idx="1"/>
             <a:endCxn id="108" idx="3"/>
           </p:cNvCxnSpPr>
           <p:nvPr/>
         </p:nvCxnSpPr>
         <p:spPr>
           <a:xfrm rot="10800000" flipV="1">
-            <a:off x="2247547" y="1575780"/>
-            <a:ext cx="10080216" cy="4038910"/>
+            <a:off x="2247543" y="1583333"/>
+            <a:ext cx="10090456" cy="4031359"/>
           </a:xfrm>
           <a:prstGeom prst="bentConnector3">
             <a:avLst>
-              <a:gd name="adj1" fmla="val 41361"/>
+              <a:gd name="adj1" fmla="val 50000"/>
             </a:avLst>
           </a:prstGeom>
           <a:ln w="19050">
@@ -10673,7 +10669,7 @@
         <p:spPr>
           <a:xfrm>
             <a:off x="2050019" y="5290426"/>
-            <a:ext cx="1593271" cy="323165"/>
+            <a:ext cx="1593271" cy="338554"/>
           </a:xfrm>
           <a:prstGeom prst="rect">
             <a:avLst/>
@@ -10688,7 +10684,7 @@
           <a:p>
             <a:pPr algn="ctr"/>
             <a:r>
-              <a:rPr lang="en-US" sz="1500" dirty="0"/>
+              <a:rPr lang="en-US" sz="1600" dirty="0"/>
               <a:t>load</a:t>
             </a:r>
           </a:p>
@@ -10708,8 +10704,8 @@
         </p:nvSpPr>
         <p:spPr>
           <a:xfrm>
-            <a:off x="12335616" y="2081344"/>
-            <a:ext cx="2703501" cy="381928"/>
+            <a:off x="12335616" y="2081343"/>
+            <a:ext cx="3430857" cy="443239"/>
           </a:xfrm>
           <a:prstGeom prst="rect">
             <a:avLst/>
@@ -10735,10 +10731,9 @@
           <a:p>
             <a:pPr algn="ctr"/>
             <a:r>
-              <a:rPr lang="en-US" sz="1500" dirty="0"/>
+              <a:rPr lang="en-US" sz="1600" dirty="0"/>
               <a:t>/home/pr/exp3/preprocess.py</a:t>
             </a:r>
-            <a:endParaRPr lang="en-US" sz="2250" dirty="0"/>
           </a:p>
         </p:txBody>
       </p:sp>
@@ -10760,8 +10755,8 @@
         </p:nvCxnSpPr>
         <p:spPr>
           <a:xfrm flipV="1">
-            <a:off x="2225806" y="2272308"/>
-            <a:ext cx="10109809" cy="30730"/>
+            <a:off x="2225801" y="2302963"/>
+            <a:ext cx="10109815" cy="81"/>
           </a:xfrm>
           <a:prstGeom prst="straightConnector1">
             <a:avLst/>
@@ -10800,7 +10795,7 @@
         <p:spPr>
           <a:xfrm>
             <a:off x="2384327" y="1935144"/>
-            <a:ext cx="907736" cy="323165"/>
+            <a:ext cx="907736" cy="338554"/>
           </a:xfrm>
           <a:prstGeom prst="rect">
             <a:avLst/>
@@ -10815,7 +10810,7 @@
           <a:p>
             <a:pPr algn="ctr"/>
             <a:r>
-              <a:rPr lang="en-US" sz="1500" dirty="0"/>
+              <a:rPr lang="en-US" sz="1600" dirty="0"/>
               <a:t>read</a:t>
             </a:r>
           </a:p>
@@ -10835,8 +10830,8 @@
         </p:nvSpPr>
         <p:spPr>
           <a:xfrm>
-            <a:off x="12377000" y="5781441"/>
-            <a:ext cx="2748575" cy="381928"/>
+            <a:off x="12377000" y="5764276"/>
+            <a:ext cx="3054682" cy="399093"/>
           </a:xfrm>
           <a:prstGeom prst="rect">
             <a:avLst/>
@@ -10862,10 +10857,9 @@
           <a:p>
             <a:pPr algn="ctr"/>
             <a:r>
-              <a:rPr lang="en-US" sz="1500" dirty="0"/>
+              <a:rPr lang="en-US" sz="1600" dirty="0"/>
               <a:t>/home/pr/exp3/train_model.py</a:t>
             </a:r>
-            <a:endParaRPr lang="en-US" sz="2250" dirty="0"/>
           </a:p>
         </p:txBody>
       </p:sp>
@@ -10884,7 +10878,7 @@
         <p:spPr>
           <a:xfrm>
             <a:off x="2049149" y="5628322"/>
-            <a:ext cx="1593271" cy="346249"/>
+            <a:ext cx="1593271" cy="361637"/>
           </a:xfrm>
           <a:prstGeom prst="rect">
             <a:avLst/>
@@ -10899,7 +10893,7 @@
           <a:p>
             <a:pPr algn="ctr"/>
             <a:r>
-              <a:rPr lang="en-US" sz="1500" dirty="0"/>
+              <a:rPr lang="en-US" sz="1600" dirty="0"/>
               <a:t>read</a:t>
             </a:r>
           </a:p>
@@ -10923,8 +10917,8 @@
         </p:nvCxnSpPr>
         <p:spPr>
           <a:xfrm flipH="1" flipV="1">
-            <a:off x="2241503" y="5954218"/>
-            <a:ext cx="10135498" cy="18188"/>
+            <a:off x="2241501" y="5954222"/>
+            <a:ext cx="10135499" cy="9601"/>
           </a:xfrm>
           <a:prstGeom prst="straightConnector1">
             <a:avLst/>
@@ -10967,7 +10961,7 @@
         <p:spPr>
           <a:xfrm>
             <a:off x="2034166" y="6041448"/>
-            <a:ext cx="1593271" cy="323165"/>
+            <a:ext cx="1593271" cy="338554"/>
           </a:xfrm>
           <a:prstGeom prst="rect">
             <a:avLst/>
@@ -10982,7 +10976,7 @@
           <a:p>
             <a:pPr algn="ctr"/>
             <a:r>
-              <a:rPr lang="en-US" sz="1500" dirty="0"/>
+              <a:rPr lang="en-US" sz="1600" dirty="0"/>
               <a:t>load</a:t>
             </a:r>
           </a:p>
@@ -11052,7 +11046,7 @@
         <p:spPr>
           <a:xfrm>
             <a:off x="2048279" y="6385947"/>
-            <a:ext cx="1593271" cy="346249"/>
+            <a:ext cx="1593271" cy="361637"/>
           </a:xfrm>
           <a:prstGeom prst="rect">
             <a:avLst/>
@@ -11067,7 +11061,7 @@
           <a:p>
             <a:pPr algn="ctr"/>
             <a:r>
-              <a:rPr lang="en-US" sz="1500" dirty="0"/>
+              <a:rPr lang="en-US" sz="1600" dirty="0"/>
               <a:t>read</a:t>
             </a:r>
           </a:p>
@@ -11136,8 +11130,8 @@
         </p:nvSpPr>
         <p:spPr>
           <a:xfrm>
-            <a:off x="1149240" y="8334741"/>
-            <a:ext cx="2478195" cy="449671"/>
+            <a:off x="1149240" y="8286855"/>
+            <a:ext cx="3085532" cy="497558"/>
           </a:xfrm>
           <a:prstGeom prst="rect">
             <a:avLst/>
@@ -11164,7 +11158,7 @@
           <a:p>
             <a:pPr algn="ctr"/>
             <a:r>
-              <a:rPr lang="en-US" sz="1500" dirty="0">
+              <a:rPr lang="en-US" sz="1600" dirty="0">
                 <a:solidFill>
                   <a:srgbClr val="000000"/>
                 </a:solidFill>
@@ -11174,7 +11168,7 @@
               <a:t>/</a:t>
             </a:r>
             <a:r>
-              <a:rPr lang="en-US" sz="1500" dirty="0" err="1">
+              <a:rPr lang="en-US" sz="1600" dirty="0" err="1">
                 <a:solidFill>
                   <a:srgbClr val="000000"/>
                 </a:solidFill>
@@ -11184,7 +11178,7 @@
               <a:t>usr</a:t>
             </a:r>
             <a:r>
-              <a:rPr lang="en-US" sz="1500" dirty="0">
+              <a:rPr lang="en-US" sz="1600" dirty="0">
                 <a:solidFill>
                   <a:srgbClr val="000000"/>
                 </a:solidFill>
@@ -11194,10 +11188,10 @@
               <a:t>/bin/vim </a:t>
             </a:r>
             <a:r>
-              <a:rPr lang="en-US" sz="1500" dirty="0"/>
+              <a:rPr lang="en-US" sz="1600" dirty="0"/>
               <a:t>train_model.py</a:t>
             </a:r>
-            <a:endParaRPr lang="en-US" sz="1500" dirty="0">
+            <a:endParaRPr lang="en-US" sz="1600" dirty="0">
               <a:ea typeface="Calibri"/>
               <a:cs typeface="Calibri"/>
             </a:endParaRPr>
@@ -11219,7 +11213,7 @@
         <p:spPr>
           <a:xfrm>
             <a:off x="1996269" y="8820517"/>
-            <a:ext cx="1655126" cy="346249"/>
+            <a:ext cx="1655126" cy="361637"/>
           </a:xfrm>
           <a:prstGeom prst="rect">
             <a:avLst/>
@@ -11234,10 +11228,9 @@
           <a:p>
             <a:pPr algn="ctr"/>
             <a:r>
-              <a:rPr lang="en-US" sz="1500" dirty="0"/>
+              <a:rPr lang="en-US" sz="1600" dirty="0"/>
               <a:t>load</a:t>
             </a:r>
-            <a:endParaRPr lang="en-US" sz="2250" dirty="0"/>
           </a:p>
         </p:txBody>
       </p:sp>
@@ -11258,9 +11251,9 @@
           <p:nvPr/>
         </p:nvCxnSpPr>
         <p:spPr>
-          <a:xfrm flipH="1" flipV="1">
-            <a:off x="2256655" y="9201521"/>
-            <a:ext cx="10090355" cy="13850"/>
+          <a:xfrm flipH="1">
+            <a:off x="2256650" y="9180894"/>
+            <a:ext cx="10090354" cy="20627"/>
           </a:xfrm>
           <a:prstGeom prst="straightConnector1">
             <a:avLst/>
@@ -11302,8 +11295,8 @@
         </p:nvSpPr>
         <p:spPr>
           <a:xfrm>
-            <a:off x="12347004" y="8998021"/>
-            <a:ext cx="1624318" cy="434695"/>
+            <a:off x="12347004" y="8929071"/>
+            <a:ext cx="1852572" cy="503646"/>
           </a:xfrm>
           <a:prstGeom prst="rect">
             <a:avLst/>
@@ -11329,7 +11322,7 @@
           <a:p>
             <a:pPr algn="ctr"/>
             <a:r>
-              <a:rPr lang="en-US" sz="1500" dirty="0">
+              <a:rPr lang="en-US" sz="1600" dirty="0">
                 <a:solidFill>
                   <a:srgbClr val="000000"/>
                 </a:solidFill>
@@ -11339,7 +11332,7 @@
               <a:t>/root/</a:t>
             </a:r>
             <a:r>
-              <a:rPr lang="en-US" sz="1500" dirty="0" err="1">
+              <a:rPr lang="en-US" sz="1600" dirty="0" err="1">
                 <a:solidFill>
                   <a:srgbClr val="000000"/>
                 </a:solidFill>
@@ -11349,7 +11342,7 @@
               <a:t>usr</a:t>
             </a:r>
             <a:r>
-              <a:rPr lang="en-US" sz="1500" dirty="0">
+              <a:rPr lang="en-US" sz="1600" dirty="0">
                 <a:solidFill>
                   <a:srgbClr val="000000"/>
                 </a:solidFill>
@@ -11358,7 +11351,7 @@
               </a:rPr>
               <a:t>/bin/vim</a:t>
             </a:r>
-            <a:endParaRPr lang="en-US" sz="1500" dirty="0">
+            <a:endParaRPr lang="en-US" sz="1600" dirty="0">
               <a:ea typeface="Calibri"/>
               <a:cs typeface="Calibri"/>
             </a:endParaRPr>
@@ -11380,7 +11373,7 @@
         <p:spPr>
           <a:xfrm>
             <a:off x="1981238" y="9329803"/>
-            <a:ext cx="1655126" cy="346249"/>
+            <a:ext cx="1655126" cy="361637"/>
           </a:xfrm>
           <a:prstGeom prst="rect">
             <a:avLst/>
@@ -11395,10 +11388,9 @@
           <a:p>
             <a:pPr algn="ctr"/>
             <a:r>
-              <a:rPr lang="en-US" sz="1500" dirty="0"/>
+              <a:rPr lang="en-US" sz="1600" dirty="0"/>
               <a:t>write</a:t>
             </a:r>
-            <a:endParaRPr lang="en-US" sz="2250" dirty="0"/>
           </a:p>
         </p:txBody>
       </p:sp>
@@ -11466,7 +11458,7 @@
         <p:spPr>
           <a:xfrm>
             <a:off x="12346957" y="9693282"/>
-            <a:ext cx="3101840" cy="722318"/>
+            <a:ext cx="3419516" cy="722318"/>
           </a:xfrm>
           <a:prstGeom prst="rect">
             <a:avLst/>
@@ -11492,7 +11484,7 @@
           <a:p>
             <a:pPr algn="ctr"/>
             <a:r>
-              <a:rPr lang="en-US" sz="1500" dirty="0">
+              <a:rPr lang="en-US" sz="1600" dirty="0">
                 <a:solidFill>
                   <a:srgbClr val="000000"/>
                 </a:solidFill>
@@ -11502,7 +11494,7 @@
               <a:t>/home/pr/exp3/.</a:t>
             </a:r>
             <a:r>
-              <a:rPr lang="en-US" sz="1500" dirty="0" err="1">
+              <a:rPr lang="en-US" sz="1600" dirty="0" err="1">
                 <a:solidFill>
                   <a:srgbClr val="000000"/>
                 </a:solidFill>
@@ -11511,7 +11503,7 @@
               </a:rPr>
               <a:t>train_model.py.swp</a:t>
             </a:r>
-            <a:endParaRPr lang="en-US" sz="2250" dirty="0"/>
+            <a:endParaRPr lang="en-US" sz="1600" dirty="0"/>
           </a:p>
         </p:txBody>
       </p:sp>
@@ -11530,7 +11522,7 @@
         <p:spPr>
           <a:xfrm>
             <a:off x="1995368" y="10006457"/>
-            <a:ext cx="1655126" cy="346249"/>
+            <a:ext cx="1655126" cy="361637"/>
           </a:xfrm>
           <a:prstGeom prst="rect">
             <a:avLst/>
@@ -11545,10 +11537,9 @@
           <a:p>
             <a:pPr algn="ctr"/>
             <a:r>
-              <a:rPr lang="en-US" sz="1500" dirty="0"/>
+              <a:rPr lang="en-US" sz="1600" dirty="0"/>
               <a:t>read</a:t>
             </a:r>
-            <a:endParaRPr lang="en-US" sz="2250" dirty="0"/>
           </a:p>
         </p:txBody>
       </p:sp>
@@ -11615,8 +11606,8 @@
         </p:nvSpPr>
         <p:spPr>
           <a:xfrm>
-            <a:off x="12358374" y="10648919"/>
-            <a:ext cx="2767201" cy="434695"/>
+            <a:off x="12358374" y="10676165"/>
+            <a:ext cx="3073308" cy="407449"/>
           </a:xfrm>
           <a:prstGeom prst="rect">
             <a:avLst/>
@@ -11642,7 +11633,7 @@
           <a:p>
             <a:pPr algn="ctr"/>
             <a:r>
-              <a:rPr lang="en-US" sz="1500" dirty="0">
+              <a:rPr lang="en-US" sz="1600" dirty="0">
                 <a:solidFill>
                   <a:srgbClr val="000000"/>
                 </a:solidFill>
@@ -11651,7 +11642,7 @@
               </a:rPr>
               <a:t>/home/pr/exp3/.train_model.py</a:t>
             </a:r>
-            <a:endParaRPr lang="en-US" sz="2250" dirty="0"/>
+            <a:endParaRPr lang="en-US" sz="1600" dirty="0"/>
           </a:p>
         </p:txBody>
       </p:sp>
@@ -11670,7 +11661,7 @@
         <p:spPr>
           <a:xfrm>
             <a:off x="1995275" y="10498175"/>
-            <a:ext cx="1655126" cy="346249"/>
+            <a:ext cx="1655126" cy="361637"/>
           </a:xfrm>
           <a:prstGeom prst="rect">
             <a:avLst/>
@@ -11685,10 +11676,9 @@
           <a:p>
             <a:pPr algn="ctr"/>
             <a:r>
-              <a:rPr lang="en-US" sz="1500" dirty="0"/>
+              <a:rPr lang="en-US" sz="1600" dirty="0"/>
               <a:t>write</a:t>
             </a:r>
-            <a:endParaRPr lang="en-US" sz="2250" dirty="0"/>
           </a:p>
         </p:txBody>
       </p:sp>
@@ -11756,7 +11746,7 @@
         <p:spPr>
           <a:xfrm>
             <a:off x="1996080" y="11037420"/>
-            <a:ext cx="1655126" cy="346249"/>
+            <a:ext cx="1655126" cy="361637"/>
           </a:xfrm>
           <a:prstGeom prst="rect">
             <a:avLst/>
@@ -11771,10 +11761,9 @@
           <a:p>
             <a:pPr algn="ctr"/>
             <a:r>
-              <a:rPr lang="en-US" sz="1500" dirty="0"/>
+              <a:rPr lang="en-US" sz="1600" dirty="0"/>
               <a:t>write</a:t>
             </a:r>
-            <a:endParaRPr lang="en-US" sz="2250" dirty="0"/>
           </a:p>
         </p:txBody>
       </p:sp>
@@ -11842,7 +11831,7 @@
         <p:spPr>
           <a:xfrm>
             <a:off x="1995088" y="11621607"/>
-            <a:ext cx="1655126" cy="346249"/>
+            <a:ext cx="1655126" cy="361637"/>
           </a:xfrm>
           <a:prstGeom prst="rect">
             <a:avLst/>
@@ -11857,10 +11846,9 @@
           <a:p>
             <a:pPr algn="ctr"/>
             <a:r>
-              <a:rPr lang="en-US" sz="1500" dirty="0"/>
+              <a:rPr lang="en-US" sz="1600" dirty="0"/>
               <a:t>write</a:t>
             </a:r>
-            <a:endParaRPr lang="en-US" sz="2250" dirty="0"/>
           </a:p>
         </p:txBody>
       </p:sp>
@@ -11962,18 +11950,18 @@
           <a:p>
             <a:pPr algn="ctr"/>
             <a:r>
-              <a:rPr lang="en-US" sz="1500" dirty="0"/>
+              <a:rPr lang="en-US" sz="1600" dirty="0"/>
               <a:t>process </a:t>
             </a:r>
             <a:r>
-              <a:rPr lang="en-US" sz="1500" dirty="0" err="1"/>
+              <a:rPr lang="en-US" sz="1600" dirty="0" err="1"/>
               <a:t>pid</a:t>
             </a:r>
             <a:r>
-              <a:rPr lang="en-US" sz="1500"/>
+              <a:rPr lang="en-US" sz="1600"/>
               <a:t>: 143849</a:t>
             </a:r>
-            <a:endParaRPr lang="en-US" sz="1500" dirty="0"/>
+            <a:endParaRPr lang="en-US" sz="1600" dirty="0"/>
           </a:p>
         </p:txBody>
       </p:sp>
@@ -11991,8 +11979,8 @@
         </p:nvSpPr>
         <p:spPr>
           <a:xfrm>
-            <a:off x="1149238" y="13173603"/>
-            <a:ext cx="4072678" cy="449671"/>
+            <a:off x="1149237" y="13192527"/>
+            <a:ext cx="4420289" cy="430747"/>
           </a:xfrm>
           <a:prstGeom prst="rect">
             <a:avLst/>
@@ -12023,7 +12011,7 @@
           <a:p>
             <a:pPr algn="ctr"/>
             <a:r>
-              <a:rPr lang="en-US" sz="1500" dirty="0">
+              <a:rPr lang="en-US" sz="1600" dirty="0">
                 <a:solidFill>
                   <a:srgbClr val="000000"/>
                 </a:solidFill>
@@ -12033,7 +12021,7 @@
               <a:t>/home/pr/test/</a:t>
             </a:r>
             <a:r>
-              <a:rPr lang="en-US" sz="1500" dirty="0" err="1">
+              <a:rPr lang="en-US" sz="1600" dirty="0" err="1">
                 <a:solidFill>
                   <a:srgbClr val="000000"/>
                 </a:solidFill>
@@ -12043,7 +12031,7 @@
               <a:t>venv</a:t>
             </a:r>
             <a:r>
-              <a:rPr lang="en-US" sz="1500" dirty="0">
+              <a:rPr lang="en-US" sz="1600" dirty="0">
                 <a:solidFill>
                   <a:srgbClr val="000000"/>
                 </a:solidFill>
@@ -12053,10 +12041,10 @@
               <a:t>/bin/python3 </a:t>
             </a:r>
             <a:r>
-              <a:rPr lang="en-US" sz="1500" dirty="0"/>
+              <a:rPr lang="en-US" sz="1600" dirty="0"/>
               <a:t>train_model.py</a:t>
             </a:r>
-            <a:endParaRPr lang="en-US" sz="1500" dirty="0">
+            <a:endParaRPr lang="en-US" sz="1600" dirty="0">
               <a:ea typeface="Calibri"/>
               <a:cs typeface="Calibri"/>
             </a:endParaRPr>
@@ -12081,8 +12069,8 @@
         </p:nvCxnSpPr>
         <p:spPr>
           <a:xfrm flipH="1">
-            <a:off x="2268862" y="14262813"/>
-            <a:ext cx="10119545" cy="47755"/>
+            <a:off x="2268860" y="14250049"/>
+            <a:ext cx="10119544" cy="60519"/>
           </a:xfrm>
           <a:prstGeom prst="straightConnector1">
             <a:avLst/>
@@ -12124,8 +12112,8 @@
         </p:nvSpPr>
         <p:spPr>
           <a:xfrm>
-            <a:off x="12388405" y="14071845"/>
-            <a:ext cx="2737170" cy="381928"/>
+            <a:off x="12388404" y="14046324"/>
+            <a:ext cx="3073307" cy="407449"/>
           </a:xfrm>
           <a:prstGeom prst="rect">
             <a:avLst/>
@@ -12151,10 +12139,9 @@
           <a:p>
             <a:pPr algn="ctr"/>
             <a:r>
-              <a:rPr lang="en-US" sz="1500" dirty="0"/>
+              <a:rPr lang="en-US" sz="1600" dirty="0"/>
               <a:t>/home/pr/exp3/train_model.py</a:t>
             </a:r>
-            <a:endParaRPr lang="en-US" sz="2250" dirty="0"/>
           </a:p>
         </p:txBody>
       </p:sp>
@@ -12271,7 +12258,7 @@
         <p:spPr>
           <a:xfrm>
             <a:off x="2013202" y="13570212"/>
-            <a:ext cx="1655126" cy="346249"/>
+            <a:ext cx="1655126" cy="361637"/>
           </a:xfrm>
           <a:prstGeom prst="rect">
             <a:avLst/>
@@ -12286,10 +12273,9 @@
           <a:p>
             <a:pPr algn="ctr"/>
             <a:r>
-              <a:rPr lang="en-US" sz="1500" dirty="0"/>
+              <a:rPr lang="en-US" sz="1600" dirty="0"/>
               <a:t>load</a:t>
             </a:r>
-            <a:endParaRPr lang="en-US" sz="2250" dirty="0"/>
           </a:p>
         </p:txBody>
       </p:sp>
@@ -12308,7 +12294,7 @@
         <p:spPr>
           <a:xfrm>
             <a:off x="1998123" y="13974632"/>
-            <a:ext cx="1655126" cy="346249"/>
+            <a:ext cx="1655126" cy="361637"/>
           </a:xfrm>
           <a:prstGeom prst="rect">
             <a:avLst/>
@@ -12323,10 +12309,9 @@
           <a:p>
             <a:pPr algn="ctr"/>
             <a:r>
-              <a:rPr lang="en-US" sz="1500" dirty="0"/>
+              <a:rPr lang="en-US" sz="1600" dirty="0"/>
               <a:t>read</a:t>
             </a:r>
-            <a:endParaRPr lang="en-US" sz="2250" dirty="0"/>
           </a:p>
         </p:txBody>
       </p:sp>
@@ -12345,7 +12330,7 @@
         <p:spPr>
           <a:xfrm>
             <a:off x="2012249" y="14409017"/>
-            <a:ext cx="1655126" cy="346249"/>
+            <a:ext cx="1655126" cy="361637"/>
           </a:xfrm>
           <a:prstGeom prst="rect">
             <a:avLst/>
@@ -12360,10 +12345,9 @@
           <a:p>
             <a:pPr algn="ctr"/>
             <a:r>
-              <a:rPr lang="en-US" sz="1500" dirty="0"/>
+              <a:rPr lang="en-US" sz="1600" dirty="0"/>
               <a:t>load</a:t>
             </a:r>
-            <a:endParaRPr lang="en-US" sz="2250" dirty="0"/>
           </a:p>
         </p:txBody>
       </p:sp>
@@ -12382,7 +12366,7 @@
         <p:spPr>
           <a:xfrm>
             <a:off x="1996404" y="14813438"/>
-            <a:ext cx="1655126" cy="346249"/>
+            <a:ext cx="1655126" cy="361637"/>
           </a:xfrm>
           <a:prstGeom prst="rect">
             <a:avLst/>
@@ -12397,10 +12381,9 @@
           <a:p>
             <a:pPr algn="ctr"/>
             <a:r>
-              <a:rPr lang="en-US" sz="1500" dirty="0"/>
+              <a:rPr lang="en-US" sz="1600" dirty="0"/>
               <a:t>read</a:t>
             </a:r>
-            <a:endParaRPr lang="en-US" sz="2250" dirty="0"/>
           </a:p>
         </p:txBody>
       </p:sp>
@@ -12467,8 +12450,8 @@
         </p:nvSpPr>
         <p:spPr>
           <a:xfrm>
-            <a:off x="12365573" y="15405747"/>
-            <a:ext cx="2448216" cy="381928"/>
+            <a:off x="12365572" y="15346234"/>
+            <a:ext cx="3066109" cy="441441"/>
           </a:xfrm>
           <a:prstGeom prst="rect">
             <a:avLst/>
@@ -12494,14 +12477,14 @@
           <a:p>
             <a:pPr algn="ctr"/>
             <a:r>
-              <a:rPr lang="en-US" sz="1500" dirty="0"/>
+              <a:rPr lang="en-US" sz="1600" dirty="0"/>
               <a:t>/home/pr/exp3/</a:t>
             </a:r>
             <a:r>
-              <a:rPr lang="en-US" sz="1500" dirty="0" err="1"/>
+              <a:rPr lang="en-US" sz="1600" dirty="0" err="1"/>
               <a:t>model.ckpt</a:t>
             </a:r>
-            <a:endParaRPr lang="en-US" sz="2250" dirty="0"/>
+            <a:endParaRPr lang="en-US" sz="1600" dirty="0"/>
           </a:p>
         </p:txBody>
       </p:sp>
@@ -12523,8 +12506,8 @@
         </p:nvCxnSpPr>
         <p:spPr>
           <a:xfrm flipH="1">
-            <a:off x="2255336" y="15596712"/>
-            <a:ext cx="10110239" cy="49438"/>
+            <a:off x="2255332" y="15566955"/>
+            <a:ext cx="10110240" cy="79197"/>
           </a:xfrm>
           <a:prstGeom prst="straightConnector1">
             <a:avLst/>
@@ -12567,7 +12550,7 @@
         <p:spPr>
           <a:xfrm>
             <a:off x="2020050" y="15285195"/>
-            <a:ext cx="1593271" cy="346249"/>
+            <a:ext cx="1593271" cy="361637"/>
           </a:xfrm>
           <a:prstGeom prst="rect">
             <a:avLst/>
@@ -12582,10 +12565,9 @@
           <a:p>
             <a:pPr algn="ctr"/>
             <a:r>
-              <a:rPr lang="en-US" sz="1500" dirty="0"/>
+              <a:rPr lang="en-US" sz="1600" dirty="0"/>
               <a:t>write</a:t>
             </a:r>
-            <a:endParaRPr lang="en-US" sz="2250" dirty="0"/>
           </a:p>
         </p:txBody>
       </p:sp>
@@ -12633,7 +12615,7 @@
           <a:lstStyle/>
           <a:p>
             <a:pPr algn="ctr"/>
-            <a:endParaRPr lang="en-US" sz="1500" dirty="0"/>
+            <a:endParaRPr lang="en-US" sz="1600" dirty="0"/>
           </a:p>
         </p:txBody>
       </p:sp>
@@ -12681,7 +12663,7 @@
           <a:lstStyle/>
           <a:p>
             <a:pPr algn="ctr"/>
-            <a:endParaRPr lang="en-US" sz="1500" dirty="0"/>
+            <a:endParaRPr lang="en-US" sz="1600" dirty="0"/>
           </a:p>
         </p:txBody>
       </p:sp>
@@ -12729,7 +12711,7 @@
           <a:lstStyle/>
           <a:p>
             <a:pPr algn="ctr"/>
-            <a:endParaRPr lang="en-US" sz="1500" dirty="0"/>
+            <a:endParaRPr lang="en-US" sz="1600" dirty="0"/>
           </a:p>
         </p:txBody>
       </p:sp>
@@ -12777,7 +12759,7 @@
           <a:lstStyle/>
           <a:p>
             <a:pPr algn="ctr"/>
-            <a:endParaRPr lang="en-US" sz="1500" dirty="0"/>
+            <a:endParaRPr lang="en-US" sz="1600" dirty="0"/>
           </a:p>
         </p:txBody>
       </p:sp>
@@ -12845,7 +12827,7 @@
             <a:lstStyle/>
             <a:p>
               <a:pPr algn="ctr"/>
-              <a:endParaRPr lang="en-US" sz="1500" dirty="0"/>
+              <a:endParaRPr lang="en-US" sz="1600" dirty="0"/>
             </a:p>
           </p:txBody>
         </p:sp>
@@ -12893,7 +12875,7 @@
             <a:lstStyle/>
             <a:p>
               <a:pPr algn="ctr"/>
-              <a:endParaRPr lang="en-US" sz="1500" dirty="0"/>
+              <a:endParaRPr lang="en-US" sz="1600" dirty="0"/>
             </a:p>
           </p:txBody>
         </p:sp>
@@ -12941,7 +12923,7 @@
             <a:lstStyle/>
             <a:p>
               <a:pPr algn="ctr"/>
-              <a:endParaRPr lang="en-US" sz="1500" dirty="0"/>
+              <a:endParaRPr lang="en-US" sz="1600" dirty="0"/>
             </a:p>
           </p:txBody>
         </p:sp>
@@ -12989,7 +12971,7 @@
             <a:lstStyle/>
             <a:p>
               <a:pPr algn="ctr"/>
-              <a:endParaRPr lang="en-US" sz="1500" dirty="0"/>
+              <a:endParaRPr lang="en-US" sz="1600" dirty="0"/>
             </a:p>
           </p:txBody>
         </p:sp>
@@ -13038,7 +13020,7 @@
           <a:lstStyle/>
           <a:p>
             <a:pPr algn="ctr"/>
-            <a:endParaRPr lang="en-US" sz="1500" dirty="0"/>
+            <a:endParaRPr lang="en-US" sz="1600" dirty="0"/>
           </a:p>
         </p:txBody>
       </p:sp>
@@ -13086,7 +13068,7 @@
           <a:lstStyle/>
           <a:p>
             <a:pPr algn="ctr"/>
-            <a:endParaRPr lang="en-US" sz="1500" dirty="0"/>
+            <a:endParaRPr lang="en-US" sz="1600" dirty="0"/>
           </a:p>
         </p:txBody>
       </p:sp>
@@ -13134,7 +13116,7 @@
           <a:lstStyle/>
           <a:p>
             <a:pPr algn="ctr"/>
-            <a:endParaRPr lang="en-US" sz="1500" dirty="0"/>
+            <a:endParaRPr lang="en-US" sz="1600" dirty="0"/>
           </a:p>
         </p:txBody>
       </p:sp>
@@ -13182,7 +13164,7 @@
           <a:lstStyle/>
           <a:p>
             <a:pPr algn="ctr"/>
-            <a:endParaRPr lang="en-US" sz="1500" dirty="0"/>
+            <a:endParaRPr lang="en-US" sz="1600" dirty="0"/>
           </a:p>
         </p:txBody>
       </p:sp>
@@ -13230,7 +13212,7 @@
           <a:lstStyle/>
           <a:p>
             <a:pPr algn="ctr"/>
-            <a:endParaRPr lang="en-US" sz="1500" dirty="0"/>
+            <a:endParaRPr lang="en-US" sz="1600" dirty="0"/>
           </a:p>
         </p:txBody>
       </p:sp>
@@ -13278,7 +13260,7 @@
           <a:lstStyle/>
           <a:p>
             <a:pPr algn="ctr"/>
-            <a:endParaRPr lang="en-US" sz="1500" dirty="0"/>
+            <a:endParaRPr lang="en-US" sz="1600" dirty="0"/>
           </a:p>
         </p:txBody>
       </p:sp>
@@ -13326,7 +13308,7 @@
           <a:lstStyle/>
           <a:p>
             <a:pPr algn="ctr"/>
-            <a:endParaRPr lang="en-US" sz="1500" dirty="0"/>
+            <a:endParaRPr lang="en-US" sz="1600" dirty="0"/>
           </a:p>
         </p:txBody>
       </p:sp>
@@ -13374,7 +13356,7 @@
           <a:lstStyle/>
           <a:p>
             <a:pPr algn="ctr"/>
-            <a:endParaRPr lang="en-US" sz="1500" dirty="0"/>
+            <a:endParaRPr lang="en-US" sz="1600" dirty="0"/>
           </a:p>
         </p:txBody>
       </p:sp>
@@ -13422,7 +13404,7 @@
           <a:lstStyle/>
           <a:p>
             <a:pPr algn="ctr"/>
-            <a:endParaRPr lang="en-US" sz="1500" dirty="0"/>
+            <a:endParaRPr lang="en-US" sz="1600" dirty="0"/>
           </a:p>
         </p:txBody>
       </p:sp>
@@ -13470,7 +13452,7 @@
           <a:lstStyle/>
           <a:p>
             <a:pPr algn="ctr"/>
-            <a:endParaRPr lang="en-US" sz="1500" dirty="0"/>
+            <a:endParaRPr lang="en-US" sz="1600" dirty="0"/>
           </a:p>
         </p:txBody>
       </p:sp>
@@ -13518,7 +13500,7 @@
           <a:lstStyle/>
           <a:p>
             <a:pPr algn="ctr"/>
-            <a:endParaRPr lang="en-US" sz="1500" dirty="0"/>
+            <a:endParaRPr lang="en-US" sz="1600" dirty="0"/>
           </a:p>
         </p:txBody>
       </p:sp>
@@ -13566,7 +13548,7 @@
           <a:lstStyle/>
           <a:p>
             <a:pPr algn="ctr"/>
-            <a:endParaRPr lang="en-US" sz="1500" dirty="0"/>
+            <a:endParaRPr lang="en-US" sz="1600" dirty="0"/>
           </a:p>
         </p:txBody>
       </p:sp>
@@ -13614,7 +13596,7 @@
           <a:lstStyle/>
           <a:p>
             <a:pPr algn="ctr"/>
-            <a:endParaRPr lang="en-US" sz="1500" dirty="0"/>
+            <a:endParaRPr lang="en-US" sz="1600" dirty="0"/>
           </a:p>
         </p:txBody>
       </p:sp>
@@ -13662,7 +13644,7 @@
           <a:lstStyle/>
           <a:p>
             <a:pPr algn="ctr"/>
-            <a:endParaRPr lang="en-US" sz="1500" dirty="0"/>
+            <a:endParaRPr lang="en-US" sz="1600" dirty="0"/>
           </a:p>
         </p:txBody>
       </p:sp>
@@ -13710,7 +13692,7 @@
           <a:lstStyle/>
           <a:p>
             <a:pPr algn="ctr"/>
-            <a:endParaRPr lang="en-US" sz="2250" dirty="0"/>
+            <a:endParaRPr lang="en-US" sz="1600" dirty="0"/>
           </a:p>
         </p:txBody>
       </p:sp>
@@ -13758,7 +13740,7 @@
           <a:lstStyle/>
           <a:p>
             <a:pPr algn="ctr"/>
-            <a:endParaRPr lang="en-US" sz="1500" dirty="0"/>
+            <a:endParaRPr lang="en-US" sz="1600" dirty="0"/>
           </a:p>
         </p:txBody>
       </p:sp>
@@ -13806,7 +13788,7 @@
           <a:lstStyle/>
           <a:p>
             <a:pPr algn="ctr"/>
-            <a:endParaRPr lang="en-US" sz="1500" dirty="0"/>
+            <a:endParaRPr lang="en-US" sz="1600" dirty="0"/>
           </a:p>
         </p:txBody>
       </p:sp>
@@ -13854,7 +13836,7 @@
           <a:lstStyle/>
           <a:p>
             <a:pPr algn="ctr"/>
-            <a:endParaRPr lang="en-US" sz="1500" dirty="0"/>
+            <a:endParaRPr lang="en-US" sz="1600" dirty="0"/>
           </a:p>
         </p:txBody>
       </p:sp>
@@ -13902,7 +13884,7 @@
           <a:lstStyle/>
           <a:p>
             <a:pPr algn="ctr"/>
-            <a:endParaRPr lang="en-US" sz="1500" dirty="0"/>
+            <a:endParaRPr lang="en-US" sz="1600" dirty="0"/>
           </a:p>
         </p:txBody>
       </p:sp>
@@ -13950,7 +13932,7 @@
           <a:lstStyle/>
           <a:p>
             <a:pPr algn="ctr"/>
-            <a:endParaRPr lang="en-US" sz="1500" dirty="0"/>
+            <a:endParaRPr lang="en-US" sz="1600" dirty="0"/>
           </a:p>
         </p:txBody>
       </p:sp>
@@ -13968,8 +13950,8 @@
         </p:nvSpPr>
         <p:spPr>
           <a:xfrm>
-            <a:off x="1162795" y="520024"/>
-            <a:ext cx="3662779" cy="449671"/>
+            <a:off x="1162795" y="519390"/>
+            <a:ext cx="3963387" cy="450305"/>
           </a:xfrm>
           <a:prstGeom prst="rect">
             <a:avLst/>
@@ -13996,7 +13978,7 @@
           <a:p>
             <a:pPr algn="ctr"/>
             <a:r>
-              <a:rPr lang="en-US" sz="1500" dirty="0">
+              <a:rPr lang="en-US" sz="1600" dirty="0">
                 <a:solidFill>
                   <a:srgbClr val="000000"/>
                 </a:solidFill>
@@ -14006,7 +13988,7 @@
               <a:t>/home/pr/</a:t>
             </a:r>
             <a:r>
-              <a:rPr lang="en-US" sz="1500" dirty="0" err="1">
+              <a:rPr lang="en-US" sz="1600" dirty="0" err="1">
                 <a:solidFill>
                   <a:srgbClr val="000000"/>
                 </a:solidFill>
@@ -14016,7 +13998,7 @@
               <a:t>venv</a:t>
             </a:r>
             <a:r>
-              <a:rPr lang="en-US" sz="1500" dirty="0">
+              <a:rPr lang="en-US" sz="1600" dirty="0">
                 <a:solidFill>
                   <a:srgbClr val="000000"/>
                 </a:solidFill>
@@ -14026,10 +14008,10 @@
               <a:t>/bin/python3 </a:t>
             </a:r>
             <a:r>
-              <a:rPr lang="en-US" sz="1500" dirty="0"/>
+              <a:rPr lang="en-US" sz="1600" dirty="0"/>
               <a:t>preprocess.py</a:t>
             </a:r>
-            <a:endParaRPr lang="en-US" sz="1500" dirty="0">
+            <a:endParaRPr lang="en-US" sz="1600" dirty="0">
               <a:ea typeface="Calibri"/>
               <a:cs typeface="Calibri"/>
             </a:endParaRPr>
@@ -14080,7 +14062,7 @@
           <a:lstStyle/>
           <a:p>
             <a:pPr algn="ctr"/>
-            <a:endParaRPr lang="en-US" sz="1500" dirty="0"/>
+            <a:endParaRPr lang="en-US" sz="1600" dirty="0"/>
           </a:p>
         </p:txBody>
       </p:sp>
@@ -14128,7 +14110,7 @@
           <a:lstStyle/>
           <a:p>
             <a:pPr algn="ctr"/>
-            <a:endParaRPr lang="en-US" sz="1500" dirty="0"/>
+            <a:endParaRPr lang="en-US" sz="1600" dirty="0"/>
           </a:p>
         </p:txBody>
       </p:sp>
@@ -14176,7 +14158,7 @@
           <a:lstStyle/>
           <a:p>
             <a:pPr algn="ctr"/>
-            <a:endParaRPr lang="en-US" sz="1500" dirty="0"/>
+            <a:endParaRPr lang="en-US" sz="1600" dirty="0"/>
           </a:p>
         </p:txBody>
       </p:sp>
@@ -14224,7 +14206,7 @@
           <a:lstStyle/>
           <a:p>
             <a:pPr algn="ctr"/>
-            <a:endParaRPr lang="en-US" sz="1500" dirty="0"/>
+            <a:endParaRPr lang="en-US" sz="1600" dirty="0"/>
           </a:p>
         </p:txBody>
       </p:sp>
@@ -14272,7 +14254,7 @@
           <a:lstStyle/>
           <a:p>
             <a:pPr algn="ctr"/>
-            <a:endParaRPr lang="en-US" sz="1500" dirty="0"/>
+            <a:endParaRPr lang="en-US" sz="1600" dirty="0"/>
           </a:p>
         </p:txBody>
       </p:sp>

--- a/example_workflow_3/provenance/workflow_3_graph.pptx
+++ b/example_workflow_3/provenance/workflow_3_graph.pptx
@@ -6290,7 +6290,7 @@
           <a:p>
             <a:fld id="{4DAAF268-B108-415A-8D22-4C329ED559E0}" type="datetimeFigureOut">
               <a:rPr lang="en-US" smtClean="0"/>
-              <a:t>10/30/23</a:t>
+              <a:t>11/16/23</a:t>
             </a:fld>
             <a:endParaRPr lang="en-US"/>
           </a:p>
@@ -6460,7 +6460,7 @@
           <a:p>
             <a:fld id="{4DAAF268-B108-415A-8D22-4C329ED559E0}" type="datetimeFigureOut">
               <a:rPr lang="en-US" smtClean="0"/>
-              <a:t>10/30/23</a:t>
+              <a:t>11/16/23</a:t>
             </a:fld>
             <a:endParaRPr lang="en-US"/>
           </a:p>
@@ -6640,7 +6640,7 @@
           <a:p>
             <a:fld id="{4DAAF268-B108-415A-8D22-4C329ED559E0}" type="datetimeFigureOut">
               <a:rPr lang="en-US" smtClean="0"/>
-              <a:t>10/30/23</a:t>
+              <a:t>11/16/23</a:t>
             </a:fld>
             <a:endParaRPr lang="en-US"/>
           </a:p>
@@ -6810,7 +6810,7 @@
           <a:p>
             <a:fld id="{4DAAF268-B108-415A-8D22-4C329ED559E0}" type="datetimeFigureOut">
               <a:rPr lang="en-US" smtClean="0"/>
-              <a:t>10/30/23</a:t>
+              <a:t>11/16/23</a:t>
             </a:fld>
             <a:endParaRPr lang="en-US"/>
           </a:p>
@@ -7054,7 +7054,7 @@
           <a:p>
             <a:fld id="{4DAAF268-B108-415A-8D22-4C329ED559E0}" type="datetimeFigureOut">
               <a:rPr lang="en-US" smtClean="0"/>
-              <a:t>10/30/23</a:t>
+              <a:t>11/16/23</a:t>
             </a:fld>
             <a:endParaRPr lang="en-US"/>
           </a:p>
@@ -7286,7 +7286,7 @@
           <a:p>
             <a:fld id="{4DAAF268-B108-415A-8D22-4C329ED559E0}" type="datetimeFigureOut">
               <a:rPr lang="en-US" smtClean="0"/>
-              <a:t>10/30/23</a:t>
+              <a:t>11/16/23</a:t>
             </a:fld>
             <a:endParaRPr lang="en-US"/>
           </a:p>
@@ -7653,7 +7653,7 @@
           <a:p>
             <a:fld id="{4DAAF268-B108-415A-8D22-4C329ED559E0}" type="datetimeFigureOut">
               <a:rPr lang="en-US" smtClean="0"/>
-              <a:t>10/30/23</a:t>
+              <a:t>11/16/23</a:t>
             </a:fld>
             <a:endParaRPr lang="en-US"/>
           </a:p>
@@ -7771,7 +7771,7 @@
           <a:p>
             <a:fld id="{4DAAF268-B108-415A-8D22-4C329ED559E0}" type="datetimeFigureOut">
               <a:rPr lang="en-US" smtClean="0"/>
-              <a:t>10/30/23</a:t>
+              <a:t>11/16/23</a:t>
             </a:fld>
             <a:endParaRPr lang="en-US"/>
           </a:p>
@@ -7866,7 +7866,7 @@
           <a:p>
             <a:fld id="{4DAAF268-B108-415A-8D22-4C329ED559E0}" type="datetimeFigureOut">
               <a:rPr lang="en-US" smtClean="0"/>
-              <a:t>10/30/23</a:t>
+              <a:t>11/16/23</a:t>
             </a:fld>
             <a:endParaRPr lang="en-US"/>
           </a:p>
@@ -8143,7 +8143,7 @@
           <a:p>
             <a:fld id="{4DAAF268-B108-415A-8D22-4C329ED559E0}" type="datetimeFigureOut">
               <a:rPr lang="en-US" smtClean="0"/>
-              <a:t>10/30/23</a:t>
+              <a:t>11/16/23</a:t>
             </a:fld>
             <a:endParaRPr lang="en-US"/>
           </a:p>
@@ -8400,7 +8400,7 @@
           <a:p>
             <a:fld id="{4DAAF268-B108-415A-8D22-4C329ED559E0}" type="datetimeFigureOut">
               <a:rPr lang="en-US" smtClean="0"/>
-              <a:t>10/30/23</a:t>
+              <a:t>11/16/23</a:t>
             </a:fld>
             <a:endParaRPr lang="en-US"/>
           </a:p>
@@ -8613,7 +8613,7 @@
           <a:p>
             <a:fld id="{4DAAF268-B108-415A-8D22-4C329ED559E0}" type="datetimeFigureOut">
               <a:rPr lang="en-US" smtClean="0"/>
-              <a:t>10/30/23</a:t>
+              <a:t>11/16/23</a:t>
             </a:fld>
             <a:endParaRPr lang="en-US"/>
           </a:p>
@@ -10830,8 +10830,8 @@
         </p:nvSpPr>
         <p:spPr>
           <a:xfrm>
-            <a:off x="12377000" y="5764276"/>
-            <a:ext cx="3054682" cy="399093"/>
+            <a:off x="12377021" y="5866650"/>
+            <a:ext cx="3096072" cy="722318"/>
           </a:xfrm>
           <a:prstGeom prst="rect">
             <a:avLst/>
@@ -10910,15 +10910,13 @@
           </p:cNvPr>
           <p:cNvCxnSpPr>
             <a:cxnSpLocks/>
-            <a:stCxn id="36" idx="1"/>
-            <a:endCxn id="118" idx="3"/>
           </p:cNvCxnSpPr>
           <p:nvPr/>
         </p:nvCxnSpPr>
         <p:spPr>
-          <a:xfrm flipH="1" flipV="1">
-            <a:off x="2241501" y="5954222"/>
-            <a:ext cx="10135499" cy="9601"/>
+          <a:xfrm flipH="1">
+            <a:off x="2241501" y="5987539"/>
+            <a:ext cx="10124071" cy="6820"/>
           </a:xfrm>
           <a:prstGeom prst="straightConnector1">
             <a:avLst/>
@@ -11554,19 +11552,18 @@
           </p:cNvPr>
           <p:cNvCxnSpPr>
             <a:cxnSpLocks/>
-            <a:stCxn id="35" idx="1"/>
             <a:endCxn id="138" idx="3"/>
           </p:cNvCxnSpPr>
           <p:nvPr/>
         </p:nvCxnSpPr>
         <p:spPr>
-          <a:xfrm rot="10800000">
-            <a:off x="2256650" y="10412577"/>
-            <a:ext cx="10115334" cy="369818"/>
+          <a:xfrm rot="10800000" flipV="1">
+            <a:off x="2256651" y="6106453"/>
+            <a:ext cx="10109539" cy="4306124"/>
           </a:xfrm>
           <a:prstGeom prst="bentConnector3">
             <a:avLst>
-              <a:gd name="adj1" fmla="val 3729"/>
+              <a:gd name="adj1" fmla="val 26814"/>
             </a:avLst>
           </a:prstGeom>
           <a:ln w="19050">
@@ -11592,60 +11589,6 @@
           </a:fontRef>
         </p:style>
       </p:cxnSp>
-      <p:sp>
-        <p:nvSpPr>
-          <p:cNvPr id="67" name="Rectangle 66">
-            <a:extLst>
-              <a:ext uri="{FF2B5EF4-FFF2-40B4-BE49-F238E27FC236}">
-                <a16:creationId xmlns:a16="http://schemas.microsoft.com/office/drawing/2014/main" id="{D1DA118C-BB7F-C467-916F-B8CA62C1A73E}"/>
-              </a:ext>
-            </a:extLst>
-          </p:cNvPr>
-          <p:cNvSpPr/>
-          <p:nvPr/>
-        </p:nvSpPr>
-        <p:spPr>
-          <a:xfrm>
-            <a:off x="12358374" y="10676165"/>
-            <a:ext cx="3073308" cy="407449"/>
-          </a:xfrm>
-          <a:prstGeom prst="rect">
-            <a:avLst/>
-          </a:prstGeom>
-        </p:spPr>
-        <p:style>
-          <a:lnRef idx="2">
-            <a:schemeClr val="dk1"/>
-          </a:lnRef>
-          <a:fillRef idx="1">
-            <a:schemeClr val="lt1"/>
-          </a:fillRef>
-          <a:effectRef idx="0">
-            <a:schemeClr val="dk1"/>
-          </a:effectRef>
-          <a:fontRef idx="minor">
-            <a:schemeClr val="dk1"/>
-          </a:fontRef>
-        </p:style>
-        <p:txBody>
-          <a:bodyPr lIns="114301" tIns="57150" rIns="114301" bIns="57150" rtlCol="0" anchor="ctr"/>
-          <a:lstStyle/>
-          <a:p>
-            <a:pPr algn="ctr"/>
-            <a:r>
-              <a:rPr lang="en-US" sz="1600" dirty="0">
-                <a:solidFill>
-                  <a:srgbClr val="000000"/>
-                </a:solidFill>
-                <a:ea typeface="+mn-lt"/>
-                <a:cs typeface="+mn-lt"/>
-              </a:rPr>
-              <a:t>/home/pr/exp3/.train_model.py</a:t>
-            </a:r>
-            <a:endParaRPr lang="en-US" sz="1600" dirty="0"/>
-          </a:p>
-        </p:txBody>
-      </p:sp>
       <p:sp>
         <p:nvSpPr>
           <p:cNvPr id="68" name="TextBox 67">
@@ -11778,19 +11721,17 @@
           </p:cNvPr>
           <p:cNvCxnSpPr>
             <a:cxnSpLocks/>
-            <a:stCxn id="43" idx="1"/>
-            <a:endCxn id="140" idx="3"/>
           </p:cNvCxnSpPr>
           <p:nvPr/>
         </p:nvCxnSpPr>
         <p:spPr>
           <a:xfrm rot="10800000" flipV="1">
-            <a:off x="2227754" y="10950375"/>
-            <a:ext cx="10140285" cy="471881"/>
+            <a:off x="2216304" y="6293436"/>
+            <a:ext cx="10149268" cy="5194448"/>
           </a:xfrm>
           <a:prstGeom prst="bentConnector3">
             <a:avLst>
-              <a:gd name="adj1" fmla="val 3690"/>
+              <a:gd name="adj1" fmla="val 22971"/>
             </a:avLst>
           </a:prstGeom>
           <a:ln w="19050">
@@ -12048,100 +11989,6 @@
               <a:ea typeface="Calibri"/>
               <a:cs typeface="Calibri"/>
             </a:endParaRPr>
-          </a:p>
-        </p:txBody>
-      </p:sp>
-      <p:cxnSp>
-        <p:nvCxnSpPr>
-          <p:cNvPr id="97" name="Straight Arrow Connector 7">
-            <a:extLst>
-              <a:ext uri="{FF2B5EF4-FFF2-40B4-BE49-F238E27FC236}">
-                <a16:creationId xmlns:a16="http://schemas.microsoft.com/office/drawing/2014/main" id="{F738894B-7224-9B69-C57B-005777ED4B33}"/>
-              </a:ext>
-            </a:extLst>
-          </p:cNvPr>
-          <p:cNvCxnSpPr>
-            <a:cxnSpLocks/>
-            <a:stCxn id="99" idx="1"/>
-            <a:endCxn id="175" idx="3"/>
-          </p:cNvCxnSpPr>
-          <p:nvPr/>
-        </p:nvCxnSpPr>
-        <p:spPr>
-          <a:xfrm flipH="1">
-            <a:off x="2268860" y="14250049"/>
-            <a:ext cx="10119544" cy="60519"/>
-          </a:xfrm>
-          <a:prstGeom prst="straightConnector1">
-            <a:avLst/>
-          </a:prstGeom>
-          <a:ln w="19050">
-            <a:solidFill>
-              <a:srgbClr val="7030A0"/>
-            </a:solidFill>
-            <a:headEnd type="triangle" w="med" len="med"/>
-            <a:tailEnd type="none" w="med" len="med"/>
-          </a:ln>
-        </p:spPr>
-        <p:style>
-          <a:lnRef idx="1">
-            <a:schemeClr val="accent1"/>
-          </a:lnRef>
-          <a:fillRef idx="0">
-            <a:schemeClr val="accent1"/>
-          </a:fillRef>
-          <a:effectRef idx="0">
-            <a:schemeClr val="accent1"/>
-          </a:effectRef>
-          <a:fontRef idx="minor">
-            <a:schemeClr val="tx1"/>
-          </a:fontRef>
-        </p:style>
-      </p:cxnSp>
-      <p:sp>
-        <p:nvSpPr>
-          <p:cNvPr id="99" name="Rectangle 98">
-            <a:extLst>
-              <a:ext uri="{FF2B5EF4-FFF2-40B4-BE49-F238E27FC236}">
-                <a16:creationId xmlns:a16="http://schemas.microsoft.com/office/drawing/2014/main" id="{0A816FDE-FAC6-B8C0-AA92-FC9141B83590}"/>
-              </a:ext>
-            </a:extLst>
-          </p:cNvPr>
-          <p:cNvSpPr/>
-          <p:nvPr/>
-        </p:nvSpPr>
-        <p:spPr>
-          <a:xfrm>
-            <a:off x="12388404" y="14046324"/>
-            <a:ext cx="3073307" cy="407449"/>
-          </a:xfrm>
-          <a:prstGeom prst="rect">
-            <a:avLst/>
-          </a:prstGeom>
-        </p:spPr>
-        <p:style>
-          <a:lnRef idx="2">
-            <a:schemeClr val="dk1"/>
-          </a:lnRef>
-          <a:fillRef idx="1">
-            <a:schemeClr val="lt1"/>
-          </a:fillRef>
-          <a:effectRef idx="0">
-            <a:schemeClr val="dk1"/>
-          </a:effectRef>
-          <a:fontRef idx="minor">
-            <a:schemeClr val="dk1"/>
-          </a:fontRef>
-        </p:style>
-        <p:txBody>
-          <a:bodyPr lIns="114301" tIns="57150" rIns="114301" bIns="57150" rtlCol="0" anchor="ctr"/>
-          <a:lstStyle/>
-          <a:p>
-            <a:pPr algn="ctr"/>
-            <a:r>
-              <a:rPr lang="en-US" sz="1600" dirty="0"/>
-              <a:t>/home/pr/exp3/train_model.py</a:t>
-            </a:r>
           </a:p>
         </p:txBody>
       </p:sp>
@@ -14258,6 +14105,54 @@
           </a:p>
         </p:txBody>
       </p:sp>
+      <p:cxnSp>
+        <p:nvCxnSpPr>
+          <p:cNvPr id="34" name="Straight Arrow Connector 7">
+            <a:extLst>
+              <a:ext uri="{FF2B5EF4-FFF2-40B4-BE49-F238E27FC236}">
+                <a16:creationId xmlns:a16="http://schemas.microsoft.com/office/drawing/2014/main" id="{D1C84D74-2DF4-8657-D9C1-D7200A8BEDD4}"/>
+              </a:ext>
+            </a:extLst>
+          </p:cNvPr>
+          <p:cNvCxnSpPr>
+            <a:cxnSpLocks/>
+            <a:endCxn id="175" idx="3"/>
+          </p:cNvCxnSpPr>
+          <p:nvPr/>
+        </p:nvCxnSpPr>
+        <p:spPr>
+          <a:xfrm rot="10800000" flipV="1">
+            <a:off x="2268861" y="6452750"/>
+            <a:ext cx="10107075" cy="7857818"/>
+          </a:xfrm>
+          <a:prstGeom prst="bentConnector3">
+            <a:avLst>
+              <a:gd name="adj1" fmla="val 18654"/>
+            </a:avLst>
+          </a:prstGeom>
+          <a:ln w="19050">
+            <a:solidFill>
+              <a:srgbClr val="7030A0"/>
+            </a:solidFill>
+            <a:headEnd type="triangle" w="med" len="med"/>
+            <a:tailEnd type="none" w="med" len="med"/>
+          </a:ln>
+        </p:spPr>
+        <p:style>
+          <a:lnRef idx="1">
+            <a:schemeClr val="accent1"/>
+          </a:lnRef>
+          <a:fillRef idx="0">
+            <a:schemeClr val="accent1"/>
+          </a:fillRef>
+          <a:effectRef idx="0">
+            <a:schemeClr val="accent1"/>
+          </a:effectRef>
+          <a:fontRef idx="minor">
+            <a:schemeClr val="tx1"/>
+          </a:fontRef>
+        </p:style>
+      </p:cxnSp>
     </p:spTree>
     <p:extLst>
       <p:ext uri="{BB962C8B-B14F-4D97-AF65-F5344CB8AC3E}">

--- a/example_workflow_3/provenance/workflow_3_graph.pptx
+++ b/example_workflow_3/provenance/workflow_3_graph.pptx
@@ -9033,7 +9033,7 @@
         <p:spPr>
           <a:xfrm>
             <a:off x="16260193" y="2832160"/>
-            <a:ext cx="9039311" cy="14344791"/>
+            <a:ext cx="10090456" cy="14344791"/>
           </a:xfrm>
           <a:prstGeom prst="rect">
             <a:avLst/>
@@ -9059,18 +9059,6 @@
           <a:p>
             <a:r>
               <a:rPr lang="en-US" sz="1600" dirty="0"/>
-              <a:t>/pr/venv/lib/python3.11/site-packages/numpy/core/_multiarray_umath.cpython-311-x86_64-linux-gnu.so</a:t>
-            </a:r>
-          </a:p>
-          <a:p>
-            <a:r>
-              <a:rPr lang="en-US" sz="1600" dirty="0"/>
-              <a:t>/home/pr/venv/lib/python3.11/site-packages/numpy.libs/libopenblas64_p-r0-0cf96a72.3.23.dev.so</a:t>
-            </a:r>
-          </a:p>
-          <a:p>
-            <a:r>
-              <a:rPr lang="en-US" sz="1600" dirty="0"/>
               <a:t>/home/pr/</a:t>
             </a:r>
             <a:r>
@@ -9083,11 +9071,11 @@
             </a:r>
             <a:r>
               <a:rPr lang="en-US" sz="1600" dirty="0" err="1"/>
-              <a:t>numpy.libs</a:t>
-            </a:r>
-            <a:r>
-              <a:rPr lang="en-US" sz="1600" dirty="0"/>
-              <a:t>/libgfortran-040039e1.so.5.0.0</a:t>
+              <a:t>numpy</a:t>
+            </a:r>
+            <a:r>
+              <a:rPr lang="en-US" sz="1600" dirty="0"/>
+              <a:t>/core/_multiarray_umath.cpython-311-x86_64-linux-gnu.so</a:t>
             </a:r>
           </a:p>
           <a:p>
@@ -9109,325 +9097,1033 @@
             </a:r>
             <a:r>
               <a:rPr lang="en-US" sz="1600" dirty="0"/>
+              <a:t>/libopenblas64_p-r0-0cf96a72.3.23.dev.so</a:t>
+            </a:r>
+          </a:p>
+          <a:p>
+            <a:r>
+              <a:rPr lang="en-US" sz="1600" dirty="0"/>
+              <a:t>/home/pr/</a:t>
+            </a:r>
+            <a:r>
+              <a:rPr lang="en-US" sz="1600" dirty="0" err="1"/>
+              <a:t>venv</a:t>
+            </a:r>
+            <a:r>
+              <a:rPr lang="en-US" sz="1600" dirty="0"/>
+              <a:t>/lib/python3.11/site-packages/</a:t>
+            </a:r>
+            <a:r>
+              <a:rPr lang="en-US" sz="1600" dirty="0" err="1"/>
+              <a:t>numpy.libs</a:t>
+            </a:r>
+            <a:r>
+              <a:rPr lang="en-US" sz="1600" dirty="0"/>
+              <a:t>/libgfortran-040039e1.so.5.0.0</a:t>
+            </a:r>
+          </a:p>
+          <a:p>
+            <a:r>
+              <a:rPr lang="en-US" sz="1600" dirty="0"/>
+              <a:t>/home/pr/</a:t>
+            </a:r>
+            <a:r>
+              <a:rPr lang="en-US" sz="1600" dirty="0" err="1"/>
+              <a:t>venv</a:t>
+            </a:r>
+            <a:r>
+              <a:rPr lang="en-US" sz="1600" dirty="0"/>
+              <a:t>/lib/python3.11/site-packages/</a:t>
+            </a:r>
+            <a:r>
+              <a:rPr lang="en-US" sz="1600" dirty="0" err="1"/>
+              <a:t>numpy.libs</a:t>
+            </a:r>
+            <a:r>
+              <a:rPr lang="en-US" sz="1600" dirty="0"/>
               <a:t>/libquadmath-96973f99.so.0.0.0</a:t>
             </a:r>
           </a:p>
           <a:p>
             <a:r>
               <a:rPr lang="en-US" sz="1600" dirty="0"/>
-              <a:t>/pr/venv/lib/python3.11/site-packages/numpy/core/_multiarray_tests.cpython-311-x86_64-linux-gnu.so</a:t>
-            </a:r>
-          </a:p>
-          <a:p>
-            <a:r>
-              <a:rPr lang="en-US" sz="1600" dirty="0"/>
-              <a:t>/pr/venv/lib/python3.11/site-packages/numpy/linalg/_umath_linalg.cpython-311-x86_64-linux-gnu.so</a:t>
-            </a:r>
-          </a:p>
-          <a:p>
-            <a:r>
-              <a:rPr lang="en-US" sz="1600" dirty="0"/>
-              <a:t>/pr/venv/lib/python3.11/site-packages/numpy/fft/_pocketfft_internal.cpython-311-x86_64-linux-gnu.so</a:t>
-            </a:r>
-          </a:p>
-          <a:p>
-            <a:r>
-              <a:rPr lang="en-US" sz="1600" dirty="0"/>
-              <a:t>/pr/venv/lib/python3.11/site-packages/numpy/random/mtrand.cpython-311-x86_64-linux-gnu.so</a:t>
-            </a:r>
-          </a:p>
-          <a:p>
-            <a:r>
-              <a:rPr lang="en-US" sz="1600" dirty="0"/>
-              <a:t>/pr/venv/lib/python3.11/site-packages/numpy/random/bit_generator.cpython-311-x86_64-linux-gnu.so</a:t>
-            </a:r>
-          </a:p>
-          <a:p>
-            <a:r>
-              <a:rPr lang="en-US" sz="1600" dirty="0"/>
-              <a:t>/pr/venv/lib/python3.11/site-packages/numpy/random/_common.cpython-311-x86_64-linux-gnu.so</a:t>
-            </a:r>
-          </a:p>
-          <a:p>
-            <a:r>
-              <a:rPr lang="en-US" sz="1600" dirty="0"/>
-              <a:t>/pr/venv/lib/python3.11/site-packages/numpy/random/_bounded_integers.cpython-311-x86_64-linux-gnu.so</a:t>
-            </a:r>
-          </a:p>
-          <a:p>
-            <a:r>
-              <a:rPr lang="en-US" sz="1600" dirty="0"/>
-              <a:t>/pr/venv/lib/python3.11/site-packages/numpy/random/_mt19937.cpython-311-x86_64-linux-gnu.so</a:t>
-            </a:r>
-          </a:p>
-          <a:p>
-            <a:r>
-              <a:rPr lang="en-US" sz="1600" dirty="0"/>
-              <a:t>/pr/venv/lib/python3.11/site-packages/numpy/random/_philox.cpython-311-x86_64-linux-gnu.so</a:t>
-            </a:r>
-          </a:p>
-          <a:p>
-            <a:r>
-              <a:rPr lang="en-US" sz="1600" dirty="0"/>
-              <a:t>/pr/venv/lib/python3.11/site-packages/numpy/random/_pcg64.cpython-311-x86_64-linux-gnu.so</a:t>
-            </a:r>
-          </a:p>
-          <a:p>
-            <a:r>
-              <a:rPr lang="en-US" sz="1600" dirty="0"/>
-              <a:t>/pr/venv/lib/python3.11/site-packages/numpy/random/_sfc64.cpython-311-x86_64-linux-gnu.so</a:t>
-            </a:r>
-          </a:p>
-          <a:p>
-            <a:r>
-              <a:rPr lang="en-US" sz="1600" dirty="0"/>
-              <a:t>/pr/venv/lib/python3.11/site-packages/numpy/random/_generator.cpython-311-x86_64-linux-gnu.so</a:t>
-            </a:r>
-          </a:p>
-          <a:p>
-            <a:r>
-              <a:rPr lang="en-US" sz="1600" dirty="0"/>
-              <a:t>/pr/venv/lib/python3.11/site-packages/pandas/_libs/pandas_parser.cpython-311-x86_64-linux-gnu.so</a:t>
-            </a:r>
-          </a:p>
-          <a:p>
-            <a:r>
-              <a:rPr lang="en-US" sz="1600" dirty="0"/>
-              <a:t>/pr/venv/lib/python3.11/site-packages/pandas/_libs/pandas_datetime.cpython-311-x86_64-linux-gnu.so</a:t>
-            </a:r>
-          </a:p>
-          <a:p>
-            <a:r>
-              <a:rPr lang="en-US" sz="1600" dirty="0"/>
-              <a:t>/pr/venv/lib/python3.11/site-packages/pandas/_libs/interval.cpython-311-x86_64-linux-gnu.so</a:t>
-            </a:r>
-          </a:p>
-          <a:p>
-            <a:r>
-              <a:rPr lang="en-US" sz="1600" dirty="0"/>
-              <a:t>/pr/venv/lib/python3.11/site-packages/pandas/_libs/hashtable.cpython-311-x86_64-linux-gnu.so</a:t>
-            </a:r>
-          </a:p>
-          <a:p>
-            <a:r>
-              <a:rPr lang="en-US" sz="1600" dirty="0"/>
-              <a:t>/pr/venv/lib/python3.11/site-packages/pandas/_libs/missing.cpython-311-x86_64-linux-gnu.so</a:t>
-            </a:r>
-          </a:p>
-          <a:p>
-            <a:r>
-              <a:rPr lang="en-US" sz="1600" dirty="0"/>
-              <a:t>/venv/lib/python3.11/site-packages/pandas/_libs/tslibs/dtypes.cpython-311-x86_64-linux-gnu.so</a:t>
-            </a:r>
-          </a:p>
-          <a:p>
-            <a:r>
-              <a:rPr lang="en-US" sz="1600" dirty="0"/>
-              <a:t>/venv/lib/python3.11/site-packages/pandas/_libs/tslibs/np_datetime.cpython-311-x86_64-linux-gnu.so</a:t>
-            </a:r>
-          </a:p>
-          <a:p>
-            <a:r>
-              <a:rPr lang="en-US" sz="1600" dirty="0"/>
-              <a:t>/venv/lib/python3.11/site-packages/pandas/_libs/tslibs/conversion.cpython-311-x86_64-linux-gnu.so</a:t>
-            </a:r>
-          </a:p>
-          <a:p>
-            <a:r>
-              <a:rPr lang="en-US" sz="1600" dirty="0"/>
-              <a:t>/venv/lib/python3.11/site-packages/pandas/_libs/tslibs/base.cpython-311-x86_64-linux-gnu.so</a:t>
-            </a:r>
-          </a:p>
-          <a:p>
-            <a:r>
-              <a:rPr lang="en-US" sz="1600" dirty="0"/>
-              <a:t>/venv/lib/python3.11/site-packages/pandas/_libs/tslibs/offsets.cpython-311-x86_64-linux-gnu.so</a:t>
-            </a:r>
-          </a:p>
-          <a:p>
-            <a:r>
-              <a:rPr lang="en-US" sz="1600" dirty="0"/>
-              <a:t>/venv/lib/python3.11/site-packages/pandas/_libs/tslibs/timestamps.cpython-311-x86_64-linux-gnu.so</a:t>
-            </a:r>
-          </a:p>
-          <a:p>
-            <a:r>
-              <a:rPr lang="en-US" sz="1600" dirty="0"/>
-              <a:t>/venv/lib/python3.11/site-packages/pandas/_libs/tslibs/nattype.cpython-311-x86_64-linux-gnu.so</a:t>
-            </a:r>
-          </a:p>
-          <a:p>
-            <a:r>
-              <a:rPr lang="en-US" sz="1600" dirty="0"/>
-              <a:t>/venv/lib/python3.11/site-packages/pandas/_libs/tslibs/timedeltas.cpython-311-x86_64-linux-gnu.so</a:t>
-            </a:r>
-          </a:p>
-          <a:p>
-            <a:r>
-              <a:rPr lang="en-US" sz="1600" dirty="0"/>
-              <a:t>/venv/lib/python3.11/site-packages/pandas/_libs/tslibs/timezones.cpython-311-x86_64-linux-gnu.so</a:t>
-            </a:r>
-          </a:p>
-          <a:p>
-            <a:r>
-              <a:rPr lang="en-US" sz="1600" dirty="0"/>
-              <a:t>/venv/lib/python3.11/site-packages/pandas/_libs/tslibs/fields.cpython-311-x86_64-linux-gnu.so</a:t>
-            </a:r>
-          </a:p>
-          <a:p>
-            <a:r>
-              <a:rPr lang="en-US" sz="1600" dirty="0"/>
-              <a:t>/venv/lib/python3.11/site-packages/pandas/_libs/tslibs/ccalendar.cpython-311-x86_64-linux-gnu.so</a:t>
-            </a:r>
-          </a:p>
-          <a:p>
-            <a:r>
-              <a:rPr lang="en-US" sz="1600" dirty="0"/>
-              <a:t>/venv/lib/python3.11/site-packages/pandas/_libs/tslibs/tzconversion.cpython-311-x86_64-linux-gnu.so</a:t>
-            </a:r>
-          </a:p>
-          <a:p>
-            <a:r>
-              <a:rPr lang="en-US" sz="1600" dirty="0"/>
-              <a:t>/pr/venv/lib/python3.11/site-packages/pandas/_libs/properties.cpython-311-x86_64-linux-gnu.so</a:t>
-            </a:r>
-          </a:p>
-          <a:p>
-            <a:r>
-              <a:rPr lang="en-US" sz="1600" dirty="0"/>
-              <a:t>/venv/lib/python3.11/site-packages/pandas/_libs/tslibs/parsing.cpython-311-x86_64-linux-gnu.so</a:t>
-            </a:r>
-          </a:p>
-          <a:p>
-            <a:r>
-              <a:rPr lang="en-US" sz="1600" dirty="0"/>
-              <a:t>/venv/lib/python3.11/site-packages/pandas/_libs/tslibs/strptime.cpython-311-x86_64-linux-gnu.so</a:t>
-            </a:r>
-          </a:p>
-          <a:p>
-            <a:r>
-              <a:rPr lang="en-US" sz="1600" dirty="0"/>
-              <a:t>/venv/lib/python3.11/site-packages/pandas/_libs/tslibs/period.cpython-311-x86_64-linux-gnu.so</a:t>
-            </a:r>
-          </a:p>
-          <a:p>
-            <a:r>
-              <a:rPr lang="en-US" sz="1600" dirty="0"/>
-              <a:t>/venv/lib/python3.11/site-packages/pandas/_libs/tslibs/vectorized.cpython-311-x86_64-linux-gnu.so</a:t>
-            </a:r>
-          </a:p>
-          <a:p>
-            <a:r>
-              <a:rPr lang="en-US" sz="1600" dirty="0"/>
-              <a:t>/pr/venv/lib/python3.11/site-packages/pandas/_libs/ops_dispatch.cpython-311-x86_64-linux-gnu.so</a:t>
-            </a:r>
-          </a:p>
-          <a:p>
-            <a:r>
-              <a:rPr lang="en-US" sz="1600" dirty="0"/>
-              <a:t>/pr/venv/lib/python3.11/site-packages/pandas/_libs/algos.cpython-311-x86_64-linux-gnu.so</a:t>
-            </a:r>
-          </a:p>
-          <a:p>
-            <a:r>
-              <a:rPr lang="en-US" sz="1600" dirty="0"/>
-              <a:t>/pr/venv/lib/python3.11/site-packages/pandas/_libs/lib.cpython-311-x86_64-linux-gnu.so</a:t>
-            </a:r>
-          </a:p>
-          <a:p>
-            <a:r>
-              <a:rPr lang="en-US" sz="1600" dirty="0"/>
-              <a:t>/pr/venv/lib/python3.11/site-packages/pandas/_libs/ops.cpython-311-x86_64-linux-gnu.so</a:t>
-            </a:r>
-          </a:p>
-          <a:p>
-            <a:r>
-              <a:rPr lang="en-US" sz="1600" dirty="0"/>
-              <a:t>/pr/venv/lib/python3.11/site-packages/pandas/_libs/arrays.cpython-311-x86_64-linux-gnu.so</a:t>
-            </a:r>
-          </a:p>
-          <a:p>
-            <a:r>
-              <a:rPr lang="en-US" sz="1600" dirty="0"/>
-              <a:t>/pr/venv/lib/python3.11/site-packages/pandas/_libs/tslib.cpython-311-x86_64-linux-gnu.so</a:t>
-            </a:r>
-          </a:p>
-          <a:p>
-            <a:r>
-              <a:rPr lang="en-US" sz="1600" dirty="0"/>
-              <a:t>/pr/venv/lib/python3.11/site-packages/pandas/_libs/sparse.cpython-311-x86_64-linux-gnu.so</a:t>
-            </a:r>
-          </a:p>
-          <a:p>
-            <a:r>
-              <a:rPr lang="en-US" sz="1600" dirty="0"/>
-              <a:t>/pr/venv/lib/python3.11/site-packages/pandas/_libs/indexing.cpython-311-x86_64-linux-gnu.so</a:t>
-            </a:r>
-          </a:p>
-          <a:p>
-            <a:r>
-              <a:rPr lang="en-US" sz="1600" dirty="0"/>
-              <a:t>/pr/venv/lib/python3.11/site-packages/pandas/_libs/index.cpython-311-x86_64-linux-gnu.so</a:t>
-            </a:r>
-          </a:p>
-          <a:p>
-            <a:r>
-              <a:rPr lang="en-US" sz="1600" dirty="0"/>
-              <a:t>/pr/venv/lib/python3.11/site-packages/pandas/_libs/internals.cpython-311-x86_64-linux-gnu.so</a:t>
-            </a:r>
-          </a:p>
-          <a:p>
-            <a:r>
-              <a:rPr lang="en-US" sz="1600" dirty="0"/>
-              <a:t>/pr/venv/lib/python3.11/site-packages/pandas/_libs/join.cpython-311-x86_64-linux-gnu.so</a:t>
-            </a:r>
-          </a:p>
-          <a:p>
-            <a:r>
-              <a:rPr lang="en-US" sz="1600" dirty="0"/>
-              <a:t>/pr/venv/lib/python3.11/site-packages/pandas/_libs/writers.cpython-311-x86_64-linux-gnu.so</a:t>
-            </a:r>
-          </a:p>
-          <a:p>
-            <a:r>
-              <a:rPr lang="en-US" sz="1600" dirty="0"/>
-              <a:t>/venv/lib/python3.11/site-packages/pandas/_libs/window/aggregations.cpython-311-x86_64-linux-gnu.so</a:t>
-            </a:r>
-          </a:p>
-          <a:p>
-            <a:r>
-              <a:rPr lang="en-US" sz="1600" dirty="0"/>
-              <a:t>/venv/lib/python3.11/site-packages/pandas/_libs/window/indexers.cpython-311-x86_64-linux-gnu.so</a:t>
-            </a:r>
-          </a:p>
-          <a:p>
-            <a:r>
-              <a:rPr lang="en-US" sz="1600" dirty="0"/>
-              <a:t>/pr/venv/lib/python3.11/site-packages/pandas/_libs/reshape.cpython-311-x86_64-linux-gnu.so</a:t>
-            </a:r>
-          </a:p>
-          <a:p>
-            <a:r>
-              <a:rPr lang="en-US" sz="1600" dirty="0"/>
-              <a:t>/pr/venv/lib/python3.11/site-packages/pandas/_libs/groupby.cpython-311-x86_64-linux-gnu.so</a:t>
-            </a:r>
-          </a:p>
-          <a:p>
-            <a:r>
-              <a:rPr lang="en-US" sz="1600" dirty="0"/>
-              <a:t>/pr/venv/lib/python3.11/site-packages/pandas/_libs/json.cpython-311-x86_64-linux-gnu.so</a:t>
-            </a:r>
-          </a:p>
-          <a:p>
-            <a:r>
-              <a:rPr lang="en-US" sz="1600" dirty="0"/>
-              <a:t>/pr/venv/lib/python3.11/site-packages/pandas/_libs/parsers.cpython-311-x86_64-linux-gnu.so</a:t>
-            </a:r>
-          </a:p>
-          <a:p>
-            <a:r>
-              <a:rPr lang="en-US" sz="1600" dirty="0"/>
-              <a:t>/pr/venv/lib/python3.11/site-packages/pandas/_libs/testing.cpython-311-x86_64-linux-gnu.so</a:t>
+              <a:t>/home/pr/</a:t>
+            </a:r>
+            <a:r>
+              <a:rPr lang="en-US" sz="1600" dirty="0" err="1"/>
+              <a:t>venv</a:t>
+            </a:r>
+            <a:r>
+              <a:rPr lang="en-US" sz="1600" dirty="0"/>
+              <a:t>/lib/python3.11/site-packages/</a:t>
+            </a:r>
+            <a:r>
+              <a:rPr lang="en-US" sz="1600" dirty="0" err="1"/>
+              <a:t>numpy</a:t>
+            </a:r>
+            <a:r>
+              <a:rPr lang="en-US" sz="1600" dirty="0"/>
+              <a:t>/core/_multiarray_tests.cpython-311-x86_64-linux-gnu.so</a:t>
+            </a:r>
+          </a:p>
+          <a:p>
+            <a:r>
+              <a:rPr lang="en-US" sz="1600" dirty="0"/>
+              <a:t>/home/pr/</a:t>
+            </a:r>
+            <a:r>
+              <a:rPr lang="en-US" sz="1600" dirty="0" err="1"/>
+              <a:t>venv</a:t>
+            </a:r>
+            <a:r>
+              <a:rPr lang="en-US" sz="1600" dirty="0"/>
+              <a:t>/lib/python3.11/site-packages/</a:t>
+            </a:r>
+            <a:r>
+              <a:rPr lang="en-US" sz="1600" dirty="0" err="1"/>
+              <a:t>numpy</a:t>
+            </a:r>
+            <a:r>
+              <a:rPr lang="en-US" sz="1600" dirty="0"/>
+              <a:t>/</a:t>
+            </a:r>
+            <a:r>
+              <a:rPr lang="en-US" sz="1600" dirty="0" err="1"/>
+              <a:t>linalg</a:t>
+            </a:r>
+            <a:r>
+              <a:rPr lang="en-US" sz="1600" dirty="0"/>
+              <a:t>/_umath_linalg.cpython-311-x86_64-linux-gnu.so</a:t>
+            </a:r>
+          </a:p>
+          <a:p>
+            <a:r>
+              <a:rPr lang="en-US" sz="1600" dirty="0"/>
+              <a:t>/home/pr/</a:t>
+            </a:r>
+            <a:r>
+              <a:rPr lang="en-US" sz="1600" dirty="0" err="1"/>
+              <a:t>venv</a:t>
+            </a:r>
+            <a:r>
+              <a:rPr lang="en-US" sz="1600" dirty="0"/>
+              <a:t>/lib/python3.11/site-packages/</a:t>
+            </a:r>
+            <a:r>
+              <a:rPr lang="en-US" sz="1600" dirty="0" err="1"/>
+              <a:t>numpy</a:t>
+            </a:r>
+            <a:r>
+              <a:rPr lang="en-US" sz="1600" dirty="0"/>
+              <a:t>/</a:t>
+            </a:r>
+            <a:r>
+              <a:rPr lang="en-US" sz="1600" dirty="0" err="1"/>
+              <a:t>fft</a:t>
+            </a:r>
+            <a:r>
+              <a:rPr lang="en-US" sz="1600" dirty="0"/>
+              <a:t>/_pocketfft_internal.cpython-311-x86_64-linux-gnu.so</a:t>
+            </a:r>
+          </a:p>
+          <a:p>
+            <a:r>
+              <a:rPr lang="en-US" sz="1600" dirty="0"/>
+              <a:t>/home/pr/</a:t>
+            </a:r>
+            <a:r>
+              <a:rPr lang="en-US" sz="1600" dirty="0" err="1"/>
+              <a:t>venv</a:t>
+            </a:r>
+            <a:r>
+              <a:rPr lang="en-US" sz="1600" dirty="0"/>
+              <a:t>/lib/python3.11/site-packages/</a:t>
+            </a:r>
+            <a:r>
+              <a:rPr lang="en-US" sz="1600" dirty="0" err="1"/>
+              <a:t>numpy</a:t>
+            </a:r>
+            <a:r>
+              <a:rPr lang="en-US" sz="1600" dirty="0"/>
+              <a:t>/random/mtrand.cpython-311-x86_64-linux-gnu.so</a:t>
+            </a:r>
+          </a:p>
+          <a:p>
+            <a:r>
+              <a:rPr lang="en-US" sz="1600" dirty="0"/>
+              <a:t>/home/pr/</a:t>
+            </a:r>
+            <a:r>
+              <a:rPr lang="en-US" sz="1600" dirty="0" err="1"/>
+              <a:t>venv</a:t>
+            </a:r>
+            <a:r>
+              <a:rPr lang="en-US" sz="1600" dirty="0"/>
+              <a:t>/lib/python3.11/site-packages/</a:t>
+            </a:r>
+            <a:r>
+              <a:rPr lang="en-US" sz="1600" dirty="0" err="1"/>
+              <a:t>numpy</a:t>
+            </a:r>
+            <a:r>
+              <a:rPr lang="en-US" sz="1600" dirty="0"/>
+              <a:t>/random/bit_generator.cpython-311-x86_64-linux-gnu.so</a:t>
+            </a:r>
+          </a:p>
+          <a:p>
+            <a:r>
+              <a:rPr lang="en-US" sz="1600" dirty="0"/>
+              <a:t>/home/pr/</a:t>
+            </a:r>
+            <a:r>
+              <a:rPr lang="en-US" sz="1600" dirty="0" err="1"/>
+              <a:t>venv</a:t>
+            </a:r>
+            <a:r>
+              <a:rPr lang="en-US" sz="1600" dirty="0"/>
+              <a:t>/lib/python3.11/site-packages/</a:t>
+            </a:r>
+            <a:r>
+              <a:rPr lang="en-US" sz="1600" dirty="0" err="1"/>
+              <a:t>numpy</a:t>
+            </a:r>
+            <a:r>
+              <a:rPr lang="en-US" sz="1600" dirty="0"/>
+              <a:t>/random/_common.cpython-311-x86_64-linux-gnu.so</a:t>
+            </a:r>
+          </a:p>
+          <a:p>
+            <a:r>
+              <a:rPr lang="en-US" sz="1600" dirty="0"/>
+              <a:t>/home/pr/</a:t>
+            </a:r>
+            <a:r>
+              <a:rPr lang="en-US" sz="1600" dirty="0" err="1"/>
+              <a:t>venv</a:t>
+            </a:r>
+            <a:r>
+              <a:rPr lang="en-US" sz="1600" dirty="0"/>
+              <a:t>/lib/python3.11/site-packages/</a:t>
+            </a:r>
+            <a:r>
+              <a:rPr lang="en-US" sz="1600" dirty="0" err="1"/>
+              <a:t>numpy</a:t>
+            </a:r>
+            <a:r>
+              <a:rPr lang="en-US" sz="1600" dirty="0"/>
+              <a:t>/random/_bounded_integers.cpython-311-x86_64-linux-gnu.so</a:t>
+            </a:r>
+          </a:p>
+          <a:p>
+            <a:r>
+              <a:rPr lang="en-US" sz="1600" dirty="0"/>
+              <a:t>/home/pr/</a:t>
+            </a:r>
+            <a:r>
+              <a:rPr lang="en-US" sz="1600" dirty="0" err="1"/>
+              <a:t>venv</a:t>
+            </a:r>
+            <a:r>
+              <a:rPr lang="en-US" sz="1600" dirty="0"/>
+              <a:t>/lib/python3.11/site-packages/</a:t>
+            </a:r>
+            <a:r>
+              <a:rPr lang="en-US" sz="1600" dirty="0" err="1"/>
+              <a:t>numpy</a:t>
+            </a:r>
+            <a:r>
+              <a:rPr lang="en-US" sz="1600" dirty="0"/>
+              <a:t>/random/_mt19937.cpython-311-x86_64-linux-gnu.so</a:t>
+            </a:r>
+          </a:p>
+          <a:p>
+            <a:r>
+              <a:rPr lang="en-US" sz="1600" dirty="0"/>
+              <a:t>/home/pr/</a:t>
+            </a:r>
+            <a:r>
+              <a:rPr lang="en-US" sz="1600" dirty="0" err="1"/>
+              <a:t>venv</a:t>
+            </a:r>
+            <a:r>
+              <a:rPr lang="en-US" sz="1600" dirty="0"/>
+              <a:t>/lib/python3.11/site-packages/</a:t>
+            </a:r>
+            <a:r>
+              <a:rPr lang="en-US" sz="1600" dirty="0" err="1"/>
+              <a:t>numpy</a:t>
+            </a:r>
+            <a:r>
+              <a:rPr lang="en-US" sz="1600" dirty="0"/>
+              <a:t>/random/_philox.cpython-311-x86_64-linux-gnu.so</a:t>
+            </a:r>
+          </a:p>
+          <a:p>
+            <a:r>
+              <a:rPr lang="en-US" sz="1600" dirty="0"/>
+              <a:t>/home/pr/</a:t>
+            </a:r>
+            <a:r>
+              <a:rPr lang="en-US" sz="1600" dirty="0" err="1"/>
+              <a:t>venv</a:t>
+            </a:r>
+            <a:r>
+              <a:rPr lang="en-US" sz="1600" dirty="0"/>
+              <a:t>/lib/python3.11/site-packages/</a:t>
+            </a:r>
+            <a:r>
+              <a:rPr lang="en-US" sz="1600" dirty="0" err="1"/>
+              <a:t>numpy</a:t>
+            </a:r>
+            <a:r>
+              <a:rPr lang="en-US" sz="1600" dirty="0"/>
+              <a:t>/random/_pcg64.cpython-311-x86_64-linux-gnu.so</a:t>
+            </a:r>
+          </a:p>
+          <a:p>
+            <a:r>
+              <a:rPr lang="en-US" sz="1600" dirty="0"/>
+              <a:t>/home/pr/</a:t>
+            </a:r>
+            <a:r>
+              <a:rPr lang="en-US" sz="1600" dirty="0" err="1"/>
+              <a:t>venv</a:t>
+            </a:r>
+            <a:r>
+              <a:rPr lang="en-US" sz="1600" dirty="0"/>
+              <a:t>/lib/python3.11/site-packages/</a:t>
+            </a:r>
+            <a:r>
+              <a:rPr lang="en-US" sz="1600" dirty="0" err="1"/>
+              <a:t>numpy</a:t>
+            </a:r>
+            <a:r>
+              <a:rPr lang="en-US" sz="1600" dirty="0"/>
+              <a:t>/random/_sfc64.cpython-311-x86_64-linux-gnu.so</a:t>
+            </a:r>
+          </a:p>
+          <a:p>
+            <a:r>
+              <a:rPr lang="en-US" sz="1600" dirty="0"/>
+              <a:t>/home/pr/</a:t>
+            </a:r>
+            <a:r>
+              <a:rPr lang="en-US" sz="1600" dirty="0" err="1"/>
+              <a:t>venv</a:t>
+            </a:r>
+            <a:r>
+              <a:rPr lang="en-US" sz="1600" dirty="0"/>
+              <a:t>/lib/python3.11/site-packages/</a:t>
+            </a:r>
+            <a:r>
+              <a:rPr lang="en-US" sz="1600" dirty="0" err="1"/>
+              <a:t>numpy</a:t>
+            </a:r>
+            <a:r>
+              <a:rPr lang="en-US" sz="1600" dirty="0"/>
+              <a:t>/random/_generator.cpython-311-x86_64-linux-gnu.so</a:t>
+            </a:r>
+          </a:p>
+          <a:p>
+            <a:r>
+              <a:rPr lang="en-US" sz="1600" dirty="0"/>
+              <a:t>/home/pr/</a:t>
+            </a:r>
+            <a:r>
+              <a:rPr lang="en-US" sz="1600" dirty="0" err="1"/>
+              <a:t>venv</a:t>
+            </a:r>
+            <a:r>
+              <a:rPr lang="en-US" sz="1600" dirty="0"/>
+              <a:t>/lib/python3.11/site-packages/pandas/_libs/pandas_parser.cpython-311-x86_64-linux-gnu.so</a:t>
+            </a:r>
+          </a:p>
+          <a:p>
+            <a:r>
+              <a:rPr lang="en-US" sz="1600" dirty="0"/>
+              <a:t>/home/pr/</a:t>
+            </a:r>
+            <a:r>
+              <a:rPr lang="en-US" sz="1600" dirty="0" err="1"/>
+              <a:t>venv</a:t>
+            </a:r>
+            <a:r>
+              <a:rPr lang="en-US" sz="1600" dirty="0"/>
+              <a:t>/lib/python3.11/site-packages/pandas/_libs/pandas_datetime.cpython-311-x86_64-linux-gnu.so</a:t>
+            </a:r>
+          </a:p>
+          <a:p>
+            <a:r>
+              <a:rPr lang="en-US" sz="1600" dirty="0"/>
+              <a:t>/home/pr/</a:t>
+            </a:r>
+            <a:r>
+              <a:rPr lang="en-US" sz="1600" dirty="0" err="1"/>
+              <a:t>venv</a:t>
+            </a:r>
+            <a:r>
+              <a:rPr lang="en-US" sz="1600" dirty="0"/>
+              <a:t>/lib/python3.11/site-packages/pandas/_libs/interval.cpython-311-x86_64-linux-gnu.so</a:t>
+            </a:r>
+          </a:p>
+          <a:p>
+            <a:r>
+              <a:rPr lang="en-US" sz="1600" dirty="0"/>
+              <a:t>/home/pr/</a:t>
+            </a:r>
+            <a:r>
+              <a:rPr lang="en-US" sz="1600" dirty="0" err="1"/>
+              <a:t>venv</a:t>
+            </a:r>
+            <a:r>
+              <a:rPr lang="en-US" sz="1600" dirty="0"/>
+              <a:t>/lib/python3.11/site-packages/pandas/_libs/hashtable.cpython-311-x86_64-linux-gnu.so</a:t>
+            </a:r>
+          </a:p>
+          <a:p>
+            <a:r>
+              <a:rPr lang="en-US" sz="1600" dirty="0"/>
+              <a:t>/home/pr/</a:t>
+            </a:r>
+            <a:r>
+              <a:rPr lang="en-US" sz="1600" dirty="0" err="1"/>
+              <a:t>venv</a:t>
+            </a:r>
+            <a:r>
+              <a:rPr lang="en-US" sz="1600" dirty="0"/>
+              <a:t>/lib/python3.11/site-packages/pandas/_libs/missing.cpython-311-x86_64-linux-gnu.so</a:t>
+            </a:r>
+          </a:p>
+          <a:p>
+            <a:r>
+              <a:rPr lang="en-US" sz="1600" dirty="0"/>
+              <a:t>/home/pr/</a:t>
+            </a:r>
+            <a:r>
+              <a:rPr lang="en-US" sz="1600" dirty="0" err="1"/>
+              <a:t>venv</a:t>
+            </a:r>
+            <a:r>
+              <a:rPr lang="en-US" sz="1600" dirty="0"/>
+              <a:t>/lib/python3.11/site-packages/pandas/_libs/</a:t>
+            </a:r>
+            <a:r>
+              <a:rPr lang="en-US" sz="1600" dirty="0" err="1"/>
+              <a:t>tslibs</a:t>
+            </a:r>
+            <a:r>
+              <a:rPr lang="en-US" sz="1600" dirty="0"/>
+              <a:t>/dtypes.cpython-311-x86_64-linux-gnu.so</a:t>
+            </a:r>
+          </a:p>
+          <a:p>
+            <a:r>
+              <a:rPr lang="en-US" sz="1600" dirty="0"/>
+              <a:t>/home/pr/</a:t>
+            </a:r>
+            <a:r>
+              <a:rPr lang="en-US" sz="1600" dirty="0" err="1"/>
+              <a:t>venv</a:t>
+            </a:r>
+            <a:r>
+              <a:rPr lang="en-US" sz="1600" dirty="0"/>
+              <a:t>/lib/python3.11/site-packages/pandas/_libs/</a:t>
+            </a:r>
+            <a:r>
+              <a:rPr lang="en-US" sz="1600" dirty="0" err="1"/>
+              <a:t>tslibs</a:t>
+            </a:r>
+            <a:r>
+              <a:rPr lang="en-US" sz="1600" dirty="0"/>
+              <a:t>/np_datetime.cpython-311-x86_64-linux-gnu.so</a:t>
+            </a:r>
+          </a:p>
+          <a:p>
+            <a:r>
+              <a:rPr lang="en-US" sz="1600" dirty="0"/>
+              <a:t>/home/pr/</a:t>
+            </a:r>
+            <a:r>
+              <a:rPr lang="en-US" sz="1600" dirty="0" err="1"/>
+              <a:t>venv</a:t>
+            </a:r>
+            <a:r>
+              <a:rPr lang="en-US" sz="1600" dirty="0"/>
+              <a:t>/lib/python3.11/site-packages/pandas/_libs/</a:t>
+            </a:r>
+            <a:r>
+              <a:rPr lang="en-US" sz="1600" dirty="0" err="1"/>
+              <a:t>tslibs</a:t>
+            </a:r>
+            <a:r>
+              <a:rPr lang="en-US" sz="1600" dirty="0"/>
+              <a:t>/conversion.cpython-311-x86_64-linux-gnu.so</a:t>
+            </a:r>
+          </a:p>
+          <a:p>
+            <a:r>
+              <a:rPr lang="en-US" sz="1600" dirty="0"/>
+              <a:t>/home/pr/</a:t>
+            </a:r>
+            <a:r>
+              <a:rPr lang="en-US" sz="1600" dirty="0" err="1"/>
+              <a:t>venv</a:t>
+            </a:r>
+            <a:r>
+              <a:rPr lang="en-US" sz="1600" dirty="0"/>
+              <a:t>/lib/python3.11/site-packages/pandas/_libs/</a:t>
+            </a:r>
+            <a:r>
+              <a:rPr lang="en-US" sz="1600" dirty="0" err="1"/>
+              <a:t>tslibs</a:t>
+            </a:r>
+            <a:r>
+              <a:rPr lang="en-US" sz="1600" dirty="0"/>
+              <a:t>/base.cpython-311-x86_64-linux-gnu.so</a:t>
+            </a:r>
+          </a:p>
+          <a:p>
+            <a:r>
+              <a:rPr lang="en-US" sz="1600" dirty="0"/>
+              <a:t>/home/pr/</a:t>
+            </a:r>
+            <a:r>
+              <a:rPr lang="en-US" sz="1600" dirty="0" err="1"/>
+              <a:t>venv</a:t>
+            </a:r>
+            <a:r>
+              <a:rPr lang="en-US" sz="1600" dirty="0"/>
+              <a:t>/lib/python3.11/site-packages/pandas/_libs/</a:t>
+            </a:r>
+            <a:r>
+              <a:rPr lang="en-US" sz="1600" dirty="0" err="1"/>
+              <a:t>tslibs</a:t>
+            </a:r>
+            <a:r>
+              <a:rPr lang="en-US" sz="1600" dirty="0"/>
+              <a:t>/offsets.cpython-311-x86_64-linux-gnu.so</a:t>
+            </a:r>
+          </a:p>
+          <a:p>
+            <a:r>
+              <a:rPr lang="en-US" sz="1600" dirty="0"/>
+              <a:t>/home/pr/</a:t>
+            </a:r>
+            <a:r>
+              <a:rPr lang="en-US" sz="1600" dirty="0" err="1"/>
+              <a:t>venv</a:t>
+            </a:r>
+            <a:r>
+              <a:rPr lang="en-US" sz="1600" dirty="0"/>
+              <a:t>/lib/python3.11/site-packages/pandas/_libs/</a:t>
+            </a:r>
+            <a:r>
+              <a:rPr lang="en-US" sz="1600" dirty="0" err="1"/>
+              <a:t>tslibs</a:t>
+            </a:r>
+            <a:r>
+              <a:rPr lang="en-US" sz="1600" dirty="0"/>
+              <a:t>/timestamps.cpython-311-x86_64-linux-gnu.so</a:t>
+            </a:r>
+          </a:p>
+          <a:p>
+            <a:r>
+              <a:rPr lang="en-US" sz="1600" dirty="0"/>
+              <a:t>/home/pr/</a:t>
+            </a:r>
+            <a:r>
+              <a:rPr lang="en-US" sz="1600" dirty="0" err="1"/>
+              <a:t>venv</a:t>
+            </a:r>
+            <a:r>
+              <a:rPr lang="en-US" sz="1600" dirty="0"/>
+              <a:t>/lib/python3.11/site-packages/pandas/_libs/</a:t>
+            </a:r>
+            <a:r>
+              <a:rPr lang="en-US" sz="1600" dirty="0" err="1"/>
+              <a:t>tslibs</a:t>
+            </a:r>
+            <a:r>
+              <a:rPr lang="en-US" sz="1600" dirty="0"/>
+              <a:t>/nattype.cpython-311-x86_64-linux-gnu.so</a:t>
+            </a:r>
+          </a:p>
+          <a:p>
+            <a:r>
+              <a:rPr lang="en-US" sz="1600" dirty="0"/>
+              <a:t>/home/pr/</a:t>
+            </a:r>
+            <a:r>
+              <a:rPr lang="en-US" sz="1600" dirty="0" err="1"/>
+              <a:t>venv</a:t>
+            </a:r>
+            <a:r>
+              <a:rPr lang="en-US" sz="1600" dirty="0"/>
+              <a:t>/lib/python3.11/site-packages/pandas/_libs/</a:t>
+            </a:r>
+            <a:r>
+              <a:rPr lang="en-US" sz="1600" dirty="0" err="1"/>
+              <a:t>tslibs</a:t>
+            </a:r>
+            <a:r>
+              <a:rPr lang="en-US" sz="1600" dirty="0"/>
+              <a:t>/timedeltas.cpython-311-x86_64-linux-gnu.so</a:t>
+            </a:r>
+          </a:p>
+          <a:p>
+            <a:r>
+              <a:rPr lang="en-US" sz="1600" dirty="0"/>
+              <a:t>/home/pr/</a:t>
+            </a:r>
+            <a:r>
+              <a:rPr lang="en-US" sz="1600" dirty="0" err="1"/>
+              <a:t>venv</a:t>
+            </a:r>
+            <a:r>
+              <a:rPr lang="en-US" sz="1600" dirty="0"/>
+              <a:t>/lib/python3.11/site-packages/pandas/_libs/</a:t>
+            </a:r>
+            <a:r>
+              <a:rPr lang="en-US" sz="1600" dirty="0" err="1"/>
+              <a:t>tslibs</a:t>
+            </a:r>
+            <a:r>
+              <a:rPr lang="en-US" sz="1600" dirty="0"/>
+              <a:t>/timezones.cpython-311-x86_64-linux-gnu.so</a:t>
+            </a:r>
+          </a:p>
+          <a:p>
+            <a:r>
+              <a:rPr lang="en-US" sz="1600" dirty="0"/>
+              <a:t>/home/pr/</a:t>
+            </a:r>
+            <a:r>
+              <a:rPr lang="en-US" sz="1600" dirty="0" err="1"/>
+              <a:t>venv</a:t>
+            </a:r>
+            <a:r>
+              <a:rPr lang="en-US" sz="1600" dirty="0"/>
+              <a:t>/lib/python3.11/site-packages/pandas/_libs/</a:t>
+            </a:r>
+            <a:r>
+              <a:rPr lang="en-US" sz="1600" dirty="0" err="1"/>
+              <a:t>tslibs</a:t>
+            </a:r>
+            <a:r>
+              <a:rPr lang="en-US" sz="1600" dirty="0"/>
+              <a:t>/fields.cpython-311-x86_64-linux-gnu.so</a:t>
+            </a:r>
+          </a:p>
+          <a:p>
+            <a:r>
+              <a:rPr lang="en-US" sz="1600" dirty="0"/>
+              <a:t>/home/pr/</a:t>
+            </a:r>
+            <a:r>
+              <a:rPr lang="en-US" sz="1600" dirty="0" err="1"/>
+              <a:t>venv</a:t>
+            </a:r>
+            <a:r>
+              <a:rPr lang="en-US" sz="1600" dirty="0"/>
+              <a:t>/lib/python3.11/site-packages/pandas/_libs/</a:t>
+            </a:r>
+            <a:r>
+              <a:rPr lang="en-US" sz="1600" dirty="0" err="1"/>
+              <a:t>tslibs</a:t>
+            </a:r>
+            <a:r>
+              <a:rPr lang="en-US" sz="1600" dirty="0"/>
+              <a:t>/ccalendar.cpython-311-x86_64-linux-gnu.so</a:t>
+            </a:r>
+          </a:p>
+          <a:p>
+            <a:r>
+              <a:rPr lang="en-US" sz="1600" dirty="0"/>
+              <a:t>/home/pr/</a:t>
+            </a:r>
+            <a:r>
+              <a:rPr lang="en-US" sz="1600" dirty="0" err="1"/>
+              <a:t>venv</a:t>
+            </a:r>
+            <a:r>
+              <a:rPr lang="en-US" sz="1600" dirty="0"/>
+              <a:t>/lib/python3.11/site-packages/pandas/_libs/</a:t>
+            </a:r>
+            <a:r>
+              <a:rPr lang="en-US" sz="1600" dirty="0" err="1"/>
+              <a:t>tslibs</a:t>
+            </a:r>
+            <a:r>
+              <a:rPr lang="en-US" sz="1600" dirty="0"/>
+              <a:t>/tzconversion.cpython-311-x86_64-linux-gnu.so</a:t>
+            </a:r>
+          </a:p>
+          <a:p>
+            <a:r>
+              <a:rPr lang="en-US" sz="1600" dirty="0"/>
+              <a:t>/home/pr/</a:t>
+            </a:r>
+            <a:r>
+              <a:rPr lang="en-US" sz="1600" dirty="0" err="1"/>
+              <a:t>venv</a:t>
+            </a:r>
+            <a:r>
+              <a:rPr lang="en-US" sz="1600" dirty="0"/>
+              <a:t>/lib/python3.11/site-packages/pandas/_libs/properties.cpython-311-x86_64-linux-gnu.so</a:t>
+            </a:r>
+          </a:p>
+          <a:p>
+            <a:r>
+              <a:rPr lang="en-US" sz="1600" dirty="0"/>
+              <a:t>/home/pr/</a:t>
+            </a:r>
+            <a:r>
+              <a:rPr lang="en-US" sz="1600" dirty="0" err="1"/>
+              <a:t>venv</a:t>
+            </a:r>
+            <a:r>
+              <a:rPr lang="en-US" sz="1600" dirty="0"/>
+              <a:t>/lib/python3.11/site-packages/pandas/_libs/</a:t>
+            </a:r>
+            <a:r>
+              <a:rPr lang="en-US" sz="1600" dirty="0" err="1"/>
+              <a:t>tslibs</a:t>
+            </a:r>
+            <a:r>
+              <a:rPr lang="en-US" sz="1600" dirty="0"/>
+              <a:t>/parsing.cpython-311-x86_64-linux-gnu.so</a:t>
+            </a:r>
+          </a:p>
+          <a:p>
+            <a:r>
+              <a:rPr lang="en-US" sz="1600" dirty="0"/>
+              <a:t>/home/pr/</a:t>
+            </a:r>
+            <a:r>
+              <a:rPr lang="en-US" sz="1600" dirty="0" err="1"/>
+              <a:t>venv</a:t>
+            </a:r>
+            <a:r>
+              <a:rPr lang="en-US" sz="1600" dirty="0"/>
+              <a:t>/lib/python3.11/site-packages/pandas/_libs/</a:t>
+            </a:r>
+            <a:r>
+              <a:rPr lang="en-US" sz="1600" dirty="0" err="1"/>
+              <a:t>tslibs</a:t>
+            </a:r>
+            <a:r>
+              <a:rPr lang="en-US" sz="1600" dirty="0"/>
+              <a:t>/strptime.cpython-311-x86_64-linux-gnu.so</a:t>
+            </a:r>
+          </a:p>
+          <a:p>
+            <a:r>
+              <a:rPr lang="en-US" sz="1600" dirty="0"/>
+              <a:t>/home/pr/</a:t>
+            </a:r>
+            <a:r>
+              <a:rPr lang="en-US" sz="1600" dirty="0" err="1"/>
+              <a:t>venv</a:t>
+            </a:r>
+            <a:r>
+              <a:rPr lang="en-US" sz="1600" dirty="0"/>
+              <a:t>/lib/python3.11/site-packages/pandas/_libs/</a:t>
+            </a:r>
+            <a:r>
+              <a:rPr lang="en-US" sz="1600" dirty="0" err="1"/>
+              <a:t>tslibs</a:t>
+            </a:r>
+            <a:r>
+              <a:rPr lang="en-US" sz="1600" dirty="0"/>
+              <a:t>/period.cpython-311-x86_64-linux-gnu.so</a:t>
+            </a:r>
+          </a:p>
+          <a:p>
+            <a:r>
+              <a:rPr lang="en-US" sz="1600" dirty="0"/>
+              <a:t>/home/pr/</a:t>
+            </a:r>
+            <a:r>
+              <a:rPr lang="en-US" sz="1600" dirty="0" err="1"/>
+              <a:t>venv</a:t>
+            </a:r>
+            <a:r>
+              <a:rPr lang="en-US" sz="1600" dirty="0"/>
+              <a:t>/lib/python3.11/site-packages/pandas/_libs/</a:t>
+            </a:r>
+            <a:r>
+              <a:rPr lang="en-US" sz="1600" dirty="0" err="1"/>
+              <a:t>tslibs</a:t>
+            </a:r>
+            <a:r>
+              <a:rPr lang="en-US" sz="1600" dirty="0"/>
+              <a:t>/vectorized.cpython-311-x86_64-linux-gnu.so</a:t>
+            </a:r>
+          </a:p>
+          <a:p>
+            <a:r>
+              <a:rPr lang="en-US" sz="1600" dirty="0"/>
+              <a:t>/home/pr/</a:t>
+            </a:r>
+            <a:r>
+              <a:rPr lang="en-US" sz="1600" dirty="0" err="1"/>
+              <a:t>venv</a:t>
+            </a:r>
+            <a:r>
+              <a:rPr lang="en-US" sz="1600" dirty="0"/>
+              <a:t>/lib/python3.11/site-packages/pandas/_libs/ops_dispatch.cpython-311-x86_64-linux-gnu.so</a:t>
+            </a:r>
+          </a:p>
+          <a:p>
+            <a:r>
+              <a:rPr lang="en-US" sz="1600" dirty="0"/>
+              <a:t>/home/pr/</a:t>
+            </a:r>
+            <a:r>
+              <a:rPr lang="en-US" sz="1600" dirty="0" err="1"/>
+              <a:t>venv</a:t>
+            </a:r>
+            <a:r>
+              <a:rPr lang="en-US" sz="1600" dirty="0"/>
+              <a:t>/lib/python3.11/site-packages/pandas/_libs/algos.cpython-311-x86_64-linux-gnu.so</a:t>
+            </a:r>
+          </a:p>
+          <a:p>
+            <a:r>
+              <a:rPr lang="en-US" sz="1600" dirty="0"/>
+              <a:t>/home/pr/</a:t>
+            </a:r>
+            <a:r>
+              <a:rPr lang="en-US" sz="1600" dirty="0" err="1"/>
+              <a:t>venv</a:t>
+            </a:r>
+            <a:r>
+              <a:rPr lang="en-US" sz="1600" dirty="0"/>
+              <a:t>/lib/python3.11/site-packages/pandas/_libs/lib.cpython-311-x86_64-linux-gnu.so</a:t>
+            </a:r>
+          </a:p>
+          <a:p>
+            <a:r>
+              <a:rPr lang="en-US" sz="1600" dirty="0"/>
+              <a:t>/home/pr/</a:t>
+            </a:r>
+            <a:r>
+              <a:rPr lang="en-US" sz="1600" dirty="0" err="1"/>
+              <a:t>venv</a:t>
+            </a:r>
+            <a:r>
+              <a:rPr lang="en-US" sz="1600" dirty="0"/>
+              <a:t>/lib/python3.11/site-packages/pandas/_libs/ops.cpython-311-x86_64-linux-gnu.so</a:t>
+            </a:r>
+          </a:p>
+          <a:p>
+            <a:r>
+              <a:rPr lang="en-US" sz="1600" dirty="0"/>
+              <a:t>/home/pr/</a:t>
+            </a:r>
+            <a:r>
+              <a:rPr lang="en-US" sz="1600" dirty="0" err="1"/>
+              <a:t>venv</a:t>
+            </a:r>
+            <a:r>
+              <a:rPr lang="en-US" sz="1600" dirty="0"/>
+              <a:t>/lib/python3.11/site-packages/pandas/_libs/arrays.cpython-311-x86_64-linux-gnu.so</a:t>
+            </a:r>
+          </a:p>
+          <a:p>
+            <a:r>
+              <a:rPr lang="en-US" sz="1600" dirty="0"/>
+              <a:t>/home/pr/</a:t>
+            </a:r>
+            <a:r>
+              <a:rPr lang="en-US" sz="1600" dirty="0" err="1"/>
+              <a:t>venv</a:t>
+            </a:r>
+            <a:r>
+              <a:rPr lang="en-US" sz="1600" dirty="0"/>
+              <a:t>/lib/python3.11/site-packages/pandas/_libs/tslib.cpython-311-x86_64-linux-gnu.so</a:t>
+            </a:r>
+          </a:p>
+          <a:p>
+            <a:r>
+              <a:rPr lang="en-US" sz="1600" dirty="0"/>
+              <a:t>/home/pr/</a:t>
+            </a:r>
+            <a:r>
+              <a:rPr lang="en-US" sz="1600" dirty="0" err="1"/>
+              <a:t>venv</a:t>
+            </a:r>
+            <a:r>
+              <a:rPr lang="en-US" sz="1600" dirty="0"/>
+              <a:t>/lib/python3.11/site-packages/pandas/_libs/sparse.cpython-311-x86_64-linux-gnu.so</a:t>
+            </a:r>
+          </a:p>
+          <a:p>
+            <a:r>
+              <a:rPr lang="en-US" sz="1600" dirty="0"/>
+              <a:t>/home/pr/</a:t>
+            </a:r>
+            <a:r>
+              <a:rPr lang="en-US" sz="1600" dirty="0" err="1"/>
+              <a:t>venv</a:t>
+            </a:r>
+            <a:r>
+              <a:rPr lang="en-US" sz="1600" dirty="0"/>
+              <a:t>/lib/python3.11/site-packages/pandas/_libs/indexing.cpython-311-x86_64-linux-gnu.so</a:t>
+            </a:r>
+          </a:p>
+          <a:p>
+            <a:r>
+              <a:rPr lang="en-US" sz="1600" dirty="0"/>
+              <a:t>/home/pr/</a:t>
+            </a:r>
+            <a:r>
+              <a:rPr lang="en-US" sz="1600" dirty="0" err="1"/>
+              <a:t>venv</a:t>
+            </a:r>
+            <a:r>
+              <a:rPr lang="en-US" sz="1600" dirty="0"/>
+              <a:t>/lib/python3.11/site-packages/pandas/_libs/index.cpython-311-x86_64-linux-gnu.so</a:t>
+            </a:r>
+          </a:p>
+          <a:p>
+            <a:r>
+              <a:rPr lang="en-US" sz="1600" dirty="0"/>
+              <a:t>/home/pr/</a:t>
+            </a:r>
+            <a:r>
+              <a:rPr lang="en-US" sz="1600" dirty="0" err="1"/>
+              <a:t>venv</a:t>
+            </a:r>
+            <a:r>
+              <a:rPr lang="en-US" sz="1600" dirty="0"/>
+              <a:t>/lib/python3.11/site-packages/pandas/_libs/internals.cpython-311-x86_64-linux-gnu.so</a:t>
+            </a:r>
+          </a:p>
+          <a:p>
+            <a:r>
+              <a:rPr lang="en-US" sz="1600" dirty="0"/>
+              <a:t>/home/pr/</a:t>
+            </a:r>
+            <a:r>
+              <a:rPr lang="en-US" sz="1600" dirty="0" err="1"/>
+              <a:t>venv</a:t>
+            </a:r>
+            <a:r>
+              <a:rPr lang="en-US" sz="1600" dirty="0"/>
+              <a:t>/lib/python3.11/site-packages/pandas/_libs/join.cpython-311-x86_64-linux-gnu.so</a:t>
+            </a:r>
+          </a:p>
+          <a:p>
+            <a:r>
+              <a:rPr lang="en-US" sz="1600" dirty="0"/>
+              <a:t>/home/pr/</a:t>
+            </a:r>
+            <a:r>
+              <a:rPr lang="en-US" sz="1600" dirty="0" err="1"/>
+              <a:t>venv</a:t>
+            </a:r>
+            <a:r>
+              <a:rPr lang="en-US" sz="1600" dirty="0"/>
+              <a:t>/lib/python3.11/site-packages/pandas/_libs/writers.cpython-311-x86_64-linux-gnu.so</a:t>
+            </a:r>
+          </a:p>
+          <a:p>
+            <a:r>
+              <a:rPr lang="en-US" sz="1600" dirty="0"/>
+              <a:t>/home/pr/</a:t>
+            </a:r>
+            <a:r>
+              <a:rPr lang="en-US" sz="1600" dirty="0" err="1"/>
+              <a:t>venv</a:t>
+            </a:r>
+            <a:r>
+              <a:rPr lang="en-US" sz="1600" dirty="0"/>
+              <a:t>/lib/python3.11/site-packages/pandas/_libs/window/aggregations.cpython-311-x86_64-linux-gnu.so</a:t>
+            </a:r>
+          </a:p>
+          <a:p>
+            <a:r>
+              <a:rPr lang="en-US" sz="1600" dirty="0"/>
+              <a:t>/home/pr/</a:t>
+            </a:r>
+            <a:r>
+              <a:rPr lang="en-US" sz="1600" dirty="0" err="1"/>
+              <a:t>venv</a:t>
+            </a:r>
+            <a:r>
+              <a:rPr lang="en-US" sz="1600" dirty="0"/>
+              <a:t>/lib/python3.11/site-packages/pandas/_libs/window/indexers.cpython-311-x86_64-linux-gnu.so</a:t>
+            </a:r>
+          </a:p>
+          <a:p>
+            <a:r>
+              <a:rPr lang="en-US" sz="1600" dirty="0"/>
+              <a:t>/home/pr/</a:t>
+            </a:r>
+            <a:r>
+              <a:rPr lang="en-US" sz="1600" dirty="0" err="1"/>
+              <a:t>venv</a:t>
+            </a:r>
+            <a:r>
+              <a:rPr lang="en-US" sz="1600" dirty="0"/>
+              <a:t>/lib/python3.11/site-packages/pandas/_libs/reshape.cpython-311-x86_64-linux-gnu.so</a:t>
+            </a:r>
+          </a:p>
+          <a:p>
+            <a:r>
+              <a:rPr lang="en-US" sz="1600" dirty="0"/>
+              <a:t>/home/pr/</a:t>
+            </a:r>
+            <a:r>
+              <a:rPr lang="en-US" sz="1600" dirty="0" err="1"/>
+              <a:t>venv</a:t>
+            </a:r>
+            <a:r>
+              <a:rPr lang="en-US" sz="1600" dirty="0"/>
+              <a:t>/lib/python3.11/site-packages/pandas/_libs/groupby.cpython-311-x86_64-linux-gnu.so</a:t>
+            </a:r>
+          </a:p>
+          <a:p>
+            <a:r>
+              <a:rPr lang="en-US" sz="1600" dirty="0"/>
+              <a:t>/home/pr/</a:t>
+            </a:r>
+            <a:r>
+              <a:rPr lang="en-US" sz="1600" dirty="0" err="1"/>
+              <a:t>venv</a:t>
+            </a:r>
+            <a:r>
+              <a:rPr lang="en-US" sz="1600" dirty="0"/>
+              <a:t>/lib/python3.11/site-packages/pandas/_libs/json.cpython-311-x86_64-linux-gnu.so</a:t>
+            </a:r>
+          </a:p>
+          <a:p>
+            <a:r>
+              <a:rPr lang="en-US" sz="1600" dirty="0"/>
+              <a:t>/home/pr/</a:t>
+            </a:r>
+            <a:r>
+              <a:rPr lang="en-US" sz="1600" dirty="0" err="1"/>
+              <a:t>venv</a:t>
+            </a:r>
+            <a:r>
+              <a:rPr lang="en-US" sz="1600" dirty="0"/>
+              <a:t>/lib/python3.11/site-packages/pandas/_libs/parsers.cpython-311-x86_64-linux-gnu.so</a:t>
+            </a:r>
+          </a:p>
+          <a:p>
+            <a:r>
+              <a:rPr lang="en-US" sz="1600" dirty="0"/>
+              <a:t>/home/pr/</a:t>
+            </a:r>
+            <a:r>
+              <a:rPr lang="en-US" sz="1600" dirty="0" err="1"/>
+              <a:t>venv</a:t>
+            </a:r>
+            <a:r>
+              <a:rPr lang="en-US" sz="1600" dirty="0"/>
+              <a:t>/lib/python3.11/site-packages/pandas/_libs/testing.cpython-311-x86_64-linux-gnu.so</a:t>
             </a:r>
           </a:p>
         </p:txBody>
